--- a/Courses/Software-Sciences/IT-Module-3-Web-Design/01-Websites/01-Websites.pptx
+++ b/Courses/Software-Sciences/IT-Module-3-Web-Design/01-Websites/01-Websites.pptx
@@ -354,7 +354,7 @@
           <a:p>
             <a:fld id="{4E087215-0C8F-4762-A664-737A353EC9A4}" type="datetimeFigureOut">
               <a:rPr lang="bg-BG" smtClean="0"/>
-              <a:t>13.10.25 г.</a:t>
+              <a:t>16.10.25 г.</a:t>
             </a:fld>
             <a:endParaRPr lang="bg-BG"/>
           </a:p>
@@ -550,7 +550,7 @@
           <a:p>
             <a:fld id="{72D84649-876A-46C9-8472-14CB09C070D8}" type="datetimeFigureOut">
               <a:rPr lang="en-US" smtClean="0"/>
-              <a:t>10/13/25</a:t>
+              <a:t>10/16/25</a:t>
             </a:fld>
             <a:endParaRPr lang="en-US"/>
           </a:p>
@@ -15002,7 +15002,7 @@
             </a:r>
             <a:r>
               <a:rPr lang="bg-BG" sz="3000" b="1" dirty="0"/>
-              <a:t>представя сайта</a:t>
+              <a:t>представя уеб сайта</a:t>
             </a:r>
           </a:p>
           <a:p>
@@ -26551,11 +26551,11 @@
   <p:clrMapOvr>
     <a:masterClrMapping/>
   </p:clrMapOvr>
-  <mc:AlternateContent xmlns:mc="http://schemas.openxmlformats.org/markup-compatibility/2006">
-    <mc:Choice xmlns:p14="http://schemas.microsoft.com/office/powerpoint/2010/main" Requires="p14">
+  <mc:AlternateContent xmlns:mc="http://schemas.openxmlformats.org/markup-compatibility/2006" xmlns:p14="http://schemas.microsoft.com/office/powerpoint/2010/main">
+    <mc:Choice Requires="p14">
       <p:transition spd="slow" p14:dur="2000" advClick="0" advTm="5000"/>
     </mc:Choice>
-    <mc:Fallback>
+    <mc:Fallback xmlns="">
       <p:transition spd="slow" advClick="0" advTm="5000"/>
     </mc:Fallback>
   </mc:AlternateContent>
@@ -29028,11 +29028,11 @@
   <p:clrMapOvr>
     <a:masterClrMapping/>
   </p:clrMapOvr>
-  <mc:AlternateContent xmlns:mc="http://schemas.openxmlformats.org/markup-compatibility/2006">
-    <mc:Choice xmlns:p14="http://schemas.microsoft.com/office/powerpoint/2010/main" Requires="p14">
+  <mc:AlternateContent xmlns:mc="http://schemas.openxmlformats.org/markup-compatibility/2006" xmlns:p14="http://schemas.microsoft.com/office/powerpoint/2010/main">
+    <mc:Choice Requires="p14">
       <p:transition spd="slow" p14:dur="2000" advClick="0" advTm="5000"/>
     </mc:Choice>
-    <mc:Fallback>
+    <mc:Fallback xmlns="">
       <p:transition spd="slow" advClick="0" advTm="5000"/>
     </mc:Fallback>
   </mc:AlternateContent>
@@ -30228,11 +30228,11 @@
   <p:clrMapOvr>
     <a:masterClrMapping/>
   </p:clrMapOvr>
-  <mc:AlternateContent xmlns:mc="http://schemas.openxmlformats.org/markup-compatibility/2006">
-    <mc:Choice xmlns:p14="http://schemas.microsoft.com/office/powerpoint/2010/main" Requires="p14">
+  <mc:AlternateContent xmlns:mc="http://schemas.openxmlformats.org/markup-compatibility/2006" xmlns:p14="http://schemas.microsoft.com/office/powerpoint/2010/main">
+    <mc:Choice Requires="p14">
       <p:transition spd="slow" p14:dur="2000" advClick="0" advTm="5000"/>
     </mc:Choice>
-    <mc:Fallback>
+    <mc:Fallback xmlns="">
       <p:transition spd="slow" advClick="0" advTm="5000"/>
     </mc:Fallback>
   </mc:AlternateContent>

--- a/Courses/Software-Sciences/IT-Module-3-Web-Design/01-Websites/01-Websites.pptx
+++ b/Courses/Software-Sciences/IT-Module-3-Web-Design/01-Websites/01-Websites.pptx
@@ -5,10 +5,10 @@
     <p:sldMasterId id="2147483675" r:id="rId1"/>
   </p:sldMasterIdLst>
   <p:notesMasterIdLst>
-    <p:notesMasterId r:id="rId41"/>
+    <p:notesMasterId r:id="rId42"/>
   </p:notesMasterIdLst>
   <p:handoutMasterIdLst>
-    <p:handoutMasterId r:id="rId42"/>
+    <p:handoutMasterId r:id="rId43"/>
   </p:handoutMasterIdLst>
   <p:sldIdLst>
     <p:sldId id="503" r:id="rId2"/>
@@ -19,37 +19,38 @@
     <p:sldId id="782" r:id="rId7"/>
     <p:sldId id="783" r:id="rId8"/>
     <p:sldId id="761" r:id="rId9"/>
-    <p:sldId id="762" r:id="rId10"/>
-    <p:sldId id="784" r:id="rId11"/>
-    <p:sldId id="763" r:id="rId12"/>
-    <p:sldId id="764" r:id="rId13"/>
-    <p:sldId id="785" r:id="rId14"/>
-    <p:sldId id="610" r:id="rId15"/>
-    <p:sldId id="774" r:id="rId16"/>
-    <p:sldId id="775" r:id="rId17"/>
-    <p:sldId id="776" r:id="rId18"/>
-    <p:sldId id="616" r:id="rId19"/>
-    <p:sldId id="620" r:id="rId20"/>
-    <p:sldId id="786" r:id="rId21"/>
-    <p:sldId id="790" r:id="rId22"/>
-    <p:sldId id="778" r:id="rId23"/>
-    <p:sldId id="787" r:id="rId24"/>
-    <p:sldId id="789" r:id="rId25"/>
-    <p:sldId id="780" r:id="rId26"/>
-    <p:sldId id="589" r:id="rId27"/>
-    <p:sldId id="590" r:id="rId28"/>
-    <p:sldId id="791" r:id="rId29"/>
-    <p:sldId id="608" r:id="rId30"/>
-    <p:sldId id="653" r:id="rId31"/>
-    <p:sldId id="788" r:id="rId32"/>
-    <p:sldId id="654" r:id="rId33"/>
-    <p:sldId id="795" r:id="rId34"/>
-    <p:sldId id="792" r:id="rId35"/>
-    <p:sldId id="793" r:id="rId36"/>
-    <p:sldId id="794" r:id="rId37"/>
-    <p:sldId id="633" r:id="rId38"/>
-    <p:sldId id="504" r:id="rId39"/>
-    <p:sldId id="505" r:id="rId40"/>
+    <p:sldId id="796" r:id="rId10"/>
+    <p:sldId id="762" r:id="rId11"/>
+    <p:sldId id="784" r:id="rId12"/>
+    <p:sldId id="763" r:id="rId13"/>
+    <p:sldId id="764" r:id="rId14"/>
+    <p:sldId id="785" r:id="rId15"/>
+    <p:sldId id="610" r:id="rId16"/>
+    <p:sldId id="774" r:id="rId17"/>
+    <p:sldId id="775" r:id="rId18"/>
+    <p:sldId id="776" r:id="rId19"/>
+    <p:sldId id="616" r:id="rId20"/>
+    <p:sldId id="620" r:id="rId21"/>
+    <p:sldId id="786" r:id="rId22"/>
+    <p:sldId id="790" r:id="rId23"/>
+    <p:sldId id="778" r:id="rId24"/>
+    <p:sldId id="787" r:id="rId25"/>
+    <p:sldId id="789" r:id="rId26"/>
+    <p:sldId id="780" r:id="rId27"/>
+    <p:sldId id="589" r:id="rId28"/>
+    <p:sldId id="590" r:id="rId29"/>
+    <p:sldId id="791" r:id="rId30"/>
+    <p:sldId id="608" r:id="rId31"/>
+    <p:sldId id="653" r:id="rId32"/>
+    <p:sldId id="788" r:id="rId33"/>
+    <p:sldId id="654" r:id="rId34"/>
+    <p:sldId id="795" r:id="rId35"/>
+    <p:sldId id="792" r:id="rId36"/>
+    <p:sldId id="793" r:id="rId37"/>
+    <p:sldId id="794" r:id="rId38"/>
+    <p:sldId id="633" r:id="rId39"/>
+    <p:sldId id="504" r:id="rId40"/>
+    <p:sldId id="505" r:id="rId41"/>
   </p:sldIdLst>
   <p:sldSz cx="12192000" cy="6858000"/>
   <p:notesSz cx="6858000" cy="9144000"/>
@@ -165,6 +166,7 @@
             <p14:sldId id="782"/>
             <p14:sldId id="783"/>
             <p14:sldId id="761"/>
+            <p14:sldId id="796"/>
             <p14:sldId id="762"/>
             <p14:sldId id="784"/>
             <p14:sldId id="763"/>
@@ -1150,7 +1152,7 @@
             <a:fld id="{3EBA5BD7-F043-4D1B-AA17-CD412FC534DE}" type="slidenum">
               <a:rPr lang="en-US" smtClean="0"/>
               <a:pPr/>
-              <a:t>19</a:t>
+              <a:t>20</a:t>
             </a:fld>
             <a:endParaRPr lang="en-US" dirty="0"/>
           </a:p>
@@ -1380,7 +1382,7 @@
             <a:fld id="{3EBA5BD7-F043-4D1B-AA17-CD412FC534DE}" type="slidenum">
               <a:rPr lang="en-US" smtClean="0"/>
               <a:pPr/>
-              <a:t>20</a:t>
+              <a:t>21</a:t>
             </a:fld>
             <a:endParaRPr lang="en-US" dirty="0"/>
           </a:p>
@@ -1610,7 +1612,7 @@
             <a:fld id="{3EBA5BD7-F043-4D1B-AA17-CD412FC534DE}" type="slidenum">
               <a:rPr lang="en-US" smtClean="0"/>
               <a:pPr/>
-              <a:t>21</a:t>
+              <a:t>22</a:t>
             </a:fld>
             <a:endParaRPr lang="en-US" dirty="0"/>
           </a:p>
@@ -1840,7 +1842,7 @@
             <a:fld id="{3EBA5BD7-F043-4D1B-AA17-CD412FC534DE}" type="slidenum">
               <a:rPr lang="en-US" smtClean="0"/>
               <a:pPr/>
-              <a:t>22</a:t>
+              <a:t>23</a:t>
             </a:fld>
             <a:endParaRPr lang="en-US" dirty="0"/>
           </a:p>
@@ -2070,7 +2072,7 @@
             <a:fld id="{3EBA5BD7-F043-4D1B-AA17-CD412FC534DE}" type="slidenum">
               <a:rPr lang="en-US" smtClean="0"/>
               <a:pPr/>
-              <a:t>23</a:t>
+              <a:t>24</a:t>
             </a:fld>
             <a:endParaRPr lang="en-US" dirty="0"/>
           </a:p>
@@ -2300,7 +2302,7 @@
             <a:fld id="{3EBA5BD7-F043-4D1B-AA17-CD412FC534DE}" type="slidenum">
               <a:rPr lang="en-US" smtClean="0"/>
               <a:pPr/>
-              <a:t>24</a:t>
+              <a:t>25</a:t>
             </a:fld>
             <a:endParaRPr lang="en-US" dirty="0"/>
           </a:p>
@@ -2530,7 +2532,7 @@
             <a:fld id="{3EBA5BD7-F043-4D1B-AA17-CD412FC534DE}" type="slidenum">
               <a:rPr lang="en-US" smtClean="0"/>
               <a:pPr/>
-              <a:t>25</a:t>
+              <a:t>26</a:t>
             </a:fld>
             <a:endParaRPr lang="en-US" dirty="0"/>
           </a:p>
@@ -2760,7 +2762,7 @@
             <a:fld id="{3EBA5BD7-F043-4D1B-AA17-CD412FC534DE}" type="slidenum">
               <a:rPr lang="en-US" smtClean="0"/>
               <a:pPr/>
-              <a:t>26</a:t>
+              <a:t>27</a:t>
             </a:fld>
             <a:endParaRPr lang="en-US" dirty="0"/>
           </a:p>
@@ -2990,7 +2992,7 @@
             <a:fld id="{3EBA5BD7-F043-4D1B-AA17-CD412FC534DE}" type="slidenum">
               <a:rPr lang="en-US" smtClean="0"/>
               <a:pPr/>
-              <a:t>27</a:t>
+              <a:t>28</a:t>
             </a:fld>
             <a:endParaRPr lang="en-US" dirty="0"/>
           </a:p>
@@ -3220,7 +3222,7 @@
             <a:fld id="{3EBA5BD7-F043-4D1B-AA17-CD412FC534DE}" type="slidenum">
               <a:rPr lang="en-US" smtClean="0"/>
               <a:pPr/>
-              <a:t>28</a:t>
+              <a:t>29</a:t>
             </a:fld>
             <a:endParaRPr lang="en-US" dirty="0"/>
           </a:p>
@@ -3692,7 +3694,7 @@
             <a:fld id="{3EBA5BD7-F043-4D1B-AA17-CD412FC534DE}" type="slidenum">
               <a:rPr lang="en-US" smtClean="0"/>
               <a:pPr/>
-              <a:t>29</a:t>
+              <a:t>30</a:t>
             </a:fld>
             <a:endParaRPr lang="en-US" dirty="0"/>
           </a:p>
@@ -3922,7 +3924,7 @@
             <a:fld id="{3EBA5BD7-F043-4D1B-AA17-CD412FC534DE}" type="slidenum">
               <a:rPr lang="en-US" smtClean="0"/>
               <a:pPr/>
-              <a:t>30</a:t>
+              <a:t>31</a:t>
             </a:fld>
             <a:endParaRPr lang="en-US" dirty="0"/>
           </a:p>
@@ -4152,7 +4154,7 @@
             <a:fld id="{3EBA5BD7-F043-4D1B-AA17-CD412FC534DE}" type="slidenum">
               <a:rPr lang="en-US" smtClean="0"/>
               <a:pPr/>
-              <a:t>31</a:t>
+              <a:t>32</a:t>
             </a:fld>
             <a:endParaRPr lang="en-US" dirty="0"/>
           </a:p>
@@ -4382,7 +4384,7 @@
             <a:fld id="{3EBA5BD7-F043-4D1B-AA17-CD412FC534DE}" type="slidenum">
               <a:rPr lang="en-US" smtClean="0"/>
               <a:pPr/>
-              <a:t>32</a:t>
+              <a:t>33</a:t>
             </a:fld>
             <a:endParaRPr lang="en-US" dirty="0"/>
           </a:p>
@@ -4612,7 +4614,7 @@
             <a:fld id="{3EBA5BD7-F043-4D1B-AA17-CD412FC534DE}" type="slidenum">
               <a:rPr lang="en-US" smtClean="0"/>
               <a:pPr/>
-              <a:t>33</a:t>
+              <a:t>34</a:t>
             </a:fld>
             <a:endParaRPr lang="en-US" dirty="0"/>
           </a:p>
@@ -4842,7 +4844,7 @@
             <a:fld id="{3EBA5BD7-F043-4D1B-AA17-CD412FC534DE}" type="slidenum">
               <a:rPr lang="en-US" smtClean="0"/>
               <a:pPr/>
-              <a:t>37</a:t>
+              <a:t>38</a:t>
             </a:fld>
             <a:endParaRPr lang="en-US" dirty="0"/>
           </a:p>
@@ -5088,7 +5090,7 @@
             <a:fld id="{3EBA5BD7-F043-4D1B-AA17-CD412FC534DE}" type="slidenum">
               <a:rPr lang="en-US" smtClean="0"/>
               <a:pPr/>
-              <a:t>38</a:t>
+              <a:t>39</a:t>
             </a:fld>
             <a:endParaRPr lang="en-US" dirty="0"/>
           </a:p>
@@ -5318,7 +5320,7 @@
             <a:fld id="{3EBA5BD7-F043-4D1B-AA17-CD412FC534DE}" type="slidenum">
               <a:rPr lang="en-US" smtClean="0"/>
               <a:pPr/>
-              <a:t>39</a:t>
+              <a:t>40</a:t>
             </a:fld>
             <a:endParaRPr lang="en-US" dirty="0"/>
           </a:p>
@@ -6008,7 +6010,7 @@
             <a:fld id="{3EBA5BD7-F043-4D1B-AA17-CD412FC534DE}" type="slidenum">
               <a:rPr lang="en-US" smtClean="0"/>
               <a:pPr/>
-              <a:t>14</a:t>
+              <a:t>15</a:t>
             </a:fld>
             <a:endParaRPr lang="en-US" dirty="0"/>
           </a:p>
@@ -6238,7 +6240,7 @@
             <a:fld id="{3EBA5BD7-F043-4D1B-AA17-CD412FC534DE}" type="slidenum">
               <a:rPr lang="en-US" smtClean="0"/>
               <a:pPr/>
-              <a:t>15</a:t>
+              <a:t>16</a:t>
             </a:fld>
             <a:endParaRPr lang="en-US" dirty="0"/>
           </a:p>
@@ -6468,7 +6470,7 @@
             <a:fld id="{3EBA5BD7-F043-4D1B-AA17-CD412FC534DE}" type="slidenum">
               <a:rPr lang="en-US" smtClean="0"/>
               <a:pPr/>
-              <a:t>16</a:t>
+              <a:t>17</a:t>
             </a:fld>
             <a:endParaRPr lang="en-US" dirty="0"/>
           </a:p>
@@ -6698,7 +6700,7 @@
             <a:fld id="{3EBA5BD7-F043-4D1B-AA17-CD412FC534DE}" type="slidenum">
               <a:rPr lang="en-US" smtClean="0"/>
               <a:pPr/>
-              <a:t>17</a:t>
+              <a:t>18</a:t>
             </a:fld>
             <a:endParaRPr lang="en-US" dirty="0"/>
           </a:p>
@@ -6928,7 +6930,7 @@
             <a:fld id="{3EBA5BD7-F043-4D1B-AA17-CD412FC534DE}" type="slidenum">
               <a:rPr lang="en-US" smtClean="0"/>
               <a:pPr/>
-              <a:t>18</a:t>
+              <a:t>19</a:t>
             </a:fld>
             <a:endParaRPr lang="en-US" dirty="0"/>
           </a:p>
@@ -12437,6 +12439,539 @@
             <p:ph type="body" sz="quarter" idx="10"/>
           </p:nvPr>
         </p:nvSpPr>
+        <p:spPr/>
+        <p:txBody>
+          <a:bodyPr>
+            <a:normAutofit/>
+          </a:bodyPr>
+          <a:lstStyle/>
+          <a:p>
+            <a:r>
+              <a:rPr lang="bg-BG" sz="3600" b="1" dirty="0">
+                <a:solidFill>
+                  <a:schemeClr val="bg1"/>
+                </a:solidFill>
+              </a:rPr>
+              <a:t>Планиране</a:t>
+            </a:r>
+          </a:p>
+          <a:p>
+            <a:pPr lvl="1"/>
+            <a:r>
+              <a:rPr lang="bg-BG" sz="3200" b="1" dirty="0"/>
+              <a:t>Определяне</a:t>
+            </a:r>
+            <a:r>
+              <a:rPr lang="bg-BG" sz="3200" dirty="0"/>
+              <a:t> на </a:t>
+            </a:r>
+            <a:r>
+              <a:rPr lang="bg-BG" sz="3200" b="1" dirty="0"/>
+              <a:t>целта</a:t>
+            </a:r>
+            <a:r>
+              <a:rPr lang="bg-BG" sz="3200" dirty="0"/>
+              <a:t> и </a:t>
+            </a:r>
+            <a:r>
+              <a:rPr lang="bg-BG" sz="3200" b="1" dirty="0"/>
+              <a:t>аудиторията</a:t>
+            </a:r>
+          </a:p>
+          <a:p>
+            <a:r>
+              <a:rPr lang="bg-BG" sz="3600" b="1" dirty="0">
+                <a:solidFill>
+                  <a:schemeClr val="bg1"/>
+                </a:solidFill>
+              </a:rPr>
+              <a:t>Проектиране и графичен дизайн</a:t>
+            </a:r>
+          </a:p>
+          <a:p>
+            <a:pPr lvl="1"/>
+            <a:r>
+              <a:rPr lang="bg-BG" sz="3200" b="1" dirty="0"/>
+              <a:t>Създаване</a:t>
+            </a:r>
+            <a:r>
+              <a:rPr lang="bg-BG" sz="3200" dirty="0"/>
+              <a:t> на </a:t>
+            </a:r>
+            <a:r>
+              <a:rPr lang="bg-BG" sz="3200" b="1" dirty="0"/>
+              <a:t>структура</a:t>
+            </a:r>
+            <a:r>
+              <a:rPr lang="bg-BG" sz="3200" dirty="0"/>
+              <a:t> и </a:t>
+            </a:r>
+            <a:r>
+              <a:rPr lang="bg-BG" sz="3200" b="1" dirty="0"/>
+              <a:t>дизайн</a:t>
+            </a:r>
+          </a:p>
+          <a:p>
+            <a:r>
+              <a:rPr lang="bg-BG" sz="3600" b="1" dirty="0">
+                <a:solidFill>
+                  <a:schemeClr val="bg1"/>
+                </a:solidFill>
+              </a:rPr>
+              <a:t>Изграждане</a:t>
+            </a:r>
+          </a:p>
+          <a:p>
+            <a:pPr lvl="1"/>
+            <a:r>
+              <a:rPr lang="bg-BG" sz="3200" b="1" dirty="0"/>
+              <a:t>Разработване</a:t>
+            </a:r>
+            <a:r>
+              <a:rPr lang="bg-BG" sz="3200" dirty="0"/>
+              <a:t> (</a:t>
+            </a:r>
+            <a:r>
+              <a:rPr lang="bg-BG" sz="3200" b="1" dirty="0"/>
+              <a:t>програмиране</a:t>
+            </a:r>
+            <a:r>
+              <a:rPr lang="en-US" sz="3200" dirty="0"/>
+              <a:t>) </a:t>
+            </a:r>
+            <a:r>
+              <a:rPr lang="bg-BG" sz="3200" dirty="0"/>
+              <a:t>на уеб сайта</a:t>
+            </a:r>
+          </a:p>
+        </p:txBody>
+      </p:sp>
+      <p:pic>
+        <p:nvPicPr>
+          <p:cNvPr id="8" name="Picture 7">
+            <a:extLst>
+              <a:ext uri="{FF2B5EF4-FFF2-40B4-BE49-F238E27FC236}">
+                <a16:creationId xmlns:a16="http://schemas.microsoft.com/office/drawing/2014/main" id="{4D0C6560-C229-143E-AB74-6F62D9B899CE}"/>
+              </a:ext>
+            </a:extLst>
+          </p:cNvPr>
+          <p:cNvPicPr>
+            <a:picLocks noChangeAspect="1"/>
+          </p:cNvPicPr>
+          <p:nvPr/>
+        </p:nvPicPr>
+        <p:blipFill>
+          <a:blip r:embed="rId2">
+            <a:extLst>
+              <a:ext uri="{28A0092B-C50C-407E-A947-70E740481C1C}">
+                <a14:useLocalDpi xmlns:a14="http://schemas.microsoft.com/office/drawing/2010/main" val="0"/>
+              </a:ext>
+            </a:extLst>
+          </a:blip>
+          <a:stretch>
+            <a:fillRect/>
+          </a:stretch>
+        </p:blipFill>
+        <p:spPr>
+          <a:xfrm>
+            <a:off x="8931000" y="1539000"/>
+            <a:ext cx="2583818" cy="4487684"/>
+          </a:xfrm>
+          <a:prstGeom prst="rect">
+            <a:avLst/>
+          </a:prstGeom>
+        </p:spPr>
+      </p:pic>
+    </p:spTree>
+    <p:extLst>
+      <p:ext uri="{BB962C8B-B14F-4D97-AF65-F5344CB8AC3E}">
+        <p14:creationId xmlns:p14="http://schemas.microsoft.com/office/powerpoint/2010/main" val="1620674740"/>
+      </p:ext>
+    </p:extLst>
+  </p:cSld>
+  <p:clrMapOvr>
+    <a:masterClrMapping/>
+  </p:clrMapOvr>
+  <mc:AlternateContent xmlns:mc="http://schemas.openxmlformats.org/markup-compatibility/2006" xmlns:p14="http://schemas.microsoft.com/office/powerpoint/2010/main">
+    <mc:Choice Requires="p14">
+      <p:transition spd="slow" p14:dur="2000" advClick="0" advTm="5000"/>
+    </mc:Choice>
+    <mc:Fallback xmlns="">
+      <p:transition spd="slow" advClick="0" advTm="5000"/>
+    </mc:Fallback>
+  </mc:AlternateContent>
+  <p:timing>
+    <p:tnLst>
+      <p:par>
+        <p:cTn id="1" dur="indefinite" restart="never" nodeType="tmRoot">
+          <p:childTnLst>
+            <p:seq concurrent="1" nextAc="seek">
+              <p:cTn id="2" dur="indefinite" nodeType="mainSeq">
+                <p:childTnLst>
+                  <p:par>
+                    <p:cTn id="3" fill="hold">
+                      <p:stCondLst>
+                        <p:cond delay="indefinite"/>
+                      </p:stCondLst>
+                      <p:childTnLst>
+                        <p:par>
+                          <p:cTn id="4" fill="hold">
+                            <p:stCondLst>
+                              <p:cond delay="0"/>
+                            </p:stCondLst>
+                            <p:childTnLst>
+                              <p:par>
+                                <p:cTn id="5" presetID="1" presetClass="entr" presetSubtype="0" fill="hold" nodeType="clickEffect">
+                                  <p:stCondLst>
+                                    <p:cond delay="0"/>
+                                  </p:stCondLst>
+                                  <p:childTnLst>
+                                    <p:set>
+                                      <p:cBhvr>
+                                        <p:cTn id="6" dur="1" fill="hold">
+                                          <p:stCondLst>
+                                            <p:cond delay="0"/>
+                                          </p:stCondLst>
+                                        </p:cTn>
+                                        <p:tgtEl>
+                                          <p:spTgt spid="7">
+                                            <p:txEl>
+                                              <p:pRg st="1" end="1"/>
+                                            </p:txEl>
+                                          </p:spTgt>
+                                        </p:tgtEl>
+                                        <p:attrNameLst>
+                                          <p:attrName>style.visibility</p:attrName>
+                                        </p:attrNameLst>
+                                      </p:cBhvr>
+                                      <p:to>
+                                        <p:strVal val="visible"/>
+                                      </p:to>
+                                    </p:set>
+                                  </p:childTnLst>
+                                </p:cTn>
+                              </p:par>
+                            </p:childTnLst>
+                          </p:cTn>
+                        </p:par>
+                      </p:childTnLst>
+                    </p:cTn>
+                  </p:par>
+                  <p:par>
+                    <p:cTn id="7" fill="hold">
+                      <p:stCondLst>
+                        <p:cond delay="indefinite"/>
+                      </p:stCondLst>
+                      <p:childTnLst>
+                        <p:par>
+                          <p:cTn id="8" fill="hold">
+                            <p:stCondLst>
+                              <p:cond delay="0"/>
+                            </p:stCondLst>
+                            <p:childTnLst>
+                              <p:par>
+                                <p:cTn id="9" presetID="1" presetClass="entr" presetSubtype="0" fill="hold" nodeType="clickEffect">
+                                  <p:stCondLst>
+                                    <p:cond delay="0"/>
+                                  </p:stCondLst>
+                                  <p:childTnLst>
+                                    <p:set>
+                                      <p:cBhvr>
+                                        <p:cTn id="10" dur="1" fill="hold">
+                                          <p:stCondLst>
+                                            <p:cond delay="0"/>
+                                          </p:stCondLst>
+                                        </p:cTn>
+                                        <p:tgtEl>
+                                          <p:spTgt spid="7">
+                                            <p:txEl>
+                                              <p:pRg st="2" end="2"/>
+                                            </p:txEl>
+                                          </p:spTgt>
+                                        </p:tgtEl>
+                                        <p:attrNameLst>
+                                          <p:attrName>style.visibility</p:attrName>
+                                        </p:attrNameLst>
+                                      </p:cBhvr>
+                                      <p:to>
+                                        <p:strVal val="visible"/>
+                                      </p:to>
+                                    </p:set>
+                                  </p:childTnLst>
+                                </p:cTn>
+                              </p:par>
+                            </p:childTnLst>
+                          </p:cTn>
+                        </p:par>
+                      </p:childTnLst>
+                    </p:cTn>
+                  </p:par>
+                  <p:par>
+                    <p:cTn id="11" fill="hold">
+                      <p:stCondLst>
+                        <p:cond delay="indefinite"/>
+                      </p:stCondLst>
+                      <p:childTnLst>
+                        <p:par>
+                          <p:cTn id="12" fill="hold">
+                            <p:stCondLst>
+                              <p:cond delay="0"/>
+                            </p:stCondLst>
+                            <p:childTnLst>
+                              <p:par>
+                                <p:cTn id="13" presetID="1" presetClass="entr" presetSubtype="0" fill="hold" nodeType="clickEffect">
+                                  <p:stCondLst>
+                                    <p:cond delay="0"/>
+                                  </p:stCondLst>
+                                  <p:childTnLst>
+                                    <p:set>
+                                      <p:cBhvr>
+                                        <p:cTn id="14" dur="1" fill="hold">
+                                          <p:stCondLst>
+                                            <p:cond delay="0"/>
+                                          </p:stCondLst>
+                                        </p:cTn>
+                                        <p:tgtEl>
+                                          <p:spTgt spid="7">
+                                            <p:txEl>
+                                              <p:pRg st="3" end="3"/>
+                                            </p:txEl>
+                                          </p:spTgt>
+                                        </p:tgtEl>
+                                        <p:attrNameLst>
+                                          <p:attrName>style.visibility</p:attrName>
+                                        </p:attrNameLst>
+                                      </p:cBhvr>
+                                      <p:to>
+                                        <p:strVal val="visible"/>
+                                      </p:to>
+                                    </p:set>
+                                  </p:childTnLst>
+                                </p:cTn>
+                              </p:par>
+                            </p:childTnLst>
+                          </p:cTn>
+                        </p:par>
+                      </p:childTnLst>
+                    </p:cTn>
+                  </p:par>
+                  <p:par>
+                    <p:cTn id="15" fill="hold">
+                      <p:stCondLst>
+                        <p:cond delay="indefinite"/>
+                      </p:stCondLst>
+                      <p:childTnLst>
+                        <p:par>
+                          <p:cTn id="16" fill="hold">
+                            <p:stCondLst>
+                              <p:cond delay="0"/>
+                            </p:stCondLst>
+                            <p:childTnLst>
+                              <p:par>
+                                <p:cTn id="17" presetID="1" presetClass="entr" presetSubtype="0" fill="hold" nodeType="clickEffect">
+                                  <p:stCondLst>
+                                    <p:cond delay="0"/>
+                                  </p:stCondLst>
+                                  <p:childTnLst>
+                                    <p:set>
+                                      <p:cBhvr>
+                                        <p:cTn id="18" dur="1" fill="hold">
+                                          <p:stCondLst>
+                                            <p:cond delay="0"/>
+                                          </p:stCondLst>
+                                        </p:cTn>
+                                        <p:tgtEl>
+                                          <p:spTgt spid="7">
+                                            <p:txEl>
+                                              <p:pRg st="4" end="4"/>
+                                            </p:txEl>
+                                          </p:spTgt>
+                                        </p:tgtEl>
+                                        <p:attrNameLst>
+                                          <p:attrName>style.visibility</p:attrName>
+                                        </p:attrNameLst>
+                                      </p:cBhvr>
+                                      <p:to>
+                                        <p:strVal val="visible"/>
+                                      </p:to>
+                                    </p:set>
+                                  </p:childTnLst>
+                                </p:cTn>
+                              </p:par>
+                            </p:childTnLst>
+                          </p:cTn>
+                        </p:par>
+                      </p:childTnLst>
+                    </p:cTn>
+                  </p:par>
+                  <p:par>
+                    <p:cTn id="19" fill="hold">
+                      <p:stCondLst>
+                        <p:cond delay="indefinite"/>
+                      </p:stCondLst>
+                      <p:childTnLst>
+                        <p:par>
+                          <p:cTn id="20" fill="hold">
+                            <p:stCondLst>
+                              <p:cond delay="0"/>
+                            </p:stCondLst>
+                            <p:childTnLst>
+                              <p:par>
+                                <p:cTn id="21" presetID="1" presetClass="entr" presetSubtype="0" fill="hold" nodeType="clickEffect">
+                                  <p:stCondLst>
+                                    <p:cond delay="0"/>
+                                  </p:stCondLst>
+                                  <p:childTnLst>
+                                    <p:set>
+                                      <p:cBhvr>
+                                        <p:cTn id="22" dur="1" fill="hold">
+                                          <p:stCondLst>
+                                            <p:cond delay="0"/>
+                                          </p:stCondLst>
+                                        </p:cTn>
+                                        <p:tgtEl>
+                                          <p:spTgt spid="7">
+                                            <p:txEl>
+                                              <p:pRg st="5" end="5"/>
+                                            </p:txEl>
+                                          </p:spTgt>
+                                        </p:tgtEl>
+                                        <p:attrNameLst>
+                                          <p:attrName>style.visibility</p:attrName>
+                                        </p:attrNameLst>
+                                      </p:cBhvr>
+                                      <p:to>
+                                        <p:strVal val="visible"/>
+                                      </p:to>
+                                    </p:set>
+                                  </p:childTnLst>
+                                </p:cTn>
+                              </p:par>
+                            </p:childTnLst>
+                          </p:cTn>
+                        </p:par>
+                      </p:childTnLst>
+                    </p:cTn>
+                  </p:par>
+                </p:childTnLst>
+              </p:cTn>
+              <p:prevCondLst>
+                <p:cond evt="onPrev" delay="0">
+                  <p:tgtEl>
+                    <p:sldTgt/>
+                  </p:tgtEl>
+                </p:cond>
+              </p:prevCondLst>
+              <p:nextCondLst>
+                <p:cond evt="onNext" delay="0">
+                  <p:tgtEl>
+                    <p:sldTgt/>
+                  </p:tgtEl>
+                </p:cond>
+              </p:nextCondLst>
+            </p:seq>
+          </p:childTnLst>
+        </p:cTn>
+      </p:par>
+    </p:tnLst>
+  </p:timing>
+</p:sld>
+</file>
+
+<file path=ppt/slides/slide11.xml><?xml version="1.0" encoding="utf-8"?>
+<p:sld xmlns:a="http://schemas.openxmlformats.org/drawingml/2006/main" xmlns:r="http://schemas.openxmlformats.org/officeDocument/2006/relationships" xmlns:p="http://schemas.openxmlformats.org/presentationml/2006/main">
+  <p:cSld>
+    <p:spTree>
+      <p:nvGrpSpPr>
+        <p:cNvPr id="1" name=""/>
+        <p:cNvGrpSpPr/>
+        <p:nvPr/>
+      </p:nvGrpSpPr>
+      <p:grpSpPr>
+        <a:xfrm>
+          <a:off x="0" y="0"/>
+          <a:ext cx="0" cy="0"/>
+          <a:chOff x="0" y="0"/>
+          <a:chExt cx="0" cy="0"/>
+        </a:xfrm>
+      </p:grpSpPr>
+      <p:sp>
+        <p:nvSpPr>
+          <p:cNvPr id="2" name="Slide Number Placeholder 1">
+            <a:extLst>
+              <a:ext uri="{FF2B5EF4-FFF2-40B4-BE49-F238E27FC236}">
+                <a16:creationId xmlns:a16="http://schemas.microsoft.com/office/drawing/2014/main" id="{CCAABC86-82E0-F099-701A-D4347B605385}"/>
+              </a:ext>
+            </a:extLst>
+          </p:cNvPr>
+          <p:cNvSpPr>
+            <a:spLocks noGrp="1"/>
+          </p:cNvSpPr>
+          <p:nvPr>
+            <p:ph type="sldNum" sz="quarter" idx="5"/>
+          </p:nvPr>
+        </p:nvSpPr>
+        <p:spPr/>
+        <p:txBody>
+          <a:bodyPr/>
+          <a:lstStyle/>
+          <a:p>
+            <a:fld id="{2BF067CD-8E6B-4360-9AA8-C5DF2A48A6D1}" type="slidenum">
+              <a:rPr lang="en-US" noProof="0" smtClean="0"/>
+              <a:pPr/>
+              <a:t>11</a:t>
+            </a:fld>
+            <a:endParaRPr lang="en-US" noProof="0" dirty="0"/>
+          </a:p>
+        </p:txBody>
+      </p:sp>
+      <p:sp>
+        <p:nvSpPr>
+          <p:cNvPr id="4" name="Title 3">
+            <a:extLst>
+              <a:ext uri="{FF2B5EF4-FFF2-40B4-BE49-F238E27FC236}">
+                <a16:creationId xmlns:a16="http://schemas.microsoft.com/office/drawing/2014/main" id="{67B6A643-676D-3506-B008-B24B36AA34F1}"/>
+              </a:ext>
+            </a:extLst>
+          </p:cNvPr>
+          <p:cNvSpPr>
+            <a:spLocks noGrp="1"/>
+          </p:cNvSpPr>
+          <p:nvPr>
+            <p:ph type="title"/>
+          </p:nvPr>
+        </p:nvSpPr>
+        <p:spPr/>
+        <p:txBody>
+          <a:bodyPr>
+            <a:normAutofit/>
+          </a:bodyPr>
+          <a:lstStyle/>
+          <a:p>
+            <a:r>
+              <a:rPr lang="bg-BG" dirty="0"/>
+              <a:t>Етапи при създаване на уеб сайт (3)</a:t>
+            </a:r>
+            <a:endParaRPr lang="en-BG" dirty="0"/>
+          </a:p>
+        </p:txBody>
+      </p:sp>
+      <p:sp>
+        <p:nvSpPr>
+          <p:cNvPr id="7" name="Text Placeholder 6">
+            <a:extLst>
+              <a:ext uri="{FF2B5EF4-FFF2-40B4-BE49-F238E27FC236}">
+                <a16:creationId xmlns:a16="http://schemas.microsoft.com/office/drawing/2014/main" id="{FBFEFCDD-E454-D1E7-D67F-EE67BB2A7ACE}"/>
+              </a:ext>
+            </a:extLst>
+          </p:cNvPr>
+          <p:cNvSpPr>
+            <a:spLocks noGrp="1"/>
+          </p:cNvSpPr>
+          <p:nvPr>
+            <p:ph type="body" sz="quarter" idx="10"/>
+          </p:nvPr>
+        </p:nvSpPr>
         <p:spPr>
           <a:xfrm>
             <a:off x="190402" y="1196125"/>
@@ -12886,7 +13421,7 @@
 </p:sld>
 </file>
 
-<file path=ppt/slides/slide11.xml><?xml version="1.0" encoding="utf-8"?>
+<file path=ppt/slides/slide12.xml><?xml version="1.0" encoding="utf-8"?>
 <p:sld xmlns:a="http://schemas.openxmlformats.org/drawingml/2006/main" xmlns:r="http://schemas.openxmlformats.org/officeDocument/2006/relationships" xmlns:p="http://schemas.openxmlformats.org/presentationml/2006/main">
   <p:cSld>
     <p:spTree>
@@ -12927,7 +13462,7 @@
             <a:fld id="{2BF067CD-8E6B-4360-9AA8-C5DF2A48A6D1}" type="slidenum">
               <a:rPr lang="en-US" noProof="0" smtClean="0"/>
               <a:pPr/>
-              <a:t>11</a:t>
+              <a:t>12</a:t>
             </a:fld>
             <a:endParaRPr lang="en-US" noProof="0" dirty="0"/>
           </a:p>
@@ -13645,7 +14180,7 @@
 </p:sld>
 </file>
 
-<file path=ppt/slides/slide12.xml><?xml version="1.0" encoding="utf-8"?>
+<file path=ppt/slides/slide13.xml><?xml version="1.0" encoding="utf-8"?>
 <p:sld xmlns:a="http://schemas.openxmlformats.org/drawingml/2006/main" xmlns:r="http://schemas.openxmlformats.org/officeDocument/2006/relationships" xmlns:p="http://schemas.openxmlformats.org/presentationml/2006/main">
   <p:cSld>
     <p:spTree>
@@ -13686,7 +14221,7 @@
             <a:fld id="{2BF067CD-8E6B-4360-9AA8-C5DF2A48A6D1}" type="slidenum">
               <a:rPr lang="en-US" noProof="0" smtClean="0"/>
               <a:pPr/>
-              <a:t>12</a:t>
+              <a:t>13</a:t>
             </a:fld>
             <a:endParaRPr lang="en-US" noProof="0" dirty="0"/>
           </a:p>
@@ -14078,7 +14613,7 @@
 </p:sld>
 </file>
 
-<file path=ppt/slides/slide13.xml><?xml version="1.0" encoding="utf-8"?>
+<file path=ppt/slides/slide14.xml><?xml version="1.0" encoding="utf-8"?>
 <p:sld xmlns:a="http://schemas.openxmlformats.org/drawingml/2006/main" xmlns:r="http://schemas.openxmlformats.org/officeDocument/2006/relationships" xmlns:p="http://schemas.openxmlformats.org/presentationml/2006/main">
   <p:cSld>
     <p:spTree>
@@ -14119,7 +14654,7 @@
             <a:fld id="{2BF067CD-8E6B-4360-9AA8-C5DF2A48A6D1}" type="slidenum">
               <a:rPr lang="en-US" noProof="0" smtClean="0"/>
               <a:pPr/>
-              <a:t>13</a:t>
+              <a:t>14</a:t>
             </a:fld>
             <a:endParaRPr lang="en-US" noProof="0" dirty="0"/>
           </a:p>
@@ -14432,7 +14967,7 @@
 </p:sld>
 </file>
 
-<file path=ppt/slides/slide14.xml><?xml version="1.0" encoding="utf-8"?>
+<file path=ppt/slides/slide15.xml><?xml version="1.0" encoding="utf-8"?>
 <p:sld xmlns:a="http://schemas.openxmlformats.org/drawingml/2006/main" xmlns:r="http://schemas.openxmlformats.org/officeDocument/2006/relationships" xmlns:p="http://schemas.openxmlformats.org/presentationml/2006/main">
   <p:cSld>
     <p:spTree>
@@ -14563,7 +15098,7 @@
 </p:sld>
 </file>
 
-<file path=ppt/slides/slide15.xml><?xml version="1.0" encoding="utf-8"?>
+<file path=ppt/slides/slide16.xml><?xml version="1.0" encoding="utf-8"?>
 <p:sld xmlns:a="http://schemas.openxmlformats.org/drawingml/2006/main" xmlns:r="http://schemas.openxmlformats.org/officeDocument/2006/relationships" xmlns:p="http://schemas.openxmlformats.org/presentationml/2006/main">
   <p:cSld>
     <p:spTree>
@@ -14613,7 +15148,7 @@
             <a:fld id="{2BF067CD-8E6B-4360-9AA8-C5DF2A48A6D1}" type="slidenum">
               <a:rPr lang="en-US" smtClean="0"/>
               <a:pPr/>
-              <a:t>15</a:t>
+              <a:t>16</a:t>
             </a:fld>
             <a:endParaRPr lang="en-US" dirty="0"/>
           </a:p>
@@ -14883,7 +15418,7 @@
 </p:sld>
 </file>
 
-<file path=ppt/slides/slide16.xml><?xml version="1.0" encoding="utf-8"?>
+<file path=ppt/slides/slide17.xml><?xml version="1.0" encoding="utf-8"?>
 <p:sld xmlns:a="http://schemas.openxmlformats.org/drawingml/2006/main" xmlns:r="http://schemas.openxmlformats.org/officeDocument/2006/relationships" xmlns:p="http://schemas.openxmlformats.org/presentationml/2006/main">
   <p:cSld>
     <p:spTree>
@@ -14933,7 +15468,7 @@
             <a:fld id="{2BF067CD-8E6B-4360-9AA8-C5DF2A48A6D1}" type="slidenum">
               <a:rPr lang="en-US" smtClean="0"/>
               <a:pPr/>
-              <a:t>16</a:t>
+              <a:t>17</a:t>
             </a:fld>
             <a:endParaRPr lang="en-US" dirty="0"/>
           </a:p>
@@ -15524,7 +16059,7 @@
 </p:sld>
 </file>
 
-<file path=ppt/slides/slide17.xml><?xml version="1.0" encoding="utf-8"?>
+<file path=ppt/slides/slide18.xml><?xml version="1.0" encoding="utf-8"?>
 <p:sld xmlns:a="http://schemas.openxmlformats.org/drawingml/2006/main" xmlns:r="http://schemas.openxmlformats.org/officeDocument/2006/relationships" xmlns:p="http://schemas.openxmlformats.org/presentationml/2006/main">
   <p:cSld>
     <p:spTree>
@@ -15574,7 +16109,7 @@
             <a:fld id="{2BF067CD-8E6B-4360-9AA8-C5DF2A48A6D1}" type="slidenum">
               <a:rPr lang="en-US" smtClean="0"/>
               <a:pPr/>
-              <a:t>17</a:t>
+              <a:t>18</a:t>
             </a:fld>
             <a:endParaRPr lang="en-US" dirty="0"/>
           </a:p>
@@ -16039,7 +16574,7 @@
 </p:sld>
 </file>
 
-<file path=ppt/slides/slide18.xml><?xml version="1.0" encoding="utf-8"?>
+<file path=ppt/slides/slide19.xml><?xml version="1.0" encoding="utf-8"?>
 <p:sld xmlns:a="http://schemas.openxmlformats.org/drawingml/2006/main" xmlns:r="http://schemas.openxmlformats.org/officeDocument/2006/relationships" xmlns:p="http://schemas.openxmlformats.org/presentationml/2006/main">
   <p:cSld>
     <p:spTree>
@@ -16170,924 +16705,6 @@
       <p:transition spd="slow" advClick="0" advTm="5000"/>
     </mc:Fallback>
   </mc:AlternateContent>
-</p:sld>
-</file>
-
-<file path=ppt/slides/slide19.xml><?xml version="1.0" encoding="utf-8"?>
-<p:sld xmlns:a="http://schemas.openxmlformats.org/drawingml/2006/main" xmlns:r="http://schemas.openxmlformats.org/officeDocument/2006/relationships" xmlns:p="http://schemas.openxmlformats.org/presentationml/2006/main">
-  <p:cSld>
-    <p:spTree>
-      <p:nvGrpSpPr>
-        <p:cNvPr id="1" name=""/>
-        <p:cNvGrpSpPr/>
-        <p:nvPr/>
-      </p:nvGrpSpPr>
-      <p:grpSpPr>
-        <a:xfrm>
-          <a:off x="0" y="0"/>
-          <a:ext cx="0" cy="0"/>
-          <a:chOff x="0" y="0"/>
-          <a:chExt cx="0" cy="0"/>
-        </a:xfrm>
-      </p:grpSpPr>
-      <p:sp>
-        <p:nvSpPr>
-          <p:cNvPr id="9" name="Slide Number">
-            <a:extLst>
-              <a:ext uri="{FF2B5EF4-FFF2-40B4-BE49-F238E27FC236}">
-                <a16:creationId xmlns:a16="http://schemas.microsoft.com/office/drawing/2014/main" id="{8891F045-A272-4231-985A-53063F832AC8}"/>
-              </a:ext>
-            </a:extLst>
-          </p:cNvPr>
-          <p:cNvSpPr>
-            <a:spLocks noGrp="1"/>
-          </p:cNvSpPr>
-          <p:nvPr>
-            <p:ph type="sldNum" sz="quarter" idx="5"/>
-          </p:nvPr>
-        </p:nvSpPr>
-        <p:spPr>
-          <a:xfrm>
-            <a:off x="11753030" y="6507000"/>
-            <a:ext cx="367414" cy="297000"/>
-          </a:xfrm>
-        </p:spPr>
-        <p:txBody>
-          <a:bodyPr vert="horz" lIns="91440" tIns="45720" rIns="91440" bIns="45720" rtlCol="0" anchor="b"/>
-          <a:lstStyle>
-            <a:lvl1pPr algn="r">
-              <a:defRPr sz="1000"/>
-            </a:lvl1pPr>
-          </a:lstStyle>
-          <a:p>
-            <a:fld id="{2BF067CD-8E6B-4360-9AA8-C5DF2A48A6D1}" type="slidenum">
-              <a:rPr lang="en-US" smtClean="0"/>
-              <a:pPr/>
-              <a:t>19</a:t>
-            </a:fld>
-            <a:endParaRPr lang="en-US" dirty="0"/>
-          </a:p>
-        </p:txBody>
-      </p:sp>
-      <p:sp>
-        <p:nvSpPr>
-          <p:cNvPr id="7" name="Slide Body Text">
-            <a:extLst>
-              <a:ext uri="{FF2B5EF4-FFF2-40B4-BE49-F238E27FC236}">
-                <a16:creationId xmlns:a16="http://schemas.microsoft.com/office/drawing/2014/main" id="{320B2856-CE5E-4934-BD1C-1D81E68E529A}"/>
-              </a:ext>
-            </a:extLst>
-          </p:cNvPr>
-          <p:cNvSpPr>
-            <a:spLocks noGrp="1"/>
-          </p:cNvSpPr>
-          <p:nvPr>
-            <p:ph type="body" sz="quarter" idx="10"/>
-          </p:nvPr>
-        </p:nvSpPr>
-        <p:spPr>
-          <a:xfrm>
-            <a:off x="190402" y="1196125"/>
-            <a:ext cx="11818096" cy="5528766"/>
-          </a:xfrm>
-        </p:spPr>
-        <p:txBody>
-          <a:bodyPr>
-            <a:normAutofit/>
-          </a:bodyPr>
-          <a:lstStyle/>
-          <a:p>
-            <a:pPr>
-              <a:buClr>
-                <a:schemeClr val="tx2"/>
-              </a:buClr>
-            </a:pPr>
-            <a:r>
-              <a:rPr lang="bg-BG" sz="3600" b="1" dirty="0">
-                <a:solidFill>
-                  <a:schemeClr val="bg1"/>
-                </a:solidFill>
-              </a:rPr>
-              <a:t>Уникалното име </a:t>
-            </a:r>
-            <a:r>
-              <a:rPr lang="bg-BG" sz="3600" dirty="0"/>
-              <a:t>на даден </a:t>
-            </a:r>
-            <a:r>
-              <a:rPr lang="bg-BG" sz="3600" b="1" dirty="0"/>
-              <a:t>уеб сайт</a:t>
-            </a:r>
-            <a:r>
-              <a:rPr lang="bg-BG" sz="3600" dirty="0"/>
-              <a:t> в </a:t>
-            </a:r>
-            <a:r>
-              <a:rPr lang="bg-BG" sz="3600" b="1" dirty="0"/>
-              <a:t>интернет</a:t>
-            </a:r>
-          </a:p>
-          <a:p>
-            <a:pPr>
-              <a:buClr>
-                <a:schemeClr val="tx2"/>
-              </a:buClr>
-            </a:pPr>
-            <a:r>
-              <a:rPr lang="bg-BG" sz="3600" b="1" dirty="0"/>
-              <a:t>Насочва</a:t>
-            </a:r>
-            <a:r>
-              <a:rPr lang="bg-BG" sz="3600" dirty="0"/>
-              <a:t> към </a:t>
-            </a:r>
-            <a:r>
-              <a:rPr lang="bg-BG" sz="3600" b="1" dirty="0">
-                <a:solidFill>
-                  <a:schemeClr val="bg1"/>
-                </a:solidFill>
-              </a:rPr>
-              <a:t>сървъра</a:t>
-            </a:r>
-            <a:r>
-              <a:rPr lang="bg-BG" sz="3600" dirty="0"/>
-              <a:t>, където е </a:t>
-            </a:r>
-            <a:r>
-              <a:rPr lang="bg-BG" sz="3600" b="1" dirty="0"/>
-              <a:t>уеб сайтът</a:t>
-            </a:r>
-          </a:p>
-          <a:p>
-            <a:pPr>
-              <a:buClr>
-                <a:schemeClr val="tx2"/>
-              </a:buClr>
-            </a:pPr>
-            <a:r>
-              <a:rPr lang="bg-BG" sz="3600" dirty="0"/>
-              <a:t>Служи като </a:t>
-            </a:r>
-            <a:r>
-              <a:rPr lang="bg-BG" sz="3600" b="1" dirty="0"/>
-              <a:t>лесен за запомняне адрес</a:t>
-            </a:r>
-          </a:p>
-          <a:p>
-            <a:pPr>
-              <a:buClr>
-                <a:schemeClr val="tx2"/>
-              </a:buClr>
-            </a:pPr>
-            <a:r>
-              <a:rPr lang="bg-BG" sz="3600" b="1" dirty="0"/>
-              <a:t>Пример</a:t>
-            </a:r>
-            <a:r>
-              <a:rPr lang="en-US" sz="3600" b="1" dirty="0"/>
-              <a:t>: </a:t>
-            </a:r>
-            <a:r>
-              <a:rPr lang="bg-BG" sz="3600" dirty="0"/>
-              <a:t>В </a:t>
-            </a:r>
-            <a:r>
-              <a:rPr lang="en-US" sz="3600" b="1" dirty="0">
-                <a:latin typeface="Consolas" panose="020B0609020204030204" pitchFamily="49" charset="0"/>
-                <a:cs typeface="Consolas" panose="020B0609020204030204" pitchFamily="49" charset="0"/>
-              </a:rPr>
-              <a:t>mon.bg</a:t>
-            </a:r>
-            <a:r>
-              <a:rPr lang="en-US" sz="3600" dirty="0"/>
-              <a:t>, </a:t>
-            </a:r>
-            <a:r>
-              <a:rPr lang="bg-BG" sz="3600" b="1" dirty="0"/>
-              <a:t>името</a:t>
-            </a:r>
-            <a:r>
-              <a:rPr lang="bg-BG" sz="3600" dirty="0"/>
-              <a:t> е </a:t>
-            </a:r>
-            <a:r>
-              <a:rPr lang="bg-BG" sz="3600" b="1" dirty="0">
-                <a:latin typeface="Consolas" panose="020B0609020204030204" pitchFamily="49" charset="0"/>
-                <a:cs typeface="Consolas" panose="020B0609020204030204" pitchFamily="49" charset="0"/>
-              </a:rPr>
-              <a:t>m</a:t>
-            </a:r>
-            <a:r>
-              <a:rPr lang="en-US" sz="3600" b="1" dirty="0">
-                <a:latin typeface="Consolas" panose="020B0609020204030204" pitchFamily="49" charset="0"/>
-                <a:cs typeface="Consolas" panose="020B0609020204030204" pitchFamily="49" charset="0"/>
-              </a:rPr>
-              <a:t>on</a:t>
-            </a:r>
-            <a:r>
-              <a:rPr lang="en-US" sz="3600" dirty="0"/>
-              <a:t>,</a:t>
-            </a:r>
-            <a:r>
-              <a:rPr lang="bg-BG" sz="3600" dirty="0"/>
-              <a:t> а </a:t>
-            </a:r>
-            <a:r>
-              <a:rPr lang="bg-BG" sz="3600" b="1" dirty="0">
-                <a:latin typeface="Consolas" panose="020B0609020204030204" pitchFamily="49" charset="0"/>
-                <a:cs typeface="Consolas" panose="020B0609020204030204" pitchFamily="49" charset="0"/>
-              </a:rPr>
-              <a:t>b</a:t>
-            </a:r>
-            <a:r>
-              <a:rPr lang="en-US" sz="3600" b="1" dirty="0">
-                <a:latin typeface="Consolas" panose="020B0609020204030204" pitchFamily="49" charset="0"/>
-                <a:cs typeface="Consolas" panose="020B0609020204030204" pitchFamily="49" charset="0"/>
-              </a:rPr>
-              <a:t>g</a:t>
-            </a:r>
-            <a:r>
-              <a:rPr lang="en-US" sz="3600" b="1" dirty="0">
-                <a:latin typeface="Calibri" panose="020F0502020204030204" pitchFamily="34" charset="0"/>
-                <a:cs typeface="Calibri" panose="020F0502020204030204" pitchFamily="34" charset="0"/>
-              </a:rPr>
-              <a:t> </a:t>
-            </a:r>
-            <a:r>
-              <a:rPr lang="bg-BG" sz="3600" dirty="0"/>
-              <a:t>е </a:t>
-            </a:r>
-            <a:r>
-              <a:rPr lang="bg-BG" sz="3600" b="1" dirty="0"/>
-              <a:t>разширението</a:t>
-            </a:r>
-          </a:p>
-          <a:p>
-            <a:pPr>
-              <a:buClr>
-                <a:schemeClr val="tx2"/>
-              </a:buClr>
-            </a:pPr>
-            <a:endParaRPr lang="bg-BG" sz="3600" b="1" dirty="0">
-              <a:highlight>
-                <a:srgbClr val="FFFF00"/>
-              </a:highlight>
-            </a:endParaRPr>
-          </a:p>
-          <a:p>
-            <a:pPr>
-              <a:buClr>
-                <a:schemeClr val="tx2"/>
-              </a:buClr>
-            </a:pPr>
-            <a:endParaRPr lang="bg-BG" sz="3600" b="1" dirty="0">
-              <a:highlight>
-                <a:srgbClr val="FFFF00"/>
-              </a:highlight>
-            </a:endParaRPr>
-          </a:p>
-        </p:txBody>
-      </p:sp>
-      <p:sp>
-        <p:nvSpPr>
-          <p:cNvPr id="4" name="Slide Title"/>
-          <p:cNvSpPr>
-            <a:spLocks noGrp="1"/>
-          </p:cNvSpPr>
-          <p:nvPr>
-            <p:ph type="title"/>
-          </p:nvPr>
-        </p:nvSpPr>
-        <p:spPr>
-          <a:xfrm>
-            <a:off x="190406" y="100750"/>
-            <a:ext cx="10270594" cy="882654"/>
-          </a:xfrm>
-        </p:spPr>
-        <p:txBody>
-          <a:bodyPr/>
-          <a:lstStyle/>
-          <a:p>
-            <a:r>
-              <a:rPr lang="bg-BG" dirty="0"/>
-              <a:t>Домейн (</a:t>
-            </a:r>
-            <a:r>
-              <a:rPr lang="en-US" dirty="0"/>
-              <a:t>Domain</a:t>
-            </a:r>
-            <a:r>
-              <a:rPr lang="bg-BG" dirty="0"/>
-              <a:t>)</a:t>
-            </a:r>
-            <a:endParaRPr lang="en-US" dirty="0"/>
-          </a:p>
-        </p:txBody>
-      </p:sp>
-      <p:sp>
-        <p:nvSpPr>
-          <p:cNvPr id="2" name="Rectangle 1">
-            <a:extLst>
-              <a:ext uri="{FF2B5EF4-FFF2-40B4-BE49-F238E27FC236}">
-                <a16:creationId xmlns:a16="http://schemas.microsoft.com/office/drawing/2014/main" id="{4E734FC3-E781-12E8-88C5-F296AA122F47}"/>
-              </a:ext>
-            </a:extLst>
-          </p:cNvPr>
-          <p:cNvSpPr>
-            <a:spLocks noChangeArrowheads="1"/>
-          </p:cNvSpPr>
-          <p:nvPr/>
-        </p:nvSpPr>
-        <p:spPr bwMode="auto">
-          <a:xfrm>
-            <a:off x="4479012" y="4585072"/>
-            <a:ext cx="2115002" cy="772107"/>
-          </a:xfrm>
-          <a:prstGeom prst="rect">
-            <a:avLst/>
-          </a:prstGeom>
-          <a:solidFill>
-            <a:schemeClr val="accent5">
-              <a:lumMod val="40000"/>
-              <a:lumOff val="60000"/>
-              <a:alpha val="20000"/>
-            </a:schemeClr>
-          </a:solidFill>
-          <a:ln w="12700">
-            <a:solidFill>
-              <a:schemeClr val="accent5">
-                <a:lumMod val="60000"/>
-                <a:lumOff val="40000"/>
-              </a:schemeClr>
-            </a:solidFill>
-          </a:ln>
-        </p:spPr>
-        <p:txBody>
-          <a:bodyPr vert="horz" wrap="square" lIns="144000" tIns="108000" rIns="144000" bIns="108000" rtlCol="0">
-            <a:spAutoFit/>
-          </a:bodyPr>
-          <a:lstStyle/>
-          <a:p>
-            <a:pPr algn="ctr">
-              <a:spcBef>
-                <a:spcPts val="600"/>
-              </a:spcBef>
-              <a:spcAft>
-                <a:spcPts val="600"/>
-              </a:spcAft>
-              <a:buClr>
-                <a:srgbClr val="F2B254"/>
-              </a:buClr>
-              <a:buSzPct val="100000"/>
-              <a:buFont typeface="Wingdings" panose="05000000000000000000" pitchFamily="2" charset="2"/>
-              <a:buNone/>
-            </a:pPr>
-            <a:r>
-              <a:rPr lang="en-US" sz="3600" b="1" dirty="0">
-                <a:latin typeface="Consolas" panose="020B0609020204030204" pitchFamily="49" charset="0"/>
-                <a:cs typeface="Consolas" panose="020B0609020204030204" pitchFamily="49" charset="0"/>
-              </a:rPr>
-              <a:t>mon</a:t>
-            </a:r>
-            <a:r>
-              <a:rPr lang="en-GB" sz="3600" b="1" dirty="0">
-                <a:latin typeface="Consolas" panose="020B0609020204030204" pitchFamily="49" charset="0"/>
-                <a:cs typeface="Consolas" panose="020B0609020204030204" pitchFamily="49" charset="0"/>
-              </a:rPr>
-              <a:t>.bg</a:t>
-            </a:r>
-            <a:endParaRPr lang="en-US" sz="3600" b="1" noProof="1">
-              <a:latin typeface="Consolas" panose="020B0609020204030204" pitchFamily="49" charset="0"/>
-              <a:cs typeface="Consolas" pitchFamily="49" charset="0"/>
-            </a:endParaRPr>
-          </a:p>
-        </p:txBody>
-      </p:sp>
-      <p:sp>
-        <p:nvSpPr>
-          <p:cNvPr id="3" name="Rounded Rectangular Callout 8">
-            <a:extLst>
-              <a:ext uri="{FF2B5EF4-FFF2-40B4-BE49-F238E27FC236}">
-                <a16:creationId xmlns:a16="http://schemas.microsoft.com/office/drawing/2014/main" id="{9E9175EA-2DF4-148E-70A1-A7A942D7195C}"/>
-              </a:ext>
-            </a:extLst>
-          </p:cNvPr>
-          <p:cNvSpPr/>
-          <p:nvPr/>
-        </p:nvSpPr>
-        <p:spPr bwMode="auto">
-          <a:xfrm>
-            <a:off x="4296001" y="5569900"/>
-            <a:ext cx="1270599" cy="649100"/>
-          </a:xfrm>
-          <a:prstGeom prst="wedgeRoundRectCallout">
-            <a:avLst>
-              <a:gd name="adj1" fmla="val 26106"/>
-              <a:gd name="adj2" fmla="val -110574"/>
-              <a:gd name="adj3" fmla="val 16667"/>
-            </a:avLst>
-          </a:prstGeom>
-          <a:solidFill>
-            <a:schemeClr val="dk2">
-              <a:alpha val="80000"/>
-            </a:schemeClr>
-          </a:solidFill>
-          <a:ln w="19050">
-            <a:solidFill>
-              <a:schemeClr val="tx1">
-                <a:lumMod val="75000"/>
-                <a:alpha val="80000"/>
-              </a:schemeClr>
-            </a:solidFill>
-          </a:ln>
-          <a:effectLst/>
-        </p:spPr>
-        <p:style>
-          <a:lnRef idx="2">
-            <a:schemeClr val="accent1">
-              <a:shade val="50000"/>
-            </a:schemeClr>
-          </a:lnRef>
-          <a:fillRef idx="1001">
-            <a:schemeClr val="dk2"/>
-          </a:fillRef>
-          <a:effectRef idx="0">
-            <a:schemeClr val="accent1"/>
-          </a:effectRef>
-          <a:fontRef idx="minor">
-            <a:schemeClr val="lt1"/>
-          </a:fontRef>
-        </p:style>
-        <p:txBody>
-          <a:bodyPr rot="0" spcFirstLastPara="0" vertOverflow="overflow" horzOverflow="overflow" vert="horz" wrap="square" lIns="91440" tIns="45720" rIns="91440" bIns="45720" numCol="1" spcCol="0" rtlCol="0" fromWordArt="0" anchor="ctr" anchorCtr="0" forceAA="0" compatLnSpc="1">
-            <a:prstTxWarp prst="textNoShape">
-              <a:avLst/>
-            </a:prstTxWarp>
-            <a:noAutofit/>
-          </a:bodyPr>
-          <a:lstStyle/>
-          <a:p>
-            <a:pPr algn="ctr"/>
-            <a:r>
-              <a:rPr lang="bg-BG" sz="2800" b="1" dirty="0">
-                <a:solidFill>
-                  <a:schemeClr val="bg2"/>
-                </a:solidFill>
-                <a:effectLst>
-                  <a:outerShdw blurRad="38100" dist="38100" dir="2700000" algn="tl">
-                    <a:srgbClr val="000000">
-                      <a:alpha val="43137"/>
-                    </a:srgbClr>
-                  </a:outerShdw>
-                </a:effectLst>
-              </a:rPr>
-              <a:t>Име</a:t>
-            </a:r>
-            <a:endParaRPr lang="en-BG" sz="2800" b="1" dirty="0">
-              <a:solidFill>
-                <a:schemeClr val="bg2"/>
-              </a:solidFill>
-              <a:effectLst>
-                <a:outerShdw blurRad="38100" dist="38100" dir="2700000" algn="tl">
-                  <a:srgbClr val="000000">
-                    <a:alpha val="43137"/>
-                  </a:srgbClr>
-                </a:outerShdw>
-              </a:effectLst>
-            </a:endParaRPr>
-          </a:p>
-        </p:txBody>
-      </p:sp>
-      <p:sp>
-        <p:nvSpPr>
-          <p:cNvPr id="5" name="Rounded Rectangular Callout 8">
-            <a:extLst>
-              <a:ext uri="{FF2B5EF4-FFF2-40B4-BE49-F238E27FC236}">
-                <a16:creationId xmlns:a16="http://schemas.microsoft.com/office/drawing/2014/main" id="{CE3177F2-27EF-8AAA-596B-2C2717C1009D}"/>
-              </a:ext>
-            </a:extLst>
-          </p:cNvPr>
-          <p:cNvSpPr/>
-          <p:nvPr/>
-        </p:nvSpPr>
-        <p:spPr bwMode="auto">
-          <a:xfrm>
-            <a:off x="6871256" y="4708079"/>
-            <a:ext cx="2430000" cy="649100"/>
-          </a:xfrm>
-          <a:prstGeom prst="wedgeRoundRectCallout">
-            <a:avLst>
-              <a:gd name="adj1" fmla="val -73588"/>
-              <a:gd name="adj2" fmla="val 1026"/>
-              <a:gd name="adj3" fmla="val 16667"/>
-            </a:avLst>
-          </a:prstGeom>
-          <a:solidFill>
-            <a:schemeClr val="dk2">
-              <a:alpha val="80000"/>
-            </a:schemeClr>
-          </a:solidFill>
-          <a:ln w="19050">
-            <a:solidFill>
-              <a:schemeClr val="tx1">
-                <a:lumMod val="75000"/>
-                <a:alpha val="80000"/>
-              </a:schemeClr>
-            </a:solidFill>
-          </a:ln>
-          <a:effectLst/>
-        </p:spPr>
-        <p:style>
-          <a:lnRef idx="2">
-            <a:schemeClr val="accent1">
-              <a:shade val="50000"/>
-            </a:schemeClr>
-          </a:lnRef>
-          <a:fillRef idx="1001">
-            <a:schemeClr val="dk2"/>
-          </a:fillRef>
-          <a:effectRef idx="0">
-            <a:schemeClr val="accent1"/>
-          </a:effectRef>
-          <a:fontRef idx="minor">
-            <a:schemeClr val="lt1"/>
-          </a:fontRef>
-        </p:style>
-        <p:txBody>
-          <a:bodyPr rot="0" spcFirstLastPara="0" vertOverflow="overflow" horzOverflow="overflow" vert="horz" wrap="square" lIns="91440" tIns="45720" rIns="91440" bIns="45720" numCol="1" spcCol="0" rtlCol="0" fromWordArt="0" anchor="ctr" anchorCtr="0" forceAA="0" compatLnSpc="1">
-            <a:prstTxWarp prst="textNoShape">
-              <a:avLst/>
-            </a:prstTxWarp>
-            <a:noAutofit/>
-          </a:bodyPr>
-          <a:lstStyle/>
-          <a:p>
-            <a:pPr algn="ctr"/>
-            <a:r>
-              <a:rPr lang="bg-BG" sz="2800" b="1" dirty="0">
-                <a:solidFill>
-                  <a:schemeClr val="bg2"/>
-                </a:solidFill>
-                <a:effectLst>
-                  <a:outerShdw blurRad="38100" dist="38100" dir="2700000" algn="tl">
-                    <a:srgbClr val="000000">
-                      <a:alpha val="43137"/>
-                    </a:srgbClr>
-                  </a:outerShdw>
-                </a:effectLst>
-              </a:rPr>
-              <a:t>Разширение</a:t>
-            </a:r>
-            <a:endParaRPr lang="en-BG" sz="2800" b="1" dirty="0">
-              <a:solidFill>
-                <a:schemeClr val="bg2"/>
-              </a:solidFill>
-              <a:effectLst>
-                <a:outerShdw blurRad="38100" dist="38100" dir="2700000" algn="tl">
-                  <a:srgbClr val="000000">
-                    <a:alpha val="43137"/>
-                  </a:srgbClr>
-                </a:outerShdw>
-              </a:effectLst>
-            </a:endParaRPr>
-          </a:p>
-        </p:txBody>
-      </p:sp>
-    </p:spTree>
-    <p:extLst>
-      <p:ext uri="{BB962C8B-B14F-4D97-AF65-F5344CB8AC3E}">
-        <p14:creationId xmlns:p14="http://schemas.microsoft.com/office/powerpoint/2010/main" val="1764002202"/>
-      </p:ext>
-    </p:extLst>
-  </p:cSld>
-  <p:clrMapOvr>
-    <a:masterClrMapping/>
-  </p:clrMapOvr>
-  <mc:AlternateContent xmlns:mc="http://schemas.openxmlformats.org/markup-compatibility/2006" xmlns:p14="http://schemas.microsoft.com/office/powerpoint/2010/main">
-    <mc:Choice Requires="p14">
-      <p:transition spd="slow" p14:dur="2000" advClick="0" advTm="5000"/>
-    </mc:Choice>
-    <mc:Fallback xmlns="">
-      <p:transition spd="slow" advClick="0" advTm="5000"/>
-    </mc:Fallback>
-  </mc:AlternateContent>
-  <p:timing>
-    <p:tnLst>
-      <p:par>
-        <p:cTn id="1" dur="indefinite" restart="never" nodeType="tmRoot">
-          <p:childTnLst>
-            <p:seq concurrent="1" nextAc="seek">
-              <p:cTn id="2" dur="indefinite" nodeType="mainSeq">
-                <p:childTnLst>
-                  <p:par>
-                    <p:cTn id="3" fill="hold">
-                      <p:stCondLst>
-                        <p:cond delay="indefinite"/>
-                      </p:stCondLst>
-                      <p:childTnLst>
-                        <p:par>
-                          <p:cTn id="4" fill="hold">
-                            <p:stCondLst>
-                              <p:cond delay="0"/>
-                            </p:stCondLst>
-                            <p:childTnLst>
-                              <p:par>
-                                <p:cTn id="5" presetID="1" presetClass="entr" presetSubtype="0" fill="hold" nodeType="clickEffect">
-                                  <p:stCondLst>
-                                    <p:cond delay="0"/>
-                                  </p:stCondLst>
-                                  <p:childTnLst>
-                                    <p:set>
-                                      <p:cBhvr>
-                                        <p:cTn id="6" dur="1" fill="hold">
-                                          <p:stCondLst>
-                                            <p:cond delay="0"/>
-                                          </p:stCondLst>
-                                        </p:cTn>
-                                        <p:tgtEl>
-                                          <p:spTgt spid="7">
-                                            <p:txEl>
-                                              <p:pRg st="1" end="1"/>
-                                            </p:txEl>
-                                          </p:spTgt>
-                                        </p:tgtEl>
-                                        <p:attrNameLst>
-                                          <p:attrName>style.visibility</p:attrName>
-                                        </p:attrNameLst>
-                                      </p:cBhvr>
-                                      <p:to>
-                                        <p:strVal val="visible"/>
-                                      </p:to>
-                                    </p:set>
-                                  </p:childTnLst>
-                                </p:cTn>
-                              </p:par>
-                            </p:childTnLst>
-                          </p:cTn>
-                        </p:par>
-                      </p:childTnLst>
-                    </p:cTn>
-                  </p:par>
-                  <p:par>
-                    <p:cTn id="7" fill="hold">
-                      <p:stCondLst>
-                        <p:cond delay="indefinite"/>
-                      </p:stCondLst>
-                      <p:childTnLst>
-                        <p:par>
-                          <p:cTn id="8" fill="hold">
-                            <p:stCondLst>
-                              <p:cond delay="0"/>
-                            </p:stCondLst>
-                            <p:childTnLst>
-                              <p:par>
-                                <p:cTn id="9" presetID="1" presetClass="entr" presetSubtype="0" fill="hold" nodeType="clickEffect">
-                                  <p:stCondLst>
-                                    <p:cond delay="0"/>
-                                  </p:stCondLst>
-                                  <p:childTnLst>
-                                    <p:set>
-                                      <p:cBhvr>
-                                        <p:cTn id="10" dur="1" fill="hold">
-                                          <p:stCondLst>
-                                            <p:cond delay="0"/>
-                                          </p:stCondLst>
-                                        </p:cTn>
-                                        <p:tgtEl>
-                                          <p:spTgt spid="7">
-                                            <p:txEl>
-                                              <p:pRg st="2" end="2"/>
-                                            </p:txEl>
-                                          </p:spTgt>
-                                        </p:tgtEl>
-                                        <p:attrNameLst>
-                                          <p:attrName>style.visibility</p:attrName>
-                                        </p:attrNameLst>
-                                      </p:cBhvr>
-                                      <p:to>
-                                        <p:strVal val="visible"/>
-                                      </p:to>
-                                    </p:set>
-                                  </p:childTnLst>
-                                </p:cTn>
-                              </p:par>
-                            </p:childTnLst>
-                          </p:cTn>
-                        </p:par>
-                      </p:childTnLst>
-                    </p:cTn>
-                  </p:par>
-                  <p:par>
-                    <p:cTn id="11" fill="hold">
-                      <p:stCondLst>
-                        <p:cond delay="indefinite"/>
-                      </p:stCondLst>
-                      <p:childTnLst>
-                        <p:par>
-                          <p:cTn id="12" fill="hold">
-                            <p:stCondLst>
-                              <p:cond delay="0"/>
-                            </p:stCondLst>
-                            <p:childTnLst>
-                              <p:par>
-                                <p:cTn id="13" presetID="1" presetClass="entr" presetSubtype="0" fill="hold" nodeType="clickEffect">
-                                  <p:stCondLst>
-                                    <p:cond delay="0"/>
-                                  </p:stCondLst>
-                                  <p:childTnLst>
-                                    <p:set>
-                                      <p:cBhvr>
-                                        <p:cTn id="14" dur="1" fill="hold">
-                                          <p:stCondLst>
-                                            <p:cond delay="0"/>
-                                          </p:stCondLst>
-                                        </p:cTn>
-                                        <p:tgtEl>
-                                          <p:spTgt spid="7">
-                                            <p:txEl>
-                                              <p:pRg st="3" end="3"/>
-                                            </p:txEl>
-                                          </p:spTgt>
-                                        </p:tgtEl>
-                                        <p:attrNameLst>
-                                          <p:attrName>style.visibility</p:attrName>
-                                        </p:attrNameLst>
-                                      </p:cBhvr>
-                                      <p:to>
-                                        <p:strVal val="visible"/>
-                                      </p:to>
-                                    </p:set>
-                                  </p:childTnLst>
-                                </p:cTn>
-                              </p:par>
-                            </p:childTnLst>
-                          </p:cTn>
-                        </p:par>
-                      </p:childTnLst>
-                    </p:cTn>
-                  </p:par>
-                  <p:par>
-                    <p:cTn id="15" fill="hold">
-                      <p:stCondLst>
-                        <p:cond delay="indefinite"/>
-                      </p:stCondLst>
-                      <p:childTnLst>
-                        <p:par>
-                          <p:cTn id="16" fill="hold">
-                            <p:stCondLst>
-                              <p:cond delay="0"/>
-                            </p:stCondLst>
-                            <p:childTnLst>
-                              <p:par>
-                                <p:cTn id="17" presetID="1" presetClass="entr" presetSubtype="0" fill="hold" grpId="0" nodeType="clickEffect">
-                                  <p:stCondLst>
-                                    <p:cond delay="0"/>
-                                  </p:stCondLst>
-                                  <p:childTnLst>
-                                    <p:set>
-                                      <p:cBhvr>
-                                        <p:cTn id="18" dur="1" fill="hold">
-                                          <p:stCondLst>
-                                            <p:cond delay="0"/>
-                                          </p:stCondLst>
-                                        </p:cTn>
-                                        <p:tgtEl>
-                                          <p:spTgt spid="2"/>
-                                        </p:tgtEl>
-                                        <p:attrNameLst>
-                                          <p:attrName>style.visibility</p:attrName>
-                                        </p:attrNameLst>
-                                      </p:cBhvr>
-                                      <p:to>
-                                        <p:strVal val="visible"/>
-                                      </p:to>
-                                    </p:set>
-                                  </p:childTnLst>
-                                </p:cTn>
-                              </p:par>
-                            </p:childTnLst>
-                          </p:cTn>
-                        </p:par>
-                      </p:childTnLst>
-                    </p:cTn>
-                  </p:par>
-                  <p:par>
-                    <p:cTn id="19" fill="hold">
-                      <p:stCondLst>
-                        <p:cond delay="indefinite"/>
-                      </p:stCondLst>
-                      <p:childTnLst>
-                        <p:par>
-                          <p:cTn id="20" fill="hold">
-                            <p:stCondLst>
-                              <p:cond delay="0"/>
-                            </p:stCondLst>
-                            <p:childTnLst>
-                              <p:par>
-                                <p:cTn id="21" presetID="1" presetClass="entr" presetSubtype="0" fill="hold" grpId="0" nodeType="clickEffect">
-                                  <p:stCondLst>
-                                    <p:cond delay="0"/>
-                                  </p:stCondLst>
-                                  <p:childTnLst>
-                                    <p:set>
-                                      <p:cBhvr>
-                                        <p:cTn id="22" dur="1" fill="hold">
-                                          <p:stCondLst>
-                                            <p:cond delay="0"/>
-                                          </p:stCondLst>
-                                        </p:cTn>
-                                        <p:tgtEl>
-                                          <p:spTgt spid="3"/>
-                                        </p:tgtEl>
-                                        <p:attrNameLst>
-                                          <p:attrName>style.visibility</p:attrName>
-                                        </p:attrNameLst>
-                                      </p:cBhvr>
-                                      <p:to>
-                                        <p:strVal val="visible"/>
-                                      </p:to>
-                                    </p:set>
-                                  </p:childTnLst>
-                                </p:cTn>
-                              </p:par>
-                            </p:childTnLst>
-                          </p:cTn>
-                        </p:par>
-                      </p:childTnLst>
-                    </p:cTn>
-                  </p:par>
-                  <p:par>
-                    <p:cTn id="23" fill="hold">
-                      <p:stCondLst>
-                        <p:cond delay="indefinite"/>
-                      </p:stCondLst>
-                      <p:childTnLst>
-                        <p:par>
-                          <p:cTn id="24" fill="hold">
-                            <p:stCondLst>
-                              <p:cond delay="0"/>
-                            </p:stCondLst>
-                            <p:childTnLst>
-                              <p:par>
-                                <p:cTn id="25" presetID="1" presetClass="entr" presetSubtype="0" fill="hold" grpId="0" nodeType="clickEffect">
-                                  <p:stCondLst>
-                                    <p:cond delay="0"/>
-                                  </p:stCondLst>
-                                  <p:childTnLst>
-                                    <p:set>
-                                      <p:cBhvr>
-                                        <p:cTn id="26" dur="1" fill="hold">
-                                          <p:stCondLst>
-                                            <p:cond delay="0"/>
-                                          </p:stCondLst>
-                                        </p:cTn>
-                                        <p:tgtEl>
-                                          <p:spTgt spid="5"/>
-                                        </p:tgtEl>
-                                        <p:attrNameLst>
-                                          <p:attrName>style.visibility</p:attrName>
-                                        </p:attrNameLst>
-                                      </p:cBhvr>
-                                      <p:to>
-                                        <p:strVal val="visible"/>
-                                      </p:to>
-                                    </p:set>
-                                  </p:childTnLst>
-                                </p:cTn>
-                              </p:par>
-                            </p:childTnLst>
-                          </p:cTn>
-                        </p:par>
-                      </p:childTnLst>
-                    </p:cTn>
-                  </p:par>
-                </p:childTnLst>
-              </p:cTn>
-              <p:prevCondLst>
-                <p:cond evt="onPrev" delay="0">
-                  <p:tgtEl>
-                    <p:sldTgt/>
-                  </p:tgtEl>
-                </p:cond>
-              </p:prevCondLst>
-              <p:nextCondLst>
-                <p:cond evt="onNext" delay="0">
-                  <p:tgtEl>
-                    <p:sldTgt/>
-                  </p:tgtEl>
-                </p:cond>
-              </p:nextCondLst>
-            </p:seq>
-          </p:childTnLst>
-        </p:cTn>
-      </p:par>
-    </p:tnLst>
-    <p:bldLst>
-      <p:bldP spid="2" grpId="0" animBg="1"/>
-      <p:bldP spid="3" grpId="0" animBg="1"/>
-      <p:bldP spid="5" grpId="0" animBg="1"/>
-    </p:bldLst>
-  </p:timing>
 </p:sld>
 </file>
 
@@ -18197,6 +17814,924 @@
               </a:buClr>
             </a:pPr>
             <a:r>
+              <a:rPr lang="bg-BG" sz="3600" b="1" dirty="0">
+                <a:solidFill>
+                  <a:schemeClr val="bg1"/>
+                </a:solidFill>
+              </a:rPr>
+              <a:t>Уникалното име </a:t>
+            </a:r>
+            <a:r>
+              <a:rPr lang="bg-BG" sz="3600" dirty="0"/>
+              <a:t>на даден </a:t>
+            </a:r>
+            <a:r>
+              <a:rPr lang="bg-BG" sz="3600" b="1" dirty="0"/>
+              <a:t>уеб сайт</a:t>
+            </a:r>
+            <a:r>
+              <a:rPr lang="bg-BG" sz="3600" dirty="0"/>
+              <a:t> в </a:t>
+            </a:r>
+            <a:r>
+              <a:rPr lang="bg-BG" sz="3600" b="1" dirty="0"/>
+              <a:t>интернет</a:t>
+            </a:r>
+          </a:p>
+          <a:p>
+            <a:pPr>
+              <a:buClr>
+                <a:schemeClr val="tx2"/>
+              </a:buClr>
+            </a:pPr>
+            <a:r>
+              <a:rPr lang="bg-BG" sz="3600" b="1" dirty="0"/>
+              <a:t>Насочва</a:t>
+            </a:r>
+            <a:r>
+              <a:rPr lang="bg-BG" sz="3600" dirty="0"/>
+              <a:t> към </a:t>
+            </a:r>
+            <a:r>
+              <a:rPr lang="bg-BG" sz="3600" b="1" dirty="0">
+                <a:solidFill>
+                  <a:schemeClr val="bg1"/>
+                </a:solidFill>
+              </a:rPr>
+              <a:t>сървъра</a:t>
+            </a:r>
+            <a:r>
+              <a:rPr lang="bg-BG" sz="3600" dirty="0"/>
+              <a:t>, където е </a:t>
+            </a:r>
+            <a:r>
+              <a:rPr lang="bg-BG" sz="3600" b="1" dirty="0"/>
+              <a:t>уеб сайтът</a:t>
+            </a:r>
+          </a:p>
+          <a:p>
+            <a:pPr>
+              <a:buClr>
+                <a:schemeClr val="tx2"/>
+              </a:buClr>
+            </a:pPr>
+            <a:r>
+              <a:rPr lang="bg-BG" sz="3600" dirty="0"/>
+              <a:t>Служи като </a:t>
+            </a:r>
+            <a:r>
+              <a:rPr lang="bg-BG" sz="3600" b="1" dirty="0"/>
+              <a:t>лесен за запомняне адрес</a:t>
+            </a:r>
+          </a:p>
+          <a:p>
+            <a:pPr>
+              <a:buClr>
+                <a:schemeClr val="tx2"/>
+              </a:buClr>
+            </a:pPr>
+            <a:r>
+              <a:rPr lang="bg-BG" sz="3600" b="1" dirty="0"/>
+              <a:t>Пример</a:t>
+            </a:r>
+            <a:r>
+              <a:rPr lang="en-US" sz="3600" b="1" dirty="0"/>
+              <a:t>: </a:t>
+            </a:r>
+            <a:r>
+              <a:rPr lang="bg-BG" sz="3600" dirty="0"/>
+              <a:t>В </a:t>
+            </a:r>
+            <a:r>
+              <a:rPr lang="en-US" sz="3600" b="1" dirty="0">
+                <a:latin typeface="Consolas" panose="020B0609020204030204" pitchFamily="49" charset="0"/>
+                <a:cs typeface="Consolas" panose="020B0609020204030204" pitchFamily="49" charset="0"/>
+              </a:rPr>
+              <a:t>mon.bg</a:t>
+            </a:r>
+            <a:r>
+              <a:rPr lang="en-US" sz="3600" dirty="0"/>
+              <a:t>, </a:t>
+            </a:r>
+            <a:r>
+              <a:rPr lang="bg-BG" sz="3600" b="1" dirty="0"/>
+              <a:t>името</a:t>
+            </a:r>
+            <a:r>
+              <a:rPr lang="bg-BG" sz="3600" dirty="0"/>
+              <a:t> е </a:t>
+            </a:r>
+            <a:r>
+              <a:rPr lang="bg-BG" sz="3600" b="1" dirty="0">
+                <a:latin typeface="Consolas" panose="020B0609020204030204" pitchFamily="49" charset="0"/>
+                <a:cs typeface="Consolas" panose="020B0609020204030204" pitchFamily="49" charset="0"/>
+              </a:rPr>
+              <a:t>m</a:t>
+            </a:r>
+            <a:r>
+              <a:rPr lang="en-US" sz="3600" b="1" dirty="0">
+                <a:latin typeface="Consolas" panose="020B0609020204030204" pitchFamily="49" charset="0"/>
+                <a:cs typeface="Consolas" panose="020B0609020204030204" pitchFamily="49" charset="0"/>
+              </a:rPr>
+              <a:t>on</a:t>
+            </a:r>
+            <a:r>
+              <a:rPr lang="en-US" sz="3600" dirty="0"/>
+              <a:t>,</a:t>
+            </a:r>
+            <a:r>
+              <a:rPr lang="bg-BG" sz="3600" dirty="0"/>
+              <a:t> а </a:t>
+            </a:r>
+            <a:r>
+              <a:rPr lang="bg-BG" sz="3600" b="1" dirty="0">
+                <a:latin typeface="Consolas" panose="020B0609020204030204" pitchFamily="49" charset="0"/>
+                <a:cs typeface="Consolas" panose="020B0609020204030204" pitchFamily="49" charset="0"/>
+              </a:rPr>
+              <a:t>b</a:t>
+            </a:r>
+            <a:r>
+              <a:rPr lang="en-US" sz="3600" b="1" dirty="0">
+                <a:latin typeface="Consolas" panose="020B0609020204030204" pitchFamily="49" charset="0"/>
+                <a:cs typeface="Consolas" panose="020B0609020204030204" pitchFamily="49" charset="0"/>
+              </a:rPr>
+              <a:t>g</a:t>
+            </a:r>
+            <a:r>
+              <a:rPr lang="en-US" sz="3600" b="1" dirty="0">
+                <a:latin typeface="Calibri" panose="020F0502020204030204" pitchFamily="34" charset="0"/>
+                <a:cs typeface="Calibri" panose="020F0502020204030204" pitchFamily="34" charset="0"/>
+              </a:rPr>
+              <a:t> </a:t>
+            </a:r>
+            <a:r>
+              <a:rPr lang="bg-BG" sz="3600" dirty="0"/>
+              <a:t>е </a:t>
+            </a:r>
+            <a:r>
+              <a:rPr lang="bg-BG" sz="3600" b="1" dirty="0"/>
+              <a:t>разширението</a:t>
+            </a:r>
+          </a:p>
+          <a:p>
+            <a:pPr>
+              <a:buClr>
+                <a:schemeClr val="tx2"/>
+              </a:buClr>
+            </a:pPr>
+            <a:endParaRPr lang="bg-BG" sz="3600" b="1" dirty="0">
+              <a:highlight>
+                <a:srgbClr val="FFFF00"/>
+              </a:highlight>
+            </a:endParaRPr>
+          </a:p>
+          <a:p>
+            <a:pPr>
+              <a:buClr>
+                <a:schemeClr val="tx2"/>
+              </a:buClr>
+            </a:pPr>
+            <a:endParaRPr lang="bg-BG" sz="3600" b="1" dirty="0">
+              <a:highlight>
+                <a:srgbClr val="FFFF00"/>
+              </a:highlight>
+            </a:endParaRPr>
+          </a:p>
+        </p:txBody>
+      </p:sp>
+      <p:sp>
+        <p:nvSpPr>
+          <p:cNvPr id="4" name="Slide Title"/>
+          <p:cNvSpPr>
+            <a:spLocks noGrp="1"/>
+          </p:cNvSpPr>
+          <p:nvPr>
+            <p:ph type="title"/>
+          </p:nvPr>
+        </p:nvSpPr>
+        <p:spPr>
+          <a:xfrm>
+            <a:off x="190406" y="100750"/>
+            <a:ext cx="10270594" cy="882654"/>
+          </a:xfrm>
+        </p:spPr>
+        <p:txBody>
+          <a:bodyPr/>
+          <a:lstStyle/>
+          <a:p>
+            <a:r>
+              <a:rPr lang="bg-BG" dirty="0"/>
+              <a:t>Домейн (</a:t>
+            </a:r>
+            <a:r>
+              <a:rPr lang="en-US" dirty="0"/>
+              <a:t>Domain</a:t>
+            </a:r>
+            <a:r>
+              <a:rPr lang="bg-BG" dirty="0"/>
+              <a:t>)</a:t>
+            </a:r>
+            <a:endParaRPr lang="en-US" dirty="0"/>
+          </a:p>
+        </p:txBody>
+      </p:sp>
+      <p:sp>
+        <p:nvSpPr>
+          <p:cNvPr id="2" name="Rectangle 1">
+            <a:extLst>
+              <a:ext uri="{FF2B5EF4-FFF2-40B4-BE49-F238E27FC236}">
+                <a16:creationId xmlns:a16="http://schemas.microsoft.com/office/drawing/2014/main" id="{4E734FC3-E781-12E8-88C5-F296AA122F47}"/>
+              </a:ext>
+            </a:extLst>
+          </p:cNvPr>
+          <p:cNvSpPr>
+            <a:spLocks noChangeArrowheads="1"/>
+          </p:cNvSpPr>
+          <p:nvPr/>
+        </p:nvSpPr>
+        <p:spPr bwMode="auto">
+          <a:xfrm>
+            <a:off x="4479012" y="4585072"/>
+            <a:ext cx="2115002" cy="772107"/>
+          </a:xfrm>
+          <a:prstGeom prst="rect">
+            <a:avLst/>
+          </a:prstGeom>
+          <a:solidFill>
+            <a:schemeClr val="accent5">
+              <a:lumMod val="40000"/>
+              <a:lumOff val="60000"/>
+              <a:alpha val="20000"/>
+            </a:schemeClr>
+          </a:solidFill>
+          <a:ln w="12700">
+            <a:solidFill>
+              <a:schemeClr val="accent5">
+                <a:lumMod val="60000"/>
+                <a:lumOff val="40000"/>
+              </a:schemeClr>
+            </a:solidFill>
+          </a:ln>
+        </p:spPr>
+        <p:txBody>
+          <a:bodyPr vert="horz" wrap="square" lIns="144000" tIns="108000" rIns="144000" bIns="108000" rtlCol="0">
+            <a:spAutoFit/>
+          </a:bodyPr>
+          <a:lstStyle/>
+          <a:p>
+            <a:pPr algn="ctr">
+              <a:spcBef>
+                <a:spcPts val="600"/>
+              </a:spcBef>
+              <a:spcAft>
+                <a:spcPts val="600"/>
+              </a:spcAft>
+              <a:buClr>
+                <a:srgbClr val="F2B254"/>
+              </a:buClr>
+              <a:buSzPct val="100000"/>
+              <a:buFont typeface="Wingdings" panose="05000000000000000000" pitchFamily="2" charset="2"/>
+              <a:buNone/>
+            </a:pPr>
+            <a:r>
+              <a:rPr lang="en-US" sz="3600" b="1" dirty="0">
+                <a:latin typeface="Consolas" panose="020B0609020204030204" pitchFamily="49" charset="0"/>
+                <a:cs typeface="Consolas" panose="020B0609020204030204" pitchFamily="49" charset="0"/>
+              </a:rPr>
+              <a:t>mon</a:t>
+            </a:r>
+            <a:r>
+              <a:rPr lang="en-GB" sz="3600" b="1" dirty="0">
+                <a:latin typeface="Consolas" panose="020B0609020204030204" pitchFamily="49" charset="0"/>
+                <a:cs typeface="Consolas" panose="020B0609020204030204" pitchFamily="49" charset="0"/>
+              </a:rPr>
+              <a:t>.bg</a:t>
+            </a:r>
+            <a:endParaRPr lang="en-US" sz="3600" b="1" noProof="1">
+              <a:latin typeface="Consolas" panose="020B0609020204030204" pitchFamily="49" charset="0"/>
+              <a:cs typeface="Consolas" pitchFamily="49" charset="0"/>
+            </a:endParaRPr>
+          </a:p>
+        </p:txBody>
+      </p:sp>
+      <p:sp>
+        <p:nvSpPr>
+          <p:cNvPr id="3" name="Rounded Rectangular Callout 8">
+            <a:extLst>
+              <a:ext uri="{FF2B5EF4-FFF2-40B4-BE49-F238E27FC236}">
+                <a16:creationId xmlns:a16="http://schemas.microsoft.com/office/drawing/2014/main" id="{9E9175EA-2DF4-148E-70A1-A7A942D7195C}"/>
+              </a:ext>
+            </a:extLst>
+          </p:cNvPr>
+          <p:cNvSpPr/>
+          <p:nvPr/>
+        </p:nvSpPr>
+        <p:spPr bwMode="auto">
+          <a:xfrm>
+            <a:off x="4296001" y="5569900"/>
+            <a:ext cx="1270599" cy="649100"/>
+          </a:xfrm>
+          <a:prstGeom prst="wedgeRoundRectCallout">
+            <a:avLst>
+              <a:gd name="adj1" fmla="val 26106"/>
+              <a:gd name="adj2" fmla="val -110574"/>
+              <a:gd name="adj3" fmla="val 16667"/>
+            </a:avLst>
+          </a:prstGeom>
+          <a:solidFill>
+            <a:schemeClr val="dk2">
+              <a:alpha val="80000"/>
+            </a:schemeClr>
+          </a:solidFill>
+          <a:ln w="19050">
+            <a:solidFill>
+              <a:schemeClr val="tx1">
+                <a:lumMod val="75000"/>
+                <a:alpha val="80000"/>
+              </a:schemeClr>
+            </a:solidFill>
+          </a:ln>
+          <a:effectLst/>
+        </p:spPr>
+        <p:style>
+          <a:lnRef idx="2">
+            <a:schemeClr val="accent1">
+              <a:shade val="50000"/>
+            </a:schemeClr>
+          </a:lnRef>
+          <a:fillRef idx="1001">
+            <a:schemeClr val="dk2"/>
+          </a:fillRef>
+          <a:effectRef idx="0">
+            <a:schemeClr val="accent1"/>
+          </a:effectRef>
+          <a:fontRef idx="minor">
+            <a:schemeClr val="lt1"/>
+          </a:fontRef>
+        </p:style>
+        <p:txBody>
+          <a:bodyPr rot="0" spcFirstLastPara="0" vertOverflow="overflow" horzOverflow="overflow" vert="horz" wrap="square" lIns="91440" tIns="45720" rIns="91440" bIns="45720" numCol="1" spcCol="0" rtlCol="0" fromWordArt="0" anchor="ctr" anchorCtr="0" forceAA="0" compatLnSpc="1">
+            <a:prstTxWarp prst="textNoShape">
+              <a:avLst/>
+            </a:prstTxWarp>
+            <a:noAutofit/>
+          </a:bodyPr>
+          <a:lstStyle/>
+          <a:p>
+            <a:pPr algn="ctr"/>
+            <a:r>
+              <a:rPr lang="bg-BG" sz="2800" b="1" dirty="0">
+                <a:solidFill>
+                  <a:schemeClr val="bg2"/>
+                </a:solidFill>
+                <a:effectLst>
+                  <a:outerShdw blurRad="38100" dist="38100" dir="2700000" algn="tl">
+                    <a:srgbClr val="000000">
+                      <a:alpha val="43137"/>
+                    </a:srgbClr>
+                  </a:outerShdw>
+                </a:effectLst>
+              </a:rPr>
+              <a:t>Име</a:t>
+            </a:r>
+            <a:endParaRPr lang="en-BG" sz="2800" b="1" dirty="0">
+              <a:solidFill>
+                <a:schemeClr val="bg2"/>
+              </a:solidFill>
+              <a:effectLst>
+                <a:outerShdw blurRad="38100" dist="38100" dir="2700000" algn="tl">
+                  <a:srgbClr val="000000">
+                    <a:alpha val="43137"/>
+                  </a:srgbClr>
+                </a:outerShdw>
+              </a:effectLst>
+            </a:endParaRPr>
+          </a:p>
+        </p:txBody>
+      </p:sp>
+      <p:sp>
+        <p:nvSpPr>
+          <p:cNvPr id="5" name="Rounded Rectangular Callout 8">
+            <a:extLst>
+              <a:ext uri="{FF2B5EF4-FFF2-40B4-BE49-F238E27FC236}">
+                <a16:creationId xmlns:a16="http://schemas.microsoft.com/office/drawing/2014/main" id="{CE3177F2-27EF-8AAA-596B-2C2717C1009D}"/>
+              </a:ext>
+            </a:extLst>
+          </p:cNvPr>
+          <p:cNvSpPr/>
+          <p:nvPr/>
+        </p:nvSpPr>
+        <p:spPr bwMode="auto">
+          <a:xfrm>
+            <a:off x="6871256" y="4708079"/>
+            <a:ext cx="2430000" cy="649100"/>
+          </a:xfrm>
+          <a:prstGeom prst="wedgeRoundRectCallout">
+            <a:avLst>
+              <a:gd name="adj1" fmla="val -73588"/>
+              <a:gd name="adj2" fmla="val 1026"/>
+              <a:gd name="adj3" fmla="val 16667"/>
+            </a:avLst>
+          </a:prstGeom>
+          <a:solidFill>
+            <a:schemeClr val="dk2">
+              <a:alpha val="80000"/>
+            </a:schemeClr>
+          </a:solidFill>
+          <a:ln w="19050">
+            <a:solidFill>
+              <a:schemeClr val="tx1">
+                <a:lumMod val="75000"/>
+                <a:alpha val="80000"/>
+              </a:schemeClr>
+            </a:solidFill>
+          </a:ln>
+          <a:effectLst/>
+        </p:spPr>
+        <p:style>
+          <a:lnRef idx="2">
+            <a:schemeClr val="accent1">
+              <a:shade val="50000"/>
+            </a:schemeClr>
+          </a:lnRef>
+          <a:fillRef idx="1001">
+            <a:schemeClr val="dk2"/>
+          </a:fillRef>
+          <a:effectRef idx="0">
+            <a:schemeClr val="accent1"/>
+          </a:effectRef>
+          <a:fontRef idx="minor">
+            <a:schemeClr val="lt1"/>
+          </a:fontRef>
+        </p:style>
+        <p:txBody>
+          <a:bodyPr rot="0" spcFirstLastPara="0" vertOverflow="overflow" horzOverflow="overflow" vert="horz" wrap="square" lIns="91440" tIns="45720" rIns="91440" bIns="45720" numCol="1" spcCol="0" rtlCol="0" fromWordArt="0" anchor="ctr" anchorCtr="0" forceAA="0" compatLnSpc="1">
+            <a:prstTxWarp prst="textNoShape">
+              <a:avLst/>
+            </a:prstTxWarp>
+            <a:noAutofit/>
+          </a:bodyPr>
+          <a:lstStyle/>
+          <a:p>
+            <a:pPr algn="ctr"/>
+            <a:r>
+              <a:rPr lang="bg-BG" sz="2800" b="1" dirty="0">
+                <a:solidFill>
+                  <a:schemeClr val="bg2"/>
+                </a:solidFill>
+                <a:effectLst>
+                  <a:outerShdw blurRad="38100" dist="38100" dir="2700000" algn="tl">
+                    <a:srgbClr val="000000">
+                      <a:alpha val="43137"/>
+                    </a:srgbClr>
+                  </a:outerShdw>
+                </a:effectLst>
+              </a:rPr>
+              <a:t>Разширение</a:t>
+            </a:r>
+            <a:endParaRPr lang="en-BG" sz="2800" b="1" dirty="0">
+              <a:solidFill>
+                <a:schemeClr val="bg2"/>
+              </a:solidFill>
+              <a:effectLst>
+                <a:outerShdw blurRad="38100" dist="38100" dir="2700000" algn="tl">
+                  <a:srgbClr val="000000">
+                    <a:alpha val="43137"/>
+                  </a:srgbClr>
+                </a:outerShdw>
+              </a:effectLst>
+            </a:endParaRPr>
+          </a:p>
+        </p:txBody>
+      </p:sp>
+    </p:spTree>
+    <p:extLst>
+      <p:ext uri="{BB962C8B-B14F-4D97-AF65-F5344CB8AC3E}">
+        <p14:creationId xmlns:p14="http://schemas.microsoft.com/office/powerpoint/2010/main" val="1764002202"/>
+      </p:ext>
+    </p:extLst>
+  </p:cSld>
+  <p:clrMapOvr>
+    <a:masterClrMapping/>
+  </p:clrMapOvr>
+  <mc:AlternateContent xmlns:mc="http://schemas.openxmlformats.org/markup-compatibility/2006" xmlns:p14="http://schemas.microsoft.com/office/powerpoint/2010/main">
+    <mc:Choice Requires="p14">
+      <p:transition spd="slow" p14:dur="2000" advClick="0" advTm="5000"/>
+    </mc:Choice>
+    <mc:Fallback xmlns="">
+      <p:transition spd="slow" advClick="0" advTm="5000"/>
+    </mc:Fallback>
+  </mc:AlternateContent>
+  <p:timing>
+    <p:tnLst>
+      <p:par>
+        <p:cTn id="1" dur="indefinite" restart="never" nodeType="tmRoot">
+          <p:childTnLst>
+            <p:seq concurrent="1" nextAc="seek">
+              <p:cTn id="2" dur="indefinite" nodeType="mainSeq">
+                <p:childTnLst>
+                  <p:par>
+                    <p:cTn id="3" fill="hold">
+                      <p:stCondLst>
+                        <p:cond delay="indefinite"/>
+                      </p:stCondLst>
+                      <p:childTnLst>
+                        <p:par>
+                          <p:cTn id="4" fill="hold">
+                            <p:stCondLst>
+                              <p:cond delay="0"/>
+                            </p:stCondLst>
+                            <p:childTnLst>
+                              <p:par>
+                                <p:cTn id="5" presetID="1" presetClass="entr" presetSubtype="0" fill="hold" nodeType="clickEffect">
+                                  <p:stCondLst>
+                                    <p:cond delay="0"/>
+                                  </p:stCondLst>
+                                  <p:childTnLst>
+                                    <p:set>
+                                      <p:cBhvr>
+                                        <p:cTn id="6" dur="1" fill="hold">
+                                          <p:stCondLst>
+                                            <p:cond delay="0"/>
+                                          </p:stCondLst>
+                                        </p:cTn>
+                                        <p:tgtEl>
+                                          <p:spTgt spid="7">
+                                            <p:txEl>
+                                              <p:pRg st="1" end="1"/>
+                                            </p:txEl>
+                                          </p:spTgt>
+                                        </p:tgtEl>
+                                        <p:attrNameLst>
+                                          <p:attrName>style.visibility</p:attrName>
+                                        </p:attrNameLst>
+                                      </p:cBhvr>
+                                      <p:to>
+                                        <p:strVal val="visible"/>
+                                      </p:to>
+                                    </p:set>
+                                  </p:childTnLst>
+                                </p:cTn>
+                              </p:par>
+                            </p:childTnLst>
+                          </p:cTn>
+                        </p:par>
+                      </p:childTnLst>
+                    </p:cTn>
+                  </p:par>
+                  <p:par>
+                    <p:cTn id="7" fill="hold">
+                      <p:stCondLst>
+                        <p:cond delay="indefinite"/>
+                      </p:stCondLst>
+                      <p:childTnLst>
+                        <p:par>
+                          <p:cTn id="8" fill="hold">
+                            <p:stCondLst>
+                              <p:cond delay="0"/>
+                            </p:stCondLst>
+                            <p:childTnLst>
+                              <p:par>
+                                <p:cTn id="9" presetID="1" presetClass="entr" presetSubtype="0" fill="hold" nodeType="clickEffect">
+                                  <p:stCondLst>
+                                    <p:cond delay="0"/>
+                                  </p:stCondLst>
+                                  <p:childTnLst>
+                                    <p:set>
+                                      <p:cBhvr>
+                                        <p:cTn id="10" dur="1" fill="hold">
+                                          <p:stCondLst>
+                                            <p:cond delay="0"/>
+                                          </p:stCondLst>
+                                        </p:cTn>
+                                        <p:tgtEl>
+                                          <p:spTgt spid="7">
+                                            <p:txEl>
+                                              <p:pRg st="2" end="2"/>
+                                            </p:txEl>
+                                          </p:spTgt>
+                                        </p:tgtEl>
+                                        <p:attrNameLst>
+                                          <p:attrName>style.visibility</p:attrName>
+                                        </p:attrNameLst>
+                                      </p:cBhvr>
+                                      <p:to>
+                                        <p:strVal val="visible"/>
+                                      </p:to>
+                                    </p:set>
+                                  </p:childTnLst>
+                                </p:cTn>
+                              </p:par>
+                            </p:childTnLst>
+                          </p:cTn>
+                        </p:par>
+                      </p:childTnLst>
+                    </p:cTn>
+                  </p:par>
+                  <p:par>
+                    <p:cTn id="11" fill="hold">
+                      <p:stCondLst>
+                        <p:cond delay="indefinite"/>
+                      </p:stCondLst>
+                      <p:childTnLst>
+                        <p:par>
+                          <p:cTn id="12" fill="hold">
+                            <p:stCondLst>
+                              <p:cond delay="0"/>
+                            </p:stCondLst>
+                            <p:childTnLst>
+                              <p:par>
+                                <p:cTn id="13" presetID="1" presetClass="entr" presetSubtype="0" fill="hold" nodeType="clickEffect">
+                                  <p:stCondLst>
+                                    <p:cond delay="0"/>
+                                  </p:stCondLst>
+                                  <p:childTnLst>
+                                    <p:set>
+                                      <p:cBhvr>
+                                        <p:cTn id="14" dur="1" fill="hold">
+                                          <p:stCondLst>
+                                            <p:cond delay="0"/>
+                                          </p:stCondLst>
+                                        </p:cTn>
+                                        <p:tgtEl>
+                                          <p:spTgt spid="7">
+                                            <p:txEl>
+                                              <p:pRg st="3" end="3"/>
+                                            </p:txEl>
+                                          </p:spTgt>
+                                        </p:tgtEl>
+                                        <p:attrNameLst>
+                                          <p:attrName>style.visibility</p:attrName>
+                                        </p:attrNameLst>
+                                      </p:cBhvr>
+                                      <p:to>
+                                        <p:strVal val="visible"/>
+                                      </p:to>
+                                    </p:set>
+                                  </p:childTnLst>
+                                </p:cTn>
+                              </p:par>
+                            </p:childTnLst>
+                          </p:cTn>
+                        </p:par>
+                      </p:childTnLst>
+                    </p:cTn>
+                  </p:par>
+                  <p:par>
+                    <p:cTn id="15" fill="hold">
+                      <p:stCondLst>
+                        <p:cond delay="indefinite"/>
+                      </p:stCondLst>
+                      <p:childTnLst>
+                        <p:par>
+                          <p:cTn id="16" fill="hold">
+                            <p:stCondLst>
+                              <p:cond delay="0"/>
+                            </p:stCondLst>
+                            <p:childTnLst>
+                              <p:par>
+                                <p:cTn id="17" presetID="1" presetClass="entr" presetSubtype="0" fill="hold" grpId="0" nodeType="clickEffect">
+                                  <p:stCondLst>
+                                    <p:cond delay="0"/>
+                                  </p:stCondLst>
+                                  <p:childTnLst>
+                                    <p:set>
+                                      <p:cBhvr>
+                                        <p:cTn id="18" dur="1" fill="hold">
+                                          <p:stCondLst>
+                                            <p:cond delay="0"/>
+                                          </p:stCondLst>
+                                        </p:cTn>
+                                        <p:tgtEl>
+                                          <p:spTgt spid="2"/>
+                                        </p:tgtEl>
+                                        <p:attrNameLst>
+                                          <p:attrName>style.visibility</p:attrName>
+                                        </p:attrNameLst>
+                                      </p:cBhvr>
+                                      <p:to>
+                                        <p:strVal val="visible"/>
+                                      </p:to>
+                                    </p:set>
+                                  </p:childTnLst>
+                                </p:cTn>
+                              </p:par>
+                            </p:childTnLst>
+                          </p:cTn>
+                        </p:par>
+                      </p:childTnLst>
+                    </p:cTn>
+                  </p:par>
+                  <p:par>
+                    <p:cTn id="19" fill="hold">
+                      <p:stCondLst>
+                        <p:cond delay="indefinite"/>
+                      </p:stCondLst>
+                      <p:childTnLst>
+                        <p:par>
+                          <p:cTn id="20" fill="hold">
+                            <p:stCondLst>
+                              <p:cond delay="0"/>
+                            </p:stCondLst>
+                            <p:childTnLst>
+                              <p:par>
+                                <p:cTn id="21" presetID="1" presetClass="entr" presetSubtype="0" fill="hold" grpId="0" nodeType="clickEffect">
+                                  <p:stCondLst>
+                                    <p:cond delay="0"/>
+                                  </p:stCondLst>
+                                  <p:childTnLst>
+                                    <p:set>
+                                      <p:cBhvr>
+                                        <p:cTn id="22" dur="1" fill="hold">
+                                          <p:stCondLst>
+                                            <p:cond delay="0"/>
+                                          </p:stCondLst>
+                                        </p:cTn>
+                                        <p:tgtEl>
+                                          <p:spTgt spid="3"/>
+                                        </p:tgtEl>
+                                        <p:attrNameLst>
+                                          <p:attrName>style.visibility</p:attrName>
+                                        </p:attrNameLst>
+                                      </p:cBhvr>
+                                      <p:to>
+                                        <p:strVal val="visible"/>
+                                      </p:to>
+                                    </p:set>
+                                  </p:childTnLst>
+                                </p:cTn>
+                              </p:par>
+                            </p:childTnLst>
+                          </p:cTn>
+                        </p:par>
+                      </p:childTnLst>
+                    </p:cTn>
+                  </p:par>
+                  <p:par>
+                    <p:cTn id="23" fill="hold">
+                      <p:stCondLst>
+                        <p:cond delay="indefinite"/>
+                      </p:stCondLst>
+                      <p:childTnLst>
+                        <p:par>
+                          <p:cTn id="24" fill="hold">
+                            <p:stCondLst>
+                              <p:cond delay="0"/>
+                            </p:stCondLst>
+                            <p:childTnLst>
+                              <p:par>
+                                <p:cTn id="25" presetID="1" presetClass="entr" presetSubtype="0" fill="hold" grpId="0" nodeType="clickEffect">
+                                  <p:stCondLst>
+                                    <p:cond delay="0"/>
+                                  </p:stCondLst>
+                                  <p:childTnLst>
+                                    <p:set>
+                                      <p:cBhvr>
+                                        <p:cTn id="26" dur="1" fill="hold">
+                                          <p:stCondLst>
+                                            <p:cond delay="0"/>
+                                          </p:stCondLst>
+                                        </p:cTn>
+                                        <p:tgtEl>
+                                          <p:spTgt spid="5"/>
+                                        </p:tgtEl>
+                                        <p:attrNameLst>
+                                          <p:attrName>style.visibility</p:attrName>
+                                        </p:attrNameLst>
+                                      </p:cBhvr>
+                                      <p:to>
+                                        <p:strVal val="visible"/>
+                                      </p:to>
+                                    </p:set>
+                                  </p:childTnLst>
+                                </p:cTn>
+                              </p:par>
+                            </p:childTnLst>
+                          </p:cTn>
+                        </p:par>
+                      </p:childTnLst>
+                    </p:cTn>
+                  </p:par>
+                </p:childTnLst>
+              </p:cTn>
+              <p:prevCondLst>
+                <p:cond evt="onPrev" delay="0">
+                  <p:tgtEl>
+                    <p:sldTgt/>
+                  </p:tgtEl>
+                </p:cond>
+              </p:prevCondLst>
+              <p:nextCondLst>
+                <p:cond evt="onNext" delay="0">
+                  <p:tgtEl>
+                    <p:sldTgt/>
+                  </p:tgtEl>
+                </p:cond>
+              </p:nextCondLst>
+            </p:seq>
+          </p:childTnLst>
+        </p:cTn>
+      </p:par>
+    </p:tnLst>
+    <p:bldLst>
+      <p:bldP spid="2" grpId="0" animBg="1"/>
+      <p:bldP spid="3" grpId="0" animBg="1"/>
+      <p:bldP spid="5" grpId="0" animBg="1"/>
+    </p:bldLst>
+  </p:timing>
+</p:sld>
+</file>
+
+<file path=ppt/slides/slide21.xml><?xml version="1.0" encoding="utf-8"?>
+<p:sld xmlns:a="http://schemas.openxmlformats.org/drawingml/2006/main" xmlns:r="http://schemas.openxmlformats.org/officeDocument/2006/relationships" xmlns:p="http://schemas.openxmlformats.org/presentationml/2006/main">
+  <p:cSld>
+    <p:spTree>
+      <p:nvGrpSpPr>
+        <p:cNvPr id="1" name=""/>
+        <p:cNvGrpSpPr/>
+        <p:nvPr/>
+      </p:nvGrpSpPr>
+      <p:grpSpPr>
+        <a:xfrm>
+          <a:off x="0" y="0"/>
+          <a:ext cx="0" cy="0"/>
+          <a:chOff x="0" y="0"/>
+          <a:chExt cx="0" cy="0"/>
+        </a:xfrm>
+      </p:grpSpPr>
+      <p:sp>
+        <p:nvSpPr>
+          <p:cNvPr id="9" name="Slide Number">
+            <a:extLst>
+              <a:ext uri="{FF2B5EF4-FFF2-40B4-BE49-F238E27FC236}">
+                <a16:creationId xmlns:a16="http://schemas.microsoft.com/office/drawing/2014/main" id="{8891F045-A272-4231-985A-53063F832AC8}"/>
+              </a:ext>
+            </a:extLst>
+          </p:cNvPr>
+          <p:cNvSpPr>
+            <a:spLocks noGrp="1"/>
+          </p:cNvSpPr>
+          <p:nvPr>
+            <p:ph type="sldNum" sz="quarter" idx="5"/>
+          </p:nvPr>
+        </p:nvSpPr>
+        <p:spPr>
+          <a:xfrm>
+            <a:off x="11753030" y="6507000"/>
+            <a:ext cx="367414" cy="297000"/>
+          </a:xfrm>
+        </p:spPr>
+        <p:txBody>
+          <a:bodyPr vert="horz" lIns="91440" tIns="45720" rIns="91440" bIns="45720" rtlCol="0" anchor="b"/>
+          <a:lstStyle>
+            <a:lvl1pPr algn="r">
+              <a:defRPr sz="1000"/>
+            </a:lvl1pPr>
+          </a:lstStyle>
+          <a:p>
+            <a:fld id="{2BF067CD-8E6B-4360-9AA8-C5DF2A48A6D1}" type="slidenum">
+              <a:rPr lang="en-US" smtClean="0"/>
+              <a:pPr/>
+              <a:t>21</a:t>
+            </a:fld>
+            <a:endParaRPr lang="en-US" dirty="0"/>
+          </a:p>
+        </p:txBody>
+      </p:sp>
+      <p:sp>
+        <p:nvSpPr>
+          <p:cNvPr id="7" name="Slide Body Text">
+            <a:extLst>
+              <a:ext uri="{FF2B5EF4-FFF2-40B4-BE49-F238E27FC236}">
+                <a16:creationId xmlns:a16="http://schemas.microsoft.com/office/drawing/2014/main" id="{320B2856-CE5E-4934-BD1C-1D81E68E529A}"/>
+              </a:ext>
+            </a:extLst>
+          </p:cNvPr>
+          <p:cNvSpPr>
+            <a:spLocks noGrp="1"/>
+          </p:cNvSpPr>
+          <p:nvPr>
+            <p:ph type="body" sz="quarter" idx="10"/>
+          </p:nvPr>
+        </p:nvSpPr>
+        <p:spPr>
+          <a:xfrm>
+            <a:off x="190402" y="1196125"/>
+            <a:ext cx="11818096" cy="5528766"/>
+          </a:xfrm>
+        </p:spPr>
+        <p:txBody>
+          <a:bodyPr>
+            <a:normAutofit/>
+          </a:bodyPr>
+          <a:lstStyle/>
+          <a:p>
+            <a:pPr>
+              <a:buClr>
+                <a:schemeClr val="tx2"/>
+              </a:buClr>
+            </a:pPr>
+            <a:r>
               <a:rPr lang="bg-BG" sz="3400" b="1" dirty="0">
                 <a:solidFill>
                   <a:schemeClr val="bg1"/>
@@ -18865,7 +19400,7 @@
 </p:sld>
 </file>
 
-<file path=ppt/slides/slide21.xml><?xml version="1.0" encoding="utf-8"?>
+<file path=ppt/slides/slide22.xml><?xml version="1.0" encoding="utf-8"?>
 <p:sld xmlns:a="http://schemas.openxmlformats.org/drawingml/2006/main" xmlns:r="http://schemas.openxmlformats.org/officeDocument/2006/relationships" xmlns:p="http://schemas.openxmlformats.org/presentationml/2006/main">
   <p:cSld>
     <p:spTree>
@@ -18915,7 +19450,7 @@
             <a:fld id="{2BF067CD-8E6B-4360-9AA8-C5DF2A48A6D1}" type="slidenum">
               <a:rPr lang="en-US" smtClean="0"/>
               <a:pPr/>
-              <a:t>21</a:t>
+              <a:t>22</a:t>
             </a:fld>
             <a:endParaRPr lang="en-US" dirty="0"/>
           </a:p>
@@ -19910,7 +20445,7 @@
 </p:sld>
 </file>
 
-<file path=ppt/slides/slide22.xml><?xml version="1.0" encoding="utf-8"?>
+<file path=ppt/slides/slide23.xml><?xml version="1.0" encoding="utf-8"?>
 <p:sld xmlns:a="http://schemas.openxmlformats.org/drawingml/2006/main" xmlns:r="http://schemas.openxmlformats.org/officeDocument/2006/relationships" xmlns:p="http://schemas.openxmlformats.org/presentationml/2006/main">
   <p:cSld>
     <p:spTree>
@@ -19960,7 +20495,7 @@
             <a:fld id="{2BF067CD-8E6B-4360-9AA8-C5DF2A48A6D1}" type="slidenum">
               <a:rPr lang="en-US" smtClean="0"/>
               <a:pPr/>
-              <a:t>22</a:t>
+              <a:t>23</a:t>
             </a:fld>
             <a:endParaRPr lang="en-US" dirty="0"/>
           </a:p>
@@ -20341,7 +20876,7 @@
 </p:sld>
 </file>
 
-<file path=ppt/slides/slide23.xml><?xml version="1.0" encoding="utf-8"?>
+<file path=ppt/slides/slide24.xml><?xml version="1.0" encoding="utf-8"?>
 <p:sld xmlns:a="http://schemas.openxmlformats.org/drawingml/2006/main" xmlns:r="http://schemas.openxmlformats.org/officeDocument/2006/relationships" xmlns:p="http://schemas.openxmlformats.org/presentationml/2006/main">
   <p:cSld>
     <p:spTree>
@@ -20391,7 +20926,7 @@
             <a:fld id="{2BF067CD-8E6B-4360-9AA8-C5DF2A48A6D1}" type="slidenum">
               <a:rPr lang="en-US" smtClean="0"/>
               <a:pPr/>
-              <a:t>23</a:t>
+              <a:t>24</a:t>
             </a:fld>
             <a:endParaRPr lang="en-US" dirty="0"/>
           </a:p>
@@ -21211,7 +21746,7 @@
 </p:sld>
 </file>
 
-<file path=ppt/slides/slide24.xml><?xml version="1.0" encoding="utf-8"?>
+<file path=ppt/slides/slide25.xml><?xml version="1.0" encoding="utf-8"?>
 <p:sld xmlns:a="http://schemas.openxmlformats.org/drawingml/2006/main" xmlns:r="http://schemas.openxmlformats.org/officeDocument/2006/relationships" xmlns:p="http://schemas.openxmlformats.org/presentationml/2006/main">
   <p:cSld>
     <p:spTree>
@@ -21261,7 +21796,7 @@
             <a:fld id="{2BF067CD-8E6B-4360-9AA8-C5DF2A48A6D1}" type="slidenum">
               <a:rPr lang="en-US" smtClean="0"/>
               <a:pPr/>
-              <a:t>24</a:t>
+              <a:t>25</a:t>
             </a:fld>
             <a:endParaRPr lang="en-US" dirty="0"/>
           </a:p>
@@ -22144,7 +22679,7 @@
 </p:sld>
 </file>
 
-<file path=ppt/slides/slide25.xml><?xml version="1.0" encoding="utf-8"?>
+<file path=ppt/slides/slide26.xml><?xml version="1.0" encoding="utf-8"?>
 <p:sld xmlns:a="http://schemas.openxmlformats.org/drawingml/2006/main" xmlns:r="http://schemas.openxmlformats.org/officeDocument/2006/relationships" xmlns:p="http://schemas.openxmlformats.org/presentationml/2006/main">
   <p:cSld>
     <p:spTree>
@@ -22189,7 +22724,7 @@
             <a:fld id="{2BF067CD-8E6B-4360-9AA8-C5DF2A48A6D1}" type="slidenum">
               <a:rPr lang="en-US" smtClean="0"/>
               <a:pPr/>
-              <a:t>25</a:t>
+              <a:t>26</a:t>
             </a:fld>
             <a:endParaRPr lang="en-US" dirty="0"/>
           </a:p>
@@ -22628,7 +23163,7 @@
 </p:sld>
 </file>
 
-<file path=ppt/slides/slide26.xml><?xml version="1.0" encoding="utf-8"?>
+<file path=ppt/slides/slide27.xml><?xml version="1.0" encoding="utf-8"?>
 <p:sld xmlns:a="http://schemas.openxmlformats.org/drawingml/2006/main" xmlns:r="http://schemas.openxmlformats.org/officeDocument/2006/relationships" xmlns:p="http://schemas.openxmlformats.org/presentationml/2006/main">
   <p:cSld>
     <p:spTree>
@@ -22770,7 +23305,7 @@
 </p:sld>
 </file>
 
-<file path=ppt/slides/slide27.xml><?xml version="1.0" encoding="utf-8"?>
+<file path=ppt/slides/slide28.xml><?xml version="1.0" encoding="utf-8"?>
 <p:sld xmlns:a="http://schemas.openxmlformats.org/drawingml/2006/main" xmlns:r="http://schemas.openxmlformats.org/officeDocument/2006/relationships" xmlns:p="http://schemas.openxmlformats.org/presentationml/2006/main">
   <p:cSld>
     <p:spTree>
@@ -22820,7 +23355,7 @@
             <a:fld id="{2BF067CD-8E6B-4360-9AA8-C5DF2A48A6D1}" type="slidenum">
               <a:rPr lang="en-US" smtClean="0"/>
               <a:pPr/>
-              <a:t>27</a:t>
+              <a:t>28</a:t>
             </a:fld>
             <a:endParaRPr lang="en-US" dirty="0"/>
           </a:p>
@@ -23435,7 +23970,7 @@
 </p:sld>
 </file>
 
-<file path=ppt/slides/slide28.xml><?xml version="1.0" encoding="utf-8"?>
+<file path=ppt/slides/slide29.xml><?xml version="1.0" encoding="utf-8"?>
 <p:sld xmlns:a="http://schemas.openxmlformats.org/drawingml/2006/main" xmlns:r="http://schemas.openxmlformats.org/officeDocument/2006/relationships" xmlns:p="http://schemas.openxmlformats.org/presentationml/2006/main">
   <p:cSld>
     <p:spTree>
@@ -23485,7 +24020,7 @@
             <a:fld id="{2BF067CD-8E6B-4360-9AA8-C5DF2A48A6D1}" type="slidenum">
               <a:rPr lang="en-US" smtClean="0"/>
               <a:pPr/>
-              <a:t>28</a:t>
+              <a:t>29</a:t>
             </a:fld>
             <a:endParaRPr lang="en-US" dirty="0"/>
           </a:p>
@@ -24145,7 +24680,138 @@
 </p:sld>
 </file>
 
-<file path=ppt/slides/slide29.xml><?xml version="1.0" encoding="utf-8"?>
+<file path=ppt/slides/slide3.xml><?xml version="1.0" encoding="utf-8"?>
+<p:sld xmlns:a="http://schemas.openxmlformats.org/drawingml/2006/main" xmlns:r="http://schemas.openxmlformats.org/officeDocument/2006/relationships" xmlns:p="http://schemas.openxmlformats.org/presentationml/2006/main">
+  <p:cSld>
+    <p:spTree>
+      <p:nvGrpSpPr>
+        <p:cNvPr id="1" name=""/>
+        <p:cNvGrpSpPr/>
+        <p:nvPr/>
+      </p:nvGrpSpPr>
+      <p:grpSpPr>
+        <a:xfrm>
+          <a:off x="0" y="0"/>
+          <a:ext cx="0" cy="0"/>
+          <a:chOff x="0" y="0"/>
+          <a:chExt cx="0" cy="0"/>
+        </a:xfrm>
+      </p:grpSpPr>
+      <p:sp>
+        <p:nvSpPr>
+          <p:cNvPr id="4" name="Slide Subtitle">
+            <a:extLst>
+              <a:ext uri="{FF2B5EF4-FFF2-40B4-BE49-F238E27FC236}">
+                <a16:creationId xmlns:a16="http://schemas.microsoft.com/office/drawing/2014/main" id="{BEB5BB41-09D4-4E9F-8C80-EE8709171CB3}"/>
+              </a:ext>
+            </a:extLst>
+          </p:cNvPr>
+          <p:cNvSpPr>
+            <a:spLocks noGrp="1"/>
+          </p:cNvSpPr>
+          <p:nvPr>
+            <p:ph type="subTitle" sz="quarter" idx="11"/>
+          </p:nvPr>
+        </p:nvSpPr>
+        <p:spPr/>
+        <p:txBody>
+          <a:bodyPr/>
+          <a:lstStyle/>
+          <a:p>
+            <a:r>
+              <a:rPr lang="bg-BG" sz="3600" dirty="0"/>
+              <a:t>Въведение, видове, етапи, роли, цел и целеви групи</a:t>
+            </a:r>
+          </a:p>
+        </p:txBody>
+      </p:sp>
+      <p:sp>
+        <p:nvSpPr>
+          <p:cNvPr id="6" name="Slide Title">
+            <a:extLst>
+              <a:ext uri="{FF2B5EF4-FFF2-40B4-BE49-F238E27FC236}">
+                <a16:creationId xmlns:a16="http://schemas.microsoft.com/office/drawing/2014/main" id="{028D9EA3-B5E0-4F17-9467-4BE3C280DA68}"/>
+              </a:ext>
+            </a:extLst>
+          </p:cNvPr>
+          <p:cNvSpPr>
+            <a:spLocks noGrp="1"/>
+          </p:cNvSpPr>
+          <p:nvPr>
+            <p:ph type="title" sz="quarter" idx="10"/>
+          </p:nvPr>
+        </p:nvSpPr>
+        <p:spPr/>
+        <p:txBody>
+          <a:bodyPr/>
+          <a:lstStyle/>
+          <a:p>
+            <a:r>
+              <a:rPr lang="bg-BG" dirty="0"/>
+              <a:t>Уеб сайтове</a:t>
+            </a:r>
+            <a:endParaRPr lang="en-US" dirty="0"/>
+          </a:p>
+        </p:txBody>
+      </p:sp>
+      <p:pic>
+        <p:nvPicPr>
+          <p:cNvPr id="3" name="Picture 2">
+            <a:extLst>
+              <a:ext uri="{FF2B5EF4-FFF2-40B4-BE49-F238E27FC236}">
+                <a16:creationId xmlns:a16="http://schemas.microsoft.com/office/drawing/2014/main" id="{F94569CA-B2E8-B36B-E372-D9B43AC52735}"/>
+              </a:ext>
+            </a:extLst>
+          </p:cNvPr>
+          <p:cNvPicPr>
+            <a:picLocks noChangeAspect="1"/>
+          </p:cNvPicPr>
+          <p:nvPr/>
+        </p:nvPicPr>
+        <p:blipFill>
+          <a:blip r:embed="rId3">
+            <a:extLst>
+              <a:ext uri="{28A0092B-C50C-407E-A947-70E740481C1C}">
+                <a14:useLocalDpi xmlns:a14="http://schemas.microsoft.com/office/drawing/2010/main" val="0"/>
+              </a:ext>
+            </a:extLst>
+          </a:blip>
+          <a:stretch>
+            <a:fillRect/>
+          </a:stretch>
+        </p:blipFill>
+        <p:spPr>
+          <a:xfrm>
+            <a:off x="4743513" y="1584000"/>
+            <a:ext cx="2704973" cy="2295000"/>
+          </a:xfrm>
+          <a:prstGeom prst="rect">
+            <a:avLst/>
+          </a:prstGeom>
+        </p:spPr>
+      </p:pic>
+    </p:spTree>
+    <p:extLst>
+      <p:ext uri="{BB962C8B-B14F-4D97-AF65-F5344CB8AC3E}">
+        <p14:creationId xmlns:p14="http://schemas.microsoft.com/office/powerpoint/2010/main" val="882194472"/>
+      </p:ext>
+    </p:extLst>
+  </p:cSld>
+  <p:clrMapOvr>
+    <a:masterClrMapping/>
+  </p:clrMapOvr>
+  <mc:AlternateContent xmlns:mc="http://schemas.openxmlformats.org/markup-compatibility/2006" xmlns:p14="http://schemas.microsoft.com/office/powerpoint/2010/main">
+    <mc:Choice Requires="p14">
+      <p:transition spd="slow" p14:dur="2000" advClick="0" advTm="5000"/>
+    </mc:Choice>
+    <mc:Fallback xmlns="">
+      <p:transition spd="slow" advClick="0" advTm="5000"/>
+    </mc:Fallback>
+  </mc:AlternateContent>
+</p:sld>
+</file>
+
+<file path=ppt/slides/slide30.xml><?xml version="1.0" encoding="utf-8"?>
 <p:sld xmlns:a="http://schemas.openxmlformats.org/drawingml/2006/main" xmlns:r="http://schemas.openxmlformats.org/officeDocument/2006/relationships" xmlns:p="http://schemas.openxmlformats.org/presentationml/2006/main">
   <p:cSld>
     <p:spTree>
@@ -24195,7 +24861,7 @@
             <a:fld id="{2BF067CD-8E6B-4360-9AA8-C5DF2A48A6D1}" type="slidenum">
               <a:rPr lang="en-US" smtClean="0"/>
               <a:pPr/>
-              <a:t>29</a:t>
+              <a:t>30</a:t>
             </a:fld>
             <a:endParaRPr lang="en-US" dirty="0"/>
           </a:p>
@@ -24628,138 +25294,7 @@
 </p:sld>
 </file>
 
-<file path=ppt/slides/slide3.xml><?xml version="1.0" encoding="utf-8"?>
-<p:sld xmlns:a="http://schemas.openxmlformats.org/drawingml/2006/main" xmlns:r="http://schemas.openxmlformats.org/officeDocument/2006/relationships" xmlns:p="http://schemas.openxmlformats.org/presentationml/2006/main">
-  <p:cSld>
-    <p:spTree>
-      <p:nvGrpSpPr>
-        <p:cNvPr id="1" name=""/>
-        <p:cNvGrpSpPr/>
-        <p:nvPr/>
-      </p:nvGrpSpPr>
-      <p:grpSpPr>
-        <a:xfrm>
-          <a:off x="0" y="0"/>
-          <a:ext cx="0" cy="0"/>
-          <a:chOff x="0" y="0"/>
-          <a:chExt cx="0" cy="0"/>
-        </a:xfrm>
-      </p:grpSpPr>
-      <p:sp>
-        <p:nvSpPr>
-          <p:cNvPr id="4" name="Slide Subtitle">
-            <a:extLst>
-              <a:ext uri="{FF2B5EF4-FFF2-40B4-BE49-F238E27FC236}">
-                <a16:creationId xmlns:a16="http://schemas.microsoft.com/office/drawing/2014/main" id="{BEB5BB41-09D4-4E9F-8C80-EE8709171CB3}"/>
-              </a:ext>
-            </a:extLst>
-          </p:cNvPr>
-          <p:cNvSpPr>
-            <a:spLocks noGrp="1"/>
-          </p:cNvSpPr>
-          <p:nvPr>
-            <p:ph type="subTitle" sz="quarter" idx="11"/>
-          </p:nvPr>
-        </p:nvSpPr>
-        <p:spPr/>
-        <p:txBody>
-          <a:bodyPr/>
-          <a:lstStyle/>
-          <a:p>
-            <a:r>
-              <a:rPr lang="bg-BG" sz="3600" dirty="0"/>
-              <a:t>Въведение, видове, етапи, роли, цел и целеви групи</a:t>
-            </a:r>
-          </a:p>
-        </p:txBody>
-      </p:sp>
-      <p:sp>
-        <p:nvSpPr>
-          <p:cNvPr id="6" name="Slide Title">
-            <a:extLst>
-              <a:ext uri="{FF2B5EF4-FFF2-40B4-BE49-F238E27FC236}">
-                <a16:creationId xmlns:a16="http://schemas.microsoft.com/office/drawing/2014/main" id="{028D9EA3-B5E0-4F17-9467-4BE3C280DA68}"/>
-              </a:ext>
-            </a:extLst>
-          </p:cNvPr>
-          <p:cNvSpPr>
-            <a:spLocks noGrp="1"/>
-          </p:cNvSpPr>
-          <p:nvPr>
-            <p:ph type="title" sz="quarter" idx="10"/>
-          </p:nvPr>
-        </p:nvSpPr>
-        <p:spPr/>
-        <p:txBody>
-          <a:bodyPr/>
-          <a:lstStyle/>
-          <a:p>
-            <a:r>
-              <a:rPr lang="bg-BG" dirty="0"/>
-              <a:t>Уеб сайтове</a:t>
-            </a:r>
-            <a:endParaRPr lang="en-US" dirty="0"/>
-          </a:p>
-        </p:txBody>
-      </p:sp>
-      <p:pic>
-        <p:nvPicPr>
-          <p:cNvPr id="3" name="Picture 2">
-            <a:extLst>
-              <a:ext uri="{FF2B5EF4-FFF2-40B4-BE49-F238E27FC236}">
-                <a16:creationId xmlns:a16="http://schemas.microsoft.com/office/drawing/2014/main" id="{F94569CA-B2E8-B36B-E372-D9B43AC52735}"/>
-              </a:ext>
-            </a:extLst>
-          </p:cNvPr>
-          <p:cNvPicPr>
-            <a:picLocks noChangeAspect="1"/>
-          </p:cNvPicPr>
-          <p:nvPr/>
-        </p:nvPicPr>
-        <p:blipFill>
-          <a:blip r:embed="rId3">
-            <a:extLst>
-              <a:ext uri="{28A0092B-C50C-407E-A947-70E740481C1C}">
-                <a14:useLocalDpi xmlns:a14="http://schemas.microsoft.com/office/drawing/2010/main" val="0"/>
-              </a:ext>
-            </a:extLst>
-          </a:blip>
-          <a:stretch>
-            <a:fillRect/>
-          </a:stretch>
-        </p:blipFill>
-        <p:spPr>
-          <a:xfrm>
-            <a:off x="4743513" y="1584000"/>
-            <a:ext cx="2704973" cy="2295000"/>
-          </a:xfrm>
-          <a:prstGeom prst="rect">
-            <a:avLst/>
-          </a:prstGeom>
-        </p:spPr>
-      </p:pic>
-    </p:spTree>
-    <p:extLst>
-      <p:ext uri="{BB962C8B-B14F-4D97-AF65-F5344CB8AC3E}">
-        <p14:creationId xmlns:p14="http://schemas.microsoft.com/office/powerpoint/2010/main" val="882194472"/>
-      </p:ext>
-    </p:extLst>
-  </p:cSld>
-  <p:clrMapOvr>
-    <a:masterClrMapping/>
-  </p:clrMapOvr>
-  <mc:AlternateContent xmlns:mc="http://schemas.openxmlformats.org/markup-compatibility/2006" xmlns:p14="http://schemas.microsoft.com/office/powerpoint/2010/main">
-    <mc:Choice Requires="p14">
-      <p:transition spd="slow" p14:dur="2000" advClick="0" advTm="5000"/>
-    </mc:Choice>
-    <mc:Fallback xmlns="">
-      <p:transition spd="slow" advClick="0" advTm="5000"/>
-    </mc:Fallback>
-  </mc:AlternateContent>
-</p:sld>
-</file>
-
-<file path=ppt/slides/slide30.xml><?xml version="1.0" encoding="utf-8"?>
+<file path=ppt/slides/slide31.xml><?xml version="1.0" encoding="utf-8"?>
 <p:sld xmlns:a="http://schemas.openxmlformats.org/drawingml/2006/main" xmlns:r="http://schemas.openxmlformats.org/officeDocument/2006/relationships" xmlns:p="http://schemas.openxmlformats.org/presentationml/2006/main">
   <p:cSld>
     <p:spTree>
@@ -24809,7 +25344,7 @@
             <a:fld id="{2BF067CD-8E6B-4360-9AA8-C5DF2A48A6D1}" type="slidenum">
               <a:rPr lang="en-US" smtClean="0"/>
               <a:pPr/>
-              <a:t>30</a:t>
+              <a:t>31</a:t>
             </a:fld>
             <a:endParaRPr lang="en-US" dirty="0"/>
           </a:p>
@@ -25676,7 +26211,7 @@
 </p:sld>
 </file>
 
-<file path=ppt/slides/slide31.xml><?xml version="1.0" encoding="utf-8"?>
+<file path=ppt/slides/slide32.xml><?xml version="1.0" encoding="utf-8"?>
 <p:sld xmlns:a="http://schemas.openxmlformats.org/drawingml/2006/main" xmlns:r="http://schemas.openxmlformats.org/officeDocument/2006/relationships" xmlns:p="http://schemas.openxmlformats.org/presentationml/2006/main">
   <p:cSld>
     <p:spTree>
@@ -25726,7 +26261,7 @@
             <a:fld id="{2BF067CD-8E6B-4360-9AA8-C5DF2A48A6D1}" type="slidenum">
               <a:rPr lang="en-US" smtClean="0"/>
               <a:pPr/>
-              <a:t>31</a:t>
+              <a:t>32</a:t>
             </a:fld>
             <a:endParaRPr lang="en-US" dirty="0"/>
           </a:p>
@@ -26222,7 +26757,7 @@
 </p:sld>
 </file>
 
-<file path=ppt/slides/slide32.xml><?xml version="1.0" encoding="utf-8"?>
+<file path=ppt/slides/slide33.xml><?xml version="1.0" encoding="utf-8"?>
 <p:sld xmlns:a="http://schemas.openxmlformats.org/drawingml/2006/main" xmlns:r="http://schemas.openxmlformats.org/officeDocument/2006/relationships" xmlns:p="http://schemas.openxmlformats.org/presentationml/2006/main">
   <p:cSld>
     <p:spTree>
@@ -26353,7 +26888,7 @@
 </p:sld>
 </file>
 
-<file path=ppt/slides/slide33.xml><?xml version="1.0" encoding="utf-8"?>
+<file path=ppt/slides/slide34.xml><?xml version="1.0" encoding="utf-8"?>
 <p:sld xmlns:a="http://schemas.openxmlformats.org/drawingml/2006/main" xmlns:r="http://schemas.openxmlformats.org/officeDocument/2006/relationships" xmlns:p="http://schemas.openxmlformats.org/presentationml/2006/main">
   <p:cSld>
     <p:spTree>
@@ -26788,7 +27323,7 @@
 </p:sld>
 </file>
 
-<file path=ppt/slides/slide34.xml><?xml version="1.0" encoding="utf-8"?>
+<file path=ppt/slides/slide35.xml><?xml version="1.0" encoding="utf-8"?>
 <p:sld xmlns:a="http://schemas.openxmlformats.org/drawingml/2006/main" xmlns:r="http://schemas.openxmlformats.org/officeDocument/2006/relationships" xmlns:p="http://schemas.openxmlformats.org/presentationml/2006/main">
   <p:cSld>
     <p:spTree>
@@ -27938,7 +28473,7 @@
 </p:sld>
 </file>
 
-<file path=ppt/slides/slide35.xml><?xml version="1.0" encoding="utf-8"?>
+<file path=ppt/slides/slide36.xml><?xml version="1.0" encoding="utf-8"?>
 <p:sld xmlns:a="http://schemas.openxmlformats.org/drawingml/2006/main" xmlns:r="http://schemas.openxmlformats.org/officeDocument/2006/relationships" xmlns:p="http://schemas.openxmlformats.org/presentationml/2006/main">
   <p:cSld>
     <p:spTree>
@@ -29114,7 +29649,7 @@
 </p:sld>
 </file>
 
-<file path=ppt/slides/slide36.xml><?xml version="1.0" encoding="utf-8"?>
+<file path=ppt/slides/slide37.xml><?xml version="1.0" encoding="utf-8"?>
 <p:sld xmlns:a="http://schemas.openxmlformats.org/drawingml/2006/main" xmlns:r="http://schemas.openxmlformats.org/officeDocument/2006/relationships" xmlns:p="http://schemas.openxmlformats.org/presentationml/2006/main">
   <p:cSld>
     <p:spTree>
@@ -30314,7 +30849,7 @@
 </p:sld>
 </file>
 
-<file path=ppt/slides/slide37.xml><?xml version="1.0" encoding="utf-8"?>
+<file path=ppt/slides/slide38.xml><?xml version="1.0" encoding="utf-8"?>
 <p:sld xmlns:a="http://schemas.openxmlformats.org/drawingml/2006/main" xmlns:r="http://schemas.openxmlformats.org/officeDocument/2006/relationships" xmlns:p="http://schemas.openxmlformats.org/presentationml/2006/main">
   <p:cSld>
     <p:spTree>
@@ -31230,7 +31765,7 @@
             <a:fld id="{2BF067CD-8E6B-4360-9AA8-C5DF2A48A6D1}" type="slidenum">
               <a:rPr lang="en-US" noProof="0" smtClean="0"/>
               <a:pPr/>
-              <a:t>37</a:t>
+              <a:t>38</a:t>
             </a:fld>
             <a:endParaRPr lang="en-US" noProof="0" dirty="0"/>
           </a:p>
@@ -31777,7 +32312,7 @@
 </p:sld>
 </file>
 
-<file path=ppt/slides/slide38.xml><?xml version="1.0" encoding="utf-8"?>
+<file path=ppt/slides/slide39.xml><?xml version="1.0" encoding="utf-8"?>
 <p:sld xmlns:a="http://schemas.openxmlformats.org/drawingml/2006/main" xmlns:r="http://schemas.openxmlformats.org/officeDocument/2006/relationships" xmlns:p="http://schemas.openxmlformats.org/presentationml/2006/main">
   <p:cSld>
     <p:spTree>
@@ -31950,389 +32485,6 @@
     <p:extLst>
       <p:ext uri="{BB962C8B-B14F-4D97-AF65-F5344CB8AC3E}">
         <p14:creationId xmlns:p14="http://schemas.microsoft.com/office/powerpoint/2010/main" val="1472534970"/>
-      </p:ext>
-    </p:extLst>
-  </p:cSld>
-  <p:clrMapOvr>
-    <a:masterClrMapping/>
-  </p:clrMapOvr>
-  <mc:AlternateContent xmlns:mc="http://schemas.openxmlformats.org/markup-compatibility/2006" xmlns:p14="http://schemas.microsoft.com/office/powerpoint/2010/main">
-    <mc:Choice Requires="p14">
-      <p:transition spd="slow" p14:dur="2000" advClick="0" advTm="5000"/>
-    </mc:Choice>
-    <mc:Fallback xmlns="">
-      <p:transition spd="slow" advClick="0" advTm="5000"/>
-    </mc:Fallback>
-  </mc:AlternateContent>
-</p:sld>
-</file>
-
-<file path=ppt/slides/slide39.xml><?xml version="1.0" encoding="utf-8"?>
-<p:sld xmlns:a="http://schemas.openxmlformats.org/drawingml/2006/main" xmlns:r="http://schemas.openxmlformats.org/officeDocument/2006/relationships" xmlns:p="http://schemas.openxmlformats.org/presentationml/2006/main" show="0">
-  <p:cSld>
-    <p:spTree>
-      <p:nvGrpSpPr>
-        <p:cNvPr id="1" name=""/>
-        <p:cNvGrpSpPr/>
-        <p:nvPr/>
-      </p:nvGrpSpPr>
-      <p:grpSpPr>
-        <a:xfrm>
-          <a:off x="0" y="0"/>
-          <a:ext cx="0" cy="0"/>
-          <a:chOff x="0" y="0"/>
-          <a:chExt cx="0" cy="0"/>
-        </a:xfrm>
-      </p:grpSpPr>
-      <p:sp>
-        <p:nvSpPr>
-          <p:cNvPr id="5" name="Slide Number">
-            <a:extLst>
-              <a:ext uri="{FF2B5EF4-FFF2-40B4-BE49-F238E27FC236}">
-                <a16:creationId xmlns:a16="http://schemas.microsoft.com/office/drawing/2014/main" id="{F48C3C93-90A1-4D31-BEA6-B54D1106CE31}"/>
-              </a:ext>
-            </a:extLst>
-          </p:cNvPr>
-          <p:cNvSpPr>
-            <a:spLocks noGrp="1"/>
-          </p:cNvSpPr>
-          <p:nvPr>
-            <p:ph type="sldNum" sz="quarter" idx="5"/>
-          </p:nvPr>
-        </p:nvSpPr>
-        <p:spPr>
-          <a:xfrm>
-            <a:off x="11753030" y="6507000"/>
-            <a:ext cx="367414" cy="297000"/>
-          </a:xfrm>
-          <a:prstGeom prst="rect">
-            <a:avLst/>
-          </a:prstGeom>
-        </p:spPr>
-        <p:txBody>
-          <a:bodyPr vert="horz" lIns="91440" tIns="45720" rIns="91440" bIns="45720" rtlCol="0" anchor="b"/>
-          <a:lstStyle>
-            <a:lvl1pPr algn="r">
-              <a:defRPr sz="1000"/>
-            </a:lvl1pPr>
-          </a:lstStyle>
-          <a:p>
-            <a:fld id="{2BF067CD-8E6B-4360-9AA8-C5DF2A48A6D1}" type="slidenum">
-              <a:rPr lang="en-US" smtClean="0"/>
-              <a:pPr/>
-              <a:t>39</a:t>
-            </a:fld>
-            <a:endParaRPr lang="en-US" dirty="0"/>
-          </a:p>
-        </p:txBody>
-      </p:sp>
-      <p:sp>
-        <p:nvSpPr>
-          <p:cNvPr id="2" name="Slide Body">
-            <a:extLst>
-              <a:ext uri="{FF2B5EF4-FFF2-40B4-BE49-F238E27FC236}">
-                <a16:creationId xmlns:a16="http://schemas.microsoft.com/office/drawing/2014/main" id="{980F49B1-E4BE-4389-A747-7AB9B71AD920}"/>
-              </a:ext>
-            </a:extLst>
-          </p:cNvPr>
-          <p:cNvSpPr>
-            <a:spLocks noGrp="1"/>
-          </p:cNvSpPr>
-          <p:nvPr>
-            <p:ph type="body" sz="quarter" idx="10"/>
-          </p:nvPr>
-        </p:nvSpPr>
-        <p:spPr>
-          <a:xfrm>
-            <a:off x="190402" y="1269001"/>
-            <a:ext cx="9865598" cy="2474999"/>
-          </a:xfrm>
-        </p:spPr>
-        <p:txBody>
-          <a:bodyPr>
-            <a:normAutofit/>
-          </a:bodyPr>
-          <a:lstStyle/>
-          <a:p>
-            <a:pPr>
-              <a:lnSpc>
-                <a:spcPct val="120000"/>
-              </a:lnSpc>
-            </a:pPr>
-            <a:r>
-              <a:rPr lang="bg-BG" sz="3200" dirty="0"/>
-              <a:t>Този курс</a:t>
-            </a:r>
-            <a:r>
-              <a:rPr lang="en-US" sz="3200" dirty="0"/>
-              <a:t> (</a:t>
-            </a:r>
-            <a:r>
-              <a:rPr lang="bg-BG" sz="3200" dirty="0"/>
-              <a:t>презентации, примери, демонстрационен код, упражнения, домашни, видео и други активи</a:t>
-            </a:r>
-            <a:r>
-              <a:rPr lang="en-US" sz="3200" dirty="0"/>
-              <a:t>) </a:t>
-            </a:r>
-            <a:r>
-              <a:rPr lang="bg-BG" sz="3200" dirty="0"/>
-              <a:t>представлява</a:t>
-            </a:r>
-            <a:r>
-              <a:rPr lang="en-US" sz="3200" dirty="0"/>
-              <a:t> </a:t>
-            </a:r>
-            <a:r>
-              <a:rPr lang="bg-BG" sz="3200" b="1" dirty="0"/>
-              <a:t>свободно учебно съдържание </a:t>
-            </a:r>
-            <a:r>
-              <a:rPr lang="bg-BG" sz="3200" dirty="0"/>
-              <a:t>и се разпространява под свободен лиценз </a:t>
-            </a:r>
-            <a:r>
-              <a:rPr lang="en-US" sz="3200" b="1" dirty="0"/>
-              <a:t>CC-BY-NC-SA</a:t>
-            </a:r>
-            <a:endParaRPr lang="bg-BG" sz="3200" dirty="0"/>
-          </a:p>
-        </p:txBody>
-      </p:sp>
-      <p:pic>
-        <p:nvPicPr>
-          <p:cNvPr id="6" name="Picture License" descr="License">
-            <a:extLst>
-              <a:ext uri="{FF2B5EF4-FFF2-40B4-BE49-F238E27FC236}">
-                <a16:creationId xmlns:a16="http://schemas.microsoft.com/office/drawing/2014/main" id="{82BA520F-A037-4E01-AA18-27D9F1E930A6}"/>
-              </a:ext>
-            </a:extLst>
-          </p:cNvPr>
-          <p:cNvPicPr>
-            <a:picLocks noChangeAspect="1"/>
-          </p:cNvPicPr>
-          <p:nvPr/>
-        </p:nvPicPr>
-        <p:blipFill>
-          <a:blip r:embed="rId3">
-            <a:clrChange>
-              <a:clrFrom>
-                <a:srgbClr val="FFFFFF"/>
-              </a:clrFrom>
-              <a:clrTo>
-                <a:srgbClr val="FFFFFF">
-                  <a:alpha val="0"/>
-                </a:srgbClr>
-              </a:clrTo>
-            </a:clrChange>
-          </a:blip>
-          <a:stretch>
-            <a:fillRect/>
-          </a:stretch>
-        </p:blipFill>
-        <p:spPr>
-          <a:xfrm>
-            <a:off x="10226175" y="1440120"/>
-            <a:ext cx="1198986" cy="1268880"/>
-          </a:xfrm>
-          <a:prstGeom prst="rect">
-            <a:avLst/>
-          </a:prstGeom>
-        </p:spPr>
-      </p:pic>
-      <p:sp>
-        <p:nvSpPr>
-          <p:cNvPr id="3" name="Slide Title">
-            <a:extLst>
-              <a:ext uri="{FF2B5EF4-FFF2-40B4-BE49-F238E27FC236}">
-                <a16:creationId xmlns:a16="http://schemas.microsoft.com/office/drawing/2014/main" id="{E5F1FB41-80C3-4816-BC47-CCC50632E6E8}"/>
-              </a:ext>
-            </a:extLst>
-          </p:cNvPr>
-          <p:cNvSpPr>
-            <a:spLocks noGrp="1"/>
-          </p:cNvSpPr>
-          <p:nvPr>
-            <p:ph type="title"/>
-          </p:nvPr>
-        </p:nvSpPr>
-        <p:spPr/>
-        <p:txBody>
-          <a:bodyPr/>
-          <a:lstStyle/>
-          <a:p>
-            <a:r>
-              <a:rPr lang="bg-BG" dirty="0"/>
-              <a:t>Лиценз</a:t>
-            </a:r>
-          </a:p>
-        </p:txBody>
-      </p:sp>
-      <p:sp>
-        <p:nvSpPr>
-          <p:cNvPr id="11" name="TextBox 10">
-            <a:extLst>
-              <a:ext uri="{FF2B5EF4-FFF2-40B4-BE49-F238E27FC236}">
-                <a16:creationId xmlns:a16="http://schemas.microsoft.com/office/drawing/2014/main" id="{0C18DF19-B750-4C88-975B-661A6BF61F5E}"/>
-              </a:ext>
-            </a:extLst>
-          </p:cNvPr>
-          <p:cNvSpPr txBox="1"/>
-          <p:nvPr/>
-        </p:nvSpPr>
-        <p:spPr>
-          <a:xfrm>
-            <a:off x="190401" y="3927519"/>
-            <a:ext cx="11710599" cy="1979644"/>
-          </a:xfrm>
-          <a:prstGeom prst="rect">
-            <a:avLst/>
-          </a:prstGeom>
-          <a:noFill/>
-          <a:ln w="12700">
-            <a:noFill/>
-          </a:ln>
-        </p:spPr>
-        <p:txBody>
-          <a:bodyPr wrap="square">
-            <a:spAutoFit/>
-          </a:bodyPr>
-          <a:lstStyle/>
-          <a:p>
-            <a:pPr marL="360363" indent="-360363" defTabSz="1218438">
-              <a:lnSpc>
-                <a:spcPct val="120000"/>
-              </a:lnSpc>
-              <a:spcBef>
-                <a:spcPts val="600"/>
-              </a:spcBef>
-              <a:spcAft>
-                <a:spcPts val="600"/>
-              </a:spcAft>
-              <a:buFont typeface="Wingdings" panose="05000000000000000000" pitchFamily="2" charset="2"/>
-              <a:buChar char="§"/>
-              <a:defRPr/>
-            </a:pPr>
-            <a:r>
-              <a:rPr lang="bg-BG" sz="3200" dirty="0"/>
-              <a:t>Проект "</a:t>
-            </a:r>
-            <a:r>
-              <a:rPr lang="bg-BG" sz="3200" b="1" dirty="0"/>
-              <a:t>Отворено учебно съдържание по програмиране и ИТ</a:t>
-            </a:r>
-            <a:r>
-              <a:rPr lang="bg-BG" sz="3200" dirty="0"/>
-              <a:t>" към Фондация "Софтуерен университет"</a:t>
-            </a:r>
-            <a:r>
-              <a:rPr lang="en-US" sz="3200" dirty="0"/>
-              <a:t>:</a:t>
-            </a:r>
-            <a:endParaRPr lang="bg-BG" sz="3200" dirty="0"/>
-          </a:p>
-          <a:p>
-            <a:pPr marL="817563" lvl="1" indent="-360363" defTabSz="1218438">
-              <a:lnSpc>
-                <a:spcPct val="120000"/>
-              </a:lnSpc>
-              <a:spcBef>
-                <a:spcPts val="600"/>
-              </a:spcBef>
-              <a:spcAft>
-                <a:spcPts val="600"/>
-              </a:spcAft>
-              <a:buFont typeface="Wingdings" panose="05000000000000000000" pitchFamily="2" charset="2"/>
-              <a:buChar char="§"/>
-              <a:defRPr/>
-            </a:pPr>
-            <a:r>
-              <a:rPr kumimoji="0" lang="en-US" sz="3200" b="0" i="0" u="none" strike="noStrike" kern="1200" cap="none" spc="0" normalizeH="0" baseline="0" noProof="0" dirty="0">
-                <a:ln>
-                  <a:noFill/>
-                </a:ln>
-                <a:solidFill>
-                  <a:srgbClr val="234465"/>
-                </a:solidFill>
-                <a:effectLst/>
-                <a:uLnTx/>
-                <a:uFillTx/>
-                <a:latin typeface="Calibri"/>
-                <a:ea typeface="+mn-ea"/>
-                <a:cs typeface="+mn-cs"/>
-                <a:hlinkClick r:id="rId4"/>
-              </a:rPr>
-              <a:t>https://github.com/BG-IT-Edu</a:t>
-            </a:r>
-            <a:endParaRPr kumimoji="0" lang="bg-BG" sz="3200" b="0" i="0" u="none" strike="noStrike" kern="1200" cap="none" spc="0" normalizeH="0" baseline="0" noProof="0" dirty="0">
-              <a:ln>
-                <a:noFill/>
-              </a:ln>
-              <a:solidFill>
-                <a:srgbClr val="234465"/>
-              </a:solidFill>
-              <a:effectLst/>
-              <a:uLnTx/>
-              <a:uFillTx/>
-              <a:latin typeface="Calibri"/>
-              <a:ea typeface="+mn-ea"/>
-              <a:cs typeface="+mn-cs"/>
-            </a:endParaRPr>
-          </a:p>
-        </p:txBody>
-      </p:sp>
-      <p:pic>
-        <p:nvPicPr>
-          <p:cNvPr id="7" name="Picture 6" title="CC-BY-NC-SA License">
-            <a:hlinkClick r:id="rId5" tooltip="This work is licensed under the &quot;Creative Commons Attribution-NonCommercial-ShareAlike 4.0 International&quot; license"/>
-            <a:extLst>
-              <a:ext uri="{FF2B5EF4-FFF2-40B4-BE49-F238E27FC236}">
-                <a16:creationId xmlns:a16="http://schemas.microsoft.com/office/drawing/2014/main" id="{F6C77C47-F7D8-A176-5C69-7FDE5C7E8003}"/>
-              </a:ext>
-            </a:extLst>
-          </p:cNvPr>
-          <p:cNvPicPr>
-            <a:picLocks noChangeAspect="1" noChangeArrowheads="1"/>
-          </p:cNvPicPr>
-          <p:nvPr/>
-        </p:nvPicPr>
-        <p:blipFill>
-          <a:blip r:embed="rId6">
-            <a:extLst>
-              <a:ext uri="{28A0092B-C50C-407E-A947-70E740481C1C}">
-                <a14:useLocalDpi xmlns:a14="http://schemas.microsoft.com/office/drawing/2010/main"/>
-              </a:ext>
-            </a:extLst>
-          </a:blip>
-          <a:srcRect/>
-          <a:stretch>
-            <a:fillRect/>
-          </a:stretch>
-        </p:blipFill>
-        <p:spPr bwMode="auto">
-          <a:xfrm>
-            <a:off x="9831000" y="2908593"/>
-            <a:ext cx="1989336" cy="696022"/>
-          </a:xfrm>
-          <a:prstGeom prst="roundRect">
-            <a:avLst>
-              <a:gd name="adj" fmla="val 3940"/>
-            </a:avLst>
-          </a:prstGeom>
-          <a:solidFill>
-            <a:srgbClr val="231F20">
-              <a:alpha val="50000"/>
-            </a:srgbClr>
-          </a:solidFill>
-          <a:ln>
-            <a:noFill/>
-          </a:ln>
-        </p:spPr>
-      </p:pic>
-    </p:spTree>
-    <p:extLst>
-      <p:ext uri="{BB962C8B-B14F-4D97-AF65-F5344CB8AC3E}">
-        <p14:creationId xmlns:p14="http://schemas.microsoft.com/office/powerpoint/2010/main" val="3879276042"/>
       </p:ext>
     </p:extLst>
   </p:cSld>
@@ -32820,6 +32972,389 @@
       </p:par>
     </p:tnLst>
   </p:timing>
+</p:sld>
+</file>
+
+<file path=ppt/slides/slide40.xml><?xml version="1.0" encoding="utf-8"?>
+<p:sld xmlns:a="http://schemas.openxmlformats.org/drawingml/2006/main" xmlns:r="http://schemas.openxmlformats.org/officeDocument/2006/relationships" xmlns:p="http://schemas.openxmlformats.org/presentationml/2006/main" show="0">
+  <p:cSld>
+    <p:spTree>
+      <p:nvGrpSpPr>
+        <p:cNvPr id="1" name=""/>
+        <p:cNvGrpSpPr/>
+        <p:nvPr/>
+      </p:nvGrpSpPr>
+      <p:grpSpPr>
+        <a:xfrm>
+          <a:off x="0" y="0"/>
+          <a:ext cx="0" cy="0"/>
+          <a:chOff x="0" y="0"/>
+          <a:chExt cx="0" cy="0"/>
+        </a:xfrm>
+      </p:grpSpPr>
+      <p:sp>
+        <p:nvSpPr>
+          <p:cNvPr id="5" name="Slide Number">
+            <a:extLst>
+              <a:ext uri="{FF2B5EF4-FFF2-40B4-BE49-F238E27FC236}">
+                <a16:creationId xmlns:a16="http://schemas.microsoft.com/office/drawing/2014/main" id="{F48C3C93-90A1-4D31-BEA6-B54D1106CE31}"/>
+              </a:ext>
+            </a:extLst>
+          </p:cNvPr>
+          <p:cNvSpPr>
+            <a:spLocks noGrp="1"/>
+          </p:cNvSpPr>
+          <p:nvPr>
+            <p:ph type="sldNum" sz="quarter" idx="5"/>
+          </p:nvPr>
+        </p:nvSpPr>
+        <p:spPr>
+          <a:xfrm>
+            <a:off x="11753030" y="6507000"/>
+            <a:ext cx="367414" cy="297000"/>
+          </a:xfrm>
+          <a:prstGeom prst="rect">
+            <a:avLst/>
+          </a:prstGeom>
+        </p:spPr>
+        <p:txBody>
+          <a:bodyPr vert="horz" lIns="91440" tIns="45720" rIns="91440" bIns="45720" rtlCol="0" anchor="b"/>
+          <a:lstStyle>
+            <a:lvl1pPr algn="r">
+              <a:defRPr sz="1000"/>
+            </a:lvl1pPr>
+          </a:lstStyle>
+          <a:p>
+            <a:fld id="{2BF067CD-8E6B-4360-9AA8-C5DF2A48A6D1}" type="slidenum">
+              <a:rPr lang="en-US" smtClean="0"/>
+              <a:pPr/>
+              <a:t>40</a:t>
+            </a:fld>
+            <a:endParaRPr lang="en-US" dirty="0"/>
+          </a:p>
+        </p:txBody>
+      </p:sp>
+      <p:sp>
+        <p:nvSpPr>
+          <p:cNvPr id="2" name="Slide Body">
+            <a:extLst>
+              <a:ext uri="{FF2B5EF4-FFF2-40B4-BE49-F238E27FC236}">
+                <a16:creationId xmlns:a16="http://schemas.microsoft.com/office/drawing/2014/main" id="{980F49B1-E4BE-4389-A747-7AB9B71AD920}"/>
+              </a:ext>
+            </a:extLst>
+          </p:cNvPr>
+          <p:cNvSpPr>
+            <a:spLocks noGrp="1"/>
+          </p:cNvSpPr>
+          <p:nvPr>
+            <p:ph type="body" sz="quarter" idx="10"/>
+          </p:nvPr>
+        </p:nvSpPr>
+        <p:spPr>
+          <a:xfrm>
+            <a:off x="190402" y="1269001"/>
+            <a:ext cx="9865598" cy="2474999"/>
+          </a:xfrm>
+        </p:spPr>
+        <p:txBody>
+          <a:bodyPr>
+            <a:normAutofit/>
+          </a:bodyPr>
+          <a:lstStyle/>
+          <a:p>
+            <a:pPr>
+              <a:lnSpc>
+                <a:spcPct val="120000"/>
+              </a:lnSpc>
+            </a:pPr>
+            <a:r>
+              <a:rPr lang="bg-BG" sz="3200" dirty="0"/>
+              <a:t>Този курс</a:t>
+            </a:r>
+            <a:r>
+              <a:rPr lang="en-US" sz="3200" dirty="0"/>
+              <a:t> (</a:t>
+            </a:r>
+            <a:r>
+              <a:rPr lang="bg-BG" sz="3200" dirty="0"/>
+              <a:t>презентации, примери, демонстрационен код, упражнения, домашни, видео и други активи</a:t>
+            </a:r>
+            <a:r>
+              <a:rPr lang="en-US" sz="3200" dirty="0"/>
+              <a:t>) </a:t>
+            </a:r>
+            <a:r>
+              <a:rPr lang="bg-BG" sz="3200" dirty="0"/>
+              <a:t>представлява</a:t>
+            </a:r>
+            <a:r>
+              <a:rPr lang="en-US" sz="3200" dirty="0"/>
+              <a:t> </a:t>
+            </a:r>
+            <a:r>
+              <a:rPr lang="bg-BG" sz="3200" b="1" dirty="0"/>
+              <a:t>свободно учебно съдържание </a:t>
+            </a:r>
+            <a:r>
+              <a:rPr lang="bg-BG" sz="3200" dirty="0"/>
+              <a:t>и се разпространява под свободен лиценз </a:t>
+            </a:r>
+            <a:r>
+              <a:rPr lang="en-US" sz="3200" b="1" dirty="0"/>
+              <a:t>CC-BY-NC-SA</a:t>
+            </a:r>
+            <a:endParaRPr lang="bg-BG" sz="3200" dirty="0"/>
+          </a:p>
+        </p:txBody>
+      </p:sp>
+      <p:pic>
+        <p:nvPicPr>
+          <p:cNvPr id="6" name="Picture License" descr="License">
+            <a:extLst>
+              <a:ext uri="{FF2B5EF4-FFF2-40B4-BE49-F238E27FC236}">
+                <a16:creationId xmlns:a16="http://schemas.microsoft.com/office/drawing/2014/main" id="{82BA520F-A037-4E01-AA18-27D9F1E930A6}"/>
+              </a:ext>
+            </a:extLst>
+          </p:cNvPr>
+          <p:cNvPicPr>
+            <a:picLocks noChangeAspect="1"/>
+          </p:cNvPicPr>
+          <p:nvPr/>
+        </p:nvPicPr>
+        <p:blipFill>
+          <a:blip r:embed="rId3">
+            <a:clrChange>
+              <a:clrFrom>
+                <a:srgbClr val="FFFFFF"/>
+              </a:clrFrom>
+              <a:clrTo>
+                <a:srgbClr val="FFFFFF">
+                  <a:alpha val="0"/>
+                </a:srgbClr>
+              </a:clrTo>
+            </a:clrChange>
+          </a:blip>
+          <a:stretch>
+            <a:fillRect/>
+          </a:stretch>
+        </p:blipFill>
+        <p:spPr>
+          <a:xfrm>
+            <a:off x="10226175" y="1440120"/>
+            <a:ext cx="1198986" cy="1268880"/>
+          </a:xfrm>
+          <a:prstGeom prst="rect">
+            <a:avLst/>
+          </a:prstGeom>
+        </p:spPr>
+      </p:pic>
+      <p:sp>
+        <p:nvSpPr>
+          <p:cNvPr id="3" name="Slide Title">
+            <a:extLst>
+              <a:ext uri="{FF2B5EF4-FFF2-40B4-BE49-F238E27FC236}">
+                <a16:creationId xmlns:a16="http://schemas.microsoft.com/office/drawing/2014/main" id="{E5F1FB41-80C3-4816-BC47-CCC50632E6E8}"/>
+              </a:ext>
+            </a:extLst>
+          </p:cNvPr>
+          <p:cNvSpPr>
+            <a:spLocks noGrp="1"/>
+          </p:cNvSpPr>
+          <p:nvPr>
+            <p:ph type="title"/>
+          </p:nvPr>
+        </p:nvSpPr>
+        <p:spPr/>
+        <p:txBody>
+          <a:bodyPr/>
+          <a:lstStyle/>
+          <a:p>
+            <a:r>
+              <a:rPr lang="bg-BG" dirty="0"/>
+              <a:t>Лиценз</a:t>
+            </a:r>
+          </a:p>
+        </p:txBody>
+      </p:sp>
+      <p:sp>
+        <p:nvSpPr>
+          <p:cNvPr id="11" name="TextBox 10">
+            <a:extLst>
+              <a:ext uri="{FF2B5EF4-FFF2-40B4-BE49-F238E27FC236}">
+                <a16:creationId xmlns:a16="http://schemas.microsoft.com/office/drawing/2014/main" id="{0C18DF19-B750-4C88-975B-661A6BF61F5E}"/>
+              </a:ext>
+            </a:extLst>
+          </p:cNvPr>
+          <p:cNvSpPr txBox="1"/>
+          <p:nvPr/>
+        </p:nvSpPr>
+        <p:spPr>
+          <a:xfrm>
+            <a:off x="190401" y="3927519"/>
+            <a:ext cx="11710599" cy="1979644"/>
+          </a:xfrm>
+          <a:prstGeom prst="rect">
+            <a:avLst/>
+          </a:prstGeom>
+          <a:noFill/>
+          <a:ln w="12700">
+            <a:noFill/>
+          </a:ln>
+        </p:spPr>
+        <p:txBody>
+          <a:bodyPr wrap="square">
+            <a:spAutoFit/>
+          </a:bodyPr>
+          <a:lstStyle/>
+          <a:p>
+            <a:pPr marL="360363" indent="-360363" defTabSz="1218438">
+              <a:lnSpc>
+                <a:spcPct val="120000"/>
+              </a:lnSpc>
+              <a:spcBef>
+                <a:spcPts val="600"/>
+              </a:spcBef>
+              <a:spcAft>
+                <a:spcPts val="600"/>
+              </a:spcAft>
+              <a:buFont typeface="Wingdings" panose="05000000000000000000" pitchFamily="2" charset="2"/>
+              <a:buChar char="§"/>
+              <a:defRPr/>
+            </a:pPr>
+            <a:r>
+              <a:rPr lang="bg-BG" sz="3200" dirty="0"/>
+              <a:t>Проект "</a:t>
+            </a:r>
+            <a:r>
+              <a:rPr lang="bg-BG" sz="3200" b="1" dirty="0"/>
+              <a:t>Отворено учебно съдържание по програмиране и ИТ</a:t>
+            </a:r>
+            <a:r>
+              <a:rPr lang="bg-BG" sz="3200" dirty="0"/>
+              <a:t>" към Фондация "Софтуерен университет"</a:t>
+            </a:r>
+            <a:r>
+              <a:rPr lang="en-US" sz="3200" dirty="0"/>
+              <a:t>:</a:t>
+            </a:r>
+            <a:endParaRPr lang="bg-BG" sz="3200" dirty="0"/>
+          </a:p>
+          <a:p>
+            <a:pPr marL="817563" lvl="1" indent="-360363" defTabSz="1218438">
+              <a:lnSpc>
+                <a:spcPct val="120000"/>
+              </a:lnSpc>
+              <a:spcBef>
+                <a:spcPts val="600"/>
+              </a:spcBef>
+              <a:spcAft>
+                <a:spcPts val="600"/>
+              </a:spcAft>
+              <a:buFont typeface="Wingdings" panose="05000000000000000000" pitchFamily="2" charset="2"/>
+              <a:buChar char="§"/>
+              <a:defRPr/>
+            </a:pPr>
+            <a:r>
+              <a:rPr kumimoji="0" lang="en-US" sz="3200" b="0" i="0" u="none" strike="noStrike" kern="1200" cap="none" spc="0" normalizeH="0" baseline="0" noProof="0" dirty="0">
+                <a:ln>
+                  <a:noFill/>
+                </a:ln>
+                <a:solidFill>
+                  <a:srgbClr val="234465"/>
+                </a:solidFill>
+                <a:effectLst/>
+                <a:uLnTx/>
+                <a:uFillTx/>
+                <a:latin typeface="Calibri"/>
+                <a:ea typeface="+mn-ea"/>
+                <a:cs typeface="+mn-cs"/>
+                <a:hlinkClick r:id="rId4"/>
+              </a:rPr>
+              <a:t>https://github.com/BG-IT-Edu</a:t>
+            </a:r>
+            <a:endParaRPr kumimoji="0" lang="bg-BG" sz="3200" b="0" i="0" u="none" strike="noStrike" kern="1200" cap="none" spc="0" normalizeH="0" baseline="0" noProof="0" dirty="0">
+              <a:ln>
+                <a:noFill/>
+              </a:ln>
+              <a:solidFill>
+                <a:srgbClr val="234465"/>
+              </a:solidFill>
+              <a:effectLst/>
+              <a:uLnTx/>
+              <a:uFillTx/>
+              <a:latin typeface="Calibri"/>
+              <a:ea typeface="+mn-ea"/>
+              <a:cs typeface="+mn-cs"/>
+            </a:endParaRPr>
+          </a:p>
+        </p:txBody>
+      </p:sp>
+      <p:pic>
+        <p:nvPicPr>
+          <p:cNvPr id="7" name="Picture 6" title="CC-BY-NC-SA License">
+            <a:hlinkClick r:id="rId5" tooltip="This work is licensed under the &quot;Creative Commons Attribution-NonCommercial-ShareAlike 4.0 International&quot; license"/>
+            <a:extLst>
+              <a:ext uri="{FF2B5EF4-FFF2-40B4-BE49-F238E27FC236}">
+                <a16:creationId xmlns:a16="http://schemas.microsoft.com/office/drawing/2014/main" id="{F6C77C47-F7D8-A176-5C69-7FDE5C7E8003}"/>
+              </a:ext>
+            </a:extLst>
+          </p:cNvPr>
+          <p:cNvPicPr>
+            <a:picLocks noChangeAspect="1" noChangeArrowheads="1"/>
+          </p:cNvPicPr>
+          <p:nvPr/>
+        </p:nvPicPr>
+        <p:blipFill>
+          <a:blip r:embed="rId6">
+            <a:extLst>
+              <a:ext uri="{28A0092B-C50C-407E-A947-70E740481C1C}">
+                <a14:useLocalDpi xmlns:a14="http://schemas.microsoft.com/office/drawing/2010/main"/>
+              </a:ext>
+            </a:extLst>
+          </a:blip>
+          <a:srcRect/>
+          <a:stretch>
+            <a:fillRect/>
+          </a:stretch>
+        </p:blipFill>
+        <p:spPr bwMode="auto">
+          <a:xfrm>
+            <a:off x="9831000" y="2908593"/>
+            <a:ext cx="1989336" cy="696022"/>
+          </a:xfrm>
+          <a:prstGeom prst="roundRect">
+            <a:avLst>
+              <a:gd name="adj" fmla="val 3940"/>
+            </a:avLst>
+          </a:prstGeom>
+          <a:solidFill>
+            <a:srgbClr val="231F20">
+              <a:alpha val="50000"/>
+            </a:srgbClr>
+          </a:solidFill>
+          <a:ln>
+            <a:noFill/>
+          </a:ln>
+        </p:spPr>
+      </p:pic>
+    </p:spTree>
+    <p:extLst>
+      <p:ext uri="{BB962C8B-B14F-4D97-AF65-F5344CB8AC3E}">
+        <p14:creationId xmlns:p14="http://schemas.microsoft.com/office/powerpoint/2010/main" val="3879276042"/>
+      </p:ext>
+    </p:extLst>
+  </p:cSld>
+  <p:clrMapOvr>
+    <a:masterClrMapping/>
+  </p:clrMapOvr>
+  <mc:AlternateContent xmlns:mc="http://schemas.openxmlformats.org/markup-compatibility/2006" xmlns:p14="http://schemas.microsoft.com/office/powerpoint/2010/main">
+    <mc:Choice Requires="p14">
+      <p:transition spd="slow" p14:dur="2000" advClick="0" advTm="5000"/>
+    </mc:Choice>
+    <mc:Fallback xmlns="">
+      <p:transition spd="slow" advClick="0" advTm="5000"/>
+    </mc:Fallback>
+  </mc:AlternateContent>
 </p:sld>
 </file>
 
@@ -34781,12 +35316,1284 @@
           </a:p>
         </p:txBody>
       </p:sp>
+      <p:grpSp>
+        <p:nvGrpSpPr>
+          <p:cNvPr id="8" name="Group 7">
+            <a:extLst>
+              <a:ext uri="{FF2B5EF4-FFF2-40B4-BE49-F238E27FC236}">
+                <a16:creationId xmlns:a16="http://schemas.microsoft.com/office/drawing/2014/main" id="{C6486B41-E9E8-6ADF-298B-626343A46E18}"/>
+              </a:ext>
+            </a:extLst>
+          </p:cNvPr>
+          <p:cNvGrpSpPr/>
+          <p:nvPr/>
+        </p:nvGrpSpPr>
+        <p:grpSpPr>
+          <a:xfrm>
+            <a:off x="6545661" y="1283467"/>
+            <a:ext cx="5391076" cy="5473783"/>
+            <a:chOff x="3666000" y="1295766"/>
+            <a:chExt cx="5391076" cy="5473783"/>
+          </a:xfrm>
+        </p:grpSpPr>
+        <p:grpSp>
+          <p:nvGrpSpPr>
+            <p:cNvPr id="9" name="Group 8">
+              <a:extLst>
+                <a:ext uri="{FF2B5EF4-FFF2-40B4-BE49-F238E27FC236}">
+                  <a16:creationId xmlns:a16="http://schemas.microsoft.com/office/drawing/2014/main" id="{F1EB0F5D-20F4-F0CB-CF18-1147D5D071EE}"/>
+                </a:ext>
+              </a:extLst>
+            </p:cNvPr>
+            <p:cNvGrpSpPr/>
+            <p:nvPr/>
+          </p:nvGrpSpPr>
+          <p:grpSpPr>
+            <a:xfrm>
+              <a:off x="3666000" y="1295766"/>
+              <a:ext cx="5391076" cy="5473783"/>
+              <a:chOff x="909424" y="1283467"/>
+              <a:chExt cx="5018976" cy="5018976"/>
+            </a:xfrm>
+          </p:grpSpPr>
+          <p:grpSp>
+            <p:nvGrpSpPr>
+              <p:cNvPr id="14" name="Group 13">
+                <a:extLst>
+                  <a:ext uri="{FF2B5EF4-FFF2-40B4-BE49-F238E27FC236}">
+                    <a16:creationId xmlns:a16="http://schemas.microsoft.com/office/drawing/2014/main" id="{348478E3-77F5-6C7F-D884-6BF47EEAF935}"/>
+                  </a:ext>
+                </a:extLst>
+              </p:cNvPr>
+              <p:cNvGrpSpPr/>
+              <p:nvPr/>
+            </p:nvGrpSpPr>
+            <p:grpSpPr>
+              <a:xfrm>
+                <a:off x="909424" y="1283467"/>
+                <a:ext cx="5018976" cy="5018976"/>
+                <a:chOff x="-6580188" y="39688"/>
+                <a:chExt cx="6372225" cy="6372225"/>
+              </a:xfrm>
+              <a:gradFill>
+                <a:gsLst>
+                  <a:gs pos="0">
+                    <a:schemeClr val="tx2">
+                      <a:shade val="30000"/>
+                      <a:satMod val="115000"/>
+                    </a:schemeClr>
+                  </a:gs>
+                  <a:gs pos="50000">
+                    <a:schemeClr val="tx2">
+                      <a:shade val="67500"/>
+                      <a:satMod val="115000"/>
+                    </a:schemeClr>
+                  </a:gs>
+                  <a:gs pos="100000">
+                    <a:schemeClr val="tx2">
+                      <a:shade val="100000"/>
+                      <a:satMod val="115000"/>
+                    </a:schemeClr>
+                  </a:gs>
+                </a:gsLst>
+                <a:lin ang="16200000" scaled="1"/>
+              </a:gradFill>
+            </p:grpSpPr>
+            <p:sp>
+              <p:nvSpPr>
+                <p:cNvPr id="17" name="Freeform 16">
+                  <a:extLst>
+                    <a:ext uri="{FF2B5EF4-FFF2-40B4-BE49-F238E27FC236}">
+                      <a16:creationId xmlns:a16="http://schemas.microsoft.com/office/drawing/2014/main" id="{82A88D29-8210-27EC-0D6A-3446365441EF}"/>
+                    </a:ext>
+                  </a:extLst>
+                </p:cNvPr>
+                <p:cNvSpPr>
+                  <a:spLocks/>
+                </p:cNvSpPr>
+                <p:nvPr/>
+              </p:nvSpPr>
+              <p:spPr bwMode="auto">
+                <a:xfrm>
+                  <a:off x="-5886451" y="4559300"/>
+                  <a:ext cx="2825750" cy="1852613"/>
+                </a:xfrm>
+                <a:custGeom>
+                  <a:avLst/>
+                  <a:gdLst>
+                    <a:gd name="T0" fmla="*/ 692 w 752"/>
+                    <a:gd name="T1" fmla="*/ 248 h 493"/>
+                    <a:gd name="T2" fmla="*/ 663 w 752"/>
+                    <a:gd name="T3" fmla="*/ 249 h 493"/>
+                    <a:gd name="T4" fmla="*/ 175 w 752"/>
+                    <a:gd name="T5" fmla="*/ 0 h 493"/>
+                    <a:gd name="T6" fmla="*/ 41 w 752"/>
+                    <a:gd name="T7" fmla="*/ 14 h 493"/>
+                    <a:gd name="T8" fmla="*/ 0 w 752"/>
+                    <a:gd name="T9" fmla="*/ 175 h 493"/>
+                    <a:gd name="T10" fmla="*/ 663 w 752"/>
+                    <a:gd name="T11" fmla="*/ 493 h 493"/>
+                    <a:gd name="T12" fmla="*/ 752 w 752"/>
+                    <a:gd name="T13" fmla="*/ 489 h 493"/>
+                    <a:gd name="T14" fmla="*/ 635 w 752"/>
+                    <a:gd name="T15" fmla="*/ 372 h 493"/>
+                    <a:gd name="T16" fmla="*/ 692 w 752"/>
+                    <a:gd name="T17" fmla="*/ 248 h 493"/>
+                  </a:gdLst>
+                  <a:ahLst/>
+                  <a:cxnLst>
+                    <a:cxn ang="0">
+                      <a:pos x="T0" y="T1"/>
+                    </a:cxn>
+                    <a:cxn ang="0">
+                      <a:pos x="T2" y="T3"/>
+                    </a:cxn>
+                    <a:cxn ang="0">
+                      <a:pos x="T4" y="T5"/>
+                    </a:cxn>
+                    <a:cxn ang="0">
+                      <a:pos x="T6" y="T7"/>
+                    </a:cxn>
+                    <a:cxn ang="0">
+                      <a:pos x="T8" y="T9"/>
+                    </a:cxn>
+                    <a:cxn ang="0">
+                      <a:pos x="T10" y="T11"/>
+                    </a:cxn>
+                    <a:cxn ang="0">
+                      <a:pos x="T12" y="T13"/>
+                    </a:cxn>
+                    <a:cxn ang="0">
+                      <a:pos x="T14" y="T15"/>
+                    </a:cxn>
+                    <a:cxn ang="0">
+                      <a:pos x="T16" y="T17"/>
+                    </a:cxn>
+                  </a:cxnLst>
+                  <a:rect l="0" t="0" r="r" b="b"/>
+                  <a:pathLst>
+                    <a:path w="752" h="493">
+                      <a:moveTo>
+                        <a:pt x="692" y="248"/>
+                      </a:moveTo>
+                      <a:cubicBezTo>
+                        <a:pt x="682" y="248"/>
+                        <a:pt x="673" y="249"/>
+                        <a:pt x="663" y="249"/>
+                      </a:cubicBezTo>
+                      <a:cubicBezTo>
+                        <a:pt x="462" y="249"/>
+                        <a:pt x="284" y="151"/>
+                        <a:pt x="175" y="0"/>
+                      </a:cubicBezTo>
+                      <a:cubicBezTo>
+                        <a:pt x="41" y="14"/>
+                        <a:pt x="41" y="14"/>
+                        <a:pt x="41" y="14"/>
+                      </a:cubicBezTo>
+                      <a:cubicBezTo>
+                        <a:pt x="0" y="175"/>
+                        <a:pt x="0" y="175"/>
+                        <a:pt x="0" y="175"/>
+                      </a:cubicBezTo>
+                      <a:cubicBezTo>
+                        <a:pt x="156" y="369"/>
+                        <a:pt x="395" y="493"/>
+                        <a:pt x="663" y="493"/>
+                      </a:cubicBezTo>
+                      <a:cubicBezTo>
+                        <a:pt x="693" y="493"/>
+                        <a:pt x="723" y="492"/>
+                        <a:pt x="752" y="489"/>
+                      </a:cubicBezTo>
+                      <a:cubicBezTo>
+                        <a:pt x="635" y="372"/>
+                        <a:pt x="635" y="372"/>
+                        <a:pt x="635" y="372"/>
+                      </a:cubicBezTo>
+                      <a:lnTo>
+                        <a:pt x="692" y="248"/>
+                      </a:lnTo>
+                      <a:close/>
+                    </a:path>
+                  </a:pathLst>
+                </a:custGeom>
+                <a:solidFill>
+                  <a:srgbClr val="45C7FF"/>
+                </a:solidFill>
+                <a:ln w="9525">
+                  <a:noFill/>
+                  <a:round/>
+                  <a:headEnd/>
+                  <a:tailEnd/>
+                </a:ln>
+              </p:spPr>
+              <p:txBody>
+                <a:bodyPr vert="horz" wrap="square" lIns="91440" tIns="45720" rIns="91440" bIns="45720" numCol="1" anchor="t" anchorCtr="0" compatLnSpc="1">
+                  <a:prstTxWarp prst="textNoShape">
+                    <a:avLst/>
+                  </a:prstTxWarp>
+                </a:bodyPr>
+                <a:lstStyle/>
+                <a:p>
+                  <a:endParaRPr lang="en-US" dirty="0">
+                    <a:solidFill>
+                      <a:schemeClr val="bg1"/>
+                    </a:solidFill>
+                    <a:latin typeface="Arial" panose="020B0604020202020204" pitchFamily="34" charset="0"/>
+                    <a:cs typeface="Arial" panose="020B0604020202020204" pitchFamily="34" charset="0"/>
+                  </a:endParaRPr>
+                </a:p>
+              </p:txBody>
+            </p:sp>
+            <p:sp>
+              <p:nvSpPr>
+                <p:cNvPr id="18" name="Freeform 17">
+                  <a:extLst>
+                    <a:ext uri="{FF2B5EF4-FFF2-40B4-BE49-F238E27FC236}">
+                      <a16:creationId xmlns:a16="http://schemas.microsoft.com/office/drawing/2014/main" id="{C8CE9A41-50F9-E89A-0242-A1B2B6E82256}"/>
+                    </a:ext>
+                  </a:extLst>
+                </p:cNvPr>
+                <p:cNvSpPr>
+                  <a:spLocks/>
+                </p:cNvSpPr>
+                <p:nvPr/>
+              </p:nvSpPr>
+              <p:spPr bwMode="auto">
+                <a:xfrm>
+                  <a:off x="-3962401" y="39688"/>
+                  <a:ext cx="3116263" cy="1922463"/>
+                </a:xfrm>
+                <a:custGeom>
+                  <a:avLst/>
+                  <a:gdLst>
+                    <a:gd name="T0" fmla="*/ 77 w 829"/>
+                    <a:gd name="T1" fmla="*/ 249 h 512"/>
+                    <a:gd name="T2" fmla="*/ 151 w 829"/>
+                    <a:gd name="T3" fmla="*/ 245 h 512"/>
+                    <a:gd name="T4" fmla="*/ 652 w 829"/>
+                    <a:gd name="T5" fmla="*/ 512 h 512"/>
+                    <a:gd name="T6" fmla="*/ 782 w 829"/>
+                    <a:gd name="T7" fmla="*/ 503 h 512"/>
+                    <a:gd name="T8" fmla="*/ 829 w 829"/>
+                    <a:gd name="T9" fmla="*/ 340 h 512"/>
+                    <a:gd name="T10" fmla="*/ 151 w 829"/>
+                    <a:gd name="T11" fmla="*/ 0 h 512"/>
+                    <a:gd name="T12" fmla="*/ 0 w 829"/>
+                    <a:gd name="T13" fmla="*/ 14 h 512"/>
+                    <a:gd name="T14" fmla="*/ 125 w 829"/>
+                    <a:gd name="T15" fmla="*/ 123 h 512"/>
+                    <a:gd name="T16" fmla="*/ 77 w 829"/>
+                    <a:gd name="T17" fmla="*/ 249 h 512"/>
+                  </a:gdLst>
+                  <a:ahLst/>
+                  <a:cxnLst>
+                    <a:cxn ang="0">
+                      <a:pos x="T0" y="T1"/>
+                    </a:cxn>
+                    <a:cxn ang="0">
+                      <a:pos x="T2" y="T3"/>
+                    </a:cxn>
+                    <a:cxn ang="0">
+                      <a:pos x="T4" y="T5"/>
+                    </a:cxn>
+                    <a:cxn ang="0">
+                      <a:pos x="T6" y="T7"/>
+                    </a:cxn>
+                    <a:cxn ang="0">
+                      <a:pos x="T8" y="T9"/>
+                    </a:cxn>
+                    <a:cxn ang="0">
+                      <a:pos x="T10" y="T11"/>
+                    </a:cxn>
+                    <a:cxn ang="0">
+                      <a:pos x="T12" y="T13"/>
+                    </a:cxn>
+                    <a:cxn ang="0">
+                      <a:pos x="T14" y="T15"/>
+                    </a:cxn>
+                    <a:cxn ang="0">
+                      <a:pos x="T16" y="T17"/>
+                    </a:cxn>
+                  </a:cxnLst>
+                  <a:rect l="0" t="0" r="r" b="b"/>
+                  <a:pathLst>
+                    <a:path w="829" h="512">
+                      <a:moveTo>
+                        <a:pt x="77" y="249"/>
+                      </a:moveTo>
+                      <a:cubicBezTo>
+                        <a:pt x="101" y="247"/>
+                        <a:pt x="126" y="245"/>
+                        <a:pt x="151" y="245"/>
+                      </a:cubicBezTo>
+                      <a:cubicBezTo>
+                        <a:pt x="359" y="245"/>
+                        <a:pt x="543" y="351"/>
+                        <a:pt x="652" y="512"/>
+                      </a:cubicBezTo>
+                      <a:cubicBezTo>
+                        <a:pt x="782" y="503"/>
+                        <a:pt x="782" y="503"/>
+                        <a:pt x="782" y="503"/>
+                      </a:cubicBezTo>
+                      <a:cubicBezTo>
+                        <a:pt x="829" y="340"/>
+                        <a:pt x="829" y="340"/>
+                        <a:pt x="829" y="340"/>
+                      </a:cubicBezTo>
+                      <a:cubicBezTo>
+                        <a:pt x="675" y="134"/>
+                        <a:pt x="428" y="0"/>
+                        <a:pt x="151" y="0"/>
+                      </a:cubicBezTo>
+                      <a:cubicBezTo>
+                        <a:pt x="99" y="0"/>
+                        <a:pt x="49" y="5"/>
+                        <a:pt x="0" y="14"/>
+                      </a:cubicBezTo>
+                      <a:cubicBezTo>
+                        <a:pt x="125" y="123"/>
+                        <a:pt x="125" y="123"/>
+                        <a:pt x="125" y="123"/>
+                      </a:cubicBezTo>
+                      <a:lnTo>
+                        <a:pt x="77" y="249"/>
+                      </a:lnTo>
+                      <a:close/>
+                    </a:path>
+                  </a:pathLst>
+                </a:custGeom>
+                <a:solidFill>
+                  <a:srgbClr val="FDA540"/>
+                </a:solidFill>
+                <a:ln w="9525">
+                  <a:noFill/>
+                  <a:round/>
+                  <a:headEnd/>
+                  <a:tailEnd/>
+                </a:ln>
+              </p:spPr>
+              <p:txBody>
+                <a:bodyPr vert="horz" wrap="square" lIns="91440" tIns="45720" rIns="91440" bIns="45720" numCol="1" anchor="t" anchorCtr="0" compatLnSpc="1">
+                  <a:prstTxWarp prst="textNoShape">
+                    <a:avLst/>
+                  </a:prstTxWarp>
+                </a:bodyPr>
+                <a:lstStyle/>
+                <a:p>
+                  <a:endParaRPr lang="en-US">
+                    <a:solidFill>
+                      <a:schemeClr val="bg1"/>
+                    </a:solidFill>
+                    <a:latin typeface="Arial" panose="020B0604020202020204" pitchFamily="34" charset="0"/>
+                    <a:cs typeface="Arial" panose="020B0604020202020204" pitchFamily="34" charset="0"/>
+                  </a:endParaRPr>
+                </a:p>
+              </p:txBody>
+            </p:sp>
+            <p:sp>
+              <p:nvSpPr>
+                <p:cNvPr id="19" name="Freeform 18">
+                  <a:extLst>
+                    <a:ext uri="{FF2B5EF4-FFF2-40B4-BE49-F238E27FC236}">
+                      <a16:creationId xmlns:a16="http://schemas.microsoft.com/office/drawing/2014/main" id="{A9C68926-88CE-6647-F2DF-F1916085CC21}"/>
+                    </a:ext>
+                  </a:extLst>
+                </p:cNvPr>
+                <p:cNvSpPr>
+                  <a:spLocks/>
+                </p:cNvSpPr>
+                <p:nvPr/>
+              </p:nvSpPr>
+              <p:spPr bwMode="auto">
+                <a:xfrm>
+                  <a:off x="-6445251" y="109538"/>
+                  <a:ext cx="2867025" cy="2338388"/>
+                </a:xfrm>
+                <a:custGeom>
+                  <a:avLst/>
+                  <a:gdLst>
+                    <a:gd name="T0" fmla="*/ 245 w 763"/>
+                    <a:gd name="T1" fmla="*/ 622 h 622"/>
+                    <a:gd name="T2" fmla="*/ 716 w 763"/>
+                    <a:gd name="T3" fmla="*/ 234 h 622"/>
+                    <a:gd name="T4" fmla="*/ 763 w 763"/>
+                    <a:gd name="T5" fmla="*/ 110 h 622"/>
+                    <a:gd name="T6" fmla="*/ 636 w 763"/>
+                    <a:gd name="T7" fmla="*/ 0 h 622"/>
+                    <a:gd name="T8" fmla="*/ 0 w 763"/>
+                    <a:gd name="T9" fmla="*/ 582 h 622"/>
+                    <a:gd name="T10" fmla="*/ 153 w 763"/>
+                    <a:gd name="T11" fmla="*/ 521 h 622"/>
+                    <a:gd name="T12" fmla="*/ 245 w 763"/>
+                    <a:gd name="T13" fmla="*/ 622 h 622"/>
+                  </a:gdLst>
+                  <a:ahLst/>
+                  <a:cxnLst>
+                    <a:cxn ang="0">
+                      <a:pos x="T0" y="T1"/>
+                    </a:cxn>
+                    <a:cxn ang="0">
+                      <a:pos x="T2" y="T3"/>
+                    </a:cxn>
+                    <a:cxn ang="0">
+                      <a:pos x="T4" y="T5"/>
+                    </a:cxn>
+                    <a:cxn ang="0">
+                      <a:pos x="T6" y="T7"/>
+                    </a:cxn>
+                    <a:cxn ang="0">
+                      <a:pos x="T8" y="T9"/>
+                    </a:cxn>
+                    <a:cxn ang="0">
+                      <a:pos x="T10" y="T11"/>
+                    </a:cxn>
+                    <a:cxn ang="0">
+                      <a:pos x="T12" y="T13"/>
+                    </a:cxn>
+                  </a:cxnLst>
+                  <a:rect l="0" t="0" r="r" b="b"/>
+                  <a:pathLst>
+                    <a:path w="763" h="622">
+                      <a:moveTo>
+                        <a:pt x="245" y="622"/>
+                      </a:moveTo>
+                      <a:cubicBezTo>
+                        <a:pt x="319" y="420"/>
+                        <a:pt x="498" y="269"/>
+                        <a:pt x="716" y="234"/>
+                      </a:cubicBezTo>
+                      <a:cubicBezTo>
+                        <a:pt x="763" y="110"/>
+                        <a:pt x="763" y="110"/>
+                        <a:pt x="763" y="110"/>
+                      </a:cubicBezTo>
+                      <a:cubicBezTo>
+                        <a:pt x="636" y="0"/>
+                        <a:pt x="636" y="0"/>
+                        <a:pt x="636" y="0"/>
+                      </a:cubicBezTo>
+                      <a:cubicBezTo>
+                        <a:pt x="333" y="63"/>
+                        <a:pt x="90" y="289"/>
+                        <a:pt x="0" y="582"/>
+                      </a:cubicBezTo>
+                      <a:cubicBezTo>
+                        <a:pt x="153" y="521"/>
+                        <a:pt x="153" y="521"/>
+                        <a:pt x="153" y="521"/>
+                      </a:cubicBezTo>
+                      <a:lnTo>
+                        <a:pt x="245" y="622"/>
+                      </a:lnTo>
+                      <a:close/>
+                    </a:path>
+                  </a:pathLst>
+                </a:custGeom>
+                <a:solidFill>
+                  <a:srgbClr val="FF3DE3"/>
+                </a:solidFill>
+                <a:ln w="9525">
+                  <a:noFill/>
+                  <a:round/>
+                  <a:headEnd/>
+                  <a:tailEnd/>
+                </a:ln>
+              </p:spPr>
+              <p:txBody>
+                <a:bodyPr vert="horz" wrap="square" lIns="91440" tIns="45720" rIns="91440" bIns="45720" numCol="1" anchor="t" anchorCtr="0" compatLnSpc="1">
+                  <a:prstTxWarp prst="textNoShape">
+                    <a:avLst/>
+                  </a:prstTxWarp>
+                </a:bodyPr>
+                <a:lstStyle/>
+                <a:p>
+                  <a:endParaRPr lang="en-US" dirty="0">
+                    <a:solidFill>
+                      <a:schemeClr val="bg1"/>
+                    </a:solidFill>
+                    <a:latin typeface="Arial" panose="020B0604020202020204" pitchFamily="34" charset="0"/>
+                    <a:cs typeface="Arial" panose="020B0604020202020204" pitchFamily="34" charset="0"/>
+                  </a:endParaRPr>
+                </a:p>
+              </p:txBody>
+            </p:sp>
+            <p:sp>
+              <p:nvSpPr>
+                <p:cNvPr id="20" name="Freeform 19">
+                  <a:extLst>
+                    <a:ext uri="{FF2B5EF4-FFF2-40B4-BE49-F238E27FC236}">
+                      <a16:creationId xmlns:a16="http://schemas.microsoft.com/office/drawing/2014/main" id="{0F08766D-DA82-6D0A-6C01-65B599059061}"/>
+                    </a:ext>
+                  </a:extLst>
+                </p:cNvPr>
+                <p:cNvSpPr>
+                  <a:spLocks/>
+                </p:cNvSpPr>
+                <p:nvPr/>
+              </p:nvSpPr>
+              <p:spPr bwMode="auto">
+                <a:xfrm>
+                  <a:off x="-3409951" y="4311650"/>
+                  <a:ext cx="2901950" cy="2073275"/>
+                </a:xfrm>
+                <a:custGeom>
+                  <a:avLst/>
+                  <a:gdLst>
+                    <a:gd name="T0" fmla="*/ 772 w 772"/>
+                    <a:gd name="T1" fmla="*/ 71 h 552"/>
+                    <a:gd name="T2" fmla="*/ 609 w 772"/>
+                    <a:gd name="T3" fmla="*/ 111 h 552"/>
+                    <a:gd name="T4" fmla="*/ 534 w 772"/>
+                    <a:gd name="T5" fmla="*/ 0 h 552"/>
+                    <a:gd name="T6" fmla="*/ 56 w 772"/>
+                    <a:gd name="T7" fmla="*/ 312 h 552"/>
+                    <a:gd name="T8" fmla="*/ 0 w 772"/>
+                    <a:gd name="T9" fmla="*/ 434 h 552"/>
+                    <a:gd name="T10" fmla="*/ 118 w 772"/>
+                    <a:gd name="T11" fmla="*/ 552 h 552"/>
+                    <a:gd name="T12" fmla="*/ 772 w 772"/>
+                    <a:gd name="T13" fmla="*/ 71 h 552"/>
+                  </a:gdLst>
+                  <a:ahLst/>
+                  <a:cxnLst>
+                    <a:cxn ang="0">
+                      <a:pos x="T0" y="T1"/>
+                    </a:cxn>
+                    <a:cxn ang="0">
+                      <a:pos x="T2" y="T3"/>
+                    </a:cxn>
+                    <a:cxn ang="0">
+                      <a:pos x="T4" y="T5"/>
+                    </a:cxn>
+                    <a:cxn ang="0">
+                      <a:pos x="T6" y="T7"/>
+                    </a:cxn>
+                    <a:cxn ang="0">
+                      <a:pos x="T8" y="T9"/>
+                    </a:cxn>
+                    <a:cxn ang="0">
+                      <a:pos x="T10" y="T11"/>
+                    </a:cxn>
+                    <a:cxn ang="0">
+                      <a:pos x="T12" y="T13"/>
+                    </a:cxn>
+                  </a:cxnLst>
+                  <a:rect l="0" t="0" r="r" b="b"/>
+                  <a:pathLst>
+                    <a:path w="772" h="552">
+                      <a:moveTo>
+                        <a:pt x="772" y="71"/>
+                      </a:moveTo>
+                      <a:cubicBezTo>
+                        <a:pt x="609" y="111"/>
+                        <a:pt x="609" y="111"/>
+                        <a:pt x="609" y="111"/>
+                      </a:cubicBezTo>
+                      <a:cubicBezTo>
+                        <a:pt x="534" y="0"/>
+                        <a:pt x="534" y="0"/>
+                        <a:pt x="534" y="0"/>
+                      </a:cubicBezTo>
+                      <a:cubicBezTo>
+                        <a:pt x="439" y="173"/>
+                        <a:pt x="262" y="295"/>
+                        <a:pt x="56" y="312"/>
+                      </a:cubicBezTo>
+                      <a:cubicBezTo>
+                        <a:pt x="0" y="434"/>
+                        <a:pt x="0" y="434"/>
+                        <a:pt x="0" y="434"/>
+                      </a:cubicBezTo>
+                      <a:cubicBezTo>
+                        <a:pt x="118" y="552"/>
+                        <a:pt x="118" y="552"/>
+                        <a:pt x="118" y="552"/>
+                      </a:cubicBezTo>
+                      <a:cubicBezTo>
+                        <a:pt x="408" y="513"/>
+                        <a:pt x="652" y="327"/>
+                        <a:pt x="772" y="71"/>
+                      </a:cubicBezTo>
+                      <a:close/>
+                    </a:path>
+                  </a:pathLst>
+                </a:custGeom>
+                <a:solidFill>
+                  <a:srgbClr val="79D806"/>
+                </a:solidFill>
+                <a:ln w="9525">
+                  <a:noFill/>
+                  <a:round/>
+                  <a:headEnd/>
+                  <a:tailEnd/>
+                </a:ln>
+              </p:spPr>
+              <p:txBody>
+                <a:bodyPr vert="horz" wrap="square" lIns="91440" tIns="45720" rIns="91440" bIns="45720" numCol="1" anchor="t" anchorCtr="0" compatLnSpc="1">
+                  <a:prstTxWarp prst="textNoShape">
+                    <a:avLst/>
+                  </a:prstTxWarp>
+                </a:bodyPr>
+                <a:lstStyle/>
+                <a:p>
+                  <a:endParaRPr lang="en-US">
+                    <a:solidFill>
+                      <a:schemeClr val="bg1"/>
+                    </a:solidFill>
+                    <a:latin typeface="Arial" panose="020B0604020202020204" pitchFamily="34" charset="0"/>
+                    <a:cs typeface="Arial" panose="020B0604020202020204" pitchFamily="34" charset="0"/>
+                  </a:endParaRPr>
+                </a:p>
+              </p:txBody>
+            </p:sp>
+            <p:sp>
+              <p:nvSpPr>
+                <p:cNvPr id="21" name="Freeform 20">
+                  <a:extLst>
+                    <a:ext uri="{FF2B5EF4-FFF2-40B4-BE49-F238E27FC236}">
+                      <a16:creationId xmlns:a16="http://schemas.microsoft.com/office/drawing/2014/main" id="{61D5C2E6-21AB-766A-AF53-789858F74164}"/>
+                    </a:ext>
+                  </a:extLst>
+                </p:cNvPr>
+                <p:cNvSpPr>
+                  <a:spLocks/>
+                </p:cNvSpPr>
+                <p:nvPr/>
+              </p:nvSpPr>
+              <p:spPr bwMode="auto">
+                <a:xfrm>
+                  <a:off x="-1466851" y="1392238"/>
+                  <a:ext cx="1258888" cy="3252788"/>
+                </a:xfrm>
+                <a:custGeom>
+                  <a:avLst/>
+                  <a:gdLst>
+                    <a:gd name="T0" fmla="*/ 0 w 335"/>
+                    <a:gd name="T1" fmla="*/ 171 h 866"/>
+                    <a:gd name="T2" fmla="*/ 90 w 335"/>
+                    <a:gd name="T3" fmla="*/ 488 h 866"/>
+                    <a:gd name="T4" fmla="*/ 27 w 335"/>
+                    <a:gd name="T5" fmla="*/ 757 h 866"/>
+                    <a:gd name="T6" fmla="*/ 101 w 335"/>
+                    <a:gd name="T7" fmla="*/ 866 h 866"/>
+                    <a:gd name="T8" fmla="*/ 265 w 335"/>
+                    <a:gd name="T9" fmla="*/ 825 h 866"/>
+                    <a:gd name="T10" fmla="*/ 335 w 335"/>
+                    <a:gd name="T11" fmla="*/ 488 h 866"/>
+                    <a:gd name="T12" fmla="*/ 180 w 335"/>
+                    <a:gd name="T13" fmla="*/ 0 h 866"/>
+                    <a:gd name="T14" fmla="*/ 133 w 335"/>
+                    <a:gd name="T15" fmla="*/ 162 h 866"/>
+                    <a:gd name="T16" fmla="*/ 0 w 335"/>
+                    <a:gd name="T17" fmla="*/ 171 h 866"/>
+                  </a:gdLst>
+                  <a:ahLst/>
+                  <a:cxnLst>
+                    <a:cxn ang="0">
+                      <a:pos x="T0" y="T1"/>
+                    </a:cxn>
+                    <a:cxn ang="0">
+                      <a:pos x="T2" y="T3"/>
+                    </a:cxn>
+                    <a:cxn ang="0">
+                      <a:pos x="T4" y="T5"/>
+                    </a:cxn>
+                    <a:cxn ang="0">
+                      <a:pos x="T6" y="T7"/>
+                    </a:cxn>
+                    <a:cxn ang="0">
+                      <a:pos x="T8" y="T9"/>
+                    </a:cxn>
+                    <a:cxn ang="0">
+                      <a:pos x="T10" y="T11"/>
+                    </a:cxn>
+                    <a:cxn ang="0">
+                      <a:pos x="T12" y="T13"/>
+                    </a:cxn>
+                    <a:cxn ang="0">
+                      <a:pos x="T14" y="T15"/>
+                    </a:cxn>
+                    <a:cxn ang="0">
+                      <a:pos x="T16" y="T17"/>
+                    </a:cxn>
+                  </a:cxnLst>
+                  <a:rect l="0" t="0" r="r" b="b"/>
+                  <a:pathLst>
+                    <a:path w="335" h="866">
+                      <a:moveTo>
+                        <a:pt x="0" y="171"/>
+                      </a:moveTo>
+                      <a:cubicBezTo>
+                        <a:pt x="57" y="264"/>
+                        <a:pt x="90" y="372"/>
+                        <a:pt x="90" y="488"/>
+                      </a:cubicBezTo>
+                      <a:cubicBezTo>
+                        <a:pt x="90" y="585"/>
+                        <a:pt x="67" y="676"/>
+                        <a:pt x="27" y="757"/>
+                      </a:cubicBezTo>
+                      <a:cubicBezTo>
+                        <a:pt x="101" y="866"/>
+                        <a:pt x="101" y="866"/>
+                        <a:pt x="101" y="866"/>
+                      </a:cubicBezTo>
+                      <a:cubicBezTo>
+                        <a:pt x="265" y="825"/>
+                        <a:pt x="265" y="825"/>
+                        <a:pt x="265" y="825"/>
+                      </a:cubicBezTo>
+                      <a:cubicBezTo>
+                        <a:pt x="310" y="722"/>
+                        <a:pt x="335" y="608"/>
+                        <a:pt x="335" y="488"/>
+                      </a:cubicBezTo>
+                      <a:cubicBezTo>
+                        <a:pt x="335" y="307"/>
+                        <a:pt x="278" y="138"/>
+                        <a:pt x="180" y="0"/>
+                      </a:cubicBezTo>
+                      <a:cubicBezTo>
+                        <a:pt x="133" y="162"/>
+                        <a:pt x="133" y="162"/>
+                        <a:pt x="133" y="162"/>
+                      </a:cubicBezTo>
+                      <a:lnTo>
+                        <a:pt x="0" y="171"/>
+                      </a:lnTo>
+                      <a:close/>
+                    </a:path>
+                  </a:pathLst>
+                </a:custGeom>
+                <a:solidFill>
+                  <a:srgbClr val="FFF53A"/>
+                </a:solidFill>
+                <a:ln w="9525">
+                  <a:noFill/>
+                  <a:round/>
+                  <a:headEnd/>
+                  <a:tailEnd/>
+                </a:ln>
+              </p:spPr>
+              <p:txBody>
+                <a:bodyPr vert="horz" wrap="square" lIns="91440" tIns="45720" rIns="91440" bIns="45720" numCol="1" anchor="t" anchorCtr="0" compatLnSpc="1">
+                  <a:prstTxWarp prst="textNoShape">
+                    <a:avLst/>
+                  </a:prstTxWarp>
+                </a:bodyPr>
+                <a:lstStyle/>
+                <a:p>
+                  <a:endParaRPr lang="en-US">
+                    <a:solidFill>
+                      <a:schemeClr val="bg1"/>
+                    </a:solidFill>
+                    <a:latin typeface="Arial" panose="020B0604020202020204" pitchFamily="34" charset="0"/>
+                    <a:cs typeface="Arial" panose="020B0604020202020204" pitchFamily="34" charset="0"/>
+                  </a:endParaRPr>
+                </a:p>
+              </p:txBody>
+            </p:sp>
+            <p:sp>
+              <p:nvSpPr>
+                <p:cNvPr id="22" name="Freeform 21">
+                  <a:extLst>
+                    <a:ext uri="{FF2B5EF4-FFF2-40B4-BE49-F238E27FC236}">
+                      <a16:creationId xmlns:a16="http://schemas.microsoft.com/office/drawing/2014/main" id="{176675EC-AED2-2C36-4A57-3F25BFB2B9E7}"/>
+                    </a:ext>
+                  </a:extLst>
+                </p:cNvPr>
+                <p:cNvSpPr>
+                  <a:spLocks/>
+                </p:cNvSpPr>
+                <p:nvPr/>
+              </p:nvSpPr>
+              <p:spPr bwMode="auto">
+                <a:xfrm>
+                  <a:off x="-6580188" y="2154238"/>
+                  <a:ext cx="1300163" cy="2987675"/>
+                </a:xfrm>
+                <a:custGeom>
+                  <a:avLst/>
+                  <a:gdLst>
+                    <a:gd name="T0" fmla="*/ 346 w 346"/>
+                    <a:gd name="T1" fmla="*/ 621 h 795"/>
+                    <a:gd name="T2" fmla="*/ 244 w 346"/>
+                    <a:gd name="T3" fmla="*/ 285 h 795"/>
+                    <a:gd name="T4" fmla="*/ 273 w 346"/>
+                    <a:gd name="T5" fmla="*/ 100 h 795"/>
+                    <a:gd name="T6" fmla="*/ 183 w 346"/>
+                    <a:gd name="T7" fmla="*/ 0 h 795"/>
+                    <a:gd name="T8" fmla="*/ 29 w 346"/>
+                    <a:gd name="T9" fmla="*/ 62 h 795"/>
+                    <a:gd name="T10" fmla="*/ 0 w 346"/>
+                    <a:gd name="T11" fmla="*/ 285 h 795"/>
+                    <a:gd name="T12" fmla="*/ 170 w 346"/>
+                    <a:gd name="T13" fmla="*/ 795 h 795"/>
+                    <a:gd name="T14" fmla="*/ 210 w 346"/>
+                    <a:gd name="T15" fmla="*/ 636 h 795"/>
+                    <a:gd name="T16" fmla="*/ 346 w 346"/>
+                    <a:gd name="T17" fmla="*/ 621 h 795"/>
+                  </a:gdLst>
+                  <a:ahLst/>
+                  <a:cxnLst>
+                    <a:cxn ang="0">
+                      <a:pos x="T0" y="T1"/>
+                    </a:cxn>
+                    <a:cxn ang="0">
+                      <a:pos x="T2" y="T3"/>
+                    </a:cxn>
+                    <a:cxn ang="0">
+                      <a:pos x="T4" y="T5"/>
+                    </a:cxn>
+                    <a:cxn ang="0">
+                      <a:pos x="T6" y="T7"/>
+                    </a:cxn>
+                    <a:cxn ang="0">
+                      <a:pos x="T8" y="T9"/>
+                    </a:cxn>
+                    <a:cxn ang="0">
+                      <a:pos x="T10" y="T11"/>
+                    </a:cxn>
+                    <a:cxn ang="0">
+                      <a:pos x="T12" y="T13"/>
+                    </a:cxn>
+                    <a:cxn ang="0">
+                      <a:pos x="T14" y="T15"/>
+                    </a:cxn>
+                    <a:cxn ang="0">
+                      <a:pos x="T16" y="T17"/>
+                    </a:cxn>
+                  </a:cxnLst>
+                  <a:rect l="0" t="0" r="r" b="b"/>
+                  <a:pathLst>
+                    <a:path w="346" h="795">
+                      <a:moveTo>
+                        <a:pt x="346" y="621"/>
+                      </a:moveTo>
+                      <a:cubicBezTo>
+                        <a:pt x="282" y="525"/>
+                        <a:pt x="244" y="410"/>
+                        <a:pt x="244" y="285"/>
+                      </a:cubicBezTo>
+                      <a:cubicBezTo>
+                        <a:pt x="244" y="221"/>
+                        <a:pt x="255" y="158"/>
+                        <a:pt x="273" y="100"/>
+                      </a:cubicBezTo>
+                      <a:cubicBezTo>
+                        <a:pt x="183" y="0"/>
+                        <a:pt x="183" y="0"/>
+                        <a:pt x="183" y="0"/>
+                      </a:cubicBezTo>
+                      <a:cubicBezTo>
+                        <a:pt x="29" y="62"/>
+                        <a:pt x="29" y="62"/>
+                        <a:pt x="29" y="62"/>
+                      </a:cubicBezTo>
+                      <a:cubicBezTo>
+                        <a:pt x="10" y="133"/>
+                        <a:pt x="0" y="208"/>
+                        <a:pt x="0" y="285"/>
+                      </a:cubicBezTo>
+                      <a:cubicBezTo>
+                        <a:pt x="0" y="476"/>
+                        <a:pt x="63" y="653"/>
+                        <a:pt x="170" y="795"/>
+                      </a:cubicBezTo>
+                      <a:cubicBezTo>
+                        <a:pt x="210" y="636"/>
+                        <a:pt x="210" y="636"/>
+                        <a:pt x="210" y="636"/>
+                      </a:cubicBezTo>
+                      <a:lnTo>
+                        <a:pt x="346" y="621"/>
+                      </a:lnTo>
+                      <a:close/>
+                    </a:path>
+                  </a:pathLst>
+                </a:custGeom>
+                <a:solidFill>
+                  <a:srgbClr val="FF3D3F"/>
+                </a:solidFill>
+                <a:ln w="9525">
+                  <a:noFill/>
+                  <a:round/>
+                  <a:headEnd/>
+                  <a:tailEnd/>
+                </a:ln>
+              </p:spPr>
+              <p:txBody>
+                <a:bodyPr vert="horz" wrap="square" lIns="91440" tIns="45720" rIns="91440" bIns="45720" numCol="1" anchor="t" anchorCtr="0" compatLnSpc="1">
+                  <a:prstTxWarp prst="textNoShape">
+                    <a:avLst/>
+                  </a:prstTxWarp>
+                </a:bodyPr>
+                <a:lstStyle/>
+                <a:p>
+                  <a:endParaRPr lang="en-US">
+                    <a:solidFill>
+                      <a:schemeClr val="bg1"/>
+                    </a:solidFill>
+                    <a:latin typeface="Arial" panose="020B0604020202020204" pitchFamily="34" charset="0"/>
+                    <a:cs typeface="Arial" panose="020B0604020202020204" pitchFamily="34" charset="0"/>
+                  </a:endParaRPr>
+                </a:p>
+              </p:txBody>
+            </p:sp>
+          </p:grpSp>
+          <p:sp>
+            <p:nvSpPr>
+              <p:cNvPr id="15" name="TextBox 14">
+                <a:extLst>
+                  <a:ext uri="{FF2B5EF4-FFF2-40B4-BE49-F238E27FC236}">
+                    <a16:creationId xmlns:a16="http://schemas.microsoft.com/office/drawing/2014/main" id="{942474CF-CE89-3206-36C9-334990AADCE5}"/>
+                  </a:ext>
+                </a:extLst>
+              </p:cNvPr>
+              <p:cNvSpPr txBox="1"/>
+              <p:nvPr/>
+            </p:nvSpPr>
+            <p:spPr>
+              <a:xfrm rot="19347858">
+                <a:off x="1339383" y="1910051"/>
+                <a:ext cx="2853145" cy="1990673"/>
+              </a:xfrm>
+              <a:prstGeom prst="rect">
+                <a:avLst/>
+              </a:prstGeom>
+              <a:noFill/>
+            </p:spPr>
+            <p:txBody>
+              <a:bodyPr wrap="none" rtlCol="0">
+                <a:prstTxWarp prst="textArchUp">
+                  <a:avLst>
+                    <a:gd name="adj" fmla="val 8626940"/>
+                  </a:avLst>
+                </a:prstTxWarp>
+                <a:spAutoFit/>
+              </a:bodyPr>
+              <a:lstStyle/>
+              <a:p>
+                <a:pPr algn="ctr">
+                  <a:lnSpc>
+                    <a:spcPct val="90000"/>
+                  </a:lnSpc>
+                </a:pPr>
+                <a:r>
+                  <a:rPr lang="bg-BG" sz="2000" b="1" dirty="0">
+                    <a:solidFill>
+                      <a:srgbClr val="000000"/>
+                    </a:solidFill>
+                    <a:cs typeface="Calibri" panose="020F0502020204030204" pitchFamily="34" charset="0"/>
+                  </a:rPr>
+                  <a:t>Оптимизация</a:t>
+                </a:r>
+              </a:p>
+            </p:txBody>
+          </p:sp>
+          <p:sp>
+            <p:nvSpPr>
+              <p:cNvPr id="16" name="TextBox 15">
+                <a:extLst>
+                  <a:ext uri="{FF2B5EF4-FFF2-40B4-BE49-F238E27FC236}">
+                    <a16:creationId xmlns:a16="http://schemas.microsoft.com/office/drawing/2014/main" id="{B14462DB-BE8E-04E9-52D4-C1B9BA7376FD}"/>
+                  </a:ext>
+                </a:extLst>
+              </p:cNvPr>
+              <p:cNvSpPr txBox="1"/>
+              <p:nvPr/>
+            </p:nvSpPr>
+            <p:spPr>
+              <a:xfrm rot="1430453">
+                <a:off x="2500631" y="1819971"/>
+                <a:ext cx="2853145" cy="1990673"/>
+              </a:xfrm>
+              <a:prstGeom prst="rect">
+                <a:avLst/>
+              </a:prstGeom>
+              <a:noFill/>
+            </p:spPr>
+            <p:txBody>
+              <a:bodyPr wrap="none" rtlCol="0">
+                <a:prstTxWarp prst="textArchUp">
+                  <a:avLst>
+                    <a:gd name="adj" fmla="val 8626940"/>
+                  </a:avLst>
+                </a:prstTxWarp>
+                <a:spAutoFit/>
+              </a:bodyPr>
+              <a:lstStyle/>
+              <a:p>
+                <a:pPr algn="ctr">
+                  <a:lnSpc>
+                    <a:spcPct val="90000"/>
+                  </a:lnSpc>
+                </a:pPr>
+                <a:r>
+                  <a:rPr lang="bg-BG" sz="2000" b="1" dirty="0">
+                    <a:solidFill>
+                      <a:srgbClr val="000000"/>
+                    </a:solidFill>
+                    <a:latin typeface="Calibri" panose="020F0502020204030204" pitchFamily="34" charset="0"/>
+                    <a:cs typeface="Calibri" panose="020F0502020204030204" pitchFamily="34" charset="0"/>
+                  </a:rPr>
+                  <a:t>Планиране</a:t>
+                </a:r>
+              </a:p>
+            </p:txBody>
+          </p:sp>
+        </p:grpSp>
+        <p:sp>
+          <p:nvSpPr>
+            <p:cNvPr id="10" name="TextBox 9">
+              <a:extLst>
+                <a:ext uri="{FF2B5EF4-FFF2-40B4-BE49-F238E27FC236}">
+                  <a16:creationId xmlns:a16="http://schemas.microsoft.com/office/drawing/2014/main" id="{12ABC204-DA7B-EB00-C593-6C47A29B21CE}"/>
+                </a:ext>
+              </a:extLst>
+            </p:cNvPr>
+            <p:cNvSpPr txBox="1"/>
+            <p:nvPr/>
+          </p:nvSpPr>
+          <p:spPr>
+            <a:xfrm rot="16004287">
+              <a:off x="6149098" y="3049866"/>
+              <a:ext cx="2853145" cy="1990673"/>
+            </a:xfrm>
+            <a:prstGeom prst="rect">
+              <a:avLst/>
+            </a:prstGeom>
+            <a:noFill/>
+          </p:spPr>
+          <p:txBody>
+            <a:bodyPr wrap="none" rtlCol="0">
+              <a:prstTxWarp prst="textArchDown">
+                <a:avLst/>
+              </a:prstTxWarp>
+              <a:spAutoFit/>
+            </a:bodyPr>
+            <a:lstStyle/>
+            <a:p>
+              <a:pPr algn="ctr">
+                <a:lnSpc>
+                  <a:spcPct val="90000"/>
+                </a:lnSpc>
+              </a:pPr>
+              <a:r>
+                <a:rPr lang="bg-BG" sz="2200" b="1" dirty="0">
+                  <a:solidFill>
+                    <a:srgbClr val="000000"/>
+                  </a:solidFill>
+                  <a:latin typeface="Calibri" panose="020F0502020204030204" pitchFamily="34" charset="0"/>
+                  <a:cs typeface="Calibri" panose="020F0502020204030204" pitchFamily="34" charset="0"/>
+                </a:rPr>
+                <a:t>Проектиране</a:t>
+              </a:r>
+            </a:p>
+            <a:p>
+              <a:pPr algn="ctr">
+                <a:lnSpc>
+                  <a:spcPct val="90000"/>
+                </a:lnSpc>
+              </a:pPr>
+              <a:r>
+                <a:rPr lang="bg-BG" sz="2200" b="1" dirty="0">
+                  <a:solidFill>
+                    <a:srgbClr val="000000"/>
+                  </a:solidFill>
+                  <a:latin typeface="Calibri" panose="020F0502020204030204" pitchFamily="34" charset="0"/>
+                  <a:cs typeface="Calibri" panose="020F0502020204030204" pitchFamily="34" charset="0"/>
+                </a:rPr>
+                <a:t>и графичен дизайн</a:t>
+              </a:r>
+              <a:endParaRPr lang="en-US" sz="2200" b="1" dirty="0">
+                <a:solidFill>
+                  <a:srgbClr val="000000"/>
+                </a:solidFill>
+                <a:latin typeface="Calibri" panose="020F0502020204030204" pitchFamily="34" charset="0"/>
+                <a:cs typeface="Calibri" panose="020F0502020204030204" pitchFamily="34" charset="0"/>
+              </a:endParaRPr>
+            </a:p>
+          </p:txBody>
+        </p:sp>
+        <p:sp>
+          <p:nvSpPr>
+            <p:cNvPr id="11" name="TextBox 10">
+              <a:extLst>
+                <a:ext uri="{FF2B5EF4-FFF2-40B4-BE49-F238E27FC236}">
+                  <a16:creationId xmlns:a16="http://schemas.microsoft.com/office/drawing/2014/main" id="{0790F511-7D2D-3A0D-265D-82D532D09685}"/>
+                </a:ext>
+              </a:extLst>
+            </p:cNvPr>
+            <p:cNvSpPr txBox="1"/>
+            <p:nvPr/>
+          </p:nvSpPr>
+          <p:spPr>
+            <a:xfrm rot="19886401">
+              <a:off x="5619407" y="4256444"/>
+              <a:ext cx="2853145" cy="1990673"/>
+            </a:xfrm>
+            <a:prstGeom prst="rect">
+              <a:avLst/>
+            </a:prstGeom>
+            <a:noFill/>
+          </p:spPr>
+          <p:txBody>
+            <a:bodyPr wrap="none" rtlCol="0">
+              <a:prstTxWarp prst="textArchDown">
+                <a:avLst/>
+              </a:prstTxWarp>
+              <a:spAutoFit/>
+            </a:bodyPr>
+            <a:lstStyle/>
+            <a:p>
+              <a:pPr algn="ctr">
+                <a:lnSpc>
+                  <a:spcPct val="90000"/>
+                </a:lnSpc>
+              </a:pPr>
+              <a:r>
+                <a:rPr lang="bg-BG" sz="2200" b="1" dirty="0">
+                  <a:solidFill>
+                    <a:srgbClr val="000000"/>
+                  </a:solidFill>
+                  <a:latin typeface="Calibri" panose="020F0502020204030204" pitchFamily="34" charset="0"/>
+                  <a:cs typeface="Calibri" panose="020F0502020204030204" pitchFamily="34" charset="0"/>
+                </a:rPr>
+                <a:t>Изграждане</a:t>
+              </a:r>
+              <a:endParaRPr lang="en-US" sz="2200" b="1" dirty="0">
+                <a:solidFill>
+                  <a:srgbClr val="000000"/>
+                </a:solidFill>
+                <a:latin typeface="Calibri" panose="020F0502020204030204" pitchFamily="34" charset="0"/>
+                <a:cs typeface="Calibri" panose="020F0502020204030204" pitchFamily="34" charset="0"/>
+              </a:endParaRPr>
+            </a:p>
+          </p:txBody>
+        </p:sp>
+        <p:sp>
+          <p:nvSpPr>
+            <p:cNvPr id="12" name="TextBox 11">
+              <a:extLst>
+                <a:ext uri="{FF2B5EF4-FFF2-40B4-BE49-F238E27FC236}">
+                  <a16:creationId xmlns:a16="http://schemas.microsoft.com/office/drawing/2014/main" id="{5DF6EEC0-36A9-2747-7048-2436AE8ACF16}"/>
+                </a:ext>
+              </a:extLst>
+            </p:cNvPr>
+            <p:cNvSpPr txBox="1"/>
+            <p:nvPr/>
+          </p:nvSpPr>
+          <p:spPr>
+            <a:xfrm rot="1694651">
+              <a:off x="4248404" y="4206458"/>
+              <a:ext cx="2853145" cy="1990673"/>
+            </a:xfrm>
+            <a:prstGeom prst="rect">
+              <a:avLst/>
+            </a:prstGeom>
+            <a:noFill/>
+          </p:spPr>
+          <p:txBody>
+            <a:bodyPr wrap="none" rtlCol="0">
+              <a:prstTxWarp prst="textArchDown">
+                <a:avLst/>
+              </a:prstTxWarp>
+              <a:spAutoFit/>
+            </a:bodyPr>
+            <a:lstStyle/>
+            <a:p>
+              <a:pPr algn="ctr">
+                <a:lnSpc>
+                  <a:spcPct val="90000"/>
+                </a:lnSpc>
+              </a:pPr>
+              <a:r>
+                <a:rPr lang="bg-BG" sz="2200" b="1" dirty="0">
+                  <a:solidFill>
+                    <a:srgbClr val="000000"/>
+                  </a:solidFill>
+                  <a:latin typeface="Calibri" panose="020F0502020204030204" pitchFamily="34" charset="0"/>
+                  <a:cs typeface="Calibri" panose="020F0502020204030204" pitchFamily="34" charset="0"/>
+                </a:rPr>
+                <a:t>Тестване</a:t>
+              </a:r>
+              <a:endParaRPr lang="en-US" sz="2200" b="1" dirty="0">
+                <a:solidFill>
+                  <a:srgbClr val="000000"/>
+                </a:solidFill>
+                <a:latin typeface="Calibri" panose="020F0502020204030204" pitchFamily="34" charset="0"/>
+                <a:cs typeface="Calibri" panose="020F0502020204030204" pitchFamily="34" charset="0"/>
+              </a:endParaRPr>
+            </a:p>
+          </p:txBody>
+        </p:sp>
+        <p:sp>
+          <p:nvSpPr>
+            <p:cNvPr id="13" name="TextBox 12">
+              <a:extLst>
+                <a:ext uri="{FF2B5EF4-FFF2-40B4-BE49-F238E27FC236}">
+                  <a16:creationId xmlns:a16="http://schemas.microsoft.com/office/drawing/2014/main" id="{00160D76-1081-CB9F-EFEC-814D6B3DAA35}"/>
+                </a:ext>
+              </a:extLst>
+            </p:cNvPr>
+            <p:cNvSpPr txBox="1"/>
+            <p:nvPr/>
+          </p:nvSpPr>
+          <p:spPr>
+            <a:xfrm rot="5156243">
+              <a:off x="3566377" y="3137613"/>
+              <a:ext cx="2853145" cy="1990673"/>
+            </a:xfrm>
+            <a:prstGeom prst="rect">
+              <a:avLst/>
+            </a:prstGeom>
+            <a:noFill/>
+          </p:spPr>
+          <p:txBody>
+            <a:bodyPr wrap="none" rtlCol="0">
+              <a:prstTxWarp prst="textArchDown">
+                <a:avLst/>
+              </a:prstTxWarp>
+              <a:spAutoFit/>
+            </a:bodyPr>
+            <a:lstStyle/>
+            <a:p>
+              <a:pPr algn="ctr">
+                <a:lnSpc>
+                  <a:spcPct val="90000"/>
+                </a:lnSpc>
+              </a:pPr>
+              <a:r>
+                <a:rPr lang="bg-BG" sz="2200" b="1" dirty="0">
+                  <a:solidFill>
+                    <a:srgbClr val="000000"/>
+                  </a:solidFill>
+                  <a:latin typeface="Calibri" panose="020F0502020204030204" pitchFamily="34" charset="0"/>
+                  <a:cs typeface="Calibri" panose="020F0502020204030204" pitchFamily="34" charset="0"/>
+                </a:rPr>
+                <a:t>Публикуване</a:t>
+              </a:r>
+              <a:endParaRPr lang="en-US" sz="2200" b="1" dirty="0">
+                <a:solidFill>
+                  <a:srgbClr val="000000"/>
+                </a:solidFill>
+                <a:latin typeface="Calibri" panose="020F0502020204030204" pitchFamily="34" charset="0"/>
+                <a:cs typeface="Calibri" panose="020F0502020204030204" pitchFamily="34" charset="0"/>
+              </a:endParaRPr>
+            </a:p>
+          </p:txBody>
+        </p:sp>
+      </p:grpSp>
       <p:sp>
         <p:nvSpPr>
-          <p:cNvPr id="7" name="Text Placeholder 6">
+          <p:cNvPr id="25" name="Text Placeholder 6">
             <a:extLst>
               <a:ext uri="{FF2B5EF4-FFF2-40B4-BE49-F238E27FC236}">
-                <a16:creationId xmlns:a16="http://schemas.microsoft.com/office/drawing/2014/main" id="{FBFEFCDD-E454-D1E7-D67F-EE67BB2A7ACE}"/>
+                <a16:creationId xmlns:a16="http://schemas.microsoft.com/office/drawing/2014/main" id="{3387EFE4-8AA8-E843-B1A5-1B1F1D86C967}"/>
               </a:ext>
             </a:extLst>
           </p:cNvPr>
@@ -34797,7 +36604,12 @@
             <p:ph type="body" sz="quarter" idx="10"/>
           </p:nvPr>
         </p:nvSpPr>
-        <p:spPr/>
+        <p:spPr>
+          <a:xfrm>
+            <a:off x="190401" y="1196125"/>
+            <a:ext cx="6486799" cy="5528766"/>
+          </a:xfrm>
+        </p:spPr>
         <p:txBody>
           <a:bodyPr>
             <a:normAutofit/>
@@ -34805,19 +36617,44 @@
           <a:lstStyle/>
           <a:p>
             <a:r>
-              <a:rPr lang="bg-BG" sz="3600" b="1" dirty="0">
+              <a:rPr lang="bg-BG" sz="3200" b="1" dirty="0">
                 <a:solidFill>
                   <a:schemeClr val="bg1"/>
                 </a:solidFill>
               </a:rPr>
-              <a:t>Планиране</a:t>
-            </a:r>
-          </a:p>
-          <a:p>
-            <a:pPr lvl="1"/>
+              <a:t>Етапите</a:t>
+            </a:r>
+            <a:r>
+              <a:rPr lang="bg-BG" sz="3200" dirty="0"/>
+              <a:t> при </a:t>
+            </a:r>
             <a:r>
               <a:rPr lang="bg-BG" sz="3200" b="1" dirty="0"/>
-              <a:t>Определяне</a:t>
+              <a:t>създаване на уеб сайт</a:t>
+            </a:r>
+            <a:r>
+              <a:rPr lang="bg-BG" sz="3200" dirty="0"/>
+              <a:t> осигуряват </a:t>
+            </a:r>
+            <a:r>
+              <a:rPr lang="bg-BG" sz="3200" b="1" dirty="0">
+                <a:solidFill>
+                  <a:schemeClr val="bg1"/>
+                </a:solidFill>
+              </a:rPr>
+              <a:t>последователност</a:t>
+            </a:r>
+            <a:r>
+              <a:rPr lang="bg-BG" sz="3200" dirty="0"/>
+              <a:t> и </a:t>
+            </a:r>
+            <a:r>
+              <a:rPr lang="bg-BG" sz="3200" b="1" dirty="0">
+                <a:solidFill>
+                  <a:schemeClr val="bg1"/>
+                </a:solidFill>
+              </a:rPr>
+              <a:t>качество</a:t>
             </a:r>
             <a:r>
               <a:rPr lang="bg-BG" sz="3200" dirty="0"/>
@@ -34825,136 +36662,94 @@
             </a:r>
             <a:r>
               <a:rPr lang="bg-BG" sz="3200" b="1" dirty="0"/>
-              <a:t>целта</a:t>
-            </a:r>
+              <a:t>работата</a:t>
+            </a:r>
+          </a:p>
+          <a:p>
             <a:r>
               <a:rPr lang="bg-BG" sz="3200" dirty="0"/>
-              <a:t> и </a:t>
+              <a:t>Помагат за </a:t>
+            </a:r>
+            <a:r>
+              <a:rPr lang="bg-BG" sz="3200" b="1" dirty="0">
+                <a:solidFill>
+                  <a:schemeClr val="bg1"/>
+                </a:solidFill>
+              </a:rPr>
+              <a:t>плавен процес </a:t>
             </a:r>
             <a:r>
               <a:rPr lang="bg-BG" sz="3200" b="1" dirty="0"/>
-              <a:t>аудиторията</a:t>
-            </a:r>
-          </a:p>
-          <a:p>
-            <a:r>
-              <a:rPr lang="bg-BG" sz="3600" b="1" dirty="0">
-                <a:solidFill>
-                  <a:schemeClr val="bg1"/>
-                </a:solidFill>
-              </a:rPr>
-              <a:t>Проектиране и графичен дизайн</a:t>
-            </a:r>
-          </a:p>
-          <a:p>
-            <a:pPr lvl="1"/>
+              <a:t>от идеята до готовия уеб сайт</a:t>
+            </a:r>
+          </a:p>
+          <a:p>
+            <a:r>
+              <a:rPr lang="bg-BG" sz="3200" dirty="0"/>
+              <a:t>Основните етапи са: </a:t>
+            </a:r>
             <a:r>
               <a:rPr lang="bg-BG" sz="3200" b="1" dirty="0"/>
-              <a:t>Създаване</a:t>
+              <a:t>планиране</a:t>
             </a:r>
             <a:r>
               <a:rPr lang="bg-BG" sz="3200" dirty="0"/>
-              <a:t> на </a:t>
+              <a:t>, </a:t>
             </a:r>
             <a:r>
               <a:rPr lang="bg-BG" sz="3200" b="1" dirty="0"/>
-              <a:t>структура</a:t>
+              <a:t>проектиране и графичен дизайн</a:t>
             </a:r>
             <a:r>
               <a:rPr lang="bg-BG" sz="3200" dirty="0"/>
-              <a:t> и </a:t>
+              <a:t>, </a:t>
             </a:r>
             <a:r>
               <a:rPr lang="bg-BG" sz="3200" b="1" dirty="0"/>
-              <a:t>дизайн</a:t>
-            </a:r>
-          </a:p>
-          <a:p>
-            <a:r>
-              <a:rPr lang="bg-BG" sz="3600" b="1" dirty="0">
-                <a:solidFill>
-                  <a:schemeClr val="bg1"/>
-                </a:solidFill>
-              </a:rPr>
-              <a:t>Изграждане</a:t>
-            </a:r>
-          </a:p>
-          <a:p>
-            <a:pPr lvl="1"/>
+              <a:t>изграждане</a:t>
+            </a:r>
+            <a:r>
+              <a:rPr lang="bg-BG" sz="3200" dirty="0"/>
+              <a:t>, </a:t>
+            </a:r>
             <a:r>
               <a:rPr lang="bg-BG" sz="3200" b="1" dirty="0"/>
-              <a:t>Разработване</a:t>
+              <a:t>тестване</a:t>
             </a:r>
             <a:r>
               <a:rPr lang="bg-BG" sz="3200" dirty="0"/>
-              <a:t> (</a:t>
+              <a:t>, </a:t>
             </a:r>
             <a:r>
               <a:rPr lang="bg-BG" sz="3200" b="1" dirty="0"/>
-              <a:t>програмиране</a:t>
-            </a:r>
-            <a:r>
-              <a:rPr lang="en-US" sz="3200" dirty="0"/>
-              <a:t>) </a:t>
+              <a:t>публикуване</a:t>
             </a:r>
             <a:r>
               <a:rPr lang="bg-BG" sz="3200" dirty="0"/>
-              <a:t>на уеб сайта</a:t>
+              <a:t>, </a:t>
+            </a:r>
+            <a:r>
+              <a:rPr lang="bg-BG" sz="3200" b="1" dirty="0"/>
+              <a:t>оптимизация</a:t>
             </a:r>
           </a:p>
         </p:txBody>
       </p:sp>
-      <p:pic>
-        <p:nvPicPr>
-          <p:cNvPr id="8" name="Picture 7">
-            <a:extLst>
-              <a:ext uri="{FF2B5EF4-FFF2-40B4-BE49-F238E27FC236}">
-                <a16:creationId xmlns:a16="http://schemas.microsoft.com/office/drawing/2014/main" id="{4D0C6560-C229-143E-AB74-6F62D9B899CE}"/>
-              </a:ext>
-            </a:extLst>
-          </p:cNvPr>
-          <p:cNvPicPr>
-            <a:picLocks noChangeAspect="1"/>
-          </p:cNvPicPr>
-          <p:nvPr/>
-        </p:nvPicPr>
-        <p:blipFill>
-          <a:blip r:embed="rId2">
-            <a:extLst>
-              <a:ext uri="{28A0092B-C50C-407E-A947-70E740481C1C}">
-                <a14:useLocalDpi xmlns:a14="http://schemas.microsoft.com/office/drawing/2010/main" val="0"/>
-              </a:ext>
-            </a:extLst>
-          </a:blip>
-          <a:stretch>
-            <a:fillRect/>
-          </a:stretch>
-        </p:blipFill>
-        <p:spPr>
-          <a:xfrm>
-            <a:off x="8931000" y="1539000"/>
-            <a:ext cx="2583818" cy="4487684"/>
-          </a:xfrm>
-          <a:prstGeom prst="rect">
-            <a:avLst/>
-          </a:prstGeom>
-        </p:spPr>
-      </p:pic>
     </p:spTree>
     <p:extLst>
       <p:ext uri="{BB962C8B-B14F-4D97-AF65-F5344CB8AC3E}">
-        <p14:creationId xmlns:p14="http://schemas.microsoft.com/office/powerpoint/2010/main" val="1620674740"/>
+        <p14:creationId xmlns:p14="http://schemas.microsoft.com/office/powerpoint/2010/main" val="8768823"/>
       </p:ext>
     </p:extLst>
   </p:cSld>
   <p:clrMapOvr>
     <a:masterClrMapping/>
   </p:clrMapOvr>
-  <mc:AlternateContent xmlns:mc="http://schemas.openxmlformats.org/markup-compatibility/2006" xmlns:p14="http://schemas.microsoft.com/office/powerpoint/2010/main">
-    <mc:Choice Requires="p14">
+  <mc:AlternateContent xmlns:mc="http://schemas.openxmlformats.org/markup-compatibility/2006">
+    <mc:Choice xmlns:p14="http://schemas.microsoft.com/office/powerpoint/2010/main" Requires="p14">
       <p:transition spd="slow" p14:dur="2000" advClick="0" advTm="5000"/>
     </mc:Choice>
-    <mc:Fallback xmlns="">
+    <mc:Fallback>
       <p:transition spd="slow" advClick="0" advTm="5000"/>
     </mc:Fallback>
   </mc:AlternateContent>
@@ -34992,7 +36787,7 @@
                                           </p:stCondLst>
                                         </p:cTn>
                                         <p:tgtEl>
-                                          <p:spTgt spid="7">
+                                          <p:spTgt spid="25">
                                             <p:txEl>
                                               <p:pRg st="1" end="1"/>
                                             </p:txEl>
@@ -35041,7 +36836,7 @@
                                           </p:stCondLst>
                                         </p:cTn>
                                         <p:tgtEl>
-                                          <p:spTgt spid="7">
+                                          <p:spTgt spid="25">
                                             <p:txEl>
                                               <p:pRg st="2" end="2"/>
                                             </p:txEl>
@@ -35090,109 +36885,7 @@
                                           </p:stCondLst>
                                         </p:cTn>
                                         <p:tgtEl>
-                                          <p:spTgt spid="7">
-                                            <p:txEl>
-                                              <p:pRg st="3" end="3"/>
-                                            </p:txEl>
-                                          </p:spTgt>
-                                        </p:tgtEl>
-                                        <p:attrNameLst>
-                                          <p:attrName>style.visibility</p:attrName>
-                                        </p:attrNameLst>
-                                      </p:cBhvr>
-                                      <p:to>
-                                        <p:strVal val="visible"/>
-                                      </p:to>
-                                    </p:set>
-                                  </p:childTnLst>
-                                </p:cTn>
-                              </p:par>
-                            </p:childTnLst>
-                          </p:cTn>
-                        </p:par>
-                      </p:childTnLst>
-                    </p:cTn>
-                  </p:par>
-                  <p:par>
-                    <p:cTn id="15" fill="hold">
-                      <p:stCondLst>
-                        <p:cond delay="indefinite"/>
-                      </p:stCondLst>
-                      <p:childTnLst>
-                        <p:par>
-                          <p:cTn id="16" fill="hold">
-                            <p:stCondLst>
-                              <p:cond delay="0"/>
-                            </p:stCondLst>
-                            <p:childTnLst>
-                              <p:par>
-                                <p:cTn id="17" presetID="1" presetClass="entr" presetSubtype="0" fill="hold" nodeType="clickEffect">
-                                  <p:stCondLst>
-                                    <p:cond delay="0"/>
-                                  </p:stCondLst>
-                                  <p:childTnLst>
-                                    <p:set>
-                                      <p:cBhvr>
-                                        <p:cTn id="18" dur="1" fill="hold">
-                                          <p:stCondLst>
-                                            <p:cond delay="0"/>
-                                          </p:stCondLst>
-                                        </p:cTn>
-                                        <p:tgtEl>
-                                          <p:spTgt spid="7">
-                                            <p:txEl>
-                                              <p:pRg st="4" end="4"/>
-                                            </p:txEl>
-                                          </p:spTgt>
-                                        </p:tgtEl>
-                                        <p:attrNameLst>
-                                          <p:attrName>style.visibility</p:attrName>
-                                        </p:attrNameLst>
-                                      </p:cBhvr>
-                                      <p:to>
-                                        <p:strVal val="visible"/>
-                                      </p:to>
-                                    </p:set>
-                                  </p:childTnLst>
-                                </p:cTn>
-                              </p:par>
-                            </p:childTnLst>
-                          </p:cTn>
-                        </p:par>
-                      </p:childTnLst>
-                    </p:cTn>
-                  </p:par>
-                  <p:par>
-                    <p:cTn id="19" fill="hold">
-                      <p:stCondLst>
-                        <p:cond delay="indefinite"/>
-                      </p:stCondLst>
-                      <p:childTnLst>
-                        <p:par>
-                          <p:cTn id="20" fill="hold">
-                            <p:stCondLst>
-                              <p:cond delay="0"/>
-                            </p:stCondLst>
-                            <p:childTnLst>
-                              <p:par>
-                                <p:cTn id="21" presetID="1" presetClass="entr" presetSubtype="0" fill="hold" nodeType="clickEffect">
-                                  <p:stCondLst>
-                                    <p:cond delay="0"/>
-                                  </p:stCondLst>
-                                  <p:childTnLst>
-                                    <p:set>
-                                      <p:cBhvr>
-                                        <p:cTn id="22" dur="1" fill="hold">
-                                          <p:stCondLst>
-                                            <p:cond delay="0"/>
-                                          </p:stCondLst>
-                                        </p:cTn>
-                                        <p:tgtEl>
-                                          <p:spTgt spid="7">
-                                            <p:txEl>
-                                              <p:pRg st="5" end="5"/>
-                                            </p:txEl>
-                                          </p:spTgt>
+                                          <p:spTgt spid="8"/>
                                         </p:tgtEl>
                                         <p:attrNameLst>
                                           <p:attrName>style.visibility</p:attrName>

--- a/Courses/Software-Sciences/IT-Module-3-Web-Design/01-Websites/01-Websites.pptx
+++ b/Courses/Software-Sciences/IT-Module-3-Web-Design/01-Websites/01-Websites.pptx
@@ -44,10 +44,10 @@
     <p:sldId id="653" r:id="rId32"/>
     <p:sldId id="788" r:id="rId33"/>
     <p:sldId id="654" r:id="rId34"/>
-    <p:sldId id="795" r:id="rId35"/>
-    <p:sldId id="792" r:id="rId36"/>
-    <p:sldId id="793" r:id="rId37"/>
-    <p:sldId id="794" r:id="rId38"/>
+    <p:sldId id="797" r:id="rId35"/>
+    <p:sldId id="799" r:id="rId36"/>
+    <p:sldId id="800" r:id="rId37"/>
+    <p:sldId id="798" r:id="rId38"/>
     <p:sldId id="633" r:id="rId39"/>
     <p:sldId id="504" r:id="rId40"/>
     <p:sldId id="505" r:id="rId41"/>
@@ -207,10 +207,10 @@
         <p14:section name="Демо" id="{276EAB92-AF41-DD42-AFD3-D1ABB239E1A7}">
           <p14:sldIdLst>
             <p14:sldId id="654"/>
-            <p14:sldId id="795"/>
-            <p14:sldId id="792"/>
-            <p14:sldId id="793"/>
-            <p14:sldId id="794"/>
+            <p14:sldId id="797"/>
+            <p14:sldId id="799"/>
+            <p14:sldId id="800"/>
+            <p14:sldId id="798"/>
           </p14:sldIdLst>
         </p14:section>
         <p14:section name="Заключение" id="{E19D07F1-86E2-47E9-B2AB-7ADC4F89DC12}">
@@ -356,7 +356,7 @@
           <a:p>
             <a:fld id="{4E087215-0C8F-4762-A664-737A353EC9A4}" type="datetimeFigureOut">
               <a:rPr lang="bg-BG" smtClean="0"/>
-              <a:t>16.10.25 г.</a:t>
+              <a:t>18.10.25 г.</a:t>
             </a:fld>
             <a:endParaRPr lang="bg-BG"/>
           </a:p>
@@ -552,7 +552,7 @@
           <a:p>
             <a:fld id="{72D84649-876A-46C9-8472-14CB09C070D8}" type="datetimeFigureOut">
               <a:rPr lang="en-US" smtClean="0"/>
-              <a:t>10/16/25</a:t>
+              <a:t>10/18/25</a:t>
             </a:fld>
             <a:endParaRPr lang="en-US"/>
           </a:p>
@@ -4486,7 +4486,7 @@
           <a:bodyPr/>
           <a:lstStyle/>
           <a:p>
-            <a:endParaRPr lang="en-US"/>
+            <a:endParaRPr lang="en-US" dirty="0"/>
           </a:p>
         </p:txBody>
       </p:sp>
@@ -4495,7 +4495,7 @@
           <p:cNvPr id="7" name="Slide Number Placeholder 5">
             <a:extLst>
               <a:ext uri="{FF2B5EF4-FFF2-40B4-BE49-F238E27FC236}">
-                <a16:creationId xmlns:a16="http://schemas.microsoft.com/office/drawing/2014/main" id="{BD88B0D8-949C-482D-990A-2DAB14AD4AD1}"/>
+                <a16:creationId xmlns:a16="http://schemas.microsoft.com/office/drawing/2014/main" id="{E65F1CA9-65DC-416B-8882-B3A5E415CE67}"/>
               </a:ext>
             </a:extLst>
           </p:cNvPr>
@@ -4614,7 +4614,7 @@
             <a:fld id="{3EBA5BD7-F043-4D1B-AA17-CD412FC534DE}" type="slidenum">
               <a:rPr lang="en-US" smtClean="0"/>
               <a:pPr/>
-              <a:t>34</a:t>
+              <a:t>38</a:t>
             </a:fld>
             <a:endParaRPr lang="en-US" dirty="0"/>
           </a:p>
@@ -4622,10 +4622,10 @@
       </p:sp>
       <p:sp>
         <p:nvSpPr>
-          <p:cNvPr id="4" name="Footer Placeholder 3">
+          <p:cNvPr id="5" name="Footer Placeholder 7">
             <a:extLst>
               <a:ext uri="{FF2B5EF4-FFF2-40B4-BE49-F238E27FC236}">
-                <a16:creationId xmlns:a16="http://schemas.microsoft.com/office/drawing/2014/main" id="{58474633-D38D-4432-867B-70F325FA7016}"/>
+                <a16:creationId xmlns:a16="http://schemas.microsoft.com/office/drawing/2014/main" id="{43FAF785-0C8D-730E-8E59-68198DC82CE0}"/>
               </a:ext>
             </a:extLst>
           </p:cNvPr>
@@ -4636,33 +4636,49 @@
             <p:ph type="ftr" sz="quarter" idx="4"/>
           </p:nvPr>
         </p:nvSpPr>
-        <p:spPr/>
+        <p:spPr>
+          <a:xfrm>
+            <a:off x="-1" y="8892000"/>
+            <a:ext cx="6488999" cy="252000"/>
+          </a:xfrm>
+          <a:prstGeom prst="rect">
+            <a:avLst/>
+          </a:prstGeom>
+        </p:spPr>
         <p:txBody>
-          <a:bodyPr/>
-          <a:lstStyle/>
-          <a:p>
-            <a:r>
-              <a:rPr lang="en-US"/>
-              <a:t>© SoftUni – </a:t>
-            </a:r>
-            <a:r>
-              <a:rPr lang="en-US" u="sng">
+          <a:bodyPr vert="horz" lIns="91440" tIns="45720" rIns="91440" bIns="45720" rtlCol="0" anchor="b"/>
+          <a:lstStyle>
+            <a:lvl1pPr algn="l">
+              <a:defRPr sz="1100"/>
+            </a:lvl1pPr>
+          </a:lstStyle>
+          <a:p>
+            <a:r>
+              <a:rPr lang="bg-BG" sz="1100" dirty="0"/>
+              <a:t>Работна група </a:t>
+            </a:r>
+            <a:r>
+              <a:rPr lang="bg-BG" dirty="0"/>
+              <a:t>"Образование по програмиране и ИТ"</a:t>
+            </a:r>
+            <a:r>
+              <a:rPr lang="bg-BG" sz="1100" dirty="0"/>
+              <a:t>, с подкрепата на </a:t>
+            </a:r>
+            <a:r>
+              <a:rPr lang="en-US" sz="1100" dirty="0">
                 <a:hlinkClick r:id="rId3"/>
               </a:rPr>
-              <a:t>https://softuni.org</a:t>
-            </a:r>
-            <a:r>
-              <a:rPr lang="en-US"/>
-              <a:t>. Copyrighted document. Unauthorized copy or reproduction is not permitted.</a:t>
-            </a:r>
-            <a:endParaRPr lang="en-US" dirty="0"/>
+              <a:t>SoftUni</a:t>
+            </a:r>
+            <a:endParaRPr lang="en-US" sz="1100" dirty="0"/>
           </a:p>
         </p:txBody>
       </p:sp>
     </p:spTree>
     <p:extLst>
       <p:ext uri="{BB962C8B-B14F-4D97-AF65-F5344CB8AC3E}">
-        <p14:creationId xmlns:p14="http://schemas.microsoft.com/office/powerpoint/2010/main" val="885350573"/>
+        <p14:creationId xmlns:p14="http://schemas.microsoft.com/office/powerpoint/2010/main" val="2689344733"/>
       </p:ext>
     </p:extLst>
   </p:cSld>
@@ -4725,252 +4741,6 @@
           <p:cNvPr id="7" name="Slide Number Placeholder 5">
             <a:extLst>
               <a:ext uri="{FF2B5EF4-FFF2-40B4-BE49-F238E27FC236}">
-                <a16:creationId xmlns:a16="http://schemas.microsoft.com/office/drawing/2014/main" id="{E65F1CA9-65DC-416B-8882-B3A5E415CE67}"/>
-              </a:ext>
-            </a:extLst>
-          </p:cNvPr>
-          <p:cNvSpPr txBox="1">
-            <a:spLocks/>
-          </p:cNvSpPr>
-          <p:nvPr/>
-        </p:nvSpPr>
-        <p:spPr>
-          <a:xfrm>
-            <a:off x="6488999" y="8847000"/>
-            <a:ext cx="367414" cy="297000"/>
-          </a:xfrm>
-          <a:prstGeom prst="rect">
-            <a:avLst/>
-          </a:prstGeom>
-        </p:spPr>
-        <p:txBody>
-          <a:bodyPr vert="horz" lIns="91440" tIns="45720" rIns="91440" bIns="45720" rtlCol="0" anchor="b"/>
-          <a:lstStyle>
-            <a:defPPr>
-              <a:defRPr lang="en-US"/>
-            </a:defPPr>
-            <a:lvl1pPr marL="0" algn="r" defTabSz="914400" rtl="0" eaLnBrk="1" latinLnBrk="0" hangingPunct="1">
-              <a:defRPr sz="1200" kern="1200">
-                <a:solidFill>
-                  <a:schemeClr val="tx1"/>
-                </a:solidFill>
-                <a:latin typeface="+mn-lt"/>
-                <a:ea typeface="+mn-ea"/>
-                <a:cs typeface="+mn-cs"/>
-              </a:defRPr>
-            </a:lvl1pPr>
-            <a:lvl2pPr marL="457200" algn="l" defTabSz="914400" rtl="0" eaLnBrk="1" latinLnBrk="0" hangingPunct="1">
-              <a:defRPr sz="1800" kern="1200">
-                <a:solidFill>
-                  <a:schemeClr val="tx1"/>
-                </a:solidFill>
-                <a:latin typeface="+mn-lt"/>
-                <a:ea typeface="+mn-ea"/>
-                <a:cs typeface="+mn-cs"/>
-              </a:defRPr>
-            </a:lvl2pPr>
-            <a:lvl3pPr marL="914400" algn="l" defTabSz="914400" rtl="0" eaLnBrk="1" latinLnBrk="0" hangingPunct="1">
-              <a:defRPr sz="1800" kern="1200">
-                <a:solidFill>
-                  <a:schemeClr val="tx1"/>
-                </a:solidFill>
-                <a:latin typeface="+mn-lt"/>
-                <a:ea typeface="+mn-ea"/>
-                <a:cs typeface="+mn-cs"/>
-              </a:defRPr>
-            </a:lvl3pPr>
-            <a:lvl4pPr marL="1371600" algn="l" defTabSz="914400" rtl="0" eaLnBrk="1" latinLnBrk="0" hangingPunct="1">
-              <a:defRPr sz="1800" kern="1200">
-                <a:solidFill>
-                  <a:schemeClr val="tx1"/>
-                </a:solidFill>
-                <a:latin typeface="+mn-lt"/>
-                <a:ea typeface="+mn-ea"/>
-                <a:cs typeface="+mn-cs"/>
-              </a:defRPr>
-            </a:lvl4pPr>
-            <a:lvl5pPr marL="1828800" algn="l" defTabSz="914400" rtl="0" eaLnBrk="1" latinLnBrk="0" hangingPunct="1">
-              <a:defRPr sz="1800" kern="1200">
-                <a:solidFill>
-                  <a:schemeClr val="tx1"/>
-                </a:solidFill>
-                <a:latin typeface="+mn-lt"/>
-                <a:ea typeface="+mn-ea"/>
-                <a:cs typeface="+mn-cs"/>
-              </a:defRPr>
-            </a:lvl5pPr>
-            <a:lvl6pPr marL="2286000" algn="l" defTabSz="914400" rtl="0" eaLnBrk="1" latinLnBrk="0" hangingPunct="1">
-              <a:defRPr sz="1800" kern="1200">
-                <a:solidFill>
-                  <a:schemeClr val="tx1"/>
-                </a:solidFill>
-                <a:latin typeface="+mn-lt"/>
-                <a:ea typeface="+mn-ea"/>
-                <a:cs typeface="+mn-cs"/>
-              </a:defRPr>
-            </a:lvl6pPr>
-            <a:lvl7pPr marL="2743200" algn="l" defTabSz="914400" rtl="0" eaLnBrk="1" latinLnBrk="0" hangingPunct="1">
-              <a:defRPr sz="1800" kern="1200">
-                <a:solidFill>
-                  <a:schemeClr val="tx1"/>
-                </a:solidFill>
-                <a:latin typeface="+mn-lt"/>
-                <a:ea typeface="+mn-ea"/>
-                <a:cs typeface="+mn-cs"/>
-              </a:defRPr>
-            </a:lvl7pPr>
-            <a:lvl8pPr marL="3200400" algn="l" defTabSz="914400" rtl="0" eaLnBrk="1" latinLnBrk="0" hangingPunct="1">
-              <a:defRPr sz="1800" kern="1200">
-                <a:solidFill>
-                  <a:schemeClr val="tx1"/>
-                </a:solidFill>
-                <a:latin typeface="+mn-lt"/>
-                <a:ea typeface="+mn-ea"/>
-                <a:cs typeface="+mn-cs"/>
-              </a:defRPr>
-            </a:lvl8pPr>
-            <a:lvl9pPr marL="3657600" algn="l" defTabSz="914400" rtl="0" eaLnBrk="1" latinLnBrk="0" hangingPunct="1">
-              <a:defRPr sz="1800" kern="1200">
-                <a:solidFill>
-                  <a:schemeClr val="tx1"/>
-                </a:solidFill>
-                <a:latin typeface="+mn-lt"/>
-                <a:ea typeface="+mn-ea"/>
-                <a:cs typeface="+mn-cs"/>
-              </a:defRPr>
-            </a:lvl9pPr>
-          </a:lstStyle>
-          <a:p>
-            <a:fld id="{3EBA5BD7-F043-4D1B-AA17-CD412FC534DE}" type="slidenum">
-              <a:rPr lang="en-US" smtClean="0"/>
-              <a:pPr/>
-              <a:t>38</a:t>
-            </a:fld>
-            <a:endParaRPr lang="en-US" dirty="0"/>
-          </a:p>
-        </p:txBody>
-      </p:sp>
-      <p:sp>
-        <p:nvSpPr>
-          <p:cNvPr id="5" name="Footer Placeholder 7">
-            <a:extLst>
-              <a:ext uri="{FF2B5EF4-FFF2-40B4-BE49-F238E27FC236}">
-                <a16:creationId xmlns:a16="http://schemas.microsoft.com/office/drawing/2014/main" id="{43FAF785-0C8D-730E-8E59-68198DC82CE0}"/>
-              </a:ext>
-            </a:extLst>
-          </p:cNvPr>
-          <p:cNvSpPr>
-            <a:spLocks noGrp="1"/>
-          </p:cNvSpPr>
-          <p:nvPr>
-            <p:ph type="ftr" sz="quarter" idx="4"/>
-          </p:nvPr>
-        </p:nvSpPr>
-        <p:spPr>
-          <a:xfrm>
-            <a:off x="-1" y="8892000"/>
-            <a:ext cx="6488999" cy="252000"/>
-          </a:xfrm>
-          <a:prstGeom prst="rect">
-            <a:avLst/>
-          </a:prstGeom>
-        </p:spPr>
-        <p:txBody>
-          <a:bodyPr vert="horz" lIns="91440" tIns="45720" rIns="91440" bIns="45720" rtlCol="0" anchor="b"/>
-          <a:lstStyle>
-            <a:lvl1pPr algn="l">
-              <a:defRPr sz="1100"/>
-            </a:lvl1pPr>
-          </a:lstStyle>
-          <a:p>
-            <a:r>
-              <a:rPr lang="bg-BG" sz="1100" dirty="0"/>
-              <a:t>Работна група </a:t>
-            </a:r>
-            <a:r>
-              <a:rPr lang="bg-BG" dirty="0"/>
-              <a:t>"Образование по програмиране и ИТ"</a:t>
-            </a:r>
-            <a:r>
-              <a:rPr lang="bg-BG" sz="1100" dirty="0"/>
-              <a:t>, с подкрепата на </a:t>
-            </a:r>
-            <a:r>
-              <a:rPr lang="en-US" sz="1100" dirty="0">
-                <a:hlinkClick r:id="rId3"/>
-              </a:rPr>
-              <a:t>SoftUni</a:t>
-            </a:r>
-            <a:endParaRPr lang="en-US" sz="1100" dirty="0"/>
-          </a:p>
-        </p:txBody>
-      </p:sp>
-    </p:spTree>
-    <p:extLst>
-      <p:ext uri="{BB962C8B-B14F-4D97-AF65-F5344CB8AC3E}">
-        <p14:creationId xmlns:p14="http://schemas.microsoft.com/office/powerpoint/2010/main" val="2689344733"/>
-      </p:ext>
-    </p:extLst>
-  </p:cSld>
-  <p:clrMapOvr>
-    <a:masterClrMapping/>
-  </p:clrMapOvr>
-</p:notes>
-</file>
-
-<file path=ppt/notesSlides/notesSlide26.xml><?xml version="1.0" encoding="utf-8"?>
-<p:notes xmlns:a="http://schemas.openxmlformats.org/drawingml/2006/main" xmlns:r="http://schemas.openxmlformats.org/officeDocument/2006/relationships" xmlns:p="http://schemas.openxmlformats.org/presentationml/2006/main">
-  <p:cSld>
-    <p:spTree>
-      <p:nvGrpSpPr>
-        <p:cNvPr id="1" name=""/>
-        <p:cNvGrpSpPr/>
-        <p:nvPr/>
-      </p:nvGrpSpPr>
-      <p:grpSpPr>
-        <a:xfrm>
-          <a:off x="0" y="0"/>
-          <a:ext cx="0" cy="0"/>
-          <a:chOff x="0" y="0"/>
-          <a:chExt cx="0" cy="0"/>
-        </a:xfrm>
-      </p:grpSpPr>
-      <p:sp>
-        <p:nvSpPr>
-          <p:cNvPr id="2" name="Slide Image Placeholder 1"/>
-          <p:cNvSpPr>
-            <a:spLocks noGrp="1" noRot="1" noChangeAspect="1"/>
-          </p:cNvSpPr>
-          <p:nvPr>
-            <p:ph type="sldImg"/>
-          </p:nvPr>
-        </p:nvSpPr>
-        <p:spPr/>
-      </p:sp>
-      <p:sp>
-        <p:nvSpPr>
-          <p:cNvPr id="3" name="Notes Placeholder 2"/>
-          <p:cNvSpPr>
-            <a:spLocks noGrp="1"/>
-          </p:cNvSpPr>
-          <p:nvPr>
-            <p:ph type="body" idx="1"/>
-          </p:nvPr>
-        </p:nvSpPr>
-        <p:spPr/>
-        <p:txBody>
-          <a:bodyPr/>
-          <a:lstStyle/>
-          <a:p>
-            <a:endParaRPr lang="en-US" dirty="0"/>
-          </a:p>
-        </p:txBody>
-      </p:sp>
-      <p:sp>
-        <p:nvSpPr>
-          <p:cNvPr id="7" name="Slide Number Placeholder 5">
-            <a:extLst>
-              <a:ext uri="{FF2B5EF4-FFF2-40B4-BE49-F238E27FC236}">
                 <a16:creationId xmlns:a16="http://schemas.microsoft.com/office/drawing/2014/main" id="{5049B984-F964-47FF-8179-0A3007CE21CD}"/>
               </a:ext>
             </a:extLst>
@@ -5148,7 +4918,7 @@
 </p:notes>
 </file>
 
-<file path=ppt/notesSlides/notesSlide27.xml><?xml version="1.0" encoding="utf-8"?>
+<file path=ppt/notesSlides/notesSlide26.xml><?xml version="1.0" encoding="utf-8"?>
 <p:notes xmlns:a="http://schemas.openxmlformats.org/drawingml/2006/main" xmlns:r="http://schemas.openxmlformats.org/officeDocument/2006/relationships" xmlns:p="http://schemas.openxmlformats.org/presentationml/2006/main">
   <p:cSld>
     <p:spTree>
@@ -26907,10 +26677,40 @@
       </p:grpSpPr>
       <p:sp>
         <p:nvSpPr>
-          <p:cNvPr id="4" name="Slide Subtitle">
+          <p:cNvPr id="2" name="Slide Number Placeholder 1">
             <a:extLst>
               <a:ext uri="{FF2B5EF4-FFF2-40B4-BE49-F238E27FC236}">
-                <a16:creationId xmlns:a16="http://schemas.microsoft.com/office/drawing/2014/main" id="{BEB5BB41-09D4-4E9F-8C80-EE8709171CB3}"/>
+                <a16:creationId xmlns:a16="http://schemas.microsoft.com/office/drawing/2014/main" id="{3CFF77AF-1244-5C56-2322-474024354B36}"/>
+              </a:ext>
+            </a:extLst>
+          </p:cNvPr>
+          <p:cNvSpPr>
+            <a:spLocks noGrp="1"/>
+          </p:cNvSpPr>
+          <p:nvPr>
+            <p:ph type="sldNum" sz="quarter" idx="5"/>
+          </p:nvPr>
+        </p:nvSpPr>
+        <p:spPr/>
+        <p:txBody>
+          <a:bodyPr/>
+          <a:lstStyle/>
+          <a:p>
+            <a:fld id="{2BF067CD-8E6B-4360-9AA8-C5DF2A48A6D1}" type="slidenum">
+              <a:rPr lang="en-US" noProof="0" smtClean="0"/>
+              <a:pPr/>
+              <a:t>34</a:t>
+            </a:fld>
+            <a:endParaRPr lang="en-US" noProof="0" dirty="0"/>
+          </a:p>
+        </p:txBody>
+      </p:sp>
+      <p:sp>
+        <p:nvSpPr>
+          <p:cNvPr id="5" name="Slide Subtitle">
+            <a:extLst>
+              <a:ext uri="{FF2B5EF4-FFF2-40B4-BE49-F238E27FC236}">
+                <a16:creationId xmlns:a16="http://schemas.microsoft.com/office/drawing/2014/main" id="{BFFB6AD3-7C0E-8812-206A-6FE13F32AC69}"/>
               </a:ext>
             </a:extLst>
           </p:cNvPr>
@@ -26921,7 +26721,12 @@
             <p:ph type="body" sz="quarter" idx="10"/>
           </p:nvPr>
         </p:nvSpPr>
-        <p:spPr/>
+        <p:spPr>
+          <a:xfrm>
+            <a:off x="190402" y="1196125"/>
+            <a:ext cx="11818096" cy="5528766"/>
+          </a:xfrm>
+        </p:spPr>
         <p:txBody>
           <a:bodyPr/>
           <a:lstStyle/>
@@ -26987,44 +26792,44 @@
             </a:r>
             <a:r>
               <a:rPr lang="en-US" sz="3400" dirty="0">
+                <a:hlinkClick r:id="rId2"/>
+              </a:rPr>
+              <a:t>mon.bg</a:t>
+            </a:r>
+            <a:r>
+              <a:rPr lang="en-US" sz="3400" dirty="0"/>
+              <a:t> </a:t>
+            </a:r>
+            <a:endParaRPr lang="bg-BG" sz="3400" dirty="0"/>
+          </a:p>
+          <a:p>
+            <a:pPr lvl="1"/>
+            <a:r>
+              <a:rPr lang="bg-BG" sz="3400" dirty="0"/>
+              <a:t>Електронен дневник</a:t>
+            </a:r>
+            <a:r>
+              <a:rPr lang="en-US" sz="3400" dirty="0"/>
+              <a:t> – </a:t>
+            </a:r>
+            <a:r>
+              <a:rPr lang="en-US" sz="3400" dirty="0">
                 <a:hlinkClick r:id="rId3"/>
               </a:rPr>
-              <a:t>mon.bg</a:t>
-            </a:r>
+              <a:t>shkolo.bg</a:t>
+            </a:r>
+            <a:endParaRPr lang="en-US" sz="3400" dirty="0"/>
+          </a:p>
+          <a:p>
+            <a:pPr lvl="1"/>
             <a:r>
               <a:rPr lang="en-US" sz="3400" dirty="0"/>
-              <a:t> </a:t>
-            </a:r>
-            <a:endParaRPr lang="bg-BG" sz="3400" dirty="0"/>
-          </a:p>
-          <a:p>
-            <a:pPr lvl="1"/>
-            <a:r>
-              <a:rPr lang="bg-BG" sz="3400" dirty="0"/>
-              <a:t>Електронен дневник</a:t>
-            </a:r>
-            <a:r>
-              <a:rPr lang="en-US" sz="3400" dirty="0"/>
-              <a:t> – </a:t>
-            </a:r>
-            <a:r>
-              <a:rPr lang="en-US" sz="3400" dirty="0">
+              <a:t>Google – </a:t>
+            </a:r>
+            <a:r>
+              <a:rPr lang="en-GB" sz="3400" dirty="0">
                 <a:hlinkClick r:id="rId4"/>
               </a:rPr>
-              <a:t>shkolo.bg</a:t>
-            </a:r>
-            <a:endParaRPr lang="en-US" sz="3400" dirty="0"/>
-          </a:p>
-          <a:p>
-            <a:pPr lvl="1"/>
-            <a:r>
-              <a:rPr lang="en-US" sz="3400" dirty="0"/>
-              <a:t>Google – </a:t>
-            </a:r>
-            <a:r>
-              <a:rPr lang="en-GB" sz="3400" dirty="0">
-                <a:hlinkClick r:id="rId5"/>
-              </a:rPr>
               <a:t>google.com</a:t>
             </a:r>
             <a:endParaRPr lang="en-US" sz="3400" dirty="0"/>
@@ -27037,7 +26842,7 @@
             </a:r>
             <a:r>
               <a:rPr lang="en-US" sz="3400" dirty="0">
-                <a:hlinkClick r:id="rId6"/>
+                <a:hlinkClick r:id="rId5"/>
               </a:rPr>
               <a:t>chatgpt.com</a:t>
             </a:r>
@@ -27050,7 +26855,7 @@
           <p:cNvPr id="6" name="Slide Title">
             <a:extLst>
               <a:ext uri="{FF2B5EF4-FFF2-40B4-BE49-F238E27FC236}">
-                <a16:creationId xmlns:a16="http://schemas.microsoft.com/office/drawing/2014/main" id="{028D9EA3-B5E0-4F17-9467-4BE3C280DA68}"/>
+                <a16:creationId xmlns:a16="http://schemas.microsoft.com/office/drawing/2014/main" id="{C0175147-B272-7FDD-3726-0C1BF0BD66E5}"/>
               </a:ext>
             </a:extLst>
           </p:cNvPr>
@@ -27061,7 +26866,12 @@
             <p:ph type="title"/>
           </p:nvPr>
         </p:nvSpPr>
-        <p:spPr/>
+        <p:spPr>
+          <a:xfrm>
+            <a:off x="190406" y="100750"/>
+            <a:ext cx="10270594" cy="882654"/>
+          </a:xfrm>
+        </p:spPr>
         <p:txBody>
           <a:bodyPr>
             <a:normAutofit/>
@@ -27079,7 +26889,7 @@
     </p:spTree>
     <p:extLst>
       <p:ext uri="{BB962C8B-B14F-4D97-AF65-F5344CB8AC3E}">
-        <p14:creationId xmlns:p14="http://schemas.microsoft.com/office/powerpoint/2010/main" val="3685839369"/>
+        <p14:creationId xmlns:p14="http://schemas.microsoft.com/office/powerpoint/2010/main" val="1712963471"/>
       </p:ext>
     </p:extLst>
   </p:cSld>
@@ -27128,7 +26938,7 @@
                                           </p:stCondLst>
                                         </p:cTn>
                                         <p:tgtEl>
-                                          <p:spTgt spid="4">
+                                          <p:spTgt spid="5">
                                             <p:txEl>
                                               <p:pRg st="1" end="1"/>
                                             </p:txEl>
@@ -27177,7 +26987,7 @@
                                           </p:stCondLst>
                                         </p:cTn>
                                         <p:tgtEl>
-                                          <p:spTgt spid="4">
+                                          <p:spTgt spid="5">
                                             <p:txEl>
                                               <p:pRg st="2" end="2"/>
                                             </p:txEl>
@@ -27226,7 +27036,7 @@
                                           </p:stCondLst>
                                         </p:cTn>
                                         <p:tgtEl>
-                                          <p:spTgt spid="4">
+                                          <p:spTgt spid="5">
                                             <p:txEl>
                                               <p:pRg st="3" end="3"/>
                                             </p:txEl>
@@ -27275,7 +27085,7 @@
                                           </p:stCondLst>
                                         </p:cTn>
                                         <p:tgtEl>
-                                          <p:spTgt spid="4">
+                                          <p:spTgt spid="5">
                                             <p:txEl>
                                               <p:pRg st="4" end="4"/>
                                             </p:txEl>
@@ -27342,10 +27152,40 @@
       </p:grpSpPr>
       <p:sp>
         <p:nvSpPr>
+          <p:cNvPr id="2" name="Slide Number Placeholder 1">
+            <a:extLst>
+              <a:ext uri="{FF2B5EF4-FFF2-40B4-BE49-F238E27FC236}">
+                <a16:creationId xmlns:a16="http://schemas.microsoft.com/office/drawing/2014/main" id="{3CFF77AF-1244-5C56-2322-474024354B36}"/>
+              </a:ext>
+            </a:extLst>
+          </p:cNvPr>
+          <p:cNvSpPr>
+            <a:spLocks noGrp="1"/>
+          </p:cNvSpPr>
+          <p:nvPr>
+            <p:ph type="sldNum" sz="quarter" idx="5"/>
+          </p:nvPr>
+        </p:nvSpPr>
+        <p:spPr/>
+        <p:txBody>
+          <a:bodyPr/>
+          <a:lstStyle/>
+          <a:p>
+            <a:fld id="{2BF067CD-8E6B-4360-9AA8-C5DF2A48A6D1}" type="slidenum">
+              <a:rPr lang="en-US" noProof="0" smtClean="0"/>
+              <a:pPr/>
+              <a:t>35</a:t>
+            </a:fld>
+            <a:endParaRPr lang="en-US" noProof="0" dirty="0"/>
+          </a:p>
+        </p:txBody>
+      </p:sp>
+      <p:sp>
+        <p:nvSpPr>
           <p:cNvPr id="5" name="Text Placeholder 4">
             <a:extLst>
               <a:ext uri="{FF2B5EF4-FFF2-40B4-BE49-F238E27FC236}">
-                <a16:creationId xmlns:a16="http://schemas.microsoft.com/office/drawing/2014/main" id="{60C78988-C1B1-027F-1A68-383143D5648E}"/>
+                <a16:creationId xmlns:a16="http://schemas.microsoft.com/office/drawing/2014/main" id="{B17E1991-AC2A-2C4E-62C5-36E7E05869C0}"/>
               </a:ext>
             </a:extLst>
           </p:cNvPr>
@@ -27356,7 +27196,12 @@
             <p:ph type="body" sz="quarter" idx="10"/>
           </p:nvPr>
         </p:nvSpPr>
-        <p:spPr/>
+        <p:spPr>
+          <a:xfrm>
+            <a:off x="190402" y="1196125"/>
+            <a:ext cx="11818096" cy="5528766"/>
+          </a:xfrm>
+        </p:spPr>
         <p:txBody>
           <a:bodyPr/>
           <a:lstStyle/>
@@ -27383,10 +27228,10 @@
       </p:sp>
       <p:sp>
         <p:nvSpPr>
-          <p:cNvPr id="4" name="Title 3">
+          <p:cNvPr id="6" name="Title 3">
             <a:extLst>
               <a:ext uri="{FF2B5EF4-FFF2-40B4-BE49-F238E27FC236}">
-                <a16:creationId xmlns:a16="http://schemas.microsoft.com/office/drawing/2014/main" id="{80F2B5FD-8D05-CFEC-0337-95B55ADA4F2E}"/>
+                <a16:creationId xmlns:a16="http://schemas.microsoft.com/office/drawing/2014/main" id="{E793D230-3288-2AA8-95D9-642A7838CBBB}"/>
               </a:ext>
             </a:extLst>
           </p:cNvPr>
@@ -27397,7 +27242,12 @@
             <p:ph type="title"/>
           </p:nvPr>
         </p:nvSpPr>
-        <p:spPr/>
+        <p:spPr>
+          <a:xfrm>
+            <a:off x="190406" y="100750"/>
+            <a:ext cx="10270594" cy="882654"/>
+          </a:xfrm>
+        </p:spPr>
         <p:txBody>
           <a:bodyPr/>
           <a:lstStyle/>
@@ -27412,10 +27262,10 @@
       </p:sp>
       <p:graphicFrame>
         <p:nvGraphicFramePr>
-          <p:cNvPr id="10" name="Table 9">
+          <p:cNvPr id="7" name="Table 6">
             <a:extLst>
               <a:ext uri="{FF2B5EF4-FFF2-40B4-BE49-F238E27FC236}">
-                <a16:creationId xmlns:a16="http://schemas.microsoft.com/office/drawing/2014/main" id="{3867DA53-0455-99AD-6213-B3F33473CC21}"/>
+                <a16:creationId xmlns:a16="http://schemas.microsoft.com/office/drawing/2014/main" id="{3557BAB7-1DD9-DD1C-75EF-CEE8D24AD214}"/>
               </a:ext>
             </a:extLst>
           </p:cNvPr>
@@ -27425,7 +27275,7 @@
           <p:nvPr>
             <p:extLst>
               <p:ext uri="{D42A27DB-BD31-4B8C-83A1-F6EECF244321}">
-                <p14:modId xmlns:p14="http://schemas.microsoft.com/office/powerpoint/2010/main" val="2334733240"/>
+                <p14:modId xmlns:p14="http://schemas.microsoft.com/office/powerpoint/2010/main" val="1589693339"/>
               </p:ext>
             </p:extLst>
           </p:nvPr>
@@ -28380,18 +28230,18 @@
     </p:spTree>
     <p:extLst>
       <p:ext uri="{BB962C8B-B14F-4D97-AF65-F5344CB8AC3E}">
-        <p14:creationId xmlns:p14="http://schemas.microsoft.com/office/powerpoint/2010/main" val="589403419"/>
+        <p14:creationId xmlns:p14="http://schemas.microsoft.com/office/powerpoint/2010/main" val="2677409893"/>
       </p:ext>
     </p:extLst>
   </p:cSld>
   <p:clrMapOvr>
     <a:masterClrMapping/>
   </p:clrMapOvr>
-  <mc:AlternateContent xmlns:mc="http://schemas.openxmlformats.org/markup-compatibility/2006" xmlns:p14="http://schemas.microsoft.com/office/powerpoint/2010/main">
-    <mc:Choice Requires="p14">
+  <mc:AlternateContent xmlns:mc="http://schemas.openxmlformats.org/markup-compatibility/2006">
+    <mc:Choice xmlns:p14="http://schemas.microsoft.com/office/powerpoint/2010/main" Requires="p14">
       <p:transition spd="slow" p14:dur="2000" advClick="0" advTm="5000"/>
     </mc:Choice>
-    <mc:Fallback xmlns="">
+    <mc:Fallback>
       <p:transition spd="slow" advClick="0" advTm="5000"/>
     </mc:Fallback>
   </mc:AlternateContent>
@@ -28429,7 +28279,7 @@
                                           </p:stCondLst>
                                         </p:cTn>
                                         <p:tgtEl>
-                                          <p:spTgt spid="10"/>
+                                          <p:spTgt spid="7"/>
                                         </p:tgtEl>
                                         <p:attrNameLst>
                                           <p:attrName>style.visibility</p:attrName>
@@ -28492,10 +28342,40 @@
       </p:grpSpPr>
       <p:sp>
         <p:nvSpPr>
+          <p:cNvPr id="2" name="Slide Number Placeholder 1">
+            <a:extLst>
+              <a:ext uri="{FF2B5EF4-FFF2-40B4-BE49-F238E27FC236}">
+                <a16:creationId xmlns:a16="http://schemas.microsoft.com/office/drawing/2014/main" id="{3CFF77AF-1244-5C56-2322-474024354B36}"/>
+              </a:ext>
+            </a:extLst>
+          </p:cNvPr>
+          <p:cNvSpPr>
+            <a:spLocks noGrp="1"/>
+          </p:cNvSpPr>
+          <p:nvPr>
+            <p:ph type="sldNum" sz="quarter" idx="5"/>
+          </p:nvPr>
+        </p:nvSpPr>
+        <p:spPr/>
+        <p:txBody>
+          <a:bodyPr/>
+          <a:lstStyle/>
+          <a:p>
+            <a:fld id="{2BF067CD-8E6B-4360-9AA8-C5DF2A48A6D1}" type="slidenum">
+              <a:rPr lang="en-US" noProof="0" smtClean="0"/>
+              <a:pPr/>
+              <a:t>36</a:t>
+            </a:fld>
+            <a:endParaRPr lang="en-US" noProof="0" dirty="0"/>
+          </a:p>
+        </p:txBody>
+      </p:sp>
+      <p:sp>
+        <p:nvSpPr>
           <p:cNvPr id="5" name="Text Placeholder 4">
             <a:extLst>
               <a:ext uri="{FF2B5EF4-FFF2-40B4-BE49-F238E27FC236}">
-                <a16:creationId xmlns:a16="http://schemas.microsoft.com/office/drawing/2014/main" id="{60C78988-C1B1-027F-1A68-383143D5648E}"/>
+                <a16:creationId xmlns:a16="http://schemas.microsoft.com/office/drawing/2014/main" id="{1E19CEF1-68D1-DFE8-9B07-7B5EEAD7F863}"/>
               </a:ext>
             </a:extLst>
           </p:cNvPr>
@@ -28506,7 +28386,12 @@
             <p:ph type="body" sz="quarter" idx="10"/>
           </p:nvPr>
         </p:nvSpPr>
-        <p:spPr/>
+        <p:spPr>
+          <a:xfrm>
+            <a:off x="190402" y="1196125"/>
+            <a:ext cx="11818096" cy="5528766"/>
+          </a:xfrm>
+        </p:spPr>
         <p:txBody>
           <a:bodyPr/>
           <a:lstStyle/>
@@ -28533,10 +28418,10 @@
       </p:sp>
       <p:sp>
         <p:nvSpPr>
-          <p:cNvPr id="4" name="Title 3">
+          <p:cNvPr id="6" name="Title 3">
             <a:extLst>
               <a:ext uri="{FF2B5EF4-FFF2-40B4-BE49-F238E27FC236}">
-                <a16:creationId xmlns:a16="http://schemas.microsoft.com/office/drawing/2014/main" id="{80F2B5FD-8D05-CFEC-0337-95B55ADA4F2E}"/>
+                <a16:creationId xmlns:a16="http://schemas.microsoft.com/office/drawing/2014/main" id="{3FE571EC-DC55-1E76-6D00-A4F5E4AFE059}"/>
               </a:ext>
             </a:extLst>
           </p:cNvPr>
@@ -28547,7 +28432,12 @@
             <p:ph type="title"/>
           </p:nvPr>
         </p:nvSpPr>
-        <p:spPr/>
+        <p:spPr>
+          <a:xfrm>
+            <a:off x="190406" y="100750"/>
+            <a:ext cx="10270594" cy="882654"/>
+          </a:xfrm>
+        </p:spPr>
         <p:txBody>
           <a:bodyPr/>
           <a:lstStyle/>
@@ -28562,10 +28452,10 @@
       </p:sp>
       <p:graphicFrame>
         <p:nvGraphicFramePr>
-          <p:cNvPr id="3" name="Table 2">
+          <p:cNvPr id="7" name="Table 6">
             <a:extLst>
               <a:ext uri="{FF2B5EF4-FFF2-40B4-BE49-F238E27FC236}">
-                <a16:creationId xmlns:a16="http://schemas.microsoft.com/office/drawing/2014/main" id="{121E2ECC-E3F1-E602-E577-E9DAA1FEE681}"/>
+                <a16:creationId xmlns:a16="http://schemas.microsoft.com/office/drawing/2014/main" id="{C29588D7-9DE5-777E-19F2-9EEC94A55818}"/>
               </a:ext>
             </a:extLst>
           </p:cNvPr>
@@ -28575,7 +28465,7 @@
           <p:nvPr>
             <p:extLst>
               <p:ext uri="{D42A27DB-BD31-4B8C-83A1-F6EECF244321}">
-                <p14:modId xmlns:p14="http://schemas.microsoft.com/office/powerpoint/2010/main" val="1396272437"/>
+                <p14:modId xmlns:p14="http://schemas.microsoft.com/office/powerpoint/2010/main" val="3271999712"/>
               </p:ext>
             </p:extLst>
           </p:nvPr>
@@ -29556,18 +29446,18 @@
     </p:spTree>
     <p:extLst>
       <p:ext uri="{BB962C8B-B14F-4D97-AF65-F5344CB8AC3E}">
-        <p14:creationId xmlns:p14="http://schemas.microsoft.com/office/powerpoint/2010/main" val="2156396014"/>
+        <p14:creationId xmlns:p14="http://schemas.microsoft.com/office/powerpoint/2010/main" val="1113325485"/>
       </p:ext>
     </p:extLst>
   </p:cSld>
   <p:clrMapOvr>
     <a:masterClrMapping/>
   </p:clrMapOvr>
-  <mc:AlternateContent xmlns:mc="http://schemas.openxmlformats.org/markup-compatibility/2006" xmlns:p14="http://schemas.microsoft.com/office/powerpoint/2010/main">
-    <mc:Choice Requires="p14">
+  <mc:AlternateContent xmlns:mc="http://schemas.openxmlformats.org/markup-compatibility/2006">
+    <mc:Choice xmlns:p14="http://schemas.microsoft.com/office/powerpoint/2010/main" Requires="p14">
       <p:transition spd="slow" p14:dur="2000" advClick="0" advTm="5000"/>
     </mc:Choice>
-    <mc:Fallback xmlns="">
+    <mc:Fallback>
       <p:transition spd="slow" advClick="0" advTm="5000"/>
     </mc:Fallback>
   </mc:AlternateContent>
@@ -29605,7 +29495,7 @@
                                           </p:stCondLst>
                                         </p:cTn>
                                         <p:tgtEl>
-                                          <p:spTgt spid="3"/>
+                                          <p:spTgt spid="7"/>
                                         </p:tgtEl>
                                         <p:attrNameLst>
                                           <p:attrName>style.visibility</p:attrName>
@@ -29668,10 +29558,40 @@
       </p:grpSpPr>
       <p:sp>
         <p:nvSpPr>
+          <p:cNvPr id="2" name="Slide Number Placeholder 1">
+            <a:extLst>
+              <a:ext uri="{FF2B5EF4-FFF2-40B4-BE49-F238E27FC236}">
+                <a16:creationId xmlns:a16="http://schemas.microsoft.com/office/drawing/2014/main" id="{3CFF77AF-1244-5C56-2322-474024354B36}"/>
+              </a:ext>
+            </a:extLst>
+          </p:cNvPr>
+          <p:cNvSpPr>
+            <a:spLocks noGrp="1"/>
+          </p:cNvSpPr>
+          <p:nvPr>
+            <p:ph type="sldNum" sz="quarter" idx="5"/>
+          </p:nvPr>
+        </p:nvSpPr>
+        <p:spPr/>
+        <p:txBody>
+          <a:bodyPr/>
+          <a:lstStyle/>
+          <a:p>
+            <a:fld id="{2BF067CD-8E6B-4360-9AA8-C5DF2A48A6D1}" type="slidenum">
+              <a:rPr lang="en-US" noProof="0" smtClean="0"/>
+              <a:pPr/>
+              <a:t>37</a:t>
+            </a:fld>
+            <a:endParaRPr lang="en-US" noProof="0" dirty="0"/>
+          </a:p>
+        </p:txBody>
+      </p:sp>
+      <p:sp>
+        <p:nvSpPr>
           <p:cNvPr id="5" name="Text Placeholder 4">
             <a:extLst>
               <a:ext uri="{FF2B5EF4-FFF2-40B4-BE49-F238E27FC236}">
-                <a16:creationId xmlns:a16="http://schemas.microsoft.com/office/drawing/2014/main" id="{60C78988-C1B1-027F-1A68-383143D5648E}"/>
+                <a16:creationId xmlns:a16="http://schemas.microsoft.com/office/drawing/2014/main" id="{E4FA871D-4FD2-7D7F-8844-6F7E8464AF18}"/>
               </a:ext>
             </a:extLst>
           </p:cNvPr>
@@ -29682,7 +29602,12 @@
             <p:ph type="body" sz="quarter" idx="10"/>
           </p:nvPr>
         </p:nvSpPr>
-        <p:spPr/>
+        <p:spPr>
+          <a:xfrm>
+            <a:off x="190402" y="1196125"/>
+            <a:ext cx="11818096" cy="5528766"/>
+          </a:xfrm>
+        </p:spPr>
         <p:txBody>
           <a:bodyPr/>
           <a:lstStyle/>
@@ -29701,10 +29626,10 @@
       </p:sp>
       <p:sp>
         <p:nvSpPr>
-          <p:cNvPr id="4" name="Title 3">
+          <p:cNvPr id="6" name="Title 3">
             <a:extLst>
               <a:ext uri="{FF2B5EF4-FFF2-40B4-BE49-F238E27FC236}">
-                <a16:creationId xmlns:a16="http://schemas.microsoft.com/office/drawing/2014/main" id="{80F2B5FD-8D05-CFEC-0337-95B55ADA4F2E}"/>
+                <a16:creationId xmlns:a16="http://schemas.microsoft.com/office/drawing/2014/main" id="{B604B3BD-1FA4-9F3B-512E-1D5C16AC0FFB}"/>
               </a:ext>
             </a:extLst>
           </p:cNvPr>
@@ -29715,7 +29640,12 @@
             <p:ph type="title"/>
           </p:nvPr>
         </p:nvSpPr>
-        <p:spPr/>
+        <p:spPr>
+          <a:xfrm>
+            <a:off x="190406" y="100750"/>
+            <a:ext cx="10270594" cy="882654"/>
+          </a:xfrm>
+        </p:spPr>
         <p:txBody>
           <a:bodyPr/>
           <a:lstStyle/>
@@ -29730,10 +29660,10 @@
       </p:sp>
       <p:graphicFrame>
         <p:nvGraphicFramePr>
-          <p:cNvPr id="2" name="Table 1">
+          <p:cNvPr id="7" name="Table 6">
             <a:extLst>
               <a:ext uri="{FF2B5EF4-FFF2-40B4-BE49-F238E27FC236}">
-                <a16:creationId xmlns:a16="http://schemas.microsoft.com/office/drawing/2014/main" id="{8A9408DA-558B-E85B-6CEA-0A415DA35899}"/>
+                <a16:creationId xmlns:a16="http://schemas.microsoft.com/office/drawing/2014/main" id="{96415755-F599-BB12-2F4B-3121BA2C784B}"/>
               </a:ext>
             </a:extLst>
           </p:cNvPr>
@@ -29743,7 +29673,7 @@
           <p:nvPr>
             <p:extLst>
               <p:ext uri="{D42A27DB-BD31-4B8C-83A1-F6EECF244321}">
-                <p14:modId xmlns:p14="http://schemas.microsoft.com/office/powerpoint/2010/main" val="2999447304"/>
+                <p14:modId xmlns:p14="http://schemas.microsoft.com/office/powerpoint/2010/main" val="1078282953"/>
               </p:ext>
             </p:extLst>
           </p:nvPr>
@@ -30756,18 +30686,18 @@
     </p:spTree>
     <p:extLst>
       <p:ext uri="{BB962C8B-B14F-4D97-AF65-F5344CB8AC3E}">
-        <p14:creationId xmlns:p14="http://schemas.microsoft.com/office/powerpoint/2010/main" val="4167989785"/>
+        <p14:creationId xmlns:p14="http://schemas.microsoft.com/office/powerpoint/2010/main" val="3102852005"/>
       </p:ext>
     </p:extLst>
   </p:cSld>
   <p:clrMapOvr>
     <a:masterClrMapping/>
   </p:clrMapOvr>
-  <mc:AlternateContent xmlns:mc="http://schemas.openxmlformats.org/markup-compatibility/2006" xmlns:p14="http://schemas.microsoft.com/office/powerpoint/2010/main">
-    <mc:Choice Requires="p14">
+  <mc:AlternateContent xmlns:mc="http://schemas.openxmlformats.org/markup-compatibility/2006">
+    <mc:Choice xmlns:p14="http://schemas.microsoft.com/office/powerpoint/2010/main" Requires="p14">
       <p:transition spd="slow" p14:dur="2000" advClick="0" advTm="5000"/>
     </mc:Choice>
-    <mc:Fallback xmlns="">
+    <mc:Fallback>
       <p:transition spd="slow" advClick="0" advTm="5000"/>
     </mc:Fallback>
   </mc:AlternateContent>
@@ -30805,7 +30735,7 @@
                                           </p:stCondLst>
                                         </p:cTn>
                                         <p:tgtEl>
-                                          <p:spTgt spid="2"/>
+                                          <p:spTgt spid="7"/>
                                         </p:tgtEl>
                                         <p:attrNameLst>
                                           <p:attrName>style.visibility</p:attrName>
@@ -36745,11 +36675,11 @@
   <p:clrMapOvr>
     <a:masterClrMapping/>
   </p:clrMapOvr>
-  <mc:AlternateContent xmlns:mc="http://schemas.openxmlformats.org/markup-compatibility/2006">
-    <mc:Choice xmlns:p14="http://schemas.microsoft.com/office/powerpoint/2010/main" Requires="p14">
+  <mc:AlternateContent xmlns:mc="http://schemas.openxmlformats.org/markup-compatibility/2006" xmlns:p14="http://schemas.microsoft.com/office/powerpoint/2010/main">
+    <mc:Choice Requires="p14">
       <p:transition spd="slow" p14:dur="2000" advClick="0" advTm="5000"/>
     </mc:Choice>
-    <mc:Fallback>
+    <mc:Fallback xmlns="">
       <p:transition spd="slow" advClick="0" advTm="5000"/>
     </mc:Fallback>
   </mc:AlternateContent>

--- a/Courses/Software-Sciences/IT-Module-3-Web-Design/01-Websites/01-Websites.pptx
+++ b/Courses/Software-Sciences/IT-Module-3-Web-Design/01-Websites/01-Websites.pptx
@@ -356,7 +356,7 @@
           <a:p>
             <a:fld id="{4E087215-0C8F-4762-A664-737A353EC9A4}" type="datetimeFigureOut">
               <a:rPr lang="bg-BG" smtClean="0"/>
-              <a:t>18.10.25 г.</a:t>
+              <a:t>23.10.25 г.</a:t>
             </a:fld>
             <a:endParaRPr lang="bg-BG"/>
           </a:p>
@@ -552,7 +552,7 @@
           <a:p>
             <a:fld id="{72D84649-876A-46C9-8472-14CB09C070D8}" type="datetimeFigureOut">
               <a:rPr lang="en-US" smtClean="0"/>
-              <a:t>10/18/25</a:t>
+              <a:t>10/23/25</a:t>
             </a:fld>
             <a:endParaRPr lang="en-US"/>
           </a:p>
@@ -11978,12 +11978,12 @@
         </p:spPr>
         <p:txBody>
           <a:bodyPr>
-            <a:normAutofit fontScale="85000" lnSpcReduction="10000"/>
+            <a:normAutofit/>
           </a:bodyPr>
           <a:lstStyle/>
           <a:p>
             <a:r>
-              <a:rPr lang="bg-BG" sz="4000" dirty="0"/>
+              <a:rPr lang="bg-BG" dirty="0"/>
               <a:t>Уеб страници, домейн и хостинг, интернет адресиране</a:t>
             </a:r>
           </a:p>
@@ -12318,10 +12318,10 @@
       </p:sp>
       <p:pic>
         <p:nvPicPr>
-          <p:cNvPr id="8" name="Picture 7">
+          <p:cNvPr id="5" name="Picture 4">
             <a:extLst>
               <a:ext uri="{FF2B5EF4-FFF2-40B4-BE49-F238E27FC236}">
-                <a16:creationId xmlns:a16="http://schemas.microsoft.com/office/drawing/2014/main" id="{4D0C6560-C229-143E-AB74-6F62D9B899CE}"/>
+                <a16:creationId xmlns:a16="http://schemas.microsoft.com/office/drawing/2014/main" id="{A96A5838-5655-536E-AA99-36BDE4B0BDA0}"/>
               </a:ext>
             </a:extLst>
           </p:cNvPr>
@@ -12344,8 +12344,80 @@
         </p:blipFill>
         <p:spPr>
           <a:xfrm>
-            <a:off x="8931000" y="1539000"/>
-            <a:ext cx="2583818" cy="4487684"/>
+            <a:off x="8976000" y="1400408"/>
+            <a:ext cx="2654714" cy="1571400"/>
+          </a:xfrm>
+          <a:prstGeom prst="rect">
+            <a:avLst/>
+          </a:prstGeom>
+        </p:spPr>
+      </p:pic>
+      <p:pic>
+        <p:nvPicPr>
+          <p:cNvPr id="9" name="Picture 8">
+            <a:extLst>
+              <a:ext uri="{FF2B5EF4-FFF2-40B4-BE49-F238E27FC236}">
+                <a16:creationId xmlns:a16="http://schemas.microsoft.com/office/drawing/2014/main" id="{2E9AAE37-153C-BE22-7F34-98FDC674838E}"/>
+              </a:ext>
+            </a:extLst>
+          </p:cNvPr>
+          <p:cNvPicPr>
+            <a:picLocks noChangeAspect="1"/>
+          </p:cNvPicPr>
+          <p:nvPr/>
+        </p:nvPicPr>
+        <p:blipFill>
+          <a:blip r:embed="rId3">
+            <a:extLst>
+              <a:ext uri="{28A0092B-C50C-407E-A947-70E740481C1C}">
+                <a14:useLocalDpi xmlns:a14="http://schemas.microsoft.com/office/drawing/2010/main" val="0"/>
+              </a:ext>
+            </a:extLst>
+          </a:blip>
+          <a:stretch>
+            <a:fillRect/>
+          </a:stretch>
+        </p:blipFill>
+        <p:spPr>
+          <a:xfrm>
+            <a:off x="8976000" y="2952142"/>
+            <a:ext cx="2654714" cy="1571400"/>
+          </a:xfrm>
+          <a:prstGeom prst="rect">
+            <a:avLst/>
+          </a:prstGeom>
+        </p:spPr>
+      </p:pic>
+      <p:pic>
+        <p:nvPicPr>
+          <p:cNvPr id="11" name="Picture 10">
+            <a:extLst>
+              <a:ext uri="{FF2B5EF4-FFF2-40B4-BE49-F238E27FC236}">
+                <a16:creationId xmlns:a16="http://schemas.microsoft.com/office/drawing/2014/main" id="{D0D6FA15-8E73-E4C6-4000-20EA02928CF7}"/>
+              </a:ext>
+            </a:extLst>
+          </p:cNvPr>
+          <p:cNvPicPr>
+            <a:picLocks noChangeAspect="1"/>
+          </p:cNvPicPr>
+          <p:nvPr/>
+        </p:nvPicPr>
+        <p:blipFill>
+          <a:blip r:embed="rId4">
+            <a:extLst>
+              <a:ext uri="{28A0092B-C50C-407E-A947-70E740481C1C}">
+                <a14:useLocalDpi xmlns:a14="http://schemas.microsoft.com/office/drawing/2010/main" val="0"/>
+              </a:ext>
+            </a:extLst>
+          </a:blip>
+          <a:stretch>
+            <a:fillRect/>
+          </a:stretch>
+        </p:blipFill>
+        <p:spPr>
+          <a:xfrm>
+            <a:off x="8976000" y="4523542"/>
+            <a:ext cx="2654714" cy="1571400"/>
           </a:xfrm>
           <a:prstGeom prst="rect">
             <a:avLst/>
@@ -12470,6 +12542,33 @@
                                   </p:childTnLst>
                                 </p:cTn>
                               </p:par>
+                              <p:par>
+                                <p:cTn id="11" presetID="1" presetClass="entr" presetSubtype="0" fill="hold" nodeType="withEffect">
+                                  <p:stCondLst>
+                                    <p:cond delay="0"/>
+                                  </p:stCondLst>
+                                  <p:childTnLst>
+                                    <p:set>
+                                      <p:cBhvr>
+                                        <p:cTn id="12" dur="1" fill="hold">
+                                          <p:stCondLst>
+                                            <p:cond delay="0"/>
+                                          </p:stCondLst>
+                                        </p:cTn>
+                                        <p:tgtEl>
+                                          <p:spTgt spid="9"/>
+                                        </p:tgtEl>
+                                        <p:attrNameLst>
+                                          <p:attrName>style.visibility</p:attrName>
+                                        </p:attrNameLst>
+                                      </p:cBhvr>
+                                      <p:to>
+                                        <p:strVal val="visible"/>
+                                      </p:to>
+                                    </p:set>
+                                  </p:childTnLst>
+                                </p:cTn>
+                              </p:par>
                             </p:childTnLst>
                           </p:cTn>
                         </p:par>
@@ -12477,26 +12576,26 @@
                     </p:cTn>
                   </p:par>
                   <p:par>
-                    <p:cTn id="11" fill="hold">
+                    <p:cTn id="13" fill="hold">
                       <p:stCondLst>
                         <p:cond delay="indefinite"/>
                       </p:stCondLst>
                       <p:childTnLst>
                         <p:par>
-                          <p:cTn id="12" fill="hold">
+                          <p:cTn id="14" fill="hold">
                             <p:stCondLst>
                               <p:cond delay="0"/>
                             </p:stCondLst>
                             <p:childTnLst>
                               <p:par>
-                                <p:cTn id="13" presetID="1" presetClass="entr" presetSubtype="0" fill="hold" nodeType="clickEffect">
+                                <p:cTn id="15" presetID="1" presetClass="entr" presetSubtype="0" fill="hold" nodeType="clickEffect">
                                   <p:stCondLst>
                                     <p:cond delay="0"/>
                                   </p:stCondLst>
                                   <p:childTnLst>
                                     <p:set>
                                       <p:cBhvr>
-                                        <p:cTn id="14" dur="1" fill="hold">
+                                        <p:cTn id="16" dur="1" fill="hold">
                                           <p:stCondLst>
                                             <p:cond delay="0"/>
                                           </p:stCondLst>
@@ -12526,26 +12625,26 @@
                     </p:cTn>
                   </p:par>
                   <p:par>
-                    <p:cTn id="15" fill="hold">
+                    <p:cTn id="17" fill="hold">
                       <p:stCondLst>
                         <p:cond delay="indefinite"/>
                       </p:stCondLst>
                       <p:childTnLst>
                         <p:par>
-                          <p:cTn id="16" fill="hold">
+                          <p:cTn id="18" fill="hold">
                             <p:stCondLst>
                               <p:cond delay="0"/>
                             </p:stCondLst>
                             <p:childTnLst>
                               <p:par>
-                                <p:cTn id="17" presetID="1" presetClass="entr" presetSubtype="0" fill="hold" nodeType="clickEffect">
+                                <p:cTn id="19" presetID="1" presetClass="entr" presetSubtype="0" fill="hold" nodeType="clickEffect">
                                   <p:stCondLst>
                                     <p:cond delay="0"/>
                                   </p:stCondLst>
                                   <p:childTnLst>
                                     <p:set>
                                       <p:cBhvr>
-                                        <p:cTn id="18" dur="1" fill="hold">
+                                        <p:cTn id="20" dur="1" fill="hold">
                                           <p:stCondLst>
                                             <p:cond delay="0"/>
                                           </p:stCondLst>
@@ -12568,6 +12667,33 @@
                                   </p:childTnLst>
                                 </p:cTn>
                               </p:par>
+                              <p:par>
+                                <p:cTn id="21" presetID="1" presetClass="entr" presetSubtype="0" fill="hold" nodeType="withEffect">
+                                  <p:stCondLst>
+                                    <p:cond delay="0"/>
+                                  </p:stCondLst>
+                                  <p:childTnLst>
+                                    <p:set>
+                                      <p:cBhvr>
+                                        <p:cTn id="22" dur="1" fill="hold">
+                                          <p:stCondLst>
+                                            <p:cond delay="0"/>
+                                          </p:stCondLst>
+                                        </p:cTn>
+                                        <p:tgtEl>
+                                          <p:spTgt spid="11"/>
+                                        </p:tgtEl>
+                                        <p:attrNameLst>
+                                          <p:attrName>style.visibility</p:attrName>
+                                        </p:attrNameLst>
+                                      </p:cBhvr>
+                                      <p:to>
+                                        <p:strVal val="visible"/>
+                                      </p:to>
+                                    </p:set>
+                                  </p:childTnLst>
+                                </p:cTn>
+                              </p:par>
                             </p:childTnLst>
                           </p:cTn>
                         </p:par>
@@ -12575,26 +12701,26 @@
                     </p:cTn>
                   </p:par>
                   <p:par>
-                    <p:cTn id="19" fill="hold">
+                    <p:cTn id="23" fill="hold">
                       <p:stCondLst>
                         <p:cond delay="indefinite"/>
                       </p:stCondLst>
                       <p:childTnLst>
                         <p:par>
-                          <p:cTn id="20" fill="hold">
+                          <p:cTn id="24" fill="hold">
                             <p:stCondLst>
                               <p:cond delay="0"/>
                             </p:stCondLst>
                             <p:childTnLst>
                               <p:par>
-                                <p:cTn id="21" presetID="1" presetClass="entr" presetSubtype="0" fill="hold" nodeType="clickEffect">
+                                <p:cTn id="25" presetID="1" presetClass="entr" presetSubtype="0" fill="hold" nodeType="clickEffect">
                                   <p:stCondLst>
                                     <p:cond delay="0"/>
                                   </p:stCondLst>
                                   <p:childTnLst>
                                     <p:set>
                                       <p:cBhvr>
-                                        <p:cTn id="22" dur="1" fill="hold">
+                                        <p:cTn id="26" dur="1" fill="hold">
                                           <p:stCondLst>
                                             <p:cond delay="0"/>
                                           </p:stCondLst>
@@ -12861,10 +12987,10 @@
       </p:sp>
       <p:pic>
         <p:nvPicPr>
-          <p:cNvPr id="5" name="Picture 4">
+          <p:cNvPr id="3" name="Picture 2">
             <a:extLst>
               <a:ext uri="{FF2B5EF4-FFF2-40B4-BE49-F238E27FC236}">
-                <a16:creationId xmlns:a16="http://schemas.microsoft.com/office/drawing/2014/main" id="{E92E7C8B-5753-DCA8-C0C0-D9E958CCFD57}"/>
+                <a16:creationId xmlns:a16="http://schemas.microsoft.com/office/drawing/2014/main" id="{6AB35236-919C-15D8-C527-DE5A220C359C}"/>
               </a:ext>
             </a:extLst>
           </p:cNvPr>
@@ -12887,8 +13013,80 @@
         </p:blipFill>
         <p:spPr>
           <a:xfrm>
-            <a:off x="9098425" y="1345422"/>
-            <a:ext cx="2725149" cy="4167156"/>
+            <a:off x="9133643" y="1537738"/>
+            <a:ext cx="2654714" cy="1571400"/>
+          </a:xfrm>
+          <a:prstGeom prst="rect">
+            <a:avLst/>
+          </a:prstGeom>
+        </p:spPr>
+      </p:pic>
+      <p:pic>
+        <p:nvPicPr>
+          <p:cNvPr id="6" name="Picture 5">
+            <a:extLst>
+              <a:ext uri="{FF2B5EF4-FFF2-40B4-BE49-F238E27FC236}">
+                <a16:creationId xmlns:a16="http://schemas.microsoft.com/office/drawing/2014/main" id="{561FC58F-E910-54C4-FF25-797B3154D310}"/>
+              </a:ext>
+            </a:extLst>
+          </p:cNvPr>
+          <p:cNvPicPr>
+            <a:picLocks noChangeAspect="1"/>
+          </p:cNvPicPr>
+          <p:nvPr/>
+        </p:nvPicPr>
+        <p:blipFill>
+          <a:blip r:embed="rId3">
+            <a:extLst>
+              <a:ext uri="{28A0092B-C50C-407E-A947-70E740481C1C}">
+                <a14:useLocalDpi xmlns:a14="http://schemas.microsoft.com/office/drawing/2010/main" val="0"/>
+              </a:ext>
+            </a:extLst>
+          </a:blip>
+          <a:stretch>
+            <a:fillRect/>
+          </a:stretch>
+        </p:blipFill>
+        <p:spPr>
+          <a:xfrm>
+            <a:off x="9133643" y="3109138"/>
+            <a:ext cx="2654714" cy="1571400"/>
+          </a:xfrm>
+          <a:prstGeom prst="rect">
+            <a:avLst/>
+          </a:prstGeom>
+        </p:spPr>
+      </p:pic>
+      <p:pic>
+        <p:nvPicPr>
+          <p:cNvPr id="8" name="Picture 7">
+            <a:extLst>
+              <a:ext uri="{FF2B5EF4-FFF2-40B4-BE49-F238E27FC236}">
+                <a16:creationId xmlns:a16="http://schemas.microsoft.com/office/drawing/2014/main" id="{9C1C1EC8-0B08-4E18-9F1A-5FCFF3B4ECCD}"/>
+              </a:ext>
+            </a:extLst>
+          </p:cNvPr>
+          <p:cNvPicPr>
+            <a:picLocks noChangeAspect="1"/>
+          </p:cNvPicPr>
+          <p:nvPr/>
+        </p:nvPicPr>
+        <p:blipFill>
+          <a:blip r:embed="rId4">
+            <a:extLst>
+              <a:ext uri="{28A0092B-C50C-407E-A947-70E740481C1C}">
+                <a14:useLocalDpi xmlns:a14="http://schemas.microsoft.com/office/drawing/2010/main" val="0"/>
+              </a:ext>
+            </a:extLst>
+          </a:blip>
+          <a:stretch>
+            <a:fillRect/>
+          </a:stretch>
+        </p:blipFill>
+        <p:spPr>
+          <a:xfrm>
+            <a:off x="9133643" y="4680538"/>
+            <a:ext cx="2654714" cy="916650"/>
           </a:xfrm>
           <a:prstGeom prst="rect">
             <a:avLst/>
@@ -13013,6 +13211,33 @@
                                   </p:childTnLst>
                                 </p:cTn>
                               </p:par>
+                              <p:par>
+                                <p:cTn id="11" presetID="1" presetClass="entr" presetSubtype="0" fill="hold" nodeType="withEffect">
+                                  <p:stCondLst>
+                                    <p:cond delay="0"/>
+                                  </p:stCondLst>
+                                  <p:childTnLst>
+                                    <p:set>
+                                      <p:cBhvr>
+                                        <p:cTn id="12" dur="1" fill="hold">
+                                          <p:stCondLst>
+                                            <p:cond delay="0"/>
+                                          </p:stCondLst>
+                                        </p:cTn>
+                                        <p:tgtEl>
+                                          <p:spTgt spid="6"/>
+                                        </p:tgtEl>
+                                        <p:attrNameLst>
+                                          <p:attrName>style.visibility</p:attrName>
+                                        </p:attrNameLst>
+                                      </p:cBhvr>
+                                      <p:to>
+                                        <p:strVal val="visible"/>
+                                      </p:to>
+                                    </p:set>
+                                  </p:childTnLst>
+                                </p:cTn>
+                              </p:par>
                             </p:childTnLst>
                           </p:cTn>
                         </p:par>
@@ -13020,26 +13245,26 @@
                     </p:cTn>
                   </p:par>
                   <p:par>
-                    <p:cTn id="11" fill="hold">
+                    <p:cTn id="13" fill="hold">
                       <p:stCondLst>
                         <p:cond delay="indefinite"/>
                       </p:stCondLst>
                       <p:childTnLst>
                         <p:par>
-                          <p:cTn id="12" fill="hold">
+                          <p:cTn id="14" fill="hold">
                             <p:stCondLst>
                               <p:cond delay="0"/>
                             </p:stCondLst>
                             <p:childTnLst>
                               <p:par>
-                                <p:cTn id="13" presetID="1" presetClass="entr" presetSubtype="0" fill="hold" nodeType="clickEffect">
+                                <p:cTn id="15" presetID="1" presetClass="entr" presetSubtype="0" fill="hold" nodeType="clickEffect">
                                   <p:stCondLst>
                                     <p:cond delay="0"/>
                                   </p:stCondLst>
                                   <p:childTnLst>
                                     <p:set>
                                       <p:cBhvr>
-                                        <p:cTn id="14" dur="1" fill="hold">
+                                        <p:cTn id="16" dur="1" fill="hold">
                                           <p:stCondLst>
                                             <p:cond delay="0"/>
                                           </p:stCondLst>
@@ -13069,26 +13294,26 @@
                     </p:cTn>
                   </p:par>
                   <p:par>
-                    <p:cTn id="15" fill="hold">
+                    <p:cTn id="17" fill="hold">
                       <p:stCondLst>
                         <p:cond delay="indefinite"/>
                       </p:stCondLst>
                       <p:childTnLst>
                         <p:par>
-                          <p:cTn id="16" fill="hold">
+                          <p:cTn id="18" fill="hold">
                             <p:stCondLst>
                               <p:cond delay="0"/>
                             </p:stCondLst>
                             <p:childTnLst>
                               <p:par>
-                                <p:cTn id="17" presetID="1" presetClass="entr" presetSubtype="0" fill="hold" nodeType="clickEffect">
+                                <p:cTn id="19" presetID="1" presetClass="entr" presetSubtype="0" fill="hold" nodeType="clickEffect">
                                   <p:stCondLst>
                                     <p:cond delay="0"/>
                                   </p:stCondLst>
                                   <p:childTnLst>
                                     <p:set>
                                       <p:cBhvr>
-                                        <p:cTn id="18" dur="1" fill="hold">
+                                        <p:cTn id="20" dur="1" fill="hold">
                                           <p:stCondLst>
                                             <p:cond delay="0"/>
                                           </p:stCondLst>
@@ -13111,6 +13336,33 @@
                                   </p:childTnLst>
                                 </p:cTn>
                               </p:par>
+                              <p:par>
+                                <p:cTn id="21" presetID="1" presetClass="entr" presetSubtype="0" fill="hold" nodeType="withEffect">
+                                  <p:stCondLst>
+                                    <p:cond delay="0"/>
+                                  </p:stCondLst>
+                                  <p:childTnLst>
+                                    <p:set>
+                                      <p:cBhvr>
+                                        <p:cTn id="22" dur="1" fill="hold">
+                                          <p:stCondLst>
+                                            <p:cond delay="0"/>
+                                          </p:stCondLst>
+                                        </p:cTn>
+                                        <p:tgtEl>
+                                          <p:spTgt spid="8"/>
+                                        </p:tgtEl>
+                                        <p:attrNameLst>
+                                          <p:attrName>style.visibility</p:attrName>
+                                        </p:attrNameLst>
+                                      </p:cBhvr>
+                                      <p:to>
+                                        <p:strVal val="visible"/>
+                                      </p:to>
+                                    </p:set>
+                                  </p:childTnLst>
+                                </p:cTn>
+                              </p:par>
                             </p:childTnLst>
                           </p:cTn>
                         </p:par>
@@ -13118,26 +13370,26 @@
                     </p:cTn>
                   </p:par>
                   <p:par>
-                    <p:cTn id="19" fill="hold">
+                    <p:cTn id="23" fill="hold">
                       <p:stCondLst>
                         <p:cond delay="indefinite"/>
                       </p:stCondLst>
                       <p:childTnLst>
                         <p:par>
-                          <p:cTn id="20" fill="hold">
+                          <p:cTn id="24" fill="hold">
                             <p:stCondLst>
                               <p:cond delay="0"/>
                             </p:stCondLst>
                             <p:childTnLst>
                               <p:par>
-                                <p:cTn id="21" presetID="1" presetClass="entr" presetSubtype="0" fill="hold" nodeType="clickEffect">
+                                <p:cTn id="25" presetID="1" presetClass="entr" presetSubtype="0" fill="hold" nodeType="clickEffect">
                                   <p:stCondLst>
                                     <p:cond delay="0"/>
                                   </p:stCondLst>
                                   <p:childTnLst>
                                     <p:set>
                                       <p:cBhvr>
-                                        <p:cTn id="22" dur="1" fill="hold">
+                                        <p:cTn id="26" dur="1" fill="hold">
                                           <p:stCondLst>
                                             <p:cond delay="0"/>
                                           </p:stCondLst>
@@ -13350,7 +13602,15 @@
             </a:r>
             <a:r>
               <a:rPr lang="bg-BG" sz="2800" dirty="0"/>
-              <a:t> и следи </a:t>
+              <a:t> и </a:t>
+            </a:r>
+            <a:r>
+              <a:rPr lang="bg-BG" sz="2800" b="1" dirty="0"/>
+              <a:t>следи</a:t>
+            </a:r>
+            <a:r>
+              <a:rPr lang="bg-BG" sz="2800" dirty="0"/>
+              <a:t> </a:t>
             </a:r>
             <a:r>
               <a:rPr lang="bg-BG" sz="2800" b="1" dirty="0">
@@ -14776,7 +15036,7 @@
           <a:lstStyle/>
           <a:p>
             <a:r>
-              <a:rPr lang="bg-BG" sz="4000" dirty="0"/>
+              <a:rPr lang="bg-BG" sz="4800" dirty="0"/>
               <a:t>Видове и характеристики</a:t>
             </a:r>
           </a:p>
@@ -14804,10 +15064,10 @@
           <a:lstStyle/>
           <a:p>
             <a:r>
-              <a:rPr lang="bg-BG" sz="5600" dirty="0"/>
+              <a:rPr lang="bg-BG" sz="6000" dirty="0"/>
               <a:t>Уеб страници</a:t>
             </a:r>
-            <a:endParaRPr lang="en-US" sz="5600" dirty="0"/>
+            <a:endParaRPr lang="en-US" sz="6000" dirty="0"/>
           </a:p>
         </p:txBody>
       </p:sp>
@@ -22972,18 +23232,18 @@
           <a:lstStyle/>
           <a:p>
             <a:r>
-              <a:rPr lang="en-US" dirty="0"/>
+              <a:rPr lang="en-US" sz="4800" dirty="0"/>
               <a:t>IP </a:t>
             </a:r>
             <a:r>
-              <a:rPr lang="bg-BG" dirty="0"/>
+              <a:rPr lang="bg-BG" sz="4800" dirty="0"/>
               <a:t>адрес, </a:t>
             </a:r>
             <a:r>
-              <a:rPr lang="en-US" dirty="0"/>
+              <a:rPr lang="en-US" sz="4800" dirty="0"/>
               <a:t>DNS, URL</a:t>
             </a:r>
-            <a:endParaRPr lang="bg-BG" dirty="0"/>
+            <a:endParaRPr lang="bg-BG" sz="4800" dirty="0"/>
           </a:p>
         </p:txBody>
       </p:sp>
@@ -23009,10 +23269,10 @@
           <a:lstStyle/>
           <a:p>
             <a:r>
-              <a:rPr lang="bg-BG" sz="4400" dirty="0"/>
+              <a:rPr lang="bg-BG" sz="6000" dirty="0"/>
               <a:t>Интернет адресиране</a:t>
             </a:r>
-            <a:endParaRPr lang="en-US" sz="4400" dirty="0"/>
+            <a:endParaRPr lang="en-US" sz="6000" dirty="0"/>
           </a:p>
         </p:txBody>
       </p:sp>
@@ -24517,10 +24777,10 @@
           <a:lstStyle/>
           <a:p>
             <a:r>
-              <a:rPr lang="bg-BG" dirty="0"/>
+              <a:rPr lang="bg-BG" sz="6000" dirty="0"/>
               <a:t>Уеб сайтове</a:t>
             </a:r>
-            <a:endParaRPr lang="en-US" dirty="0"/>
+            <a:endParaRPr lang="en-US" sz="6000" dirty="0"/>
           </a:p>
         </p:txBody>
       </p:sp>
@@ -26566,10 +26826,10 @@
           <a:lstStyle/>
           <a:p>
             <a:r>
-              <a:rPr lang="bg-BG" sz="4000" dirty="0"/>
+              <a:rPr lang="bg-BG" sz="4800" dirty="0"/>
               <a:t>Цел и целева група за уеб сайт</a:t>
             </a:r>
-            <a:endParaRPr lang="bg-BG" dirty="0"/>
+            <a:endParaRPr lang="bg-BG" sz="4400" dirty="0"/>
           </a:p>
         </p:txBody>
       </p:sp>
@@ -26595,7 +26855,7 @@
           <a:lstStyle/>
           <a:p>
             <a:r>
-              <a:rPr lang="bg-BG" sz="5200" dirty="0"/>
+              <a:rPr lang="bg-BG" sz="6000" dirty="0"/>
               <a:t>Пример</a:t>
             </a:r>
             <a:endParaRPr lang="en-US" sz="5200" dirty="0"/>
@@ -28237,11 +28497,11 @@
   <p:clrMapOvr>
     <a:masterClrMapping/>
   </p:clrMapOvr>
-  <mc:AlternateContent xmlns:mc="http://schemas.openxmlformats.org/markup-compatibility/2006">
-    <mc:Choice xmlns:p14="http://schemas.microsoft.com/office/powerpoint/2010/main" Requires="p14">
+  <mc:AlternateContent xmlns:mc="http://schemas.openxmlformats.org/markup-compatibility/2006" xmlns:p14="http://schemas.microsoft.com/office/powerpoint/2010/main">
+    <mc:Choice Requires="p14">
       <p:transition spd="slow" p14:dur="2000" advClick="0" advTm="5000"/>
     </mc:Choice>
-    <mc:Fallback>
+    <mc:Fallback xmlns="">
       <p:transition spd="slow" advClick="0" advTm="5000"/>
     </mc:Fallback>
   </mc:AlternateContent>
@@ -29453,11 +29713,11 @@
   <p:clrMapOvr>
     <a:masterClrMapping/>
   </p:clrMapOvr>
-  <mc:AlternateContent xmlns:mc="http://schemas.openxmlformats.org/markup-compatibility/2006">
-    <mc:Choice xmlns:p14="http://schemas.microsoft.com/office/powerpoint/2010/main" Requires="p14">
+  <mc:AlternateContent xmlns:mc="http://schemas.openxmlformats.org/markup-compatibility/2006" xmlns:p14="http://schemas.microsoft.com/office/powerpoint/2010/main">
+    <mc:Choice Requires="p14">
       <p:transition spd="slow" p14:dur="2000" advClick="0" advTm="5000"/>
     </mc:Choice>
-    <mc:Fallback>
+    <mc:Fallback xmlns="">
       <p:transition spd="slow" advClick="0" advTm="5000"/>
     </mc:Fallback>
   </mc:AlternateContent>
@@ -30693,11 +30953,11 @@
   <p:clrMapOvr>
     <a:masterClrMapping/>
   </p:clrMapOvr>
-  <mc:AlternateContent xmlns:mc="http://schemas.openxmlformats.org/markup-compatibility/2006">
-    <mc:Choice xmlns:p14="http://schemas.microsoft.com/office/powerpoint/2010/main" Requires="p14">
+  <mc:AlternateContent xmlns:mc="http://schemas.openxmlformats.org/markup-compatibility/2006" xmlns:p14="http://schemas.microsoft.com/office/powerpoint/2010/main">
+    <mc:Choice Requires="p14">
       <p:transition spd="slow" p14:dur="2000" advClick="0" advTm="5000"/>
     </mc:Choice>
-    <mc:Fallback>
+    <mc:Fallback xmlns="">
       <p:transition spd="slow" advClick="0" advTm="5000"/>
     </mc:Fallback>
   </mc:AlternateContent>
@@ -36783,33 +37043,15 @@
                                   </p:childTnLst>
                                 </p:cTn>
                               </p:par>
-                            </p:childTnLst>
-                          </p:cTn>
-                        </p:par>
-                      </p:childTnLst>
-                    </p:cTn>
-                  </p:par>
-                  <p:par>
-                    <p:cTn id="11" fill="hold">
-                      <p:stCondLst>
-                        <p:cond delay="indefinite"/>
-                      </p:stCondLst>
-                      <p:childTnLst>
-                        <p:par>
-                          <p:cTn id="12" fill="hold">
-                            <p:stCondLst>
-                              <p:cond delay="0"/>
-                            </p:stCondLst>
-                            <p:childTnLst>
                               <p:par>
-                                <p:cTn id="13" presetID="1" presetClass="entr" presetSubtype="0" fill="hold" nodeType="clickEffect">
+                                <p:cTn id="11" presetID="1" presetClass="entr" presetSubtype="0" fill="hold" nodeType="withEffect">
                                   <p:stCondLst>
                                     <p:cond delay="0"/>
                                   </p:stCondLst>
                                   <p:childTnLst>
                                     <p:set>
                                       <p:cBhvr>
-                                        <p:cTn id="14" dur="1" fill="hold">
+                                        <p:cTn id="12" dur="1" fill="hold">
                                           <p:stCondLst>
                                             <p:cond delay="0"/>
                                           </p:stCondLst>

--- a/Courses/Software-Sciences/IT-Module-3-Web-Design/01-Websites/01-Websites.pptx
+++ b/Courses/Software-Sciences/IT-Module-3-Web-Design/01-Websites/01-Websites.pptx
@@ -5,10 +5,10 @@
     <p:sldMasterId id="2147483675" r:id="rId1"/>
   </p:sldMasterIdLst>
   <p:notesMasterIdLst>
-    <p:notesMasterId r:id="rId42"/>
+    <p:notesMasterId r:id="rId43"/>
   </p:notesMasterIdLst>
   <p:handoutMasterIdLst>
-    <p:handoutMasterId r:id="rId43"/>
+    <p:handoutMasterId r:id="rId44"/>
   </p:handoutMasterIdLst>
   <p:sldIdLst>
     <p:sldId id="503" r:id="rId2"/>
@@ -36,21 +36,22 @@
     <p:sldId id="778" r:id="rId24"/>
     <p:sldId id="787" r:id="rId25"/>
     <p:sldId id="789" r:id="rId26"/>
-    <p:sldId id="780" r:id="rId27"/>
-    <p:sldId id="589" r:id="rId28"/>
-    <p:sldId id="590" r:id="rId29"/>
-    <p:sldId id="791" r:id="rId30"/>
-    <p:sldId id="608" r:id="rId31"/>
-    <p:sldId id="653" r:id="rId32"/>
-    <p:sldId id="788" r:id="rId33"/>
-    <p:sldId id="654" r:id="rId34"/>
-    <p:sldId id="797" r:id="rId35"/>
-    <p:sldId id="799" r:id="rId36"/>
-    <p:sldId id="800" r:id="rId37"/>
-    <p:sldId id="798" r:id="rId38"/>
-    <p:sldId id="633" r:id="rId39"/>
-    <p:sldId id="504" r:id="rId40"/>
-    <p:sldId id="505" r:id="rId41"/>
+    <p:sldId id="801" r:id="rId27"/>
+    <p:sldId id="780" r:id="rId28"/>
+    <p:sldId id="589" r:id="rId29"/>
+    <p:sldId id="590" r:id="rId30"/>
+    <p:sldId id="791" r:id="rId31"/>
+    <p:sldId id="608" r:id="rId32"/>
+    <p:sldId id="653" r:id="rId33"/>
+    <p:sldId id="788" r:id="rId34"/>
+    <p:sldId id="654" r:id="rId35"/>
+    <p:sldId id="797" r:id="rId36"/>
+    <p:sldId id="799" r:id="rId37"/>
+    <p:sldId id="800" r:id="rId38"/>
+    <p:sldId id="798" r:id="rId39"/>
+    <p:sldId id="633" r:id="rId40"/>
+    <p:sldId id="504" r:id="rId41"/>
+    <p:sldId id="505" r:id="rId42"/>
   </p:sldIdLst>
   <p:sldSz cx="12192000" cy="6858000"/>
   <p:notesSz cx="6858000" cy="9144000"/>
@@ -191,6 +192,7 @@
             <p14:sldId id="778"/>
             <p14:sldId id="787"/>
             <p14:sldId id="789"/>
+            <p14:sldId id="801"/>
             <p14:sldId id="780"/>
           </p14:sldIdLst>
         </p14:section>
@@ -243,6 +245,12 @@
 </p:presentation>
 </file>
 
+<file path=ppt/authors.xml><?xml version="1.0" encoding="utf-8"?>
+<p188:authorLst xmlns:a="http://schemas.openxmlformats.org/drawingml/2006/main" xmlns:r="http://schemas.openxmlformats.org/officeDocument/2006/relationships" xmlns:p188="http://schemas.microsoft.com/office/powerpoint/2018/8/main">
+  <p188:author id="{CB4BF2F8-D32F-9387-A6CE-368ED6EFDCF0}" name="Zaraliev" initials="KZ" userId="S::Zaraliev@students.softuni.bg::e1c6524a-140e-4108-9ad5-216363431969" providerId="AD"/>
+</p188:authorLst>
+</file>
+
 <file path=ppt/commentAuthors.xml><?xml version="1.0" encoding="utf-8"?>
 <p:cmAuthorLst xmlns:a="http://schemas.openxmlformats.org/drawingml/2006/main" xmlns:r="http://schemas.openxmlformats.org/officeDocument/2006/relationships" xmlns:p="http://schemas.openxmlformats.org/presentationml/2006/main">
   <p:cmAuthor id="1" name="PC" initials="P" lastIdx="8" clrIdx="0">
@@ -260,6 +268,196 @@
     </p:extLst>
   </p:cmAuthor>
 </p:cmAuthorLst>
+</file>
+
+<file path=ppt/comments/modernComment_161_34953828.xml><?xml version="1.0" encoding="utf-8"?>
+<p188:cmLst xmlns:a="http://schemas.openxmlformats.org/drawingml/2006/main" xmlns:r="http://schemas.openxmlformats.org/officeDocument/2006/relationships" xmlns:p188="http://schemas.microsoft.com/office/powerpoint/2018/8/main">
+  <p188:cm id="{B17227C6-D9EF-4AE7-9A2D-7775F9DEB7BA}" authorId="{CB4BF2F8-D32F-9387-A6CE-368ED6EFDCF0}" created="2025-11-07T11:19:25.583">
+    <ac:deMkLst xmlns:ac="http://schemas.microsoft.com/office/drawing/2013/main/command">
+      <pc:docMk xmlns:pc="http://schemas.microsoft.com/office/powerpoint/2013/main/command"/>
+      <pc:sldMk xmlns:pc="http://schemas.microsoft.com/office/powerpoint/2013/main/command" cId="882194472" sldId="353"/>
+      <ac:spMk id="4" creationId="{BEB5BB41-09D4-4E9F-8C80-EE8709171CB3}"/>
+    </ac:deMkLst>
+    <p188:txBody>
+      <a:bodyPr/>
+      <a:lstStyle/>
+      <a:p>
+        <a:r>
+          <a:rPr lang="en-GB"/>
+          <a:t>Съкрати подзаглавието</a:t>
+        </a:r>
+      </a:p>
+    </p188:txBody>
+  </p188:cm>
+</p188:cmLst>
+</file>
+
+<file path=ppt/comments/modernComment_24B_72B0E9BD.xml><?xml version="1.0" encoding="utf-8"?>
+<p188:cmLst xmlns:a="http://schemas.openxmlformats.org/drawingml/2006/main" xmlns:r="http://schemas.openxmlformats.org/officeDocument/2006/relationships" xmlns:p188="http://schemas.microsoft.com/office/powerpoint/2018/8/main">
+  <p188:cm id="{4006D499-E098-4468-8504-751E22DFC801}" authorId="{CB4BF2F8-D32F-9387-A6CE-368ED6EFDCF0}" created="2025-11-07T11:21:10.069">
+    <ac:txMkLst xmlns:ac="http://schemas.microsoft.com/office/drawing/2013/main/command">
+      <pc:docMk xmlns:pc="http://schemas.microsoft.com/office/powerpoint/2013/main/command"/>
+      <pc:sldMk xmlns:pc="http://schemas.microsoft.com/office/powerpoint/2013/main/command" cId="1924196797" sldId="587"/>
+      <ac:spMk id="3" creationId="{231FFBC2-1649-5CEB-A57B-2417DB0629BD}"/>
+      <ac:txMk cp="138" len="38">
+        <ac:context len="177" hash="2331569026"/>
+      </ac:txMk>
+    </ac:txMkLst>
+    <p188:pos x="6941918" y="3284435"/>
+    <p188:txBody>
+      <a:bodyPr/>
+      <a:lstStyle/>
+      <a:p>
+        <a:r>
+          <a:rPr lang="en-GB"/>
+          <a:t>Да се дадат примери с линкове</a:t>
+        </a:r>
+      </a:p>
+    </p188:txBody>
+  </p188:cm>
+</p188:cmLst>
+</file>
+
+<file path=ppt/comments/modernComment_260_894324A0.xml><?xml version="1.0" encoding="utf-8"?>
+<p188:cmLst xmlns:a="http://schemas.openxmlformats.org/drawingml/2006/main" xmlns:r="http://schemas.openxmlformats.org/officeDocument/2006/relationships" xmlns:p188="http://schemas.microsoft.com/office/powerpoint/2018/8/main">
+  <p188:cm id="{8C2D17A9-A76B-4DDA-B797-BFA5628056FA}" authorId="{CB4BF2F8-D32F-9387-A6CE-368ED6EFDCF0}" created="2025-11-07T11:47:28.275">
+    <ac:txMkLst xmlns:ac="http://schemas.microsoft.com/office/drawing/2013/main/command">
+      <pc:docMk xmlns:pc="http://schemas.microsoft.com/office/powerpoint/2013/main/command"/>
+      <pc:sldMk xmlns:pc="http://schemas.microsoft.com/office/powerpoint/2013/main/command" cId="2302878880" sldId="608"/>
+      <ac:spMk id="7" creationId="{320B2856-CE5E-4934-BD1C-1D81E68E529A}"/>
+      <ac:txMk cp="28" len="35">
+        <ac:context len="187" hash="1413822994"/>
+      </ac:txMk>
+    </ac:txMkLst>
+    <p188:pos x="8427818" y="964145"/>
+    <p188:txBody>
+      <a:bodyPr/>
+      <a:lstStyle/>
+      <a:p>
+        <a:r>
+          <a:rPr lang="en-GB"/>
+          <a:t>Провери терминът "превежда" дали е правилно използван тук</a:t>
+        </a:r>
+      </a:p>
+    </p188:txBody>
+  </p188:cm>
+</p188:cmLst>
+</file>
+
+<file path=ppt/comments/modernComment_28D_523D9B2B.xml><?xml version="1.0" encoding="utf-8"?>
+<p188:cmLst xmlns:a="http://schemas.openxmlformats.org/drawingml/2006/main" xmlns:r="http://schemas.openxmlformats.org/officeDocument/2006/relationships" xmlns:p188="http://schemas.microsoft.com/office/powerpoint/2018/8/main">
+  <p188:cm id="{6EA45C6C-FDA3-4D18-9480-1200FE14D50D}" authorId="{CB4BF2F8-D32F-9387-A6CE-368ED6EFDCF0}" created="2025-11-07T11:50:11.681">
+    <ac:deMkLst xmlns:ac="http://schemas.microsoft.com/office/drawing/2013/main/command">
+      <pc:docMk xmlns:pc="http://schemas.microsoft.com/office/powerpoint/2013/main/command"/>
+      <pc:sldMk xmlns:pc="http://schemas.microsoft.com/office/powerpoint/2013/main/command" cId="1379769131" sldId="653"/>
+      <ac:spMk id="2" creationId="{E1C9EBAF-5D74-E427-A3FA-2054C9D6D0CC}"/>
+    </ac:deMkLst>
+    <p188:txBody>
+      <a:bodyPr/>
+      <a:lstStyle/>
+      <a:p>
+        <a:r>
+          <a:rPr lang="en-GB"/>
+          <a:t>Да се даде изчистен пример за структурата на URL</a:t>
+        </a:r>
+      </a:p>
+    </p188:txBody>
+  </p188:cm>
+</p188:cmLst>
+</file>
+
+<file path=ppt/comments/modernComment_30E_3EE33F3.xml><?xml version="1.0" encoding="utf-8"?>
+<p188:cmLst xmlns:a="http://schemas.openxmlformats.org/drawingml/2006/main" xmlns:r="http://schemas.openxmlformats.org/officeDocument/2006/relationships" xmlns:p188="http://schemas.microsoft.com/office/powerpoint/2018/8/main">
+  <p188:cm id="{1B7C83A7-E462-435D-B870-F192C98B7119}" authorId="{CB4BF2F8-D32F-9387-A6CE-368ED6EFDCF0}" created="2025-11-07T11:21:34.003">
+    <ac:txMkLst xmlns:ac="http://schemas.microsoft.com/office/drawing/2013/main/command">
+      <pc:docMk xmlns:pc="http://schemas.microsoft.com/office/powerpoint/2013/main/command"/>
+      <pc:sldMk xmlns:pc="http://schemas.microsoft.com/office/powerpoint/2013/main/command" cId="65942515" sldId="782"/>
+      <ac:spMk id="3" creationId="{231FFBC2-1649-5CEB-A57B-2417DB0629BD}"/>
+      <ac:txMk cp="153" len="41">
+        <ac:context len="195" hash="3495552671"/>
+      </ac:txMk>
+    </ac:txMkLst>
+    <p188:pos x="6324698" y="4301705"/>
+    <p188:txBody>
+      <a:bodyPr/>
+      <a:lstStyle/>
+      <a:p>
+        <a:r>
+          <a:rPr lang="en-GB"/>
+          <a:t>Добавяне на примери с линкове</a:t>
+        </a:r>
+      </a:p>
+    </p188:txBody>
+  </p188:cm>
+</p188:cmLst>
+</file>
+
+<file path=ppt/comments/modernComment_30F_8941E98E.xml><?xml version="1.0" encoding="utf-8"?>
+<p188:cmLst xmlns:a="http://schemas.openxmlformats.org/drawingml/2006/main" xmlns:r="http://schemas.openxmlformats.org/officeDocument/2006/relationships" xmlns:p188="http://schemas.microsoft.com/office/powerpoint/2018/8/main">
+  <p188:cm id="{192CDEF9-E6B6-4DCF-B142-AC02069D59A3}" authorId="{CB4BF2F8-D32F-9387-A6CE-368ED6EFDCF0}" created="2025-11-07T11:23:52.210">
+    <ac:deMkLst xmlns:ac="http://schemas.microsoft.com/office/drawing/2013/main/command">
+      <pc:docMk xmlns:pc="http://schemas.microsoft.com/office/powerpoint/2013/main/command"/>
+      <pc:sldMk xmlns:pc="http://schemas.microsoft.com/office/powerpoint/2013/main/command" cId="2302798222" sldId="783"/>
+      <ac:spMk id="7" creationId="{FBFEFCDD-E454-D1E7-D67F-EE67BB2A7ACE}"/>
+    </ac:deMkLst>
+    <p188:txBody>
+      <a:bodyPr/>
+      <a:lstStyle/>
+      <a:p>
+        <a:r>
+          <a:rPr lang="en-GB"/>
+          <a:t>Добавяне на примери с линкове</a:t>
+        </a:r>
+      </a:p>
+    </p188:txBody>
+  </p188:cm>
+</p188:cmLst>
+</file>
+
+<file path=ppt/comments/modernComment_31F_9F960865.xml><?xml version="1.0" encoding="utf-8"?>
+<p188:cmLst xmlns:a="http://schemas.openxmlformats.org/drawingml/2006/main" xmlns:r="http://schemas.openxmlformats.org/officeDocument/2006/relationships" xmlns:p188="http://schemas.microsoft.com/office/powerpoint/2018/8/main">
+  <p188:cm id="{8C2B87EF-113C-4F7A-8A34-6DCBE9C76D47}" authorId="{CB4BF2F8-D32F-9387-A6CE-368ED6EFDCF0}" created="2025-11-07T11:54:20.823">
+    <ac:deMkLst xmlns:ac="http://schemas.microsoft.com/office/drawing/2013/main/command">
+      <pc:docMk xmlns:pc="http://schemas.microsoft.com/office/powerpoint/2013/main/command"/>
+      <pc:sldMk xmlns:pc="http://schemas.microsoft.com/office/powerpoint/2013/main/command" cId="2677409893" sldId="799"/>
+      <ac:graphicFrameMk id="7" creationId="{3557BAB7-1DD9-DD1C-75EF-CEE8D24AD214}"/>
+    </ac:deMkLst>
+    <p188:txBody>
+      <a:bodyPr/>
+      <a:lstStyle/>
+      <a:p>
+        <a:r>
+          <a:rPr lang="en-GB"/>
+          <a:t>Да се добавят text box-ове, за да могат да се показват текстовете с анимации</a:t>
+        </a:r>
+      </a:p>
+    </p188:txBody>
+  </p188:cm>
+  <p188:cm id="{322D9E98-F9A7-4DC2-9423-CEAE7BEA9DB8}" authorId="{CB4BF2F8-D32F-9387-A6CE-368ED6EFDCF0}" created="2025-11-07T11:56:53.526">
+    <ac:txMkLst xmlns:ac="http://schemas.microsoft.com/office/drawing/2013/main/command">
+      <pc:docMk xmlns:pc="http://schemas.microsoft.com/office/powerpoint/2013/main/command"/>
+      <pc:sldMk xmlns:pc="http://schemas.microsoft.com/office/powerpoint/2013/main/command" cId="2677409893" sldId="799"/>
+      <ac:graphicFrameMk id="7" creationId="{3557BAB7-1DD9-DD1C-75EF-CEE8D24AD214}"/>
+      <ac:tblMk/>
+      <ac:tcMk rowId="1210854640" colId="3700237570"/>
+      <ac:txMk cp="13" len="3">
+        <ac:context len="64" hash="1102481728"/>
+      </ac:txMk>
+    </ac:txMkLst>
+    <p188:pos x="3190380" y="3499560"/>
+    <p188:txBody>
+      <a:bodyPr/>
+      <a:lstStyle/>
+      <a:p>
+        <a:r>
+          <a:rPr lang="en-GB"/>
+          <a:t>Измисли по-добро описание на целта за сайта chatgpt
+</a:t>
+        </a:r>
+      </a:p>
+    </p188:txBody>
+  </p188:cm>
+</p188:cmLst>
 </file>
 
 <file path=ppt/handoutMasters/handoutMaster1.xml><?xml version="1.0" encoding="utf-8"?>
@@ -356,7 +554,7 @@
           <a:p>
             <a:fld id="{4E087215-0C8F-4762-A664-737A353EC9A4}" type="datetimeFigureOut">
               <a:rPr lang="bg-BG" smtClean="0"/>
-              <a:t>23.10.25 г.</a:t>
+              <a:t>7.11.2025 г.</a:t>
             </a:fld>
             <a:endParaRPr lang="bg-BG"/>
           </a:p>
@@ -552,7 +750,7 @@
           <a:p>
             <a:fld id="{72D84649-876A-46C9-8472-14CB09C070D8}" type="datetimeFigureOut">
               <a:rPr lang="en-US" smtClean="0"/>
-              <a:t>10/23/25</a:t>
+              <a:t>11/7/2025</a:t>
             </a:fld>
             <a:endParaRPr lang="en-US"/>
           </a:p>
@@ -2532,7 +2730,7 @@
             <a:fld id="{3EBA5BD7-F043-4D1B-AA17-CD412FC534DE}" type="slidenum">
               <a:rPr lang="en-US" smtClean="0"/>
               <a:pPr/>
-              <a:t>26</a:t>
+              <a:t>27</a:t>
             </a:fld>
             <a:endParaRPr lang="en-US" dirty="0"/>
           </a:p>
@@ -2762,7 +2960,7 @@
             <a:fld id="{3EBA5BD7-F043-4D1B-AA17-CD412FC534DE}" type="slidenum">
               <a:rPr lang="en-US" smtClean="0"/>
               <a:pPr/>
-              <a:t>27</a:t>
+              <a:t>28</a:t>
             </a:fld>
             <a:endParaRPr lang="en-US" dirty="0"/>
           </a:p>
@@ -2992,7 +3190,7 @@
             <a:fld id="{3EBA5BD7-F043-4D1B-AA17-CD412FC534DE}" type="slidenum">
               <a:rPr lang="en-US" smtClean="0"/>
               <a:pPr/>
-              <a:t>28</a:t>
+              <a:t>29</a:t>
             </a:fld>
             <a:endParaRPr lang="en-US" dirty="0"/>
           </a:p>
@@ -3222,7 +3420,7 @@
             <a:fld id="{3EBA5BD7-F043-4D1B-AA17-CD412FC534DE}" type="slidenum">
               <a:rPr lang="en-US" smtClean="0"/>
               <a:pPr/>
-              <a:t>29</a:t>
+              <a:t>30</a:t>
             </a:fld>
             <a:endParaRPr lang="en-US" dirty="0"/>
           </a:p>
@@ -3694,7 +3892,7 @@
             <a:fld id="{3EBA5BD7-F043-4D1B-AA17-CD412FC534DE}" type="slidenum">
               <a:rPr lang="en-US" smtClean="0"/>
               <a:pPr/>
-              <a:t>30</a:t>
+              <a:t>31</a:t>
             </a:fld>
             <a:endParaRPr lang="en-US" dirty="0"/>
           </a:p>
@@ -3924,7 +4122,7 @@
             <a:fld id="{3EBA5BD7-F043-4D1B-AA17-CD412FC534DE}" type="slidenum">
               <a:rPr lang="en-US" smtClean="0"/>
               <a:pPr/>
-              <a:t>31</a:t>
+              <a:t>32</a:t>
             </a:fld>
             <a:endParaRPr lang="en-US" dirty="0"/>
           </a:p>
@@ -4154,7 +4352,7 @@
             <a:fld id="{3EBA5BD7-F043-4D1B-AA17-CD412FC534DE}" type="slidenum">
               <a:rPr lang="en-US" smtClean="0"/>
               <a:pPr/>
-              <a:t>32</a:t>
+              <a:t>33</a:t>
             </a:fld>
             <a:endParaRPr lang="en-US" dirty="0"/>
           </a:p>
@@ -4384,7 +4582,7 @@
             <a:fld id="{3EBA5BD7-F043-4D1B-AA17-CD412FC534DE}" type="slidenum">
               <a:rPr lang="en-US" smtClean="0"/>
               <a:pPr/>
-              <a:t>33</a:t>
+              <a:t>34</a:t>
             </a:fld>
             <a:endParaRPr lang="en-US" dirty="0"/>
           </a:p>
@@ -4614,7 +4812,7 @@
             <a:fld id="{3EBA5BD7-F043-4D1B-AA17-CD412FC534DE}" type="slidenum">
               <a:rPr lang="en-US" smtClean="0"/>
               <a:pPr/>
-              <a:t>38</a:t>
+              <a:t>39</a:t>
             </a:fld>
             <a:endParaRPr lang="en-US" dirty="0"/>
           </a:p>
@@ -4860,7 +5058,7 @@
             <a:fld id="{3EBA5BD7-F043-4D1B-AA17-CD412FC534DE}" type="slidenum">
               <a:rPr lang="en-US" smtClean="0"/>
               <a:pPr/>
-              <a:t>39</a:t>
+              <a:t>40</a:t>
             </a:fld>
             <a:endParaRPr lang="en-US" dirty="0"/>
           </a:p>
@@ -5090,7 +5288,7 @@
             <a:fld id="{3EBA5BD7-F043-4D1B-AA17-CD412FC534DE}" type="slidenum">
               <a:rPr lang="en-US" smtClean="0"/>
               <a:pPr/>
-              <a:t>40</a:t>
+              <a:t>41</a:t>
             </a:fld>
             <a:endParaRPr lang="en-US" dirty="0"/>
           </a:p>
@@ -15606,7 +15804,23 @@
                   <a:schemeClr val="bg1"/>
                 </a:solidFill>
               </a:rPr>
-              <a:t>Страници с продукти и услуги</a:t>
+              <a:t>Страници с продукти и</a:t>
+            </a:r>
+            <a:r>
+              <a:rPr lang="en-GB" sz="3200" b="1" dirty="0">
+                <a:solidFill>
+                  <a:schemeClr val="bg1"/>
+                </a:solidFill>
+              </a:rPr>
+              <a:t>/</a:t>
+            </a:r>
+            <a:r>
+              <a:rPr lang="bg-BG" sz="3200" b="1" dirty="0">
+                <a:solidFill>
+                  <a:schemeClr val="bg1"/>
+                </a:solidFill>
+              </a:rPr>
+              <a:t>или услуги</a:t>
             </a:r>
           </a:p>
           <a:p>
@@ -22728,6 +22942,188 @@
       </p:grpSpPr>
       <p:sp>
         <p:nvSpPr>
+          <p:cNvPr id="2" name="Slide Number Placeholder 1">
+            <a:extLst>
+              <a:ext uri="{FF2B5EF4-FFF2-40B4-BE49-F238E27FC236}">
+                <a16:creationId xmlns:a16="http://schemas.microsoft.com/office/drawing/2014/main" id="{F702C971-7FD4-9A24-DEA3-AEE55894B956}"/>
+              </a:ext>
+            </a:extLst>
+          </p:cNvPr>
+          <p:cNvSpPr>
+            <a:spLocks noGrp="1"/>
+          </p:cNvSpPr>
+          <p:nvPr>
+            <p:ph type="sldNum" sz="quarter" idx="5"/>
+          </p:nvPr>
+        </p:nvSpPr>
+        <p:spPr/>
+        <p:txBody>
+          <a:bodyPr/>
+          <a:lstStyle/>
+          <a:p>
+            <a:fld id="{2BF067CD-8E6B-4360-9AA8-C5DF2A48A6D1}" type="slidenum">
+              <a:rPr lang="en-US" noProof="0" smtClean="0"/>
+              <a:pPr/>
+              <a:t>26</a:t>
+            </a:fld>
+            <a:endParaRPr lang="en-US" noProof="0" dirty="0"/>
+          </a:p>
+        </p:txBody>
+      </p:sp>
+      <p:sp>
+        <p:nvSpPr>
+          <p:cNvPr id="3" name="Text Placeholder 2">
+            <a:extLst>
+              <a:ext uri="{FF2B5EF4-FFF2-40B4-BE49-F238E27FC236}">
+                <a16:creationId xmlns:a16="http://schemas.microsoft.com/office/drawing/2014/main" id="{33309270-EB17-EB18-F05B-08C9016422A6}"/>
+              </a:ext>
+            </a:extLst>
+          </p:cNvPr>
+          <p:cNvSpPr>
+            <a:spLocks noGrp="1"/>
+          </p:cNvSpPr>
+          <p:nvPr>
+            <p:ph type="body" sz="quarter" idx="10"/>
+          </p:nvPr>
+        </p:nvSpPr>
+        <p:spPr/>
+        <p:txBody>
+          <a:bodyPr>
+            <a:normAutofit/>
+          </a:bodyPr>
+          <a:lstStyle/>
+          <a:p>
+            <a:r>
+              <a:rPr lang="bg-BG" sz="5400" dirty="0">
+                <a:highlight>
+                  <a:srgbClr val="FFFF00"/>
+                </a:highlight>
+              </a:rPr>
+              <a:t>Добави снимка на контролен панел например:</a:t>
+            </a:r>
+          </a:p>
+          <a:p>
+            <a:pPr lvl="1"/>
+            <a:r>
+              <a:rPr lang="en-GB" sz="4800" dirty="0" err="1">
+                <a:highlight>
+                  <a:srgbClr val="FFFF00"/>
+                </a:highlight>
+              </a:rPr>
+              <a:t>Cpanel</a:t>
+            </a:r>
+            <a:r>
+              <a:rPr lang="en-GB" sz="4800" dirty="0">
+                <a:highlight>
+                  <a:srgbClr val="FFFF00"/>
+                </a:highlight>
+              </a:rPr>
+              <a:t>, </a:t>
+            </a:r>
+            <a:r>
+              <a:rPr lang="en-GB" sz="4800" dirty="0" err="1">
+                <a:highlight>
+                  <a:srgbClr val="FFFF00"/>
+                </a:highlight>
+              </a:rPr>
+              <a:t>Vercel</a:t>
+            </a:r>
+            <a:r>
+              <a:rPr lang="en-GB" sz="4800" dirty="0">
+                <a:highlight>
+                  <a:srgbClr val="FFFF00"/>
+                </a:highlight>
+              </a:rPr>
+              <a:t>, </a:t>
+            </a:r>
+            <a:r>
+              <a:rPr lang="en-GB" sz="4800" dirty="0" err="1">
+                <a:highlight>
+                  <a:srgbClr val="FFFF00"/>
+                </a:highlight>
+              </a:rPr>
+              <a:t>Hostinger</a:t>
+            </a:r>
+            <a:r>
+              <a:rPr lang="en-GB" sz="4800" dirty="0">
+                <a:highlight>
+                  <a:srgbClr val="FFFF00"/>
+                </a:highlight>
+              </a:rPr>
+              <a:t>…</a:t>
+            </a:r>
+          </a:p>
+        </p:txBody>
+      </p:sp>
+      <p:sp>
+        <p:nvSpPr>
+          <p:cNvPr id="4" name="Title 3">
+            <a:extLst>
+              <a:ext uri="{FF2B5EF4-FFF2-40B4-BE49-F238E27FC236}">
+                <a16:creationId xmlns:a16="http://schemas.microsoft.com/office/drawing/2014/main" id="{B71B438B-7CF3-6FB0-8177-884335307167}"/>
+              </a:ext>
+            </a:extLst>
+          </p:cNvPr>
+          <p:cNvSpPr>
+            <a:spLocks noGrp="1"/>
+          </p:cNvSpPr>
+          <p:nvPr>
+            <p:ph type="title"/>
+          </p:nvPr>
+        </p:nvSpPr>
+        <p:spPr/>
+        <p:txBody>
+          <a:bodyPr/>
+          <a:lstStyle/>
+          <a:p>
+            <a:r>
+              <a:rPr lang="bg-BG" dirty="0"/>
+              <a:t>Контролен панел</a:t>
+            </a:r>
+            <a:endParaRPr lang="en-GB" dirty="0"/>
+          </a:p>
+        </p:txBody>
+      </p:sp>
+    </p:spTree>
+    <p:extLst>
+      <p:ext uri="{BB962C8B-B14F-4D97-AF65-F5344CB8AC3E}">
+        <p14:creationId xmlns:p14="http://schemas.microsoft.com/office/powerpoint/2010/main" val="1889772226"/>
+      </p:ext>
+    </p:extLst>
+  </p:cSld>
+  <p:clrMapOvr>
+    <a:masterClrMapping/>
+  </p:clrMapOvr>
+  <mc:AlternateContent xmlns:mc="http://schemas.openxmlformats.org/markup-compatibility/2006" xmlns:p14="http://schemas.microsoft.com/office/powerpoint/2010/main">
+    <mc:Choice Requires="p14">
+      <p:transition spd="slow" p14:dur="2000" advClick="0" advTm="5000"/>
+    </mc:Choice>
+    <mc:Fallback xmlns="">
+      <p:transition spd="slow" advClick="0" advTm="5000"/>
+    </mc:Fallback>
+  </mc:AlternateContent>
+</p:sld>
+</file>
+
+<file path=ppt/slides/slide27.xml><?xml version="1.0" encoding="utf-8"?>
+<p:sld xmlns:a="http://schemas.openxmlformats.org/drawingml/2006/main" xmlns:r="http://schemas.openxmlformats.org/officeDocument/2006/relationships" xmlns:p="http://schemas.openxmlformats.org/presentationml/2006/main">
+  <p:cSld>
+    <p:spTree>
+      <p:nvGrpSpPr>
+        <p:cNvPr id="1" name=""/>
+        <p:cNvGrpSpPr/>
+        <p:nvPr/>
+      </p:nvGrpSpPr>
+      <p:grpSpPr>
+        <a:xfrm>
+          <a:off x="0" y="0"/>
+          <a:ext cx="0" cy="0"/>
+          <a:chOff x="0" y="0"/>
+          <a:chExt cx="0" cy="0"/>
+        </a:xfrm>
+      </p:grpSpPr>
+      <p:sp>
+        <p:nvSpPr>
           <p:cNvPr id="9" name="Slide Number">
             <a:extLst>
               <a:ext uri="{FF2B5EF4-FFF2-40B4-BE49-F238E27FC236}">
@@ -22754,7 +23150,7 @@
             <a:fld id="{2BF067CD-8E6B-4360-9AA8-C5DF2A48A6D1}" type="slidenum">
               <a:rPr lang="en-US" smtClean="0"/>
               <a:pPr/>
-              <a:t>26</a:t>
+              <a:t>27</a:t>
             </a:fld>
             <a:endParaRPr lang="en-US" dirty="0"/>
           </a:p>
@@ -22889,6 +23285,14 @@
             <a:r>
               <a:rPr lang="bg-BG" sz="3600" b="1" dirty="0"/>
               <a:t>потребителят въвежда</a:t>
+            </a:r>
+            <a:r>
+              <a:rPr lang="en-GB" sz="3600" b="1" dirty="0"/>
+              <a:t> </a:t>
+            </a:r>
+            <a:r>
+              <a:rPr lang="bg-BG" sz="3600" dirty="0"/>
+              <a:t>в търсачката</a:t>
             </a:r>
             <a:endParaRPr lang="bg-BG" sz="3200" b="1" dirty="0"/>
           </a:p>
@@ -23193,7 +23597,7 @@
 </p:sld>
 </file>
 
-<file path=ppt/slides/slide27.xml><?xml version="1.0" encoding="utf-8"?>
+<file path=ppt/slides/slide28.xml><?xml version="1.0" encoding="utf-8"?>
 <p:sld xmlns:a="http://schemas.openxmlformats.org/drawingml/2006/main" xmlns:r="http://schemas.openxmlformats.org/officeDocument/2006/relationships" xmlns:p="http://schemas.openxmlformats.org/presentationml/2006/main">
   <p:cSld>
     <p:spTree>
@@ -23335,7 +23739,7 @@
 </p:sld>
 </file>
 
-<file path=ppt/slides/slide28.xml><?xml version="1.0" encoding="utf-8"?>
+<file path=ppt/slides/slide29.xml><?xml version="1.0" encoding="utf-8"?>
 <p:sld xmlns:a="http://schemas.openxmlformats.org/drawingml/2006/main" xmlns:r="http://schemas.openxmlformats.org/officeDocument/2006/relationships" xmlns:p="http://schemas.openxmlformats.org/presentationml/2006/main">
   <p:cSld>
     <p:spTree>
@@ -23385,7 +23789,7 @@
             <a:fld id="{2BF067CD-8E6B-4360-9AA8-C5DF2A48A6D1}" type="slidenum">
               <a:rPr lang="en-US" smtClean="0"/>
               <a:pPr/>
-              <a:t>28</a:t>
+              <a:t>29</a:t>
             </a:fld>
             <a:endParaRPr lang="en-US" dirty="0"/>
           </a:p>
@@ -23579,9 +23983,14 @@
               <a:rPr lang="en-US" sz="3200" b="1" noProof="1">
                 <a:latin typeface="Consolas" pitchFamily="49" charset="0"/>
                 <a:cs typeface="Consolas" pitchFamily="49" charset="0"/>
+                <a:hlinkClick r:id="rId3"/>
               </a:rPr>
               <a:t>www.google.com</a:t>
             </a:r>
+            <a:endParaRPr lang="en-US" sz="3200" b="1" noProof="1">
+              <a:latin typeface="Consolas" pitchFamily="49" charset="0"/>
+              <a:cs typeface="Consolas" pitchFamily="49" charset="0"/>
+            </a:endParaRPr>
           </a:p>
         </p:txBody>
       </p:sp>
@@ -23647,6 +24056,7 @@
               <a:rPr lang="en-BG" sz="3200" b="1" dirty="0">
                 <a:latin typeface="Consolas" panose="020B0609020204030204" pitchFamily="49" charset="0"/>
                 <a:cs typeface="Consolas" panose="020B0609020204030204" pitchFamily="49" charset="0"/>
+                <a:hlinkClick r:id="rId4"/>
               </a:rPr>
               <a:t>142.250.186.78</a:t>
             </a:r>
@@ -24000,7 +24410,143 @@
 </p:sld>
 </file>
 
-<file path=ppt/slides/slide29.xml><?xml version="1.0" encoding="utf-8"?>
+<file path=ppt/slides/slide3.xml><?xml version="1.0" encoding="utf-8"?>
+<p:sld xmlns:a="http://schemas.openxmlformats.org/drawingml/2006/main" xmlns:r="http://schemas.openxmlformats.org/officeDocument/2006/relationships" xmlns:p="http://schemas.openxmlformats.org/presentationml/2006/main">
+  <p:cSld>
+    <p:spTree>
+      <p:nvGrpSpPr>
+        <p:cNvPr id="1" name=""/>
+        <p:cNvGrpSpPr/>
+        <p:nvPr/>
+      </p:nvGrpSpPr>
+      <p:grpSpPr>
+        <a:xfrm>
+          <a:off x="0" y="0"/>
+          <a:ext cx="0" cy="0"/>
+          <a:chOff x="0" y="0"/>
+          <a:chExt cx="0" cy="0"/>
+        </a:xfrm>
+      </p:grpSpPr>
+      <p:sp>
+        <p:nvSpPr>
+          <p:cNvPr id="4" name="Slide Subtitle">
+            <a:extLst>
+              <a:ext uri="{FF2B5EF4-FFF2-40B4-BE49-F238E27FC236}">
+                <a16:creationId xmlns:a16="http://schemas.microsoft.com/office/drawing/2014/main" id="{BEB5BB41-09D4-4E9F-8C80-EE8709171CB3}"/>
+              </a:ext>
+            </a:extLst>
+          </p:cNvPr>
+          <p:cNvSpPr>
+            <a:spLocks noGrp="1"/>
+          </p:cNvSpPr>
+          <p:nvPr>
+            <p:ph type="subTitle" sz="quarter" idx="11"/>
+          </p:nvPr>
+        </p:nvSpPr>
+        <p:spPr/>
+        <p:txBody>
+          <a:bodyPr/>
+          <a:lstStyle/>
+          <a:p>
+            <a:r>
+              <a:rPr lang="bg-BG" sz="3600" dirty="0"/>
+              <a:t>Въведение, видове, етапи, роли, цел и целеви групи</a:t>
+            </a:r>
+          </a:p>
+        </p:txBody>
+      </p:sp>
+      <p:sp>
+        <p:nvSpPr>
+          <p:cNvPr id="6" name="Slide Title">
+            <a:extLst>
+              <a:ext uri="{FF2B5EF4-FFF2-40B4-BE49-F238E27FC236}">
+                <a16:creationId xmlns:a16="http://schemas.microsoft.com/office/drawing/2014/main" id="{028D9EA3-B5E0-4F17-9467-4BE3C280DA68}"/>
+              </a:ext>
+            </a:extLst>
+          </p:cNvPr>
+          <p:cNvSpPr>
+            <a:spLocks noGrp="1"/>
+          </p:cNvSpPr>
+          <p:nvPr>
+            <p:ph type="title" sz="quarter" idx="10"/>
+          </p:nvPr>
+        </p:nvSpPr>
+        <p:spPr/>
+        <p:txBody>
+          <a:bodyPr/>
+          <a:lstStyle/>
+          <a:p>
+            <a:r>
+              <a:rPr lang="bg-BG" sz="6000" dirty="0"/>
+              <a:t>Уеб сайтове</a:t>
+            </a:r>
+            <a:endParaRPr lang="en-US" sz="6000" dirty="0"/>
+          </a:p>
+        </p:txBody>
+      </p:sp>
+      <p:pic>
+        <p:nvPicPr>
+          <p:cNvPr id="3" name="Picture 2">
+            <a:extLst>
+              <a:ext uri="{FF2B5EF4-FFF2-40B4-BE49-F238E27FC236}">
+                <a16:creationId xmlns:a16="http://schemas.microsoft.com/office/drawing/2014/main" id="{F94569CA-B2E8-B36B-E372-D9B43AC52735}"/>
+              </a:ext>
+            </a:extLst>
+          </p:cNvPr>
+          <p:cNvPicPr>
+            <a:picLocks noChangeAspect="1"/>
+          </p:cNvPicPr>
+          <p:nvPr/>
+        </p:nvPicPr>
+        <p:blipFill>
+          <a:blip r:embed="rId4">
+            <a:extLst>
+              <a:ext uri="{28A0092B-C50C-407E-A947-70E740481C1C}">
+                <a14:useLocalDpi xmlns:a14="http://schemas.microsoft.com/office/drawing/2010/main" val="0"/>
+              </a:ext>
+            </a:extLst>
+          </a:blip>
+          <a:stretch>
+            <a:fillRect/>
+          </a:stretch>
+        </p:blipFill>
+        <p:spPr>
+          <a:xfrm>
+            <a:off x="4743513" y="1584000"/>
+            <a:ext cx="2704973" cy="2295000"/>
+          </a:xfrm>
+          <a:prstGeom prst="rect">
+            <a:avLst/>
+          </a:prstGeom>
+        </p:spPr>
+      </p:pic>
+    </p:spTree>
+    <p:extLst>
+      <p:ext uri="{BB962C8B-B14F-4D97-AF65-F5344CB8AC3E}">
+        <p14:creationId xmlns:p14="http://schemas.microsoft.com/office/powerpoint/2010/main" val="882194472"/>
+      </p:ext>
+    </p:extLst>
+  </p:cSld>
+  <p:clrMapOvr>
+    <a:masterClrMapping/>
+  </p:clrMapOvr>
+  <mc:AlternateContent xmlns:mc="http://schemas.openxmlformats.org/markup-compatibility/2006" xmlns:p14="http://schemas.microsoft.com/office/powerpoint/2010/main">
+    <mc:Choice Requires="p14">
+      <p:transition spd="slow" p14:dur="2000" advClick="0" advTm="5000"/>
+    </mc:Choice>
+    <mc:Fallback xmlns="">
+      <p:transition spd="slow" advClick="0" advTm="5000"/>
+    </mc:Fallback>
+  </mc:AlternateContent>
+  <p:extLst>
+    <p:ext uri="{6950BFC3-D8DA-4A85-94F7-54DA5524770B}">
+      <p188:commentRel xmlns:p188="http://schemas.microsoft.com/office/powerpoint/2018/8/main" r:id="rId3"/>
+    </p:ext>
+  </p:extLst>
+</p:sld>
+</file>
+
+<file path=ppt/slides/slide30.xml><?xml version="1.0" encoding="utf-8"?>
 <p:sld xmlns:a="http://schemas.openxmlformats.org/drawingml/2006/main" xmlns:r="http://schemas.openxmlformats.org/officeDocument/2006/relationships" xmlns:p="http://schemas.openxmlformats.org/presentationml/2006/main">
   <p:cSld>
     <p:spTree>
@@ -24050,7 +24596,7 @@
             <a:fld id="{2BF067CD-8E6B-4360-9AA8-C5DF2A48A6D1}" type="slidenum">
               <a:rPr lang="en-US" smtClean="0"/>
               <a:pPr/>
-              <a:t>29</a:t>
+              <a:t>30</a:t>
             </a:fld>
             <a:endParaRPr lang="en-US" dirty="0"/>
           </a:p>
@@ -24710,138 +25256,7 @@
 </p:sld>
 </file>
 
-<file path=ppt/slides/slide3.xml><?xml version="1.0" encoding="utf-8"?>
-<p:sld xmlns:a="http://schemas.openxmlformats.org/drawingml/2006/main" xmlns:r="http://schemas.openxmlformats.org/officeDocument/2006/relationships" xmlns:p="http://schemas.openxmlformats.org/presentationml/2006/main">
-  <p:cSld>
-    <p:spTree>
-      <p:nvGrpSpPr>
-        <p:cNvPr id="1" name=""/>
-        <p:cNvGrpSpPr/>
-        <p:nvPr/>
-      </p:nvGrpSpPr>
-      <p:grpSpPr>
-        <a:xfrm>
-          <a:off x="0" y="0"/>
-          <a:ext cx="0" cy="0"/>
-          <a:chOff x="0" y="0"/>
-          <a:chExt cx="0" cy="0"/>
-        </a:xfrm>
-      </p:grpSpPr>
-      <p:sp>
-        <p:nvSpPr>
-          <p:cNvPr id="4" name="Slide Subtitle">
-            <a:extLst>
-              <a:ext uri="{FF2B5EF4-FFF2-40B4-BE49-F238E27FC236}">
-                <a16:creationId xmlns:a16="http://schemas.microsoft.com/office/drawing/2014/main" id="{BEB5BB41-09D4-4E9F-8C80-EE8709171CB3}"/>
-              </a:ext>
-            </a:extLst>
-          </p:cNvPr>
-          <p:cNvSpPr>
-            <a:spLocks noGrp="1"/>
-          </p:cNvSpPr>
-          <p:nvPr>
-            <p:ph type="subTitle" sz="quarter" idx="11"/>
-          </p:nvPr>
-        </p:nvSpPr>
-        <p:spPr/>
-        <p:txBody>
-          <a:bodyPr/>
-          <a:lstStyle/>
-          <a:p>
-            <a:r>
-              <a:rPr lang="bg-BG" sz="3600" dirty="0"/>
-              <a:t>Въведение, видове, етапи, роли, цел и целеви групи</a:t>
-            </a:r>
-          </a:p>
-        </p:txBody>
-      </p:sp>
-      <p:sp>
-        <p:nvSpPr>
-          <p:cNvPr id="6" name="Slide Title">
-            <a:extLst>
-              <a:ext uri="{FF2B5EF4-FFF2-40B4-BE49-F238E27FC236}">
-                <a16:creationId xmlns:a16="http://schemas.microsoft.com/office/drawing/2014/main" id="{028D9EA3-B5E0-4F17-9467-4BE3C280DA68}"/>
-              </a:ext>
-            </a:extLst>
-          </p:cNvPr>
-          <p:cNvSpPr>
-            <a:spLocks noGrp="1"/>
-          </p:cNvSpPr>
-          <p:nvPr>
-            <p:ph type="title" sz="quarter" idx="10"/>
-          </p:nvPr>
-        </p:nvSpPr>
-        <p:spPr/>
-        <p:txBody>
-          <a:bodyPr/>
-          <a:lstStyle/>
-          <a:p>
-            <a:r>
-              <a:rPr lang="bg-BG" sz="6000" dirty="0"/>
-              <a:t>Уеб сайтове</a:t>
-            </a:r>
-            <a:endParaRPr lang="en-US" sz="6000" dirty="0"/>
-          </a:p>
-        </p:txBody>
-      </p:sp>
-      <p:pic>
-        <p:nvPicPr>
-          <p:cNvPr id="3" name="Picture 2">
-            <a:extLst>
-              <a:ext uri="{FF2B5EF4-FFF2-40B4-BE49-F238E27FC236}">
-                <a16:creationId xmlns:a16="http://schemas.microsoft.com/office/drawing/2014/main" id="{F94569CA-B2E8-B36B-E372-D9B43AC52735}"/>
-              </a:ext>
-            </a:extLst>
-          </p:cNvPr>
-          <p:cNvPicPr>
-            <a:picLocks noChangeAspect="1"/>
-          </p:cNvPicPr>
-          <p:nvPr/>
-        </p:nvPicPr>
-        <p:blipFill>
-          <a:blip r:embed="rId3">
-            <a:extLst>
-              <a:ext uri="{28A0092B-C50C-407E-A947-70E740481C1C}">
-                <a14:useLocalDpi xmlns:a14="http://schemas.microsoft.com/office/drawing/2010/main" val="0"/>
-              </a:ext>
-            </a:extLst>
-          </a:blip>
-          <a:stretch>
-            <a:fillRect/>
-          </a:stretch>
-        </p:blipFill>
-        <p:spPr>
-          <a:xfrm>
-            <a:off x="4743513" y="1584000"/>
-            <a:ext cx="2704973" cy="2295000"/>
-          </a:xfrm>
-          <a:prstGeom prst="rect">
-            <a:avLst/>
-          </a:prstGeom>
-        </p:spPr>
-      </p:pic>
-    </p:spTree>
-    <p:extLst>
-      <p:ext uri="{BB962C8B-B14F-4D97-AF65-F5344CB8AC3E}">
-        <p14:creationId xmlns:p14="http://schemas.microsoft.com/office/powerpoint/2010/main" val="882194472"/>
-      </p:ext>
-    </p:extLst>
-  </p:cSld>
-  <p:clrMapOvr>
-    <a:masterClrMapping/>
-  </p:clrMapOvr>
-  <mc:AlternateContent xmlns:mc="http://schemas.openxmlformats.org/markup-compatibility/2006" xmlns:p14="http://schemas.microsoft.com/office/powerpoint/2010/main">
-    <mc:Choice Requires="p14">
-      <p:transition spd="slow" p14:dur="2000" advClick="0" advTm="5000"/>
-    </mc:Choice>
-    <mc:Fallback xmlns="">
-      <p:transition spd="slow" advClick="0" advTm="5000"/>
-    </mc:Fallback>
-  </mc:AlternateContent>
-</p:sld>
-</file>
-
-<file path=ppt/slides/slide30.xml><?xml version="1.0" encoding="utf-8"?>
+<file path=ppt/slides/slide31.xml><?xml version="1.0" encoding="utf-8"?>
 <p:sld xmlns:a="http://schemas.openxmlformats.org/drawingml/2006/main" xmlns:r="http://schemas.openxmlformats.org/officeDocument/2006/relationships" xmlns:p="http://schemas.openxmlformats.org/presentationml/2006/main">
   <p:cSld>
     <p:spTree>
@@ -24891,7 +25306,7 @@
             <a:fld id="{2BF067CD-8E6B-4360-9AA8-C5DF2A48A6D1}" type="slidenum">
               <a:rPr lang="en-US" smtClean="0"/>
               <a:pPr/>
-              <a:t>30</a:t>
+              <a:t>31</a:t>
             </a:fld>
             <a:endParaRPr lang="en-US" dirty="0"/>
           </a:p>
@@ -25106,7 +25521,7 @@
           <p:nvPr/>
         </p:nvPicPr>
         <p:blipFill rotWithShape="1">
-          <a:blip r:embed="rId3">
+          <a:blip r:embed="rId4">
             <a:extLst>
               <a:ext uri="{28A0092B-C50C-407E-A947-70E740481C1C}">
                 <a14:useLocalDpi xmlns:a14="http://schemas.microsoft.com/office/drawing/2010/main" val="0"/>
@@ -25321,10 +25736,15 @@
       </p:par>
     </p:tnLst>
   </p:timing>
+  <p:extLst>
+    <p:ext uri="{6950BFC3-D8DA-4A85-94F7-54DA5524770B}">
+      <p188:commentRel xmlns:p188="http://schemas.microsoft.com/office/powerpoint/2018/8/main" r:id="rId3"/>
+    </p:ext>
+  </p:extLst>
 </p:sld>
 </file>
 
-<file path=ppt/slides/slide31.xml><?xml version="1.0" encoding="utf-8"?>
+<file path=ppt/slides/slide32.xml><?xml version="1.0" encoding="utf-8"?>
 <p:sld xmlns:a="http://schemas.openxmlformats.org/drawingml/2006/main" xmlns:r="http://schemas.openxmlformats.org/officeDocument/2006/relationships" xmlns:p="http://schemas.openxmlformats.org/presentationml/2006/main">
   <p:cSld>
     <p:spTree>
@@ -25374,7 +25794,7 @@
             <a:fld id="{2BF067CD-8E6B-4360-9AA8-C5DF2A48A6D1}" type="slidenum">
               <a:rPr lang="en-US" smtClean="0"/>
               <a:pPr/>
-              <a:t>31</a:t>
+              <a:t>32</a:t>
             </a:fld>
             <a:endParaRPr lang="en-US" dirty="0"/>
           </a:p>
@@ -25583,7 +26003,7 @@
                 <a:latin typeface="Consolas" pitchFamily="49" charset="0"/>
                 <a:cs typeface="Consolas" pitchFamily="49" charset="0"/>
               </a:rPr>
-              <a:t>https://www.google.com/search?q=web+design</a:t>
+              <a:t>https://www.test.com/about</a:t>
             </a:r>
           </a:p>
         </p:txBody>
@@ -25804,7 +26224,7 @@
         </p:nvSpPr>
         <p:spPr bwMode="auto">
           <a:xfrm>
-            <a:off x="7176000" y="5651999"/>
+            <a:off x="6501000" y="5640126"/>
             <a:ext cx="2430000" cy="649100"/>
           </a:xfrm>
           <a:prstGeom prst="wedgeRoundRectCallout">
@@ -26238,10 +26658,15 @@
       <p:bldP spid="6" grpId="0" animBg="1"/>
     </p:bldLst>
   </p:timing>
+  <p:extLst>
+    <p:ext uri="{6950BFC3-D8DA-4A85-94F7-54DA5524770B}">
+      <p188:commentRel xmlns:p188="http://schemas.microsoft.com/office/powerpoint/2018/8/main" r:id="rId3"/>
+    </p:ext>
+  </p:extLst>
 </p:sld>
 </file>
 
-<file path=ppt/slides/slide32.xml><?xml version="1.0" encoding="utf-8"?>
+<file path=ppt/slides/slide33.xml><?xml version="1.0" encoding="utf-8"?>
 <p:sld xmlns:a="http://schemas.openxmlformats.org/drawingml/2006/main" xmlns:r="http://schemas.openxmlformats.org/officeDocument/2006/relationships" xmlns:p="http://schemas.openxmlformats.org/presentationml/2006/main">
   <p:cSld>
     <p:spTree>
@@ -26291,7 +26716,7 @@
             <a:fld id="{2BF067CD-8E6B-4360-9AA8-C5DF2A48A6D1}" type="slidenum">
               <a:rPr lang="en-US" smtClean="0"/>
               <a:pPr/>
-              <a:t>32</a:t>
+              <a:t>33</a:t>
             </a:fld>
             <a:endParaRPr lang="en-US" dirty="0"/>
           </a:p>
@@ -26787,7 +27212,7 @@
 </p:sld>
 </file>
 
-<file path=ppt/slides/slide33.xml><?xml version="1.0" encoding="utf-8"?>
+<file path=ppt/slides/slide34.xml><?xml version="1.0" encoding="utf-8"?>
 <p:sld xmlns:a="http://schemas.openxmlformats.org/drawingml/2006/main" xmlns:r="http://schemas.openxmlformats.org/officeDocument/2006/relationships" xmlns:p="http://schemas.openxmlformats.org/presentationml/2006/main">
   <p:cSld>
     <p:spTree>
@@ -26918,7 +27343,7 @@
 </p:sld>
 </file>
 
-<file path=ppt/slides/slide34.xml><?xml version="1.0" encoding="utf-8"?>
+<file path=ppt/slides/slide35.xml><?xml version="1.0" encoding="utf-8"?>
 <p:sld xmlns:a="http://schemas.openxmlformats.org/drawingml/2006/main" xmlns:r="http://schemas.openxmlformats.org/officeDocument/2006/relationships" xmlns:p="http://schemas.openxmlformats.org/presentationml/2006/main">
   <p:cSld>
     <p:spTree>
@@ -26959,7 +27384,7 @@
             <a:fld id="{2BF067CD-8E6B-4360-9AA8-C5DF2A48A6D1}" type="slidenum">
               <a:rPr lang="en-US" noProof="0" smtClean="0"/>
               <a:pPr/>
-              <a:t>34</a:t>
+              <a:t>35</a:t>
             </a:fld>
             <a:endParaRPr lang="en-US" noProof="0" dirty="0"/>
           </a:p>
@@ -27393,7 +27818,7 @@
 </p:sld>
 </file>
 
-<file path=ppt/slides/slide35.xml><?xml version="1.0" encoding="utf-8"?>
+<file path=ppt/slides/slide36.xml><?xml version="1.0" encoding="utf-8"?>
 <p:sld xmlns:a="http://schemas.openxmlformats.org/drawingml/2006/main" xmlns:r="http://schemas.openxmlformats.org/officeDocument/2006/relationships" xmlns:p="http://schemas.openxmlformats.org/presentationml/2006/main">
   <p:cSld>
     <p:spTree>
@@ -27434,7 +27859,7 @@
             <a:fld id="{2BF067CD-8E6B-4360-9AA8-C5DF2A48A6D1}" type="slidenum">
               <a:rPr lang="en-US" noProof="0" smtClean="0"/>
               <a:pPr/>
-              <a:t>35</a:t>
+              <a:t>36</a:t>
             </a:fld>
             <a:endParaRPr lang="en-US" noProof="0" dirty="0"/>
           </a:p>
@@ -27535,7 +27960,7 @@
           <p:nvPr>
             <p:extLst>
               <p:ext uri="{D42A27DB-BD31-4B8C-83A1-F6EECF244321}">
-                <p14:modId xmlns:p14="http://schemas.microsoft.com/office/powerpoint/2010/main" val="1589693339"/>
+                <p14:modId xmlns:p14="http://schemas.microsoft.com/office/powerpoint/2010/main" val="3526426180"/>
               </p:ext>
             </p:extLst>
           </p:nvPr>
@@ -27776,7 +28201,7 @@
                       </a:pPr>
                       <a:r>
                         <a:rPr lang="en-US" sz="2000" dirty="0">
-                          <a:hlinkClick r:id="rId2"/>
+                          <a:hlinkClick r:id="rId3"/>
                         </a:rPr>
                         <a:t>mon.bg</a:t>
                       </a:r>
@@ -27855,9 +28280,15 @@
                         <a:rPr lang="bg-BG" sz="2000" b="1" dirty="0">
                           <a:effectLst/>
                         </a:rPr>
-                        <a:t>образованието</a:t>
+                        <a:t>образованието </a:t>
                       </a:r>
-                      <a:endParaRPr lang="en-BG" sz="2000" b="1" dirty="0">
+                      <a:r>
+                        <a:rPr lang="bg-BG" sz="2000" b="0" dirty="0">
+                          <a:effectLst/>
+                        </a:rPr>
+                        <a:t>в България</a:t>
+                      </a:r>
+                      <a:endParaRPr lang="en-BG" sz="2000" b="0" dirty="0">
                         <a:effectLst/>
                         <a:latin typeface="Calibri" panose="020F0502020204030204" pitchFamily="34" charset="0"/>
                         <a:ea typeface="Calibri" panose="020F0502020204030204" pitchFamily="34" charset="0"/>
@@ -27962,7 +28393,7 @@
                       </a:pPr>
                       <a:r>
                         <a:rPr lang="en-US" sz="2000" dirty="0">
-                          <a:hlinkClick r:id="rId3"/>
+                          <a:hlinkClick r:id="rId4"/>
                         </a:rPr>
                         <a:t>shkolo.bg</a:t>
                       </a:r>
@@ -28144,7 +28575,7 @@
                       </a:pPr>
                       <a:r>
                         <a:rPr lang="en-GB" sz="2000" dirty="0">
-                          <a:hlinkClick r:id="rId4"/>
+                          <a:hlinkClick r:id="rId5"/>
                         </a:rPr>
                         <a:t>google.com</a:t>
                       </a:r>
@@ -28326,7 +28757,7 @@
                       </a:pPr>
                       <a:r>
                         <a:rPr lang="en-US" sz="2000" dirty="0">
-                          <a:hlinkClick r:id="rId5"/>
+                          <a:hlinkClick r:id="rId6"/>
                         </a:rPr>
                         <a:t>chatgpt.com</a:t>
                       </a:r>
@@ -28359,7 +28790,7 @@
                         <a:rPr lang="bg-BG" sz="2000" b="0" dirty="0">
                           <a:effectLst/>
                         </a:rPr>
-                        <a:t>Предлага </a:t>
+                        <a:t>Платформа за ... </a:t>
                       </a:r>
                       <a:r>
                         <a:rPr lang="bg-BG" sz="2000" b="1" dirty="0">
@@ -28580,10 +29011,15 @@
       </p:par>
     </p:tnLst>
   </p:timing>
+  <p:extLst>
+    <p:ext uri="{6950BFC3-D8DA-4A85-94F7-54DA5524770B}">
+      <p188:commentRel xmlns:p188="http://schemas.microsoft.com/office/powerpoint/2018/8/main" r:id="rId2"/>
+    </p:ext>
+  </p:extLst>
 </p:sld>
 </file>
 
-<file path=ppt/slides/slide36.xml><?xml version="1.0" encoding="utf-8"?>
+<file path=ppt/slides/slide37.xml><?xml version="1.0" encoding="utf-8"?>
 <p:sld xmlns:a="http://schemas.openxmlformats.org/drawingml/2006/main" xmlns:r="http://schemas.openxmlformats.org/officeDocument/2006/relationships" xmlns:p="http://schemas.openxmlformats.org/presentationml/2006/main">
   <p:cSld>
     <p:spTree>
@@ -28624,7 +29060,7 @@
             <a:fld id="{2BF067CD-8E6B-4360-9AA8-C5DF2A48A6D1}" type="slidenum">
               <a:rPr lang="en-US" noProof="0" smtClean="0"/>
               <a:pPr/>
-              <a:t>36</a:t>
+              <a:t>37</a:t>
             </a:fld>
             <a:endParaRPr lang="en-US" noProof="0" dirty="0"/>
           </a:p>
@@ -28725,7 +29161,7 @@
           <p:nvPr>
             <p:extLst>
               <p:ext uri="{D42A27DB-BD31-4B8C-83A1-F6EECF244321}">
-                <p14:modId xmlns:p14="http://schemas.microsoft.com/office/powerpoint/2010/main" val="3271999712"/>
+                <p14:modId xmlns:p14="http://schemas.microsoft.com/office/powerpoint/2010/main" val="3007628158"/>
               </p:ext>
             </p:extLst>
           </p:nvPr>
@@ -29799,7 +30235,7 @@
 </p:sld>
 </file>
 
-<file path=ppt/slides/slide37.xml><?xml version="1.0" encoding="utf-8"?>
+<file path=ppt/slides/slide38.xml><?xml version="1.0" encoding="utf-8"?>
 <p:sld xmlns:a="http://schemas.openxmlformats.org/drawingml/2006/main" xmlns:r="http://schemas.openxmlformats.org/officeDocument/2006/relationships" xmlns:p="http://schemas.openxmlformats.org/presentationml/2006/main">
   <p:cSld>
     <p:spTree>
@@ -29840,7 +30276,7 @@
             <a:fld id="{2BF067CD-8E6B-4360-9AA8-C5DF2A48A6D1}" type="slidenum">
               <a:rPr lang="en-US" noProof="0" smtClean="0"/>
               <a:pPr/>
-              <a:t>37</a:t>
+              <a:t>38</a:t>
             </a:fld>
             <a:endParaRPr lang="en-US" noProof="0" dirty="0"/>
           </a:p>
@@ -31039,7 +31475,7 @@
 </p:sld>
 </file>
 
-<file path=ppt/slides/slide38.xml><?xml version="1.0" encoding="utf-8"?>
+<file path=ppt/slides/slide39.xml><?xml version="1.0" encoding="utf-8"?>
 <p:sld xmlns:a="http://schemas.openxmlformats.org/drawingml/2006/main" xmlns:r="http://schemas.openxmlformats.org/officeDocument/2006/relationships" xmlns:p="http://schemas.openxmlformats.org/presentationml/2006/main">
   <p:cSld>
     <p:spTree>
@@ -31955,7 +32391,7 @@
             <a:fld id="{2BF067CD-8E6B-4360-9AA8-C5DF2A48A6D1}" type="slidenum">
               <a:rPr lang="en-US" noProof="0" smtClean="0"/>
               <a:pPr/>
-              <a:t>38</a:t>
+              <a:t>39</a:t>
             </a:fld>
             <a:endParaRPr lang="en-US" noProof="0" dirty="0"/>
           </a:p>
@@ -32502,196 +32938,6 @@
 </p:sld>
 </file>
 
-<file path=ppt/slides/slide39.xml><?xml version="1.0" encoding="utf-8"?>
-<p:sld xmlns:a="http://schemas.openxmlformats.org/drawingml/2006/main" xmlns:r="http://schemas.openxmlformats.org/officeDocument/2006/relationships" xmlns:p="http://schemas.openxmlformats.org/presentationml/2006/main">
-  <p:cSld>
-    <p:spTree>
-      <p:nvGrpSpPr>
-        <p:cNvPr id="1" name=""/>
-        <p:cNvGrpSpPr/>
-        <p:nvPr/>
-      </p:nvGrpSpPr>
-      <p:grpSpPr>
-        <a:xfrm>
-          <a:off x="0" y="0"/>
-          <a:ext cx="0" cy="0"/>
-          <a:chOff x="0" y="0"/>
-          <a:chExt cx="0" cy="0"/>
-        </a:xfrm>
-      </p:grpSpPr>
-      <p:sp>
-        <p:nvSpPr>
-          <p:cNvPr id="5" name="Slide Title">
-            <a:extLst>
-              <a:ext uri="{FF2B5EF4-FFF2-40B4-BE49-F238E27FC236}">
-                <a16:creationId xmlns:a16="http://schemas.microsoft.com/office/drawing/2014/main" id="{FA0703FC-0F8F-4C80-A615-E4B381EC0E0C}"/>
-              </a:ext>
-            </a:extLst>
-          </p:cNvPr>
-          <p:cNvSpPr>
-            <a:spLocks noGrp="1"/>
-          </p:cNvSpPr>
-          <p:nvPr>
-            <p:ph type="title"/>
-          </p:nvPr>
-        </p:nvSpPr>
-        <p:spPr/>
-        <p:txBody>
-          <a:bodyPr/>
-          <a:lstStyle/>
-          <a:p>
-            <a:r>
-              <a:rPr lang="bg-BG" dirty="0"/>
-              <a:t>Въпроси</a:t>
-            </a:r>
-            <a:r>
-              <a:rPr lang="en-US" dirty="0"/>
-              <a:t>?</a:t>
-            </a:r>
-          </a:p>
-        </p:txBody>
-      </p:sp>
-      <p:sp>
-        <p:nvSpPr>
-          <p:cNvPr id="2" name="Rectangle Bottom Copyright">
-            <a:extLst>
-              <a:ext uri="{FF2B5EF4-FFF2-40B4-BE49-F238E27FC236}">
-                <a16:creationId xmlns:a16="http://schemas.microsoft.com/office/drawing/2014/main" id="{664812A4-2991-44D1-BFE9-32E55AADF8A5}"/>
-              </a:ext>
-            </a:extLst>
-          </p:cNvPr>
-          <p:cNvSpPr/>
-          <p:nvPr/>
-        </p:nvSpPr>
-        <p:spPr>
-          <a:xfrm>
-            <a:off x="111000" y="6454758"/>
-            <a:ext cx="11970000" cy="304242"/>
-          </a:xfrm>
-          <a:prstGeom prst="rect">
-            <a:avLst/>
-          </a:prstGeom>
-        </p:spPr>
-        <p:txBody>
-          <a:bodyPr wrap="square">
-            <a:noAutofit/>
-          </a:bodyPr>
-          <a:lstStyle/>
-          <a:p>
-            <a:pPr algn="ctr">
-              <a:lnSpc>
-                <a:spcPct val="100000"/>
-              </a:lnSpc>
-              <a:spcBef>
-                <a:spcPts val="0"/>
-              </a:spcBef>
-              <a:spcAft>
-                <a:spcPts val="0"/>
-              </a:spcAft>
-            </a:pPr>
-            <a:r>
-              <a:rPr lang="bg-BG" sz="1600" dirty="0">
-                <a:solidFill>
-                  <a:schemeClr val="bg2"/>
-                </a:solidFill>
-                <a:effectLst/>
-                <a:latin typeface="Calibri" panose="020F0502020204030204" pitchFamily="34" charset="0"/>
-                <a:ea typeface="Calibri" panose="020F0502020204030204" pitchFamily="34" charset="0"/>
-                <a:cs typeface="Arial" panose="020B0604020202020204" pitchFamily="34" charset="0"/>
-              </a:rPr>
-              <a:t>Проект "</a:t>
-            </a:r>
-            <a:r>
-              <a:rPr lang="bg-BG" sz="1600" dirty="0">
-                <a:solidFill>
-                  <a:schemeClr val="bg1">
-                    <a:lumMod val="20000"/>
-                    <a:lumOff val="80000"/>
-                  </a:schemeClr>
-                </a:solidFill>
-                <a:effectLst/>
-                <a:latin typeface="Calibri" panose="020F0502020204030204" pitchFamily="34" charset="0"/>
-                <a:ea typeface="Calibri" panose="020F0502020204030204" pitchFamily="34" charset="0"/>
-                <a:cs typeface="Arial" panose="020B0604020202020204" pitchFamily="34" charset="0"/>
-                <a:hlinkClick r:id="rId3">
-                  <a:extLst>
-                    <a:ext uri="{A12FA001-AC4F-418D-AE19-62706E023703}">
-                      <ahyp:hlinkClr xmlns:ahyp="http://schemas.microsoft.com/office/drawing/2018/hyperlinkcolor" val="tx"/>
-                    </a:ext>
-                  </a:extLst>
-                </a:hlinkClick>
-              </a:rPr>
-              <a:t>Отворено учебно съдържание по програмиране и ИТ</a:t>
-            </a:r>
-            <a:r>
-              <a:rPr lang="bg-BG" sz="1600" dirty="0">
-                <a:solidFill>
-                  <a:schemeClr val="bg2"/>
-                </a:solidFill>
-                <a:effectLst/>
-                <a:latin typeface="Calibri" panose="020F0502020204030204" pitchFamily="34" charset="0"/>
-                <a:ea typeface="Calibri" panose="020F0502020204030204" pitchFamily="34" charset="0"/>
-                <a:cs typeface="Arial" panose="020B0604020202020204" pitchFamily="34" charset="0"/>
-              </a:rPr>
-              <a:t>", СофтУни Фондация (лиценз </a:t>
-            </a:r>
-            <a:r>
-              <a:rPr lang="en-US" sz="1600" dirty="0">
-                <a:solidFill>
-                  <a:schemeClr val="bg2"/>
-                </a:solidFill>
-                <a:effectLst/>
-                <a:latin typeface="Calibri" panose="020F0502020204030204" pitchFamily="34" charset="0"/>
-                <a:ea typeface="Calibri" panose="020F0502020204030204" pitchFamily="34" charset="0"/>
-                <a:cs typeface="Arial" panose="020B0604020202020204" pitchFamily="34" charset="0"/>
-              </a:rPr>
-              <a:t>CC-BY-NC-SA</a:t>
-            </a:r>
-            <a:r>
-              <a:rPr lang="bg-BG" sz="1600" dirty="0">
-                <a:solidFill>
-                  <a:schemeClr val="bg2"/>
-                </a:solidFill>
-                <a:effectLst/>
-                <a:latin typeface="Calibri" panose="020F0502020204030204" pitchFamily="34" charset="0"/>
-                <a:ea typeface="Calibri" panose="020F0502020204030204" pitchFamily="34" charset="0"/>
-                <a:cs typeface="Arial" panose="020B0604020202020204" pitchFamily="34" charset="0"/>
-              </a:rPr>
-              <a:t>)</a:t>
-            </a:r>
-            <a:endParaRPr lang="bg-BG" sz="2400" dirty="0">
-              <a:solidFill>
-                <a:schemeClr val="bg2"/>
-              </a:solidFill>
-              <a:effectLst/>
-              <a:latin typeface="Calibri" panose="020F0502020204030204" pitchFamily="34" charset="0"/>
-              <a:ea typeface="Calibri" panose="020F0502020204030204" pitchFamily="34" charset="0"/>
-              <a:cs typeface="Arial" panose="020B0604020202020204" pitchFamily="34" charset="0"/>
-            </a:endParaRPr>
-          </a:p>
-        </p:txBody>
-      </p:sp>
-    </p:spTree>
-    <p:extLst>
-      <p:ext uri="{BB962C8B-B14F-4D97-AF65-F5344CB8AC3E}">
-        <p14:creationId xmlns:p14="http://schemas.microsoft.com/office/powerpoint/2010/main" val="1472534970"/>
-      </p:ext>
-    </p:extLst>
-  </p:cSld>
-  <p:clrMapOvr>
-    <a:masterClrMapping/>
-  </p:clrMapOvr>
-  <mc:AlternateContent xmlns:mc="http://schemas.openxmlformats.org/markup-compatibility/2006" xmlns:p14="http://schemas.microsoft.com/office/powerpoint/2010/main">
-    <mc:Choice Requires="p14">
-      <p:transition spd="slow" p14:dur="2000" advClick="0" advTm="5000"/>
-    </mc:Choice>
-    <mc:Fallback xmlns="">
-      <p:transition spd="slow" advClick="0" advTm="5000"/>
-    </mc:Fallback>
-  </mc:AlternateContent>
-</p:sld>
-</file>
-
 <file path=ppt/slides/slide4.xml><?xml version="1.0" encoding="utf-8"?>
 <p:sld xmlns:a="http://schemas.openxmlformats.org/drawingml/2006/main" xmlns:r="http://schemas.openxmlformats.org/officeDocument/2006/relationships" xmlns:p="http://schemas.openxmlformats.org/presentationml/2006/main">
   <p:cSld>
@@ -33166,6 +33412,196 @@
 </file>
 
 <file path=ppt/slides/slide40.xml><?xml version="1.0" encoding="utf-8"?>
+<p:sld xmlns:a="http://schemas.openxmlformats.org/drawingml/2006/main" xmlns:r="http://schemas.openxmlformats.org/officeDocument/2006/relationships" xmlns:p="http://schemas.openxmlformats.org/presentationml/2006/main">
+  <p:cSld>
+    <p:spTree>
+      <p:nvGrpSpPr>
+        <p:cNvPr id="1" name=""/>
+        <p:cNvGrpSpPr/>
+        <p:nvPr/>
+      </p:nvGrpSpPr>
+      <p:grpSpPr>
+        <a:xfrm>
+          <a:off x="0" y="0"/>
+          <a:ext cx="0" cy="0"/>
+          <a:chOff x="0" y="0"/>
+          <a:chExt cx="0" cy="0"/>
+        </a:xfrm>
+      </p:grpSpPr>
+      <p:sp>
+        <p:nvSpPr>
+          <p:cNvPr id="5" name="Slide Title">
+            <a:extLst>
+              <a:ext uri="{FF2B5EF4-FFF2-40B4-BE49-F238E27FC236}">
+                <a16:creationId xmlns:a16="http://schemas.microsoft.com/office/drawing/2014/main" id="{FA0703FC-0F8F-4C80-A615-E4B381EC0E0C}"/>
+              </a:ext>
+            </a:extLst>
+          </p:cNvPr>
+          <p:cNvSpPr>
+            <a:spLocks noGrp="1"/>
+          </p:cNvSpPr>
+          <p:nvPr>
+            <p:ph type="title"/>
+          </p:nvPr>
+        </p:nvSpPr>
+        <p:spPr/>
+        <p:txBody>
+          <a:bodyPr/>
+          <a:lstStyle/>
+          <a:p>
+            <a:r>
+              <a:rPr lang="bg-BG" dirty="0"/>
+              <a:t>Въпроси</a:t>
+            </a:r>
+            <a:r>
+              <a:rPr lang="en-US" dirty="0"/>
+              <a:t>?</a:t>
+            </a:r>
+          </a:p>
+        </p:txBody>
+      </p:sp>
+      <p:sp>
+        <p:nvSpPr>
+          <p:cNvPr id="2" name="Rectangle Bottom Copyright">
+            <a:extLst>
+              <a:ext uri="{FF2B5EF4-FFF2-40B4-BE49-F238E27FC236}">
+                <a16:creationId xmlns:a16="http://schemas.microsoft.com/office/drawing/2014/main" id="{664812A4-2991-44D1-BFE9-32E55AADF8A5}"/>
+              </a:ext>
+            </a:extLst>
+          </p:cNvPr>
+          <p:cNvSpPr/>
+          <p:nvPr/>
+        </p:nvSpPr>
+        <p:spPr>
+          <a:xfrm>
+            <a:off x="111000" y="6454758"/>
+            <a:ext cx="11970000" cy="304242"/>
+          </a:xfrm>
+          <a:prstGeom prst="rect">
+            <a:avLst/>
+          </a:prstGeom>
+        </p:spPr>
+        <p:txBody>
+          <a:bodyPr wrap="square">
+            <a:noAutofit/>
+          </a:bodyPr>
+          <a:lstStyle/>
+          <a:p>
+            <a:pPr algn="ctr">
+              <a:lnSpc>
+                <a:spcPct val="100000"/>
+              </a:lnSpc>
+              <a:spcBef>
+                <a:spcPts val="0"/>
+              </a:spcBef>
+              <a:spcAft>
+                <a:spcPts val="0"/>
+              </a:spcAft>
+            </a:pPr>
+            <a:r>
+              <a:rPr lang="bg-BG" sz="1600" dirty="0">
+                <a:solidFill>
+                  <a:schemeClr val="bg2"/>
+                </a:solidFill>
+                <a:effectLst/>
+                <a:latin typeface="Calibri" panose="020F0502020204030204" pitchFamily="34" charset="0"/>
+                <a:ea typeface="Calibri" panose="020F0502020204030204" pitchFamily="34" charset="0"/>
+                <a:cs typeface="Arial" panose="020B0604020202020204" pitchFamily="34" charset="0"/>
+              </a:rPr>
+              <a:t>Проект "</a:t>
+            </a:r>
+            <a:r>
+              <a:rPr lang="bg-BG" sz="1600" dirty="0">
+                <a:solidFill>
+                  <a:schemeClr val="bg1">
+                    <a:lumMod val="20000"/>
+                    <a:lumOff val="80000"/>
+                  </a:schemeClr>
+                </a:solidFill>
+                <a:effectLst/>
+                <a:latin typeface="Calibri" panose="020F0502020204030204" pitchFamily="34" charset="0"/>
+                <a:ea typeface="Calibri" panose="020F0502020204030204" pitchFamily="34" charset="0"/>
+                <a:cs typeface="Arial" panose="020B0604020202020204" pitchFamily="34" charset="0"/>
+                <a:hlinkClick r:id="rId3">
+                  <a:extLst>
+                    <a:ext uri="{A12FA001-AC4F-418D-AE19-62706E023703}">
+                      <ahyp:hlinkClr xmlns:ahyp="http://schemas.microsoft.com/office/drawing/2018/hyperlinkcolor" val="tx"/>
+                    </a:ext>
+                  </a:extLst>
+                </a:hlinkClick>
+              </a:rPr>
+              <a:t>Отворено учебно съдържание по програмиране и ИТ</a:t>
+            </a:r>
+            <a:r>
+              <a:rPr lang="bg-BG" sz="1600" dirty="0">
+                <a:solidFill>
+                  <a:schemeClr val="bg2"/>
+                </a:solidFill>
+                <a:effectLst/>
+                <a:latin typeface="Calibri" panose="020F0502020204030204" pitchFamily="34" charset="0"/>
+                <a:ea typeface="Calibri" panose="020F0502020204030204" pitchFamily="34" charset="0"/>
+                <a:cs typeface="Arial" panose="020B0604020202020204" pitchFamily="34" charset="0"/>
+              </a:rPr>
+              <a:t>", СофтУни Фондация (лиценз </a:t>
+            </a:r>
+            <a:r>
+              <a:rPr lang="en-US" sz="1600" dirty="0">
+                <a:solidFill>
+                  <a:schemeClr val="bg2"/>
+                </a:solidFill>
+                <a:effectLst/>
+                <a:latin typeface="Calibri" panose="020F0502020204030204" pitchFamily="34" charset="0"/>
+                <a:ea typeface="Calibri" panose="020F0502020204030204" pitchFamily="34" charset="0"/>
+                <a:cs typeface="Arial" panose="020B0604020202020204" pitchFamily="34" charset="0"/>
+              </a:rPr>
+              <a:t>CC-BY-NC-SA</a:t>
+            </a:r>
+            <a:r>
+              <a:rPr lang="bg-BG" sz="1600" dirty="0">
+                <a:solidFill>
+                  <a:schemeClr val="bg2"/>
+                </a:solidFill>
+                <a:effectLst/>
+                <a:latin typeface="Calibri" panose="020F0502020204030204" pitchFamily="34" charset="0"/>
+                <a:ea typeface="Calibri" panose="020F0502020204030204" pitchFamily="34" charset="0"/>
+                <a:cs typeface="Arial" panose="020B0604020202020204" pitchFamily="34" charset="0"/>
+              </a:rPr>
+              <a:t>)</a:t>
+            </a:r>
+            <a:endParaRPr lang="bg-BG" sz="2400" dirty="0">
+              <a:solidFill>
+                <a:schemeClr val="bg2"/>
+              </a:solidFill>
+              <a:effectLst/>
+              <a:latin typeface="Calibri" panose="020F0502020204030204" pitchFamily="34" charset="0"/>
+              <a:ea typeface="Calibri" panose="020F0502020204030204" pitchFamily="34" charset="0"/>
+              <a:cs typeface="Arial" panose="020B0604020202020204" pitchFamily="34" charset="0"/>
+            </a:endParaRPr>
+          </a:p>
+        </p:txBody>
+      </p:sp>
+    </p:spTree>
+    <p:extLst>
+      <p:ext uri="{BB962C8B-B14F-4D97-AF65-F5344CB8AC3E}">
+        <p14:creationId xmlns:p14="http://schemas.microsoft.com/office/powerpoint/2010/main" val="1472534970"/>
+      </p:ext>
+    </p:extLst>
+  </p:cSld>
+  <p:clrMapOvr>
+    <a:masterClrMapping/>
+  </p:clrMapOvr>
+  <mc:AlternateContent xmlns:mc="http://schemas.openxmlformats.org/markup-compatibility/2006" xmlns:p14="http://schemas.microsoft.com/office/powerpoint/2010/main">
+    <mc:Choice Requires="p14">
+      <p:transition spd="slow" p14:dur="2000" advClick="0" advTm="5000"/>
+    </mc:Choice>
+    <mc:Fallback xmlns="">
+      <p:transition spd="slow" advClick="0" advTm="5000"/>
+    </mc:Fallback>
+  </mc:AlternateContent>
+</p:sld>
+</file>
+
+<file path=ppt/slides/slide41.xml><?xml version="1.0" encoding="utf-8"?>
 <p:sld xmlns:a="http://schemas.openxmlformats.org/drawingml/2006/main" xmlns:r="http://schemas.openxmlformats.org/officeDocument/2006/relationships" xmlns:p="http://schemas.openxmlformats.org/presentationml/2006/main" show="0">
   <p:cSld>
     <p:spTree>
@@ -33218,7 +33654,7 @@
             <a:fld id="{2BF067CD-8E6B-4360-9AA8-C5DF2A48A6D1}" type="slidenum">
               <a:rPr lang="en-US" smtClean="0"/>
               <a:pPr/>
-              <a:t>40</a:t>
+              <a:t>41</a:t>
             </a:fld>
             <a:endParaRPr lang="en-US" dirty="0"/>
           </a:p>
@@ -33757,7 +34193,7 @@
           <p:nvPr/>
         </p:nvPicPr>
         <p:blipFill rotWithShape="1">
-          <a:blip r:embed="rId2">
+          <a:blip r:embed="rId3">
             <a:extLst>
               <a:ext uri="{28A0092B-C50C-407E-A947-70E740481C1C}">
                 <a14:useLocalDpi xmlns:a14="http://schemas.microsoft.com/office/drawing/2010/main" val="0"/>
@@ -33972,6 +34408,11 @@
       </p:par>
     </p:tnLst>
   </p:timing>
+  <p:extLst>
+    <p:ext uri="{6950BFC3-D8DA-4A85-94F7-54DA5524770B}">
+      <p188:commentRel xmlns:p188="http://schemas.microsoft.com/office/powerpoint/2018/8/main" r:id="rId2"/>
+    </p:ext>
+  </p:extLst>
 </p:sld>
 </file>
 
@@ -34184,7 +34625,7 @@
           <p:nvPr/>
         </p:nvPicPr>
         <p:blipFill rotWithShape="1">
-          <a:blip r:embed="rId2">
+          <a:blip r:embed="rId3">
             <a:extLst>
               <a:ext uri="{28A0092B-C50C-407E-A947-70E740481C1C}">
                 <a14:useLocalDpi xmlns:a14="http://schemas.microsoft.com/office/drawing/2010/main" val="0"/>
@@ -34399,6 +34840,11 @@
       </p:par>
     </p:tnLst>
   </p:timing>
+  <p:extLst>
+    <p:ext uri="{6950BFC3-D8DA-4A85-94F7-54DA5524770B}">
+      <p188:commentRel xmlns:p188="http://schemas.microsoft.com/office/powerpoint/2018/8/main" r:id="rId2"/>
+    </p:ext>
+  </p:extLst>
 </p:sld>
 </file>
 
@@ -34913,6 +35359,11 @@
       </p:par>
     </p:tnLst>
   </p:timing>
+  <p:extLst>
+    <p:ext uri="{6950BFC3-D8DA-4A85-94F7-54DA5524770B}">
+      <p188:commentRel xmlns:p188="http://schemas.microsoft.com/office/powerpoint/2018/8/main" r:id="rId2"/>
+    </p:ext>
+  </p:extLst>
 </p:sld>
 </file>
 

--- a/Courses/Software-Sciences/IT-Module-3-Web-Design/01-Websites/01-Websites.pptx
+++ b/Courses/Software-Sciences/IT-Module-3-Web-Design/01-Websites/01-Websites.pptx
@@ -270,196 +270,6 @@
 </p:cmAuthorLst>
 </file>
 
-<file path=ppt/comments/modernComment_161_34953828.xml><?xml version="1.0" encoding="utf-8"?>
-<p188:cmLst xmlns:a="http://schemas.openxmlformats.org/drawingml/2006/main" xmlns:r="http://schemas.openxmlformats.org/officeDocument/2006/relationships" xmlns:p188="http://schemas.microsoft.com/office/powerpoint/2018/8/main">
-  <p188:cm id="{B17227C6-D9EF-4AE7-9A2D-7775F9DEB7BA}" authorId="{CB4BF2F8-D32F-9387-A6CE-368ED6EFDCF0}" created="2025-11-07T11:19:25.583">
-    <ac:deMkLst xmlns:ac="http://schemas.microsoft.com/office/drawing/2013/main/command">
-      <pc:docMk xmlns:pc="http://schemas.microsoft.com/office/powerpoint/2013/main/command"/>
-      <pc:sldMk xmlns:pc="http://schemas.microsoft.com/office/powerpoint/2013/main/command" cId="882194472" sldId="353"/>
-      <ac:spMk id="4" creationId="{BEB5BB41-09D4-4E9F-8C80-EE8709171CB3}"/>
-    </ac:deMkLst>
-    <p188:txBody>
-      <a:bodyPr/>
-      <a:lstStyle/>
-      <a:p>
-        <a:r>
-          <a:rPr lang="en-GB"/>
-          <a:t>Съкрати подзаглавието</a:t>
-        </a:r>
-      </a:p>
-    </p188:txBody>
-  </p188:cm>
-</p188:cmLst>
-</file>
-
-<file path=ppt/comments/modernComment_24B_72B0E9BD.xml><?xml version="1.0" encoding="utf-8"?>
-<p188:cmLst xmlns:a="http://schemas.openxmlformats.org/drawingml/2006/main" xmlns:r="http://schemas.openxmlformats.org/officeDocument/2006/relationships" xmlns:p188="http://schemas.microsoft.com/office/powerpoint/2018/8/main">
-  <p188:cm id="{4006D499-E098-4468-8504-751E22DFC801}" authorId="{CB4BF2F8-D32F-9387-A6CE-368ED6EFDCF0}" created="2025-11-07T11:21:10.069">
-    <ac:txMkLst xmlns:ac="http://schemas.microsoft.com/office/drawing/2013/main/command">
-      <pc:docMk xmlns:pc="http://schemas.microsoft.com/office/powerpoint/2013/main/command"/>
-      <pc:sldMk xmlns:pc="http://schemas.microsoft.com/office/powerpoint/2013/main/command" cId="1924196797" sldId="587"/>
-      <ac:spMk id="3" creationId="{231FFBC2-1649-5CEB-A57B-2417DB0629BD}"/>
-      <ac:txMk cp="138" len="38">
-        <ac:context len="177" hash="2331569026"/>
-      </ac:txMk>
-    </ac:txMkLst>
-    <p188:pos x="6941918" y="3284435"/>
-    <p188:txBody>
-      <a:bodyPr/>
-      <a:lstStyle/>
-      <a:p>
-        <a:r>
-          <a:rPr lang="en-GB"/>
-          <a:t>Да се дадат примери с линкове</a:t>
-        </a:r>
-      </a:p>
-    </p188:txBody>
-  </p188:cm>
-</p188:cmLst>
-</file>
-
-<file path=ppt/comments/modernComment_260_894324A0.xml><?xml version="1.0" encoding="utf-8"?>
-<p188:cmLst xmlns:a="http://schemas.openxmlformats.org/drawingml/2006/main" xmlns:r="http://schemas.openxmlformats.org/officeDocument/2006/relationships" xmlns:p188="http://schemas.microsoft.com/office/powerpoint/2018/8/main">
-  <p188:cm id="{8C2D17A9-A76B-4DDA-B797-BFA5628056FA}" authorId="{CB4BF2F8-D32F-9387-A6CE-368ED6EFDCF0}" created="2025-11-07T11:47:28.275">
-    <ac:txMkLst xmlns:ac="http://schemas.microsoft.com/office/drawing/2013/main/command">
-      <pc:docMk xmlns:pc="http://schemas.microsoft.com/office/powerpoint/2013/main/command"/>
-      <pc:sldMk xmlns:pc="http://schemas.microsoft.com/office/powerpoint/2013/main/command" cId="2302878880" sldId="608"/>
-      <ac:spMk id="7" creationId="{320B2856-CE5E-4934-BD1C-1D81E68E529A}"/>
-      <ac:txMk cp="28" len="35">
-        <ac:context len="187" hash="1413822994"/>
-      </ac:txMk>
-    </ac:txMkLst>
-    <p188:pos x="8427818" y="964145"/>
-    <p188:txBody>
-      <a:bodyPr/>
-      <a:lstStyle/>
-      <a:p>
-        <a:r>
-          <a:rPr lang="en-GB"/>
-          <a:t>Провери терминът "превежда" дали е правилно използван тук</a:t>
-        </a:r>
-      </a:p>
-    </p188:txBody>
-  </p188:cm>
-</p188:cmLst>
-</file>
-
-<file path=ppt/comments/modernComment_28D_523D9B2B.xml><?xml version="1.0" encoding="utf-8"?>
-<p188:cmLst xmlns:a="http://schemas.openxmlformats.org/drawingml/2006/main" xmlns:r="http://schemas.openxmlformats.org/officeDocument/2006/relationships" xmlns:p188="http://schemas.microsoft.com/office/powerpoint/2018/8/main">
-  <p188:cm id="{6EA45C6C-FDA3-4D18-9480-1200FE14D50D}" authorId="{CB4BF2F8-D32F-9387-A6CE-368ED6EFDCF0}" created="2025-11-07T11:50:11.681">
-    <ac:deMkLst xmlns:ac="http://schemas.microsoft.com/office/drawing/2013/main/command">
-      <pc:docMk xmlns:pc="http://schemas.microsoft.com/office/powerpoint/2013/main/command"/>
-      <pc:sldMk xmlns:pc="http://schemas.microsoft.com/office/powerpoint/2013/main/command" cId="1379769131" sldId="653"/>
-      <ac:spMk id="2" creationId="{E1C9EBAF-5D74-E427-A3FA-2054C9D6D0CC}"/>
-    </ac:deMkLst>
-    <p188:txBody>
-      <a:bodyPr/>
-      <a:lstStyle/>
-      <a:p>
-        <a:r>
-          <a:rPr lang="en-GB"/>
-          <a:t>Да се даде изчистен пример за структурата на URL</a:t>
-        </a:r>
-      </a:p>
-    </p188:txBody>
-  </p188:cm>
-</p188:cmLst>
-</file>
-
-<file path=ppt/comments/modernComment_30E_3EE33F3.xml><?xml version="1.0" encoding="utf-8"?>
-<p188:cmLst xmlns:a="http://schemas.openxmlformats.org/drawingml/2006/main" xmlns:r="http://schemas.openxmlformats.org/officeDocument/2006/relationships" xmlns:p188="http://schemas.microsoft.com/office/powerpoint/2018/8/main">
-  <p188:cm id="{1B7C83A7-E462-435D-B870-F192C98B7119}" authorId="{CB4BF2F8-D32F-9387-A6CE-368ED6EFDCF0}" created="2025-11-07T11:21:34.003">
-    <ac:txMkLst xmlns:ac="http://schemas.microsoft.com/office/drawing/2013/main/command">
-      <pc:docMk xmlns:pc="http://schemas.microsoft.com/office/powerpoint/2013/main/command"/>
-      <pc:sldMk xmlns:pc="http://schemas.microsoft.com/office/powerpoint/2013/main/command" cId="65942515" sldId="782"/>
-      <ac:spMk id="3" creationId="{231FFBC2-1649-5CEB-A57B-2417DB0629BD}"/>
-      <ac:txMk cp="153" len="41">
-        <ac:context len="195" hash="3495552671"/>
-      </ac:txMk>
-    </ac:txMkLst>
-    <p188:pos x="6324698" y="4301705"/>
-    <p188:txBody>
-      <a:bodyPr/>
-      <a:lstStyle/>
-      <a:p>
-        <a:r>
-          <a:rPr lang="en-GB"/>
-          <a:t>Добавяне на примери с линкове</a:t>
-        </a:r>
-      </a:p>
-    </p188:txBody>
-  </p188:cm>
-</p188:cmLst>
-</file>
-
-<file path=ppt/comments/modernComment_30F_8941E98E.xml><?xml version="1.0" encoding="utf-8"?>
-<p188:cmLst xmlns:a="http://schemas.openxmlformats.org/drawingml/2006/main" xmlns:r="http://schemas.openxmlformats.org/officeDocument/2006/relationships" xmlns:p188="http://schemas.microsoft.com/office/powerpoint/2018/8/main">
-  <p188:cm id="{192CDEF9-E6B6-4DCF-B142-AC02069D59A3}" authorId="{CB4BF2F8-D32F-9387-A6CE-368ED6EFDCF0}" created="2025-11-07T11:23:52.210">
-    <ac:deMkLst xmlns:ac="http://schemas.microsoft.com/office/drawing/2013/main/command">
-      <pc:docMk xmlns:pc="http://schemas.microsoft.com/office/powerpoint/2013/main/command"/>
-      <pc:sldMk xmlns:pc="http://schemas.microsoft.com/office/powerpoint/2013/main/command" cId="2302798222" sldId="783"/>
-      <ac:spMk id="7" creationId="{FBFEFCDD-E454-D1E7-D67F-EE67BB2A7ACE}"/>
-    </ac:deMkLst>
-    <p188:txBody>
-      <a:bodyPr/>
-      <a:lstStyle/>
-      <a:p>
-        <a:r>
-          <a:rPr lang="en-GB"/>
-          <a:t>Добавяне на примери с линкове</a:t>
-        </a:r>
-      </a:p>
-    </p188:txBody>
-  </p188:cm>
-</p188:cmLst>
-</file>
-
-<file path=ppt/comments/modernComment_31F_9F960865.xml><?xml version="1.0" encoding="utf-8"?>
-<p188:cmLst xmlns:a="http://schemas.openxmlformats.org/drawingml/2006/main" xmlns:r="http://schemas.openxmlformats.org/officeDocument/2006/relationships" xmlns:p188="http://schemas.microsoft.com/office/powerpoint/2018/8/main">
-  <p188:cm id="{8C2B87EF-113C-4F7A-8A34-6DCBE9C76D47}" authorId="{CB4BF2F8-D32F-9387-A6CE-368ED6EFDCF0}" created="2025-11-07T11:54:20.823">
-    <ac:deMkLst xmlns:ac="http://schemas.microsoft.com/office/drawing/2013/main/command">
-      <pc:docMk xmlns:pc="http://schemas.microsoft.com/office/powerpoint/2013/main/command"/>
-      <pc:sldMk xmlns:pc="http://schemas.microsoft.com/office/powerpoint/2013/main/command" cId="2677409893" sldId="799"/>
-      <ac:graphicFrameMk id="7" creationId="{3557BAB7-1DD9-DD1C-75EF-CEE8D24AD214}"/>
-    </ac:deMkLst>
-    <p188:txBody>
-      <a:bodyPr/>
-      <a:lstStyle/>
-      <a:p>
-        <a:r>
-          <a:rPr lang="en-GB"/>
-          <a:t>Да се добавят text box-ове, за да могат да се показват текстовете с анимации</a:t>
-        </a:r>
-      </a:p>
-    </p188:txBody>
-  </p188:cm>
-  <p188:cm id="{322D9E98-F9A7-4DC2-9423-CEAE7BEA9DB8}" authorId="{CB4BF2F8-D32F-9387-A6CE-368ED6EFDCF0}" created="2025-11-07T11:56:53.526">
-    <ac:txMkLst xmlns:ac="http://schemas.microsoft.com/office/drawing/2013/main/command">
-      <pc:docMk xmlns:pc="http://schemas.microsoft.com/office/powerpoint/2013/main/command"/>
-      <pc:sldMk xmlns:pc="http://schemas.microsoft.com/office/powerpoint/2013/main/command" cId="2677409893" sldId="799"/>
-      <ac:graphicFrameMk id="7" creationId="{3557BAB7-1DD9-DD1C-75EF-CEE8D24AD214}"/>
-      <ac:tblMk/>
-      <ac:tcMk rowId="1210854640" colId="3700237570"/>
-      <ac:txMk cp="13" len="3">
-        <ac:context len="64" hash="1102481728"/>
-      </ac:txMk>
-    </ac:txMkLst>
-    <p188:pos x="3190380" y="3499560"/>
-    <p188:txBody>
-      <a:bodyPr/>
-      <a:lstStyle/>
-      <a:p>
-        <a:r>
-          <a:rPr lang="en-GB"/>
-          <a:t>Измисли по-добро описание на целта за сайта chatgpt
-</a:t>
-        </a:r>
-      </a:p>
-    </p188:txBody>
-  </p188:cm>
-</p188:cmLst>
-</file>
-
 <file path=ppt/handoutMasters/handoutMaster1.xml><?xml version="1.0" encoding="utf-8"?>
 <p:handoutMaster xmlns:a="http://schemas.openxmlformats.org/drawingml/2006/main" xmlns:r="http://schemas.openxmlformats.org/officeDocument/2006/relationships" xmlns:p="http://schemas.openxmlformats.org/presentationml/2006/main">
   <p:cSld>
@@ -554,7 +364,7 @@
           <a:p>
             <a:fld id="{4E087215-0C8F-4762-A664-737A353EC9A4}" type="datetimeFigureOut">
               <a:rPr lang="bg-BG" smtClean="0"/>
-              <a:t>7.11.2025 г.</a:t>
+              <a:t>19.11.25 г.</a:t>
             </a:fld>
             <a:endParaRPr lang="bg-BG"/>
           </a:p>
@@ -750,7 +560,7 @@
           <a:p>
             <a:fld id="{72D84649-876A-46C9-8472-14CB09C070D8}" type="datetimeFigureOut">
               <a:rPr lang="en-US" smtClean="0"/>
-              <a:t>11/7/2025</a:t>
+              <a:t>11/19/25</a:t>
             </a:fld>
             <a:endParaRPr lang="en-US"/>
           </a:p>
@@ -22972,91 +22782,6 @@
       </p:sp>
       <p:sp>
         <p:nvSpPr>
-          <p:cNvPr id="3" name="Text Placeholder 2">
-            <a:extLst>
-              <a:ext uri="{FF2B5EF4-FFF2-40B4-BE49-F238E27FC236}">
-                <a16:creationId xmlns:a16="http://schemas.microsoft.com/office/drawing/2014/main" id="{33309270-EB17-EB18-F05B-08C9016422A6}"/>
-              </a:ext>
-            </a:extLst>
-          </p:cNvPr>
-          <p:cNvSpPr>
-            <a:spLocks noGrp="1"/>
-          </p:cNvSpPr>
-          <p:nvPr>
-            <p:ph type="body" sz="quarter" idx="10"/>
-          </p:nvPr>
-        </p:nvSpPr>
-        <p:spPr/>
-        <p:txBody>
-          <a:bodyPr>
-            <a:normAutofit/>
-          </a:bodyPr>
-          <a:lstStyle/>
-          <a:p>
-            <a:r>
-              <a:rPr lang="bg-BG" sz="5400" dirty="0">
-                <a:highlight>
-                  <a:srgbClr val="FFFF00"/>
-                </a:highlight>
-              </a:rPr>
-              <a:t>Добави снимка на контролен панел например:</a:t>
-            </a:r>
-          </a:p>
-          <a:p>
-            <a:pPr lvl="1"/>
-            <a:r>
-              <a:rPr lang="en-GB" sz="4800" dirty="0" err="1">
-                <a:highlight>
-                  <a:srgbClr val="FFFF00"/>
-                </a:highlight>
-              </a:rPr>
-              <a:t>Cpanel</a:t>
-            </a:r>
-            <a:r>
-              <a:rPr lang="en-GB" sz="4800" dirty="0">
-                <a:highlight>
-                  <a:srgbClr val="FFFF00"/>
-                </a:highlight>
-              </a:rPr>
-              <a:t>, </a:t>
-            </a:r>
-            <a:r>
-              <a:rPr lang="en-GB" sz="4800" dirty="0" err="1">
-                <a:highlight>
-                  <a:srgbClr val="FFFF00"/>
-                </a:highlight>
-              </a:rPr>
-              <a:t>Vercel</a:t>
-            </a:r>
-            <a:r>
-              <a:rPr lang="en-GB" sz="4800" dirty="0">
-                <a:highlight>
-                  <a:srgbClr val="FFFF00"/>
-                </a:highlight>
-              </a:rPr>
-              <a:t>, </a:t>
-            </a:r>
-            <a:r>
-              <a:rPr lang="en-GB" sz="4800" dirty="0" err="1">
-                <a:highlight>
-                  <a:srgbClr val="FFFF00"/>
-                </a:highlight>
-              </a:rPr>
-              <a:t>Hostinger</a:t>
-            </a:r>
-            <a:r>
-              <a:rPr lang="en-GB" sz="4800" dirty="0">
-                <a:highlight>
-                  <a:srgbClr val="FFFF00"/>
-                </a:highlight>
-              </a:rPr>
-              <a:t>…</a:t>
-            </a:r>
-          </a:p>
-        </p:txBody>
-      </p:sp>
-      <p:sp>
-        <p:nvSpPr>
           <p:cNvPr id="4" name="Title 3">
             <a:extLst>
               <a:ext uri="{FF2B5EF4-FFF2-40B4-BE49-F238E27FC236}">
@@ -23084,6 +22809,49 @@
           </a:p>
         </p:txBody>
       </p:sp>
+      <p:pic>
+        <p:nvPicPr>
+          <p:cNvPr id="6" name="Picture 5">
+            <a:extLst>
+              <a:ext uri="{FF2B5EF4-FFF2-40B4-BE49-F238E27FC236}">
+                <a16:creationId xmlns:a16="http://schemas.microsoft.com/office/drawing/2014/main" id="{89CEDCC3-A2CA-E778-B225-CA689BE5B42F}"/>
+              </a:ext>
+            </a:extLst>
+          </p:cNvPr>
+          <p:cNvPicPr>
+            <a:picLocks noChangeAspect="1"/>
+          </p:cNvPicPr>
+          <p:nvPr/>
+        </p:nvPicPr>
+        <p:blipFill>
+          <a:blip r:embed="rId2">
+            <a:extLst>
+              <a:ext uri="{28A0092B-C50C-407E-A947-70E740481C1C}">
+                <a14:useLocalDpi xmlns:a14="http://schemas.microsoft.com/office/drawing/2010/main" val="0"/>
+              </a:ext>
+            </a:extLst>
+          </a:blip>
+          <a:stretch>
+            <a:fillRect/>
+          </a:stretch>
+        </p:blipFill>
+        <p:spPr>
+          <a:xfrm>
+            <a:off x="1253203" y="1263674"/>
+            <a:ext cx="9685594" cy="5490776"/>
+          </a:xfrm>
+          <a:prstGeom prst="rect">
+            <a:avLst/>
+          </a:prstGeom>
+          <a:ln>
+            <a:solidFill>
+              <a:schemeClr val="bg2">
+                <a:lumMod val="75000"/>
+              </a:schemeClr>
+            </a:solidFill>
+          </a:ln>
+        </p:spPr>
+      </p:pic>
     </p:spTree>
     <p:extLst>
       <p:ext uri="{BB962C8B-B14F-4D97-AF65-F5344CB8AC3E}">
@@ -24450,7 +24218,7 @@
           <a:p>
             <a:r>
               <a:rPr lang="bg-BG" sz="3600" dirty="0"/>
-              <a:t>Въведение, видове, етапи, роли, цел и целеви групи</a:t>
+              <a:t>Етапи, роли, цел и целеви групи</a:t>
             </a:r>
           </a:p>
         </p:txBody>
@@ -24499,7 +24267,7 @@
           <p:nvPr/>
         </p:nvPicPr>
         <p:blipFill>
-          <a:blip r:embed="rId4">
+          <a:blip r:embed="rId3">
             <a:extLst>
               <a:ext uri="{28A0092B-C50C-407E-A947-70E740481C1C}">
                 <a14:useLocalDpi xmlns:a14="http://schemas.microsoft.com/office/drawing/2010/main" val="0"/>
@@ -24538,11 +24306,6 @@
       <p:transition spd="slow" advClick="0" advTm="5000"/>
     </mc:Fallback>
   </mc:AlternateContent>
-  <p:extLst>
-    <p:ext uri="{6950BFC3-D8DA-4A85-94F7-54DA5524770B}">
-      <p188:commentRel xmlns:p188="http://schemas.microsoft.com/office/powerpoint/2018/8/main" r:id="rId3"/>
-    </p:ext>
-  </p:extLst>
 </p:sld>
 </file>
 
@@ -25521,7 +25284,7 @@
           <p:nvPr/>
         </p:nvPicPr>
         <p:blipFill rotWithShape="1">
-          <a:blip r:embed="rId4">
+          <a:blip r:embed="rId3">
             <a:extLst>
               <a:ext uri="{28A0092B-C50C-407E-A947-70E740481C1C}">
                 <a14:useLocalDpi xmlns:a14="http://schemas.microsoft.com/office/drawing/2010/main" val="0"/>
@@ -25736,11 +25499,6 @@
       </p:par>
     </p:tnLst>
   </p:timing>
-  <p:extLst>
-    <p:ext uri="{6950BFC3-D8DA-4A85-94F7-54DA5524770B}">
-      <p188:commentRel xmlns:p188="http://schemas.microsoft.com/office/powerpoint/2018/8/main" r:id="rId3"/>
-    </p:ext>
-  </p:extLst>
 </p:sld>
 </file>
 
@@ -26002,9 +25760,14 @@
               <a:rPr lang="en-US" sz="3200" b="1" noProof="1">
                 <a:latin typeface="Consolas" pitchFamily="49" charset="0"/>
                 <a:cs typeface="Consolas" pitchFamily="49" charset="0"/>
+                <a:hlinkClick r:id="rId3"/>
               </a:rPr>
-              <a:t>https://www.test.com/about</a:t>
-            </a:r>
+              <a:t>https://www.nasa.gov/about</a:t>
+            </a:r>
+            <a:endParaRPr lang="en-US" sz="3200" b="1" noProof="1">
+              <a:latin typeface="Consolas" pitchFamily="49" charset="0"/>
+              <a:cs typeface="Consolas" pitchFamily="49" charset="0"/>
+            </a:endParaRPr>
           </a:p>
         </p:txBody>
       </p:sp>
@@ -26022,7 +25785,7 @@
         </p:nvSpPr>
         <p:spPr bwMode="auto">
           <a:xfrm>
-            <a:off x="786000" y="5714173"/>
+            <a:off x="2523502" y="5675901"/>
             <a:ext cx="1800000" cy="649100"/>
           </a:xfrm>
           <a:prstGeom prst="wedgeRoundRectCallout">
@@ -26123,7 +25886,7 @@
         </p:nvSpPr>
         <p:spPr bwMode="auto">
           <a:xfrm>
-            <a:off x="3544222" y="3683585"/>
+            <a:off x="5106000" y="3780183"/>
             <a:ext cx="1800000" cy="649100"/>
           </a:xfrm>
           <a:prstGeom prst="wedgeRoundRectCallout">
@@ -26224,7 +25987,7 @@
         </p:nvSpPr>
         <p:spPr bwMode="auto">
           <a:xfrm>
-            <a:off x="6501000" y="5640126"/>
+            <a:off x="6906000" y="5675901"/>
             <a:ext cx="2430000" cy="649100"/>
           </a:xfrm>
           <a:prstGeom prst="wedgeRoundRectCallout">
@@ -26658,11 +26421,6 @@
       <p:bldP spid="6" grpId="0" animBg="1"/>
     </p:bldLst>
   </p:timing>
-  <p:extLst>
-    <p:ext uri="{6950BFC3-D8DA-4A85-94F7-54DA5524770B}">
-      <p188:commentRel xmlns:p188="http://schemas.microsoft.com/office/powerpoint/2018/8/main" r:id="rId3"/>
-    </p:ext>
-  </p:extLst>
 </p:sld>
 </file>
 
@@ -27960,14 +27718,2025 @@
           <p:nvPr>
             <p:extLst>
               <p:ext uri="{D42A27DB-BD31-4B8C-83A1-F6EECF244321}">
-                <p14:modId xmlns:p14="http://schemas.microsoft.com/office/powerpoint/2010/main" val="3526426180"/>
+                <p14:modId xmlns:p14="http://schemas.microsoft.com/office/powerpoint/2010/main" val="2608073443"/>
               </p:ext>
             </p:extLst>
           </p:nvPr>
         </p:nvGraphicFramePr>
         <p:xfrm>
           <a:off x="490080" y="2124000"/>
-          <a:ext cx="11211840" cy="3972649"/>
+          <a:ext cx="11211840" cy="4078572"/>
+        </p:xfrm>
+        <a:graphic>
+          <a:graphicData uri="http://schemas.openxmlformats.org/drawingml/2006/table">
+            <a:tbl>
+              <a:tblPr firstRow="1">
+                <a:tableStyleId>{22838BEF-8BB2-4498-84A7-C5851F593DF1}</a:tableStyleId>
+              </a:tblPr>
+              <a:tblGrid>
+                <a:gridCol w="1960920">
+                  <a:extLst>
+                    <a:ext uri="{9D8B030D-6E8A-4147-A177-3AD203B41FA5}">
+                      <a16:colId xmlns:a16="http://schemas.microsoft.com/office/drawing/2014/main" val="1918126379"/>
+                    </a:ext>
+                  </a:extLst>
+                </a:gridCol>
+                <a:gridCol w="6435000">
+                  <a:extLst>
+                    <a:ext uri="{9D8B030D-6E8A-4147-A177-3AD203B41FA5}">
+                      <a16:colId xmlns:a16="http://schemas.microsoft.com/office/drawing/2014/main" val="3700237570"/>
+                    </a:ext>
+                  </a:extLst>
+                </a:gridCol>
+                <a:gridCol w="1035000">
+                  <a:extLst>
+                    <a:ext uri="{9D8B030D-6E8A-4147-A177-3AD203B41FA5}">
+                      <a16:colId xmlns:a16="http://schemas.microsoft.com/office/drawing/2014/main" val="3761518300"/>
+                    </a:ext>
+                  </a:extLst>
+                </a:gridCol>
+                <a:gridCol w="1780920">
+                  <a:extLst>
+                    <a:ext uri="{9D8B030D-6E8A-4147-A177-3AD203B41FA5}">
+                      <a16:colId xmlns:a16="http://schemas.microsoft.com/office/drawing/2014/main" val="1399144962"/>
+                    </a:ext>
+                  </a:extLst>
+                </a:gridCol>
+              </a:tblGrid>
+              <a:tr h="588845">
+                <a:tc>
+                  <a:txBody>
+                    <a:bodyPr/>
+                    <a:lstStyle/>
+                    <a:p>
+                      <a:pPr algn="ctr">
+                        <a:lnSpc>
+                          <a:spcPct val="115000"/>
+                        </a:lnSpc>
+                        <a:spcAft>
+                          <a:spcPts val="1000"/>
+                        </a:spcAft>
+                      </a:pPr>
+                      <a:r>
+                        <a:rPr lang="bg-BG" sz="2200" b="1" dirty="0">
+                          <a:solidFill>
+                            <a:schemeClr val="bg2"/>
+                          </a:solidFill>
+                          <a:effectLst/>
+                        </a:rPr>
+                        <a:t>Уеб сайт</a:t>
+                      </a:r>
+                      <a:endParaRPr lang="en-BG" sz="2200" b="1" dirty="0">
+                        <a:solidFill>
+                          <a:schemeClr val="bg2"/>
+                        </a:solidFill>
+                        <a:effectLst/>
+                        <a:latin typeface="Calibri" panose="020F0502020204030204" pitchFamily="34" charset="0"/>
+                        <a:ea typeface="Calibri" panose="020F0502020204030204" pitchFamily="34" charset="0"/>
+                      </a:endParaRPr>
+                    </a:p>
+                  </a:txBody>
+                  <a:tcPr marL="30480" marR="30480" marT="9525" marB="0" anchor="ctr">
+                    <a:solidFill>
+                      <a:schemeClr val="tx1">
+                        <a:lumMod val="60000"/>
+                        <a:lumOff val="40000"/>
+                      </a:schemeClr>
+                    </a:solidFill>
+                  </a:tcPr>
+                </a:tc>
+                <a:tc>
+                  <a:txBody>
+                    <a:bodyPr/>
+                    <a:lstStyle/>
+                    <a:p>
+                      <a:pPr algn="ctr">
+                        <a:lnSpc>
+                          <a:spcPct val="115000"/>
+                        </a:lnSpc>
+                        <a:spcAft>
+                          <a:spcPts val="1000"/>
+                        </a:spcAft>
+                      </a:pPr>
+                      <a:r>
+                        <a:rPr lang="bg-BG" sz="2200" b="1" dirty="0">
+                          <a:solidFill>
+                            <a:schemeClr val="bg2"/>
+                          </a:solidFill>
+                          <a:effectLst/>
+                        </a:rPr>
+                        <a:t>Цел</a:t>
+                      </a:r>
+                      <a:endParaRPr lang="en-BG" sz="2200" b="1" dirty="0">
+                        <a:solidFill>
+                          <a:schemeClr val="bg2"/>
+                        </a:solidFill>
+                        <a:effectLst/>
+                        <a:latin typeface="Calibri" panose="020F0502020204030204" pitchFamily="34" charset="0"/>
+                        <a:ea typeface="Calibri" panose="020F0502020204030204" pitchFamily="34" charset="0"/>
+                      </a:endParaRPr>
+                    </a:p>
+                  </a:txBody>
+                  <a:tcPr marL="30480" marR="30480" marT="9525" marB="0" anchor="ctr">
+                    <a:solidFill>
+                      <a:schemeClr val="tx1">
+                        <a:lumMod val="60000"/>
+                        <a:lumOff val="40000"/>
+                      </a:schemeClr>
+                    </a:solidFill>
+                  </a:tcPr>
+                </a:tc>
+                <a:tc>
+                  <a:txBody>
+                    <a:bodyPr/>
+                    <a:lstStyle/>
+                    <a:p>
+                      <a:pPr algn="ctr">
+                        <a:lnSpc>
+                          <a:spcPct val="115000"/>
+                        </a:lnSpc>
+                        <a:spcAft>
+                          <a:spcPts val="1000"/>
+                        </a:spcAft>
+                      </a:pPr>
+                      <a:r>
+                        <a:rPr lang="bg-BG" sz="2200" b="1" dirty="0">
+                          <a:solidFill>
+                            <a:schemeClr val="bg2"/>
+                          </a:solidFill>
+                          <a:effectLst/>
+                        </a:rPr>
+                        <a:t>Целева група</a:t>
+                      </a:r>
+                      <a:endParaRPr lang="en-BG" sz="2200" b="1" dirty="0">
+                        <a:solidFill>
+                          <a:schemeClr val="bg2"/>
+                        </a:solidFill>
+                        <a:effectLst/>
+                        <a:latin typeface="Calibri" panose="020F0502020204030204" pitchFamily="34" charset="0"/>
+                        <a:ea typeface="Calibri" panose="020F0502020204030204" pitchFamily="34" charset="0"/>
+                      </a:endParaRPr>
+                    </a:p>
+                  </a:txBody>
+                  <a:tcPr marL="30480" marR="30480" marT="9525" marB="0" anchor="ctr">
+                    <a:solidFill>
+                      <a:schemeClr val="tx1">
+                        <a:lumMod val="60000"/>
+                        <a:lumOff val="40000"/>
+                      </a:schemeClr>
+                    </a:solidFill>
+                  </a:tcPr>
+                </a:tc>
+                <a:tc>
+                  <a:txBody>
+                    <a:bodyPr/>
+                    <a:lstStyle/>
+                    <a:p>
+                      <a:pPr algn="ctr">
+                        <a:lnSpc>
+                          <a:spcPct val="115000"/>
+                        </a:lnSpc>
+                        <a:spcAft>
+                          <a:spcPts val="1000"/>
+                        </a:spcAft>
+                      </a:pPr>
+                      <a:r>
+                        <a:rPr lang="bg-BG" sz="2200" b="1" dirty="0">
+                          <a:solidFill>
+                            <a:schemeClr val="bg2"/>
+                          </a:solidFill>
+                          <a:effectLst/>
+                        </a:rPr>
+                        <a:t>Примерни </a:t>
+                      </a:r>
+                    </a:p>
+                    <a:p>
+                      <a:pPr algn="ctr">
+                        <a:lnSpc>
+                          <a:spcPct val="115000"/>
+                        </a:lnSpc>
+                        <a:spcAft>
+                          <a:spcPts val="1000"/>
+                        </a:spcAft>
+                      </a:pPr>
+                      <a:r>
+                        <a:rPr lang="bg-BG" sz="2200" b="1" dirty="0">
+                          <a:solidFill>
+                            <a:schemeClr val="bg2"/>
+                          </a:solidFill>
+                          <a:effectLst/>
+                        </a:rPr>
+                        <a:t>страници</a:t>
+                      </a:r>
+                      <a:endParaRPr lang="en-BG" sz="2200" b="1" dirty="0">
+                        <a:solidFill>
+                          <a:schemeClr val="bg2"/>
+                        </a:solidFill>
+                        <a:effectLst/>
+                        <a:latin typeface="Calibri" panose="020F0502020204030204" pitchFamily="34" charset="0"/>
+                        <a:ea typeface="Calibri" panose="020F0502020204030204" pitchFamily="34" charset="0"/>
+                      </a:endParaRPr>
+                    </a:p>
+                  </a:txBody>
+                  <a:tcPr marL="30480" marR="30480" marT="9525" marB="0" anchor="ctr">
+                    <a:solidFill>
+                      <a:schemeClr val="tx1">
+                        <a:lumMod val="60000"/>
+                        <a:lumOff val="40000"/>
+                      </a:schemeClr>
+                    </a:solidFill>
+                  </a:tcPr>
+                </a:tc>
+                <a:extLst>
+                  <a:ext uri="{0D108BD9-81ED-4DB2-BD59-A6C34878D82A}">
+                    <a16:rowId xmlns:a16="http://schemas.microsoft.com/office/drawing/2014/main" val="2509749732"/>
+                  </a:ext>
+                </a:extLst>
+              </a:tr>
+              <a:tr h="383553">
+                <a:tc>
+                  <a:txBody>
+                    <a:bodyPr/>
+                    <a:lstStyle/>
+                    <a:p>
+                      <a:pPr marL="0" marR="0" lvl="1" indent="0" algn="ctr" defTabSz="1218438" rtl="0" eaLnBrk="1" fontAlgn="auto" latinLnBrk="1" hangingPunct="1">
+                        <a:lnSpc>
+                          <a:spcPct val="115000"/>
+                        </a:lnSpc>
+                        <a:spcBef>
+                          <a:spcPts val="0"/>
+                        </a:spcBef>
+                        <a:spcAft>
+                          <a:spcPts val="1000"/>
+                        </a:spcAft>
+                        <a:buClrTx/>
+                        <a:buSzTx/>
+                        <a:buFontTx/>
+                        <a:buNone/>
+                        <a:tabLst/>
+                        <a:defRPr/>
+                      </a:pPr>
+                      <a:endParaRPr lang="bg-BG" sz="2000" dirty="0"/>
+                    </a:p>
+                  </a:txBody>
+                  <a:tcPr marL="30480" marR="30480" marT="9525" marB="0" anchor="ctr">
+                    <a:solidFill>
+                      <a:schemeClr val="accent3">
+                        <a:lumMod val="20000"/>
+                        <a:lumOff val="80000"/>
+                      </a:schemeClr>
+                    </a:solidFill>
+                  </a:tcPr>
+                </a:tc>
+                <a:tc>
+                  <a:txBody>
+                    <a:bodyPr/>
+                    <a:lstStyle/>
+                    <a:p>
+                      <a:pPr algn="l">
+                        <a:lnSpc>
+                          <a:spcPct val="115000"/>
+                        </a:lnSpc>
+                        <a:spcAft>
+                          <a:spcPts val="1000"/>
+                        </a:spcAft>
+                      </a:pPr>
+                      <a:endParaRPr lang="bg-BG" sz="2000" b="0" dirty="0">
+                        <a:effectLst/>
+                        <a:latin typeface="Calibri" panose="020F0502020204030204" pitchFamily="34" charset="0"/>
+                        <a:ea typeface="Calibri" panose="020F0502020204030204" pitchFamily="34" charset="0"/>
+                      </a:endParaRPr>
+                    </a:p>
+                    <a:p>
+                      <a:pPr algn="l">
+                        <a:lnSpc>
+                          <a:spcPct val="115000"/>
+                        </a:lnSpc>
+                        <a:spcAft>
+                          <a:spcPts val="1000"/>
+                        </a:spcAft>
+                      </a:pPr>
+                      <a:endParaRPr lang="bg-BG" sz="2000" b="0" dirty="0">
+                        <a:effectLst/>
+                        <a:latin typeface="Calibri" panose="020F0502020204030204" pitchFamily="34" charset="0"/>
+                        <a:ea typeface="Calibri" panose="020F0502020204030204" pitchFamily="34" charset="0"/>
+                      </a:endParaRPr>
+                    </a:p>
+                  </a:txBody>
+                  <a:tcPr marL="30480" marR="30480" marT="9525" marB="0" anchor="ctr">
+                    <a:solidFill>
+                      <a:schemeClr val="accent3">
+                        <a:lumMod val="20000"/>
+                        <a:lumOff val="80000"/>
+                      </a:schemeClr>
+                    </a:solidFill>
+                  </a:tcPr>
+                </a:tc>
+                <a:tc>
+                  <a:txBody>
+                    <a:bodyPr/>
+                    <a:lstStyle/>
+                    <a:p>
+                      <a:pPr algn="l">
+                        <a:lnSpc>
+                          <a:spcPct val="115000"/>
+                        </a:lnSpc>
+                        <a:spcAft>
+                          <a:spcPts val="1000"/>
+                        </a:spcAft>
+                      </a:pPr>
+                      <a:endParaRPr lang="en-BG" sz="2000" b="0" dirty="0">
+                        <a:effectLst/>
+                        <a:latin typeface="Calibri" panose="020F0502020204030204" pitchFamily="34" charset="0"/>
+                        <a:ea typeface="Calibri" panose="020F0502020204030204" pitchFamily="34" charset="0"/>
+                      </a:endParaRPr>
+                    </a:p>
+                  </a:txBody>
+                  <a:tcPr marL="30480" marR="30480" marT="9525" marB="0" anchor="ctr">
+                    <a:solidFill>
+                      <a:schemeClr val="accent3">
+                        <a:lumMod val="20000"/>
+                        <a:lumOff val="80000"/>
+                      </a:schemeClr>
+                    </a:solidFill>
+                  </a:tcPr>
+                </a:tc>
+                <a:tc>
+                  <a:txBody>
+                    <a:bodyPr/>
+                    <a:lstStyle/>
+                    <a:p>
+                      <a:pPr>
+                        <a:lnSpc>
+                          <a:spcPct val="115000"/>
+                        </a:lnSpc>
+                        <a:spcAft>
+                          <a:spcPts val="1000"/>
+                        </a:spcAft>
+                      </a:pPr>
+                      <a:endParaRPr lang="en-BG" sz="2000" b="0" dirty="0">
+                        <a:effectLst/>
+                        <a:latin typeface="Calibri" panose="020F0502020204030204" pitchFamily="34" charset="0"/>
+                        <a:ea typeface="Calibri" panose="020F0502020204030204" pitchFamily="34" charset="0"/>
+                      </a:endParaRPr>
+                    </a:p>
+                  </a:txBody>
+                  <a:tcPr marL="30480" marR="30480" marT="9525" marB="0" anchor="ctr">
+                    <a:solidFill>
+                      <a:schemeClr val="accent3">
+                        <a:lumMod val="20000"/>
+                        <a:lumOff val="80000"/>
+                      </a:schemeClr>
+                    </a:solidFill>
+                  </a:tcPr>
+                </a:tc>
+                <a:extLst>
+                  <a:ext uri="{0D108BD9-81ED-4DB2-BD59-A6C34878D82A}">
+                    <a16:rowId xmlns:a16="http://schemas.microsoft.com/office/drawing/2014/main" val="303656212"/>
+                  </a:ext>
+                </a:extLst>
+              </a:tr>
+              <a:tr h="783766">
+                <a:tc>
+                  <a:txBody>
+                    <a:bodyPr/>
+                    <a:lstStyle/>
+                    <a:p>
+                      <a:pPr marL="0" marR="0" lvl="0" indent="0" algn="ctr" defTabSz="1218438" rtl="0" eaLnBrk="1" fontAlgn="auto" latinLnBrk="1" hangingPunct="1">
+                        <a:lnSpc>
+                          <a:spcPct val="115000"/>
+                        </a:lnSpc>
+                        <a:spcBef>
+                          <a:spcPts val="0"/>
+                        </a:spcBef>
+                        <a:spcAft>
+                          <a:spcPts val="1000"/>
+                        </a:spcAft>
+                        <a:buClrTx/>
+                        <a:buSzTx/>
+                        <a:buFontTx/>
+                        <a:buNone/>
+                        <a:tabLst/>
+                        <a:defRPr/>
+                      </a:pPr>
+                      <a:endParaRPr lang="en-US" sz="2000" dirty="0"/>
+                    </a:p>
+                  </a:txBody>
+                  <a:tcPr marL="30480" marR="30480" marT="9525" marB="0" anchor="ctr">
+                    <a:solidFill>
+                      <a:schemeClr val="tx1">
+                        <a:lumMod val="20000"/>
+                        <a:lumOff val="80000"/>
+                      </a:schemeClr>
+                    </a:solidFill>
+                  </a:tcPr>
+                </a:tc>
+                <a:tc>
+                  <a:txBody>
+                    <a:bodyPr/>
+                    <a:lstStyle/>
+                    <a:p>
+                      <a:pPr algn="l">
+                        <a:lnSpc>
+                          <a:spcPct val="115000"/>
+                        </a:lnSpc>
+                        <a:spcAft>
+                          <a:spcPts val="1000"/>
+                        </a:spcAft>
+                      </a:pPr>
+                      <a:endParaRPr lang="bg-BG" sz="2000" b="1" dirty="0">
+                        <a:effectLst/>
+                        <a:latin typeface="Calibri" panose="020F0502020204030204" pitchFamily="34" charset="0"/>
+                        <a:ea typeface="Calibri" panose="020F0502020204030204" pitchFamily="34" charset="0"/>
+                      </a:endParaRPr>
+                    </a:p>
+                    <a:p>
+                      <a:pPr algn="l">
+                        <a:lnSpc>
+                          <a:spcPct val="115000"/>
+                        </a:lnSpc>
+                        <a:spcAft>
+                          <a:spcPts val="1000"/>
+                        </a:spcAft>
+                      </a:pPr>
+                      <a:endParaRPr lang="en-BG" sz="2000" b="1" dirty="0">
+                        <a:effectLst/>
+                        <a:latin typeface="Calibri" panose="020F0502020204030204" pitchFamily="34" charset="0"/>
+                        <a:ea typeface="Calibri" panose="020F0502020204030204" pitchFamily="34" charset="0"/>
+                      </a:endParaRPr>
+                    </a:p>
+                  </a:txBody>
+                  <a:tcPr marL="30480" marR="30480" marT="9525" marB="0" anchor="ctr">
+                    <a:solidFill>
+                      <a:schemeClr val="tx1">
+                        <a:lumMod val="20000"/>
+                        <a:lumOff val="80000"/>
+                      </a:schemeClr>
+                    </a:solidFill>
+                  </a:tcPr>
+                </a:tc>
+                <a:tc>
+                  <a:txBody>
+                    <a:bodyPr/>
+                    <a:lstStyle/>
+                    <a:p>
+                      <a:pPr algn="l">
+                        <a:lnSpc>
+                          <a:spcPct val="115000"/>
+                        </a:lnSpc>
+                        <a:spcAft>
+                          <a:spcPts val="1000"/>
+                        </a:spcAft>
+                      </a:pPr>
+                      <a:endParaRPr lang="en-BG" sz="2000" b="0" dirty="0">
+                        <a:effectLst/>
+                        <a:latin typeface="Calibri" panose="020F0502020204030204" pitchFamily="34" charset="0"/>
+                        <a:ea typeface="Calibri" panose="020F0502020204030204" pitchFamily="34" charset="0"/>
+                      </a:endParaRPr>
+                    </a:p>
+                  </a:txBody>
+                  <a:tcPr marL="30480" marR="30480" marT="9525" marB="0" anchor="ctr">
+                    <a:solidFill>
+                      <a:schemeClr val="tx1">
+                        <a:lumMod val="20000"/>
+                        <a:lumOff val="80000"/>
+                      </a:schemeClr>
+                    </a:solidFill>
+                  </a:tcPr>
+                </a:tc>
+                <a:tc>
+                  <a:txBody>
+                    <a:bodyPr/>
+                    <a:lstStyle/>
+                    <a:p>
+                      <a:pPr>
+                        <a:lnSpc>
+                          <a:spcPct val="115000"/>
+                        </a:lnSpc>
+                        <a:spcAft>
+                          <a:spcPts val="1000"/>
+                        </a:spcAft>
+                      </a:pPr>
+                      <a:endParaRPr lang="en-BG" sz="2000" b="0" dirty="0">
+                        <a:effectLst/>
+                        <a:latin typeface="Calibri" panose="020F0502020204030204" pitchFamily="34" charset="0"/>
+                        <a:ea typeface="Calibri" panose="020F0502020204030204" pitchFamily="34" charset="0"/>
+                      </a:endParaRPr>
+                    </a:p>
+                  </a:txBody>
+                  <a:tcPr marL="30480" marR="30480" marT="9525" marB="0" anchor="ctr">
+                    <a:solidFill>
+                      <a:schemeClr val="tx1">
+                        <a:lumMod val="20000"/>
+                        <a:lumOff val="80000"/>
+                      </a:schemeClr>
+                    </a:solidFill>
+                  </a:tcPr>
+                </a:tc>
+                <a:extLst>
+                  <a:ext uri="{0D108BD9-81ED-4DB2-BD59-A6C34878D82A}">
+                    <a16:rowId xmlns:a16="http://schemas.microsoft.com/office/drawing/2014/main" val="2285780378"/>
+                  </a:ext>
+                </a:extLst>
+              </a:tr>
+              <a:tr h="756134">
+                <a:tc>
+                  <a:txBody>
+                    <a:bodyPr/>
+                    <a:lstStyle/>
+                    <a:p>
+                      <a:pPr marL="0" marR="0" lvl="0" indent="0" algn="ctr" defTabSz="1218438" rtl="0" eaLnBrk="1" fontAlgn="auto" latinLnBrk="1" hangingPunct="1">
+                        <a:lnSpc>
+                          <a:spcPct val="115000"/>
+                        </a:lnSpc>
+                        <a:spcBef>
+                          <a:spcPts val="0"/>
+                        </a:spcBef>
+                        <a:spcAft>
+                          <a:spcPts val="1000"/>
+                        </a:spcAft>
+                        <a:buClrTx/>
+                        <a:buSzTx/>
+                        <a:buFontTx/>
+                        <a:buNone/>
+                        <a:tabLst/>
+                        <a:defRPr/>
+                      </a:pPr>
+                      <a:endParaRPr lang="en-US" sz="2000" dirty="0"/>
+                    </a:p>
+                  </a:txBody>
+                  <a:tcPr marL="30480" marR="30480" marT="9525" marB="0" anchor="ctr">
+                    <a:solidFill>
+                      <a:schemeClr val="accent3">
+                        <a:lumMod val="20000"/>
+                        <a:lumOff val="80000"/>
+                      </a:schemeClr>
+                    </a:solidFill>
+                  </a:tcPr>
+                </a:tc>
+                <a:tc>
+                  <a:txBody>
+                    <a:bodyPr/>
+                    <a:lstStyle/>
+                    <a:p>
+                      <a:pPr algn="l">
+                        <a:lnSpc>
+                          <a:spcPct val="115000"/>
+                        </a:lnSpc>
+                        <a:spcAft>
+                          <a:spcPts val="1000"/>
+                        </a:spcAft>
+                      </a:pPr>
+                      <a:endParaRPr lang="en-BG" sz="2000" b="1" dirty="0">
+                        <a:effectLst/>
+                        <a:latin typeface="Calibri" panose="020F0502020204030204" pitchFamily="34" charset="0"/>
+                        <a:ea typeface="Calibri" panose="020F0502020204030204" pitchFamily="34" charset="0"/>
+                      </a:endParaRPr>
+                    </a:p>
+                  </a:txBody>
+                  <a:tcPr marL="30480" marR="30480" marT="9525" marB="0" anchor="ctr">
+                    <a:solidFill>
+                      <a:schemeClr val="accent3">
+                        <a:lumMod val="20000"/>
+                        <a:lumOff val="80000"/>
+                      </a:schemeClr>
+                    </a:solidFill>
+                  </a:tcPr>
+                </a:tc>
+                <a:tc>
+                  <a:txBody>
+                    <a:bodyPr/>
+                    <a:lstStyle/>
+                    <a:p>
+                      <a:pPr algn="l">
+                        <a:lnSpc>
+                          <a:spcPct val="115000"/>
+                        </a:lnSpc>
+                        <a:spcAft>
+                          <a:spcPts val="1000"/>
+                        </a:spcAft>
+                      </a:pPr>
+                      <a:endParaRPr lang="en-BG" sz="2000" b="0" dirty="0">
+                        <a:effectLst/>
+                        <a:latin typeface="Calibri" panose="020F0502020204030204" pitchFamily="34" charset="0"/>
+                        <a:ea typeface="Calibri" panose="020F0502020204030204" pitchFamily="34" charset="0"/>
+                      </a:endParaRPr>
+                    </a:p>
+                  </a:txBody>
+                  <a:tcPr marL="30480" marR="30480" marT="9525" marB="0" anchor="ctr">
+                    <a:solidFill>
+                      <a:schemeClr val="accent3">
+                        <a:lumMod val="20000"/>
+                        <a:lumOff val="80000"/>
+                      </a:schemeClr>
+                    </a:solidFill>
+                  </a:tcPr>
+                </a:tc>
+                <a:tc>
+                  <a:txBody>
+                    <a:bodyPr/>
+                    <a:lstStyle/>
+                    <a:p>
+                      <a:pPr>
+                        <a:lnSpc>
+                          <a:spcPct val="115000"/>
+                        </a:lnSpc>
+                        <a:spcAft>
+                          <a:spcPts val="1000"/>
+                        </a:spcAft>
+                      </a:pPr>
+                      <a:endParaRPr lang="en-BG" sz="2000" b="0" dirty="0">
+                        <a:effectLst/>
+                        <a:latin typeface="Calibri" panose="020F0502020204030204" pitchFamily="34" charset="0"/>
+                        <a:ea typeface="Calibri" panose="020F0502020204030204" pitchFamily="34" charset="0"/>
+                      </a:endParaRPr>
+                    </a:p>
+                  </a:txBody>
+                  <a:tcPr marL="30480" marR="30480" marT="9525" marB="0" anchor="ctr">
+                    <a:solidFill>
+                      <a:schemeClr val="accent3">
+                        <a:lumMod val="20000"/>
+                        <a:lumOff val="80000"/>
+                      </a:schemeClr>
+                    </a:solidFill>
+                  </a:tcPr>
+                </a:tc>
+                <a:extLst>
+                  <a:ext uri="{0D108BD9-81ED-4DB2-BD59-A6C34878D82A}">
+                    <a16:rowId xmlns:a16="http://schemas.microsoft.com/office/drawing/2014/main" val="2848147020"/>
+                  </a:ext>
+                </a:extLst>
+              </a:tr>
+              <a:tr h="803393">
+                <a:tc>
+                  <a:txBody>
+                    <a:bodyPr/>
+                    <a:lstStyle/>
+                    <a:p>
+                      <a:pPr marL="0" marR="0" lvl="0" indent="0" algn="ctr" defTabSz="1218438" rtl="0" eaLnBrk="1" fontAlgn="auto" latinLnBrk="1" hangingPunct="1">
+                        <a:lnSpc>
+                          <a:spcPct val="115000"/>
+                        </a:lnSpc>
+                        <a:spcBef>
+                          <a:spcPts val="0"/>
+                        </a:spcBef>
+                        <a:spcAft>
+                          <a:spcPts val="1000"/>
+                        </a:spcAft>
+                        <a:buClrTx/>
+                        <a:buSzTx/>
+                        <a:buFontTx/>
+                        <a:buNone/>
+                        <a:tabLst/>
+                        <a:defRPr/>
+                      </a:pPr>
+                      <a:endParaRPr lang="bg-BG" sz="2000" dirty="0"/>
+                    </a:p>
+                  </a:txBody>
+                  <a:tcPr marL="30480" marR="30480" marT="9525" marB="0" anchor="ctr">
+                    <a:solidFill>
+                      <a:schemeClr val="tx1">
+                        <a:lumMod val="20000"/>
+                        <a:lumOff val="80000"/>
+                      </a:schemeClr>
+                    </a:solidFill>
+                  </a:tcPr>
+                </a:tc>
+                <a:tc>
+                  <a:txBody>
+                    <a:bodyPr/>
+                    <a:lstStyle/>
+                    <a:p>
+                      <a:pPr algn="l">
+                        <a:lnSpc>
+                          <a:spcPct val="115000"/>
+                        </a:lnSpc>
+                        <a:spcAft>
+                          <a:spcPts val="1000"/>
+                        </a:spcAft>
+                      </a:pPr>
+                      <a:endParaRPr lang="en-BG" sz="2000" b="1" dirty="0">
+                        <a:effectLst/>
+                        <a:latin typeface="Calibri" panose="020F0502020204030204" pitchFamily="34" charset="0"/>
+                        <a:ea typeface="Calibri" panose="020F0502020204030204" pitchFamily="34" charset="0"/>
+                      </a:endParaRPr>
+                    </a:p>
+                  </a:txBody>
+                  <a:tcPr marL="30480" marR="30480" marT="9525" marB="0" anchor="ctr">
+                    <a:solidFill>
+                      <a:schemeClr val="tx1">
+                        <a:lumMod val="20000"/>
+                        <a:lumOff val="80000"/>
+                      </a:schemeClr>
+                    </a:solidFill>
+                  </a:tcPr>
+                </a:tc>
+                <a:tc>
+                  <a:txBody>
+                    <a:bodyPr/>
+                    <a:lstStyle/>
+                    <a:p>
+                      <a:pPr algn="l">
+                        <a:lnSpc>
+                          <a:spcPct val="115000"/>
+                        </a:lnSpc>
+                        <a:spcAft>
+                          <a:spcPts val="1000"/>
+                        </a:spcAft>
+                      </a:pPr>
+                      <a:endParaRPr lang="en-BG" sz="2000" b="0" dirty="0">
+                        <a:effectLst/>
+                        <a:latin typeface="Calibri" panose="020F0502020204030204" pitchFamily="34" charset="0"/>
+                        <a:ea typeface="Calibri" panose="020F0502020204030204" pitchFamily="34" charset="0"/>
+                      </a:endParaRPr>
+                    </a:p>
+                  </a:txBody>
+                  <a:tcPr marL="30480" marR="30480" marT="9525" marB="0" anchor="ctr">
+                    <a:solidFill>
+                      <a:schemeClr val="tx1">
+                        <a:lumMod val="20000"/>
+                        <a:lumOff val="80000"/>
+                      </a:schemeClr>
+                    </a:solidFill>
+                  </a:tcPr>
+                </a:tc>
+                <a:tc>
+                  <a:txBody>
+                    <a:bodyPr/>
+                    <a:lstStyle/>
+                    <a:p>
+                      <a:pPr>
+                        <a:lnSpc>
+                          <a:spcPct val="115000"/>
+                        </a:lnSpc>
+                        <a:spcAft>
+                          <a:spcPts val="1000"/>
+                        </a:spcAft>
+                      </a:pPr>
+                      <a:endParaRPr lang="en-BG" sz="2000" b="0" dirty="0">
+                        <a:effectLst/>
+                        <a:latin typeface="Calibri" panose="020F0502020204030204" pitchFamily="34" charset="0"/>
+                        <a:ea typeface="Calibri" panose="020F0502020204030204" pitchFamily="34" charset="0"/>
+                      </a:endParaRPr>
+                    </a:p>
+                  </a:txBody>
+                  <a:tcPr marL="30480" marR="30480" marT="9525" marB="0" anchor="ctr">
+                    <a:solidFill>
+                      <a:schemeClr val="tx1">
+                        <a:lumMod val="20000"/>
+                        <a:lumOff val="80000"/>
+                      </a:schemeClr>
+                    </a:solidFill>
+                  </a:tcPr>
+                </a:tc>
+                <a:extLst>
+                  <a:ext uri="{0D108BD9-81ED-4DB2-BD59-A6C34878D82A}">
+                    <a16:rowId xmlns:a16="http://schemas.microsoft.com/office/drawing/2014/main" val="1210854640"/>
+                  </a:ext>
+                </a:extLst>
+              </a:tr>
+            </a:tbl>
+          </a:graphicData>
+        </a:graphic>
+      </p:graphicFrame>
+      <p:sp>
+        <p:nvSpPr>
+          <p:cNvPr id="3" name="TextBox 2">
+            <a:extLst>
+              <a:ext uri="{FF2B5EF4-FFF2-40B4-BE49-F238E27FC236}">
+                <a16:creationId xmlns:a16="http://schemas.microsoft.com/office/drawing/2014/main" id="{27552E3B-524C-D001-2386-139F2F02CAE2}"/>
+              </a:ext>
+            </a:extLst>
+          </p:cNvPr>
+          <p:cNvSpPr txBox="1"/>
+          <p:nvPr/>
+        </p:nvSpPr>
+        <p:spPr>
+          <a:xfrm>
+            <a:off x="825140" y="3114125"/>
+            <a:ext cx="1236000" cy="617899"/>
+          </a:xfrm>
+          <a:prstGeom prst="rect">
+            <a:avLst/>
+          </a:prstGeom>
+          <a:noFill/>
+          <a:ln w="12700">
+            <a:noFill/>
+          </a:ln>
+        </p:spPr>
+        <p:txBody>
+          <a:bodyPr vert="horz" wrap="square" lIns="144000" tIns="108000" rIns="144000" bIns="108000" rtlCol="0">
+            <a:spAutoFit/>
+          </a:bodyPr>
+          <a:lstStyle/>
+          <a:p>
+            <a:pPr marL="0" marR="0" lvl="1" indent="0" algn="ctr" defTabSz="1218438" rtl="0" eaLnBrk="1" fontAlgn="auto" latinLnBrk="1" hangingPunct="1">
+              <a:lnSpc>
+                <a:spcPct val="115000"/>
+              </a:lnSpc>
+              <a:spcBef>
+                <a:spcPts val="0"/>
+              </a:spcBef>
+              <a:spcAft>
+                <a:spcPts val="1000"/>
+              </a:spcAft>
+              <a:buClrTx/>
+              <a:buSzTx/>
+              <a:buFontTx/>
+              <a:buNone/>
+              <a:tabLst/>
+              <a:defRPr/>
+            </a:pPr>
+            <a:r>
+              <a:rPr lang="en-US" sz="2400" dirty="0">
+                <a:hlinkClick r:id="rId2"/>
+              </a:rPr>
+              <a:t>mon.bg</a:t>
+            </a:r>
+            <a:r>
+              <a:rPr lang="en-US" sz="2400" dirty="0"/>
+              <a:t> </a:t>
+            </a:r>
+            <a:endParaRPr lang="bg-BG" sz="2400" dirty="0"/>
+          </a:p>
+        </p:txBody>
+      </p:sp>
+      <p:sp>
+        <p:nvSpPr>
+          <p:cNvPr id="4" name="TextBox 3">
+            <a:extLst>
+              <a:ext uri="{FF2B5EF4-FFF2-40B4-BE49-F238E27FC236}">
+                <a16:creationId xmlns:a16="http://schemas.microsoft.com/office/drawing/2014/main" id="{29FCA193-86AA-762F-AE44-0AE600C2A679}"/>
+              </a:ext>
+            </a:extLst>
+          </p:cNvPr>
+          <p:cNvSpPr txBox="1"/>
+          <p:nvPr/>
+        </p:nvSpPr>
+        <p:spPr>
+          <a:xfrm>
+            <a:off x="552294" y="5446968"/>
+            <a:ext cx="1927012" cy="617899"/>
+          </a:xfrm>
+          <a:prstGeom prst="rect">
+            <a:avLst/>
+          </a:prstGeom>
+          <a:noFill/>
+          <a:ln w="12700">
+            <a:noFill/>
+          </a:ln>
+        </p:spPr>
+        <p:txBody>
+          <a:bodyPr vert="horz" wrap="square" lIns="144000" tIns="108000" rIns="144000" bIns="108000" rtlCol="0">
+            <a:spAutoFit/>
+          </a:bodyPr>
+          <a:lstStyle/>
+          <a:p>
+            <a:pPr marL="0" marR="0" lvl="0" indent="0" algn="ctr" defTabSz="1218438" rtl="0" eaLnBrk="1" fontAlgn="auto" latinLnBrk="1" hangingPunct="1">
+              <a:lnSpc>
+                <a:spcPct val="115000"/>
+              </a:lnSpc>
+              <a:spcBef>
+                <a:spcPts val="0"/>
+              </a:spcBef>
+              <a:spcAft>
+                <a:spcPts val="1000"/>
+              </a:spcAft>
+              <a:buClrTx/>
+              <a:buSzTx/>
+              <a:buFontTx/>
+              <a:buNone/>
+              <a:tabLst/>
+              <a:defRPr/>
+            </a:pPr>
+            <a:r>
+              <a:rPr lang="en-US" sz="2400" dirty="0">
+                <a:hlinkClick r:id="rId3"/>
+              </a:rPr>
+              <a:t>chatgpt.com</a:t>
+            </a:r>
+            <a:endParaRPr lang="bg-BG" sz="2400" dirty="0"/>
+          </a:p>
+        </p:txBody>
+      </p:sp>
+      <p:sp>
+        <p:nvSpPr>
+          <p:cNvPr id="8" name="TextBox 7">
+            <a:extLst>
+              <a:ext uri="{FF2B5EF4-FFF2-40B4-BE49-F238E27FC236}">
+                <a16:creationId xmlns:a16="http://schemas.microsoft.com/office/drawing/2014/main" id="{78532B91-66B9-C15D-4B89-73A74EEF5124}"/>
+              </a:ext>
+            </a:extLst>
+          </p:cNvPr>
+          <p:cNvSpPr txBox="1"/>
+          <p:nvPr/>
+        </p:nvSpPr>
+        <p:spPr>
+          <a:xfrm>
+            <a:off x="639400" y="4687632"/>
+            <a:ext cx="1756800" cy="617899"/>
+          </a:xfrm>
+          <a:prstGeom prst="rect">
+            <a:avLst/>
+          </a:prstGeom>
+          <a:noFill/>
+          <a:ln w="12700">
+            <a:noFill/>
+          </a:ln>
+        </p:spPr>
+        <p:txBody>
+          <a:bodyPr vert="horz" wrap="square" lIns="144000" tIns="108000" rIns="144000" bIns="108000" rtlCol="0">
+            <a:spAutoFit/>
+          </a:bodyPr>
+          <a:lstStyle/>
+          <a:p>
+            <a:pPr marL="0" marR="0" lvl="0" indent="0" algn="ctr" defTabSz="1218438" rtl="0" eaLnBrk="1" fontAlgn="auto" latinLnBrk="1" hangingPunct="1">
+              <a:lnSpc>
+                <a:spcPct val="115000"/>
+              </a:lnSpc>
+              <a:spcBef>
+                <a:spcPts val="0"/>
+              </a:spcBef>
+              <a:spcAft>
+                <a:spcPts val="1000"/>
+              </a:spcAft>
+              <a:buClrTx/>
+              <a:buSzTx/>
+              <a:buFontTx/>
+              <a:buNone/>
+              <a:tabLst/>
+              <a:defRPr/>
+            </a:pPr>
+            <a:r>
+              <a:rPr lang="en-GB" sz="2400" dirty="0">
+                <a:hlinkClick r:id="rId4"/>
+              </a:rPr>
+              <a:t>google.com</a:t>
+            </a:r>
+            <a:endParaRPr lang="en-US" sz="2400" dirty="0"/>
+          </a:p>
+        </p:txBody>
+      </p:sp>
+      <p:sp>
+        <p:nvSpPr>
+          <p:cNvPr id="9" name="TextBox 8">
+            <a:extLst>
+              <a:ext uri="{FF2B5EF4-FFF2-40B4-BE49-F238E27FC236}">
+                <a16:creationId xmlns:a16="http://schemas.microsoft.com/office/drawing/2014/main" id="{D304FEE1-609D-8D5E-945A-8EB663C922A0}"/>
+              </a:ext>
+            </a:extLst>
+          </p:cNvPr>
+          <p:cNvSpPr txBox="1"/>
+          <p:nvPr/>
+        </p:nvSpPr>
+        <p:spPr>
+          <a:xfrm>
+            <a:off x="592897" y="3916274"/>
+            <a:ext cx="1700486" cy="617899"/>
+          </a:xfrm>
+          <a:prstGeom prst="rect">
+            <a:avLst/>
+          </a:prstGeom>
+          <a:noFill/>
+          <a:ln w="12700">
+            <a:noFill/>
+          </a:ln>
+        </p:spPr>
+        <p:txBody>
+          <a:bodyPr vert="horz" wrap="square" lIns="144000" tIns="108000" rIns="144000" bIns="108000" rtlCol="0">
+            <a:spAutoFit/>
+          </a:bodyPr>
+          <a:lstStyle/>
+          <a:p>
+            <a:pPr marL="0" marR="0" lvl="0" indent="0" algn="ctr" defTabSz="1218438" rtl="0" eaLnBrk="1" fontAlgn="auto" latinLnBrk="1" hangingPunct="1">
+              <a:lnSpc>
+                <a:spcPct val="115000"/>
+              </a:lnSpc>
+              <a:spcBef>
+                <a:spcPts val="0"/>
+              </a:spcBef>
+              <a:spcAft>
+                <a:spcPts val="1000"/>
+              </a:spcAft>
+              <a:buClrTx/>
+              <a:buSzTx/>
+              <a:buFontTx/>
+              <a:buNone/>
+              <a:tabLst/>
+              <a:defRPr/>
+            </a:pPr>
+            <a:r>
+              <a:rPr lang="en-US" sz="2400" dirty="0">
+                <a:hlinkClick r:id="rId5"/>
+              </a:rPr>
+              <a:t>shkolo.bg</a:t>
+            </a:r>
+            <a:endParaRPr lang="en-US" sz="2400" dirty="0"/>
+          </a:p>
+        </p:txBody>
+      </p:sp>
+      <p:sp>
+        <p:nvSpPr>
+          <p:cNvPr id="10" name="TextBox 9">
+            <a:extLst>
+              <a:ext uri="{FF2B5EF4-FFF2-40B4-BE49-F238E27FC236}">
+                <a16:creationId xmlns:a16="http://schemas.microsoft.com/office/drawing/2014/main" id="{D5BA535B-2267-CB05-5E9D-0D62EAE12A3F}"/>
+              </a:ext>
+            </a:extLst>
+          </p:cNvPr>
+          <p:cNvSpPr txBox="1"/>
+          <p:nvPr/>
+        </p:nvSpPr>
+        <p:spPr>
+          <a:xfrm>
+            <a:off x="2396200" y="2942021"/>
+            <a:ext cx="6860423" cy="973957"/>
+          </a:xfrm>
+          <a:prstGeom prst="rect">
+            <a:avLst/>
+          </a:prstGeom>
+          <a:noFill/>
+          <a:ln w="12700">
+            <a:noFill/>
+          </a:ln>
+        </p:spPr>
+        <p:txBody>
+          <a:bodyPr vert="horz" wrap="square" lIns="144000" tIns="108000" rIns="144000" bIns="108000" rtlCol="0">
+            <a:spAutoFit/>
+          </a:bodyPr>
+          <a:lstStyle/>
+          <a:p>
+            <a:pPr algn="l">
+              <a:lnSpc>
+                <a:spcPct val="115000"/>
+              </a:lnSpc>
+              <a:spcAft>
+                <a:spcPts val="1000"/>
+              </a:spcAft>
+            </a:pPr>
+            <a:r>
+              <a:rPr lang="bg-BG" sz="2200" b="0" dirty="0">
+                <a:effectLst/>
+              </a:rPr>
+              <a:t>Предоставя </a:t>
+            </a:r>
+            <a:r>
+              <a:rPr lang="bg-BG" sz="2200" b="1" dirty="0">
+                <a:effectLst/>
+              </a:rPr>
+              <a:t>официална информация</a:t>
+            </a:r>
+            <a:r>
+              <a:rPr lang="bg-BG" sz="2200" b="0" dirty="0">
+                <a:effectLst/>
+              </a:rPr>
+              <a:t>, </a:t>
+            </a:r>
+            <a:r>
+              <a:rPr lang="bg-BG" sz="2200" b="1" dirty="0">
+                <a:effectLst/>
+              </a:rPr>
+              <a:t>документи</a:t>
+            </a:r>
+            <a:r>
+              <a:rPr lang="bg-BG" sz="2200" b="0" dirty="0">
+                <a:effectLst/>
+              </a:rPr>
+              <a:t> и </a:t>
+            </a:r>
+            <a:r>
+              <a:rPr lang="bg-BG" sz="2200" b="1" dirty="0">
+                <a:effectLst/>
+              </a:rPr>
+              <a:t>новини</a:t>
+            </a:r>
+            <a:r>
+              <a:rPr lang="bg-BG" sz="2200" b="0" dirty="0">
+                <a:effectLst/>
+              </a:rPr>
+              <a:t> в сферата на </a:t>
+            </a:r>
+            <a:r>
+              <a:rPr lang="bg-BG" sz="2200" b="1" dirty="0">
+                <a:effectLst/>
+              </a:rPr>
+              <a:t>образованието </a:t>
+            </a:r>
+            <a:r>
+              <a:rPr lang="bg-BG" sz="2200" b="0" dirty="0">
+                <a:effectLst/>
+              </a:rPr>
+              <a:t>в България</a:t>
+            </a:r>
+            <a:endParaRPr lang="en-BG" sz="2200" b="0" dirty="0">
+              <a:effectLst/>
+              <a:latin typeface="Calibri" panose="020F0502020204030204" pitchFamily="34" charset="0"/>
+              <a:ea typeface="Calibri" panose="020F0502020204030204" pitchFamily="34" charset="0"/>
+            </a:endParaRPr>
+          </a:p>
+        </p:txBody>
+      </p:sp>
+      <p:sp>
+        <p:nvSpPr>
+          <p:cNvPr id="11" name="TextBox 10">
+            <a:extLst>
+              <a:ext uri="{FF2B5EF4-FFF2-40B4-BE49-F238E27FC236}">
+                <a16:creationId xmlns:a16="http://schemas.microsoft.com/office/drawing/2014/main" id="{88E0B827-546C-53CC-49B6-3741E4D97B2A}"/>
+              </a:ext>
+            </a:extLst>
+          </p:cNvPr>
+          <p:cNvSpPr txBox="1"/>
+          <p:nvPr/>
+        </p:nvSpPr>
+        <p:spPr>
+          <a:xfrm>
+            <a:off x="2396200" y="4507365"/>
+            <a:ext cx="6612645" cy="973957"/>
+          </a:xfrm>
+          <a:prstGeom prst="rect">
+            <a:avLst/>
+          </a:prstGeom>
+          <a:noFill/>
+          <a:ln w="12700">
+            <a:noFill/>
+          </a:ln>
+        </p:spPr>
+        <p:txBody>
+          <a:bodyPr vert="horz" wrap="square" lIns="144000" tIns="108000" rIns="144000" bIns="108000" rtlCol="0">
+            <a:spAutoFit/>
+          </a:bodyPr>
+          <a:lstStyle/>
+          <a:p>
+            <a:pPr algn="l">
+              <a:lnSpc>
+                <a:spcPct val="115000"/>
+              </a:lnSpc>
+              <a:spcAft>
+                <a:spcPts val="1000"/>
+              </a:spcAft>
+            </a:pPr>
+            <a:r>
+              <a:rPr lang="bg-BG" sz="2200" b="0" dirty="0">
+                <a:effectLst/>
+                <a:latin typeface="Calibri" panose="020F0502020204030204" pitchFamily="34" charset="0"/>
+                <a:ea typeface="Calibri" panose="020F0502020204030204" pitchFamily="34" charset="0"/>
+              </a:rPr>
+              <a:t>Предоставя </a:t>
+            </a:r>
+            <a:r>
+              <a:rPr lang="bg-BG" sz="2200" b="1" dirty="0">
+                <a:effectLst/>
+                <a:latin typeface="Calibri" panose="020F0502020204030204" pitchFamily="34" charset="0"/>
+                <a:ea typeface="Calibri" panose="020F0502020204030204" pitchFamily="34" charset="0"/>
+              </a:rPr>
+              <a:t>търсачка</a:t>
+            </a:r>
+            <a:r>
+              <a:rPr lang="bg-BG" sz="2200" b="0" dirty="0">
+                <a:effectLst/>
+                <a:latin typeface="Calibri" panose="020F0502020204030204" pitchFamily="34" charset="0"/>
+                <a:ea typeface="Calibri" panose="020F0502020204030204" pitchFamily="34" charset="0"/>
+              </a:rPr>
+              <a:t> и помага за </a:t>
+            </a:r>
+            <a:r>
+              <a:rPr lang="bg-BG" sz="2200" b="1" dirty="0">
+                <a:effectLst/>
+                <a:latin typeface="Calibri" panose="020F0502020204030204" pitchFamily="34" charset="0"/>
+                <a:ea typeface="Calibri" panose="020F0502020204030204" pitchFamily="34" charset="0"/>
+              </a:rPr>
+              <a:t>намирането</a:t>
+            </a:r>
+            <a:r>
+              <a:rPr lang="bg-BG" sz="2200" b="0" dirty="0">
+                <a:effectLst/>
+                <a:latin typeface="Calibri" panose="020F0502020204030204" pitchFamily="34" charset="0"/>
+                <a:ea typeface="Calibri" panose="020F0502020204030204" pitchFamily="34" charset="0"/>
+              </a:rPr>
+              <a:t> на </a:t>
+            </a:r>
+            <a:r>
+              <a:rPr lang="bg-BG" sz="2200" b="1" dirty="0">
+                <a:effectLst/>
+                <a:latin typeface="Calibri" panose="020F0502020204030204" pitchFamily="34" charset="0"/>
+                <a:ea typeface="Calibri" panose="020F0502020204030204" pitchFamily="34" charset="0"/>
+              </a:rPr>
+              <a:t>информация</a:t>
+            </a:r>
+            <a:endParaRPr lang="en-BG" sz="2200" b="1" dirty="0">
+              <a:effectLst/>
+              <a:latin typeface="Calibri" panose="020F0502020204030204" pitchFamily="34" charset="0"/>
+              <a:ea typeface="Calibri" panose="020F0502020204030204" pitchFamily="34" charset="0"/>
+            </a:endParaRPr>
+          </a:p>
+        </p:txBody>
+      </p:sp>
+      <p:sp>
+        <p:nvSpPr>
+          <p:cNvPr id="12" name="TextBox 11">
+            <a:extLst>
+              <a:ext uri="{FF2B5EF4-FFF2-40B4-BE49-F238E27FC236}">
+                <a16:creationId xmlns:a16="http://schemas.microsoft.com/office/drawing/2014/main" id="{4AEA4A3A-007D-BD69-50F8-C00915CB3D51}"/>
+              </a:ext>
+            </a:extLst>
+          </p:cNvPr>
+          <p:cNvSpPr txBox="1"/>
+          <p:nvPr/>
+        </p:nvSpPr>
+        <p:spPr>
+          <a:xfrm>
+            <a:off x="2396200" y="3720839"/>
+            <a:ext cx="6605520" cy="973957"/>
+          </a:xfrm>
+          <a:prstGeom prst="rect">
+            <a:avLst/>
+          </a:prstGeom>
+          <a:noFill/>
+          <a:ln w="12700">
+            <a:noFill/>
+          </a:ln>
+        </p:spPr>
+        <p:txBody>
+          <a:bodyPr vert="horz" wrap="square" lIns="144000" tIns="108000" rIns="144000" bIns="108000" rtlCol="0">
+            <a:spAutoFit/>
+          </a:bodyPr>
+          <a:lstStyle/>
+          <a:p>
+            <a:pPr algn="l">
+              <a:lnSpc>
+                <a:spcPct val="115000"/>
+              </a:lnSpc>
+              <a:spcAft>
+                <a:spcPts val="1000"/>
+              </a:spcAft>
+            </a:pPr>
+            <a:r>
+              <a:rPr lang="bg-BG" sz="2200" b="0" dirty="0">
+                <a:effectLst/>
+              </a:rPr>
+              <a:t>Осигурява </a:t>
+            </a:r>
+            <a:r>
+              <a:rPr lang="bg-BG" sz="2200" b="1" dirty="0">
+                <a:effectLst/>
+              </a:rPr>
+              <a:t>онлайн достъп </a:t>
+            </a:r>
+            <a:r>
+              <a:rPr lang="bg-BG" sz="2200" b="0" dirty="0">
+                <a:effectLst/>
+              </a:rPr>
+              <a:t>до </a:t>
+            </a:r>
+            <a:r>
+              <a:rPr lang="bg-BG" sz="2200" b="1" dirty="0">
+                <a:effectLst/>
+              </a:rPr>
+              <a:t>оценки</a:t>
+            </a:r>
+            <a:r>
+              <a:rPr lang="bg-BG" sz="2200" b="0" dirty="0">
+                <a:effectLst/>
+              </a:rPr>
+              <a:t>, </a:t>
+            </a:r>
+            <a:r>
+              <a:rPr lang="bg-BG" sz="2200" b="1" dirty="0">
+                <a:effectLst/>
+              </a:rPr>
+              <a:t>отсъствия</a:t>
+            </a:r>
+            <a:r>
+              <a:rPr lang="bg-BG" sz="2200" b="0" dirty="0">
+                <a:effectLst/>
+              </a:rPr>
+              <a:t> и </a:t>
+            </a:r>
+            <a:r>
+              <a:rPr lang="bg-BG" sz="2200" b="1" dirty="0">
+                <a:effectLst/>
+              </a:rPr>
+              <a:t>съобщения</a:t>
+            </a:r>
+            <a:endParaRPr lang="en-BG" sz="2200" b="1" dirty="0">
+              <a:effectLst/>
+              <a:latin typeface="Calibri" panose="020F0502020204030204" pitchFamily="34" charset="0"/>
+              <a:ea typeface="Calibri" panose="020F0502020204030204" pitchFamily="34" charset="0"/>
+            </a:endParaRPr>
+          </a:p>
+        </p:txBody>
+      </p:sp>
+      <p:sp>
+        <p:nvSpPr>
+          <p:cNvPr id="13" name="TextBox 12">
+            <a:extLst>
+              <a:ext uri="{FF2B5EF4-FFF2-40B4-BE49-F238E27FC236}">
+                <a16:creationId xmlns:a16="http://schemas.microsoft.com/office/drawing/2014/main" id="{E8D9C000-4B78-5324-1694-9DBB45019BAD}"/>
+              </a:ext>
+            </a:extLst>
+          </p:cNvPr>
+          <p:cNvSpPr txBox="1"/>
+          <p:nvPr/>
+        </p:nvSpPr>
+        <p:spPr>
+          <a:xfrm>
+            <a:off x="2479306" y="5488089"/>
+            <a:ext cx="6612645" cy="584620"/>
+          </a:xfrm>
+          <a:prstGeom prst="rect">
+            <a:avLst/>
+          </a:prstGeom>
+          <a:noFill/>
+          <a:ln w="12700">
+            <a:noFill/>
+          </a:ln>
+        </p:spPr>
+        <p:txBody>
+          <a:bodyPr vert="horz" wrap="square" lIns="144000" tIns="108000" rIns="144000" bIns="108000" rtlCol="0">
+            <a:spAutoFit/>
+          </a:bodyPr>
+          <a:lstStyle/>
+          <a:p>
+            <a:pPr algn="l">
+              <a:lnSpc>
+                <a:spcPct val="115000"/>
+              </a:lnSpc>
+              <a:spcAft>
+                <a:spcPts val="1000"/>
+              </a:spcAft>
+            </a:pPr>
+            <a:r>
+              <a:rPr lang="en-US" sz="2200" b="1" dirty="0">
+                <a:effectLst/>
+              </a:rPr>
+              <a:t>AI </a:t>
+            </a:r>
+            <a:r>
+              <a:rPr lang="bg-BG" sz="2200" b="1" dirty="0">
+                <a:effectLst/>
+              </a:rPr>
+              <a:t>платформа </a:t>
+            </a:r>
+            <a:r>
+              <a:rPr lang="bg-BG" sz="2200" b="0" dirty="0">
+                <a:effectLst/>
+              </a:rPr>
+              <a:t>за </a:t>
+            </a:r>
+            <a:r>
+              <a:rPr lang="bg-BG" sz="2200" b="1" dirty="0">
+                <a:effectLst/>
+              </a:rPr>
+              <a:t>писане</a:t>
+            </a:r>
+            <a:r>
+              <a:rPr lang="bg-BG" sz="2200" b="0" dirty="0">
+                <a:effectLst/>
+              </a:rPr>
+              <a:t>, </a:t>
+            </a:r>
+            <a:r>
+              <a:rPr lang="bg-BG" sz="2200" b="1" dirty="0">
+                <a:effectLst/>
+              </a:rPr>
+              <a:t>помощ</a:t>
+            </a:r>
+            <a:r>
+              <a:rPr lang="bg-BG" sz="2200" b="0" dirty="0">
+                <a:effectLst/>
+              </a:rPr>
+              <a:t> и </a:t>
+            </a:r>
+            <a:r>
+              <a:rPr lang="bg-BG" sz="2200" b="1" dirty="0">
+                <a:effectLst/>
+              </a:rPr>
+              <a:t>обучение</a:t>
+            </a:r>
+            <a:endParaRPr lang="en-BG" sz="2200" b="1" dirty="0">
+              <a:effectLst/>
+              <a:latin typeface="Calibri" panose="020F0502020204030204" pitchFamily="34" charset="0"/>
+              <a:ea typeface="Calibri" panose="020F0502020204030204" pitchFamily="34" charset="0"/>
+            </a:endParaRPr>
+          </a:p>
+        </p:txBody>
+      </p:sp>
+    </p:spTree>
+    <p:extLst>
+      <p:ext uri="{BB962C8B-B14F-4D97-AF65-F5344CB8AC3E}">
+        <p14:creationId xmlns:p14="http://schemas.microsoft.com/office/powerpoint/2010/main" val="2677409893"/>
+      </p:ext>
+    </p:extLst>
+  </p:cSld>
+  <p:clrMapOvr>
+    <a:masterClrMapping/>
+  </p:clrMapOvr>
+  <mc:AlternateContent xmlns:mc="http://schemas.openxmlformats.org/markup-compatibility/2006" xmlns:p14="http://schemas.microsoft.com/office/powerpoint/2010/main">
+    <mc:Choice Requires="p14">
+      <p:transition spd="slow" p14:dur="2000" advClick="0" advTm="5000"/>
+    </mc:Choice>
+    <mc:Fallback xmlns="">
+      <p:transition spd="slow" advClick="0" advTm="5000"/>
+    </mc:Fallback>
+  </mc:AlternateContent>
+  <p:timing>
+    <p:tnLst>
+      <p:par>
+        <p:cTn id="1" dur="indefinite" restart="never" nodeType="tmRoot">
+          <p:childTnLst>
+            <p:seq concurrent="1" nextAc="seek">
+              <p:cTn id="2" dur="indefinite" nodeType="mainSeq">
+                <p:childTnLst>
+                  <p:par>
+                    <p:cTn id="3" fill="hold">
+                      <p:stCondLst>
+                        <p:cond delay="indefinite"/>
+                      </p:stCondLst>
+                      <p:childTnLst>
+                        <p:par>
+                          <p:cTn id="4" fill="hold">
+                            <p:stCondLst>
+                              <p:cond delay="0"/>
+                            </p:stCondLst>
+                            <p:childTnLst>
+                              <p:par>
+                                <p:cTn id="5" presetID="1" presetClass="entr" presetSubtype="0" fill="hold" nodeType="clickEffect">
+                                  <p:stCondLst>
+                                    <p:cond delay="0"/>
+                                  </p:stCondLst>
+                                  <p:childTnLst>
+                                    <p:set>
+                                      <p:cBhvr>
+                                        <p:cTn id="6" dur="1" fill="hold">
+                                          <p:stCondLst>
+                                            <p:cond delay="0"/>
+                                          </p:stCondLst>
+                                        </p:cTn>
+                                        <p:tgtEl>
+                                          <p:spTgt spid="7"/>
+                                        </p:tgtEl>
+                                        <p:attrNameLst>
+                                          <p:attrName>style.visibility</p:attrName>
+                                        </p:attrNameLst>
+                                      </p:cBhvr>
+                                      <p:to>
+                                        <p:strVal val="visible"/>
+                                      </p:to>
+                                    </p:set>
+                                  </p:childTnLst>
+                                </p:cTn>
+                              </p:par>
+                            </p:childTnLst>
+                          </p:cTn>
+                        </p:par>
+                      </p:childTnLst>
+                    </p:cTn>
+                  </p:par>
+                  <p:par>
+                    <p:cTn id="7" fill="hold">
+                      <p:stCondLst>
+                        <p:cond delay="indefinite"/>
+                      </p:stCondLst>
+                      <p:childTnLst>
+                        <p:par>
+                          <p:cTn id="8" fill="hold">
+                            <p:stCondLst>
+                              <p:cond delay="0"/>
+                            </p:stCondLst>
+                            <p:childTnLst>
+                              <p:par>
+                                <p:cTn id="9" presetID="1" presetClass="entr" presetSubtype="0" fill="hold" grpId="0" nodeType="clickEffect">
+                                  <p:stCondLst>
+                                    <p:cond delay="0"/>
+                                  </p:stCondLst>
+                                  <p:childTnLst>
+                                    <p:set>
+                                      <p:cBhvr>
+                                        <p:cTn id="10" dur="1" fill="hold">
+                                          <p:stCondLst>
+                                            <p:cond delay="0"/>
+                                          </p:stCondLst>
+                                        </p:cTn>
+                                        <p:tgtEl>
+                                          <p:spTgt spid="3"/>
+                                        </p:tgtEl>
+                                        <p:attrNameLst>
+                                          <p:attrName>style.visibility</p:attrName>
+                                        </p:attrNameLst>
+                                      </p:cBhvr>
+                                      <p:to>
+                                        <p:strVal val="visible"/>
+                                      </p:to>
+                                    </p:set>
+                                  </p:childTnLst>
+                                </p:cTn>
+                              </p:par>
+                            </p:childTnLst>
+                          </p:cTn>
+                        </p:par>
+                      </p:childTnLst>
+                    </p:cTn>
+                  </p:par>
+                  <p:par>
+                    <p:cTn id="11" fill="hold">
+                      <p:stCondLst>
+                        <p:cond delay="indefinite"/>
+                      </p:stCondLst>
+                      <p:childTnLst>
+                        <p:par>
+                          <p:cTn id="12" fill="hold">
+                            <p:stCondLst>
+                              <p:cond delay="0"/>
+                            </p:stCondLst>
+                            <p:childTnLst>
+                              <p:par>
+                                <p:cTn id="13" presetID="1" presetClass="entr" presetSubtype="0" fill="hold" grpId="0" nodeType="clickEffect">
+                                  <p:stCondLst>
+                                    <p:cond delay="0"/>
+                                  </p:stCondLst>
+                                  <p:childTnLst>
+                                    <p:set>
+                                      <p:cBhvr>
+                                        <p:cTn id="14" dur="1" fill="hold">
+                                          <p:stCondLst>
+                                            <p:cond delay="0"/>
+                                          </p:stCondLst>
+                                        </p:cTn>
+                                        <p:tgtEl>
+                                          <p:spTgt spid="10"/>
+                                        </p:tgtEl>
+                                        <p:attrNameLst>
+                                          <p:attrName>style.visibility</p:attrName>
+                                        </p:attrNameLst>
+                                      </p:cBhvr>
+                                      <p:to>
+                                        <p:strVal val="visible"/>
+                                      </p:to>
+                                    </p:set>
+                                  </p:childTnLst>
+                                </p:cTn>
+                              </p:par>
+                            </p:childTnLst>
+                          </p:cTn>
+                        </p:par>
+                      </p:childTnLst>
+                    </p:cTn>
+                  </p:par>
+                  <p:par>
+                    <p:cTn id="15" fill="hold">
+                      <p:stCondLst>
+                        <p:cond delay="indefinite"/>
+                      </p:stCondLst>
+                      <p:childTnLst>
+                        <p:par>
+                          <p:cTn id="16" fill="hold">
+                            <p:stCondLst>
+                              <p:cond delay="0"/>
+                            </p:stCondLst>
+                            <p:childTnLst>
+                              <p:par>
+                                <p:cTn id="17" presetID="1" presetClass="entr" presetSubtype="0" fill="hold" grpId="0" nodeType="clickEffect">
+                                  <p:stCondLst>
+                                    <p:cond delay="0"/>
+                                  </p:stCondLst>
+                                  <p:childTnLst>
+                                    <p:set>
+                                      <p:cBhvr>
+                                        <p:cTn id="18" dur="1" fill="hold">
+                                          <p:stCondLst>
+                                            <p:cond delay="0"/>
+                                          </p:stCondLst>
+                                        </p:cTn>
+                                        <p:tgtEl>
+                                          <p:spTgt spid="9"/>
+                                        </p:tgtEl>
+                                        <p:attrNameLst>
+                                          <p:attrName>style.visibility</p:attrName>
+                                        </p:attrNameLst>
+                                      </p:cBhvr>
+                                      <p:to>
+                                        <p:strVal val="visible"/>
+                                      </p:to>
+                                    </p:set>
+                                  </p:childTnLst>
+                                </p:cTn>
+                              </p:par>
+                            </p:childTnLst>
+                          </p:cTn>
+                        </p:par>
+                      </p:childTnLst>
+                    </p:cTn>
+                  </p:par>
+                  <p:par>
+                    <p:cTn id="19" fill="hold">
+                      <p:stCondLst>
+                        <p:cond delay="indefinite"/>
+                      </p:stCondLst>
+                      <p:childTnLst>
+                        <p:par>
+                          <p:cTn id="20" fill="hold">
+                            <p:stCondLst>
+                              <p:cond delay="0"/>
+                            </p:stCondLst>
+                            <p:childTnLst>
+                              <p:par>
+                                <p:cTn id="21" presetID="1" presetClass="entr" presetSubtype="0" fill="hold" grpId="0" nodeType="clickEffect">
+                                  <p:stCondLst>
+                                    <p:cond delay="0"/>
+                                  </p:stCondLst>
+                                  <p:childTnLst>
+                                    <p:set>
+                                      <p:cBhvr>
+                                        <p:cTn id="22" dur="1" fill="hold">
+                                          <p:stCondLst>
+                                            <p:cond delay="0"/>
+                                          </p:stCondLst>
+                                        </p:cTn>
+                                        <p:tgtEl>
+                                          <p:spTgt spid="12"/>
+                                        </p:tgtEl>
+                                        <p:attrNameLst>
+                                          <p:attrName>style.visibility</p:attrName>
+                                        </p:attrNameLst>
+                                      </p:cBhvr>
+                                      <p:to>
+                                        <p:strVal val="visible"/>
+                                      </p:to>
+                                    </p:set>
+                                  </p:childTnLst>
+                                </p:cTn>
+                              </p:par>
+                            </p:childTnLst>
+                          </p:cTn>
+                        </p:par>
+                      </p:childTnLst>
+                    </p:cTn>
+                  </p:par>
+                  <p:par>
+                    <p:cTn id="23" fill="hold">
+                      <p:stCondLst>
+                        <p:cond delay="indefinite"/>
+                      </p:stCondLst>
+                      <p:childTnLst>
+                        <p:par>
+                          <p:cTn id="24" fill="hold">
+                            <p:stCondLst>
+                              <p:cond delay="0"/>
+                            </p:stCondLst>
+                            <p:childTnLst>
+                              <p:par>
+                                <p:cTn id="25" presetID="1" presetClass="entr" presetSubtype="0" fill="hold" grpId="0" nodeType="clickEffect">
+                                  <p:stCondLst>
+                                    <p:cond delay="0"/>
+                                  </p:stCondLst>
+                                  <p:childTnLst>
+                                    <p:set>
+                                      <p:cBhvr>
+                                        <p:cTn id="26" dur="1" fill="hold">
+                                          <p:stCondLst>
+                                            <p:cond delay="0"/>
+                                          </p:stCondLst>
+                                        </p:cTn>
+                                        <p:tgtEl>
+                                          <p:spTgt spid="8"/>
+                                        </p:tgtEl>
+                                        <p:attrNameLst>
+                                          <p:attrName>style.visibility</p:attrName>
+                                        </p:attrNameLst>
+                                      </p:cBhvr>
+                                      <p:to>
+                                        <p:strVal val="visible"/>
+                                      </p:to>
+                                    </p:set>
+                                  </p:childTnLst>
+                                </p:cTn>
+                              </p:par>
+                            </p:childTnLst>
+                          </p:cTn>
+                        </p:par>
+                      </p:childTnLst>
+                    </p:cTn>
+                  </p:par>
+                  <p:par>
+                    <p:cTn id="27" fill="hold">
+                      <p:stCondLst>
+                        <p:cond delay="indefinite"/>
+                      </p:stCondLst>
+                      <p:childTnLst>
+                        <p:par>
+                          <p:cTn id="28" fill="hold">
+                            <p:stCondLst>
+                              <p:cond delay="0"/>
+                            </p:stCondLst>
+                            <p:childTnLst>
+                              <p:par>
+                                <p:cTn id="29" presetID="1" presetClass="entr" presetSubtype="0" fill="hold" grpId="0" nodeType="clickEffect">
+                                  <p:stCondLst>
+                                    <p:cond delay="0"/>
+                                  </p:stCondLst>
+                                  <p:childTnLst>
+                                    <p:set>
+                                      <p:cBhvr>
+                                        <p:cTn id="30" dur="1" fill="hold">
+                                          <p:stCondLst>
+                                            <p:cond delay="0"/>
+                                          </p:stCondLst>
+                                        </p:cTn>
+                                        <p:tgtEl>
+                                          <p:spTgt spid="11"/>
+                                        </p:tgtEl>
+                                        <p:attrNameLst>
+                                          <p:attrName>style.visibility</p:attrName>
+                                        </p:attrNameLst>
+                                      </p:cBhvr>
+                                      <p:to>
+                                        <p:strVal val="visible"/>
+                                      </p:to>
+                                    </p:set>
+                                  </p:childTnLst>
+                                </p:cTn>
+                              </p:par>
+                            </p:childTnLst>
+                          </p:cTn>
+                        </p:par>
+                      </p:childTnLst>
+                    </p:cTn>
+                  </p:par>
+                  <p:par>
+                    <p:cTn id="31" fill="hold">
+                      <p:stCondLst>
+                        <p:cond delay="indefinite"/>
+                      </p:stCondLst>
+                      <p:childTnLst>
+                        <p:par>
+                          <p:cTn id="32" fill="hold">
+                            <p:stCondLst>
+                              <p:cond delay="0"/>
+                            </p:stCondLst>
+                            <p:childTnLst>
+                              <p:par>
+                                <p:cTn id="33" presetID="1" presetClass="entr" presetSubtype="0" fill="hold" grpId="0" nodeType="clickEffect">
+                                  <p:stCondLst>
+                                    <p:cond delay="0"/>
+                                  </p:stCondLst>
+                                  <p:childTnLst>
+                                    <p:set>
+                                      <p:cBhvr>
+                                        <p:cTn id="34" dur="1" fill="hold">
+                                          <p:stCondLst>
+                                            <p:cond delay="0"/>
+                                          </p:stCondLst>
+                                        </p:cTn>
+                                        <p:tgtEl>
+                                          <p:spTgt spid="4"/>
+                                        </p:tgtEl>
+                                        <p:attrNameLst>
+                                          <p:attrName>style.visibility</p:attrName>
+                                        </p:attrNameLst>
+                                      </p:cBhvr>
+                                      <p:to>
+                                        <p:strVal val="visible"/>
+                                      </p:to>
+                                    </p:set>
+                                  </p:childTnLst>
+                                </p:cTn>
+                              </p:par>
+                            </p:childTnLst>
+                          </p:cTn>
+                        </p:par>
+                      </p:childTnLst>
+                    </p:cTn>
+                  </p:par>
+                  <p:par>
+                    <p:cTn id="35" fill="hold">
+                      <p:stCondLst>
+                        <p:cond delay="indefinite"/>
+                      </p:stCondLst>
+                      <p:childTnLst>
+                        <p:par>
+                          <p:cTn id="36" fill="hold">
+                            <p:stCondLst>
+                              <p:cond delay="0"/>
+                            </p:stCondLst>
+                            <p:childTnLst>
+                              <p:par>
+                                <p:cTn id="37" presetID="1" presetClass="entr" presetSubtype="0" fill="hold" grpId="0" nodeType="clickEffect">
+                                  <p:stCondLst>
+                                    <p:cond delay="0"/>
+                                  </p:stCondLst>
+                                  <p:childTnLst>
+                                    <p:set>
+                                      <p:cBhvr>
+                                        <p:cTn id="38" dur="1" fill="hold">
+                                          <p:stCondLst>
+                                            <p:cond delay="0"/>
+                                          </p:stCondLst>
+                                        </p:cTn>
+                                        <p:tgtEl>
+                                          <p:spTgt spid="13"/>
+                                        </p:tgtEl>
+                                        <p:attrNameLst>
+                                          <p:attrName>style.visibility</p:attrName>
+                                        </p:attrNameLst>
+                                      </p:cBhvr>
+                                      <p:to>
+                                        <p:strVal val="visible"/>
+                                      </p:to>
+                                    </p:set>
+                                  </p:childTnLst>
+                                </p:cTn>
+                              </p:par>
+                            </p:childTnLst>
+                          </p:cTn>
+                        </p:par>
+                      </p:childTnLst>
+                    </p:cTn>
+                  </p:par>
+                </p:childTnLst>
+              </p:cTn>
+              <p:prevCondLst>
+                <p:cond evt="onPrev" delay="0">
+                  <p:tgtEl>
+                    <p:sldTgt/>
+                  </p:tgtEl>
+                </p:cond>
+              </p:prevCondLst>
+              <p:nextCondLst>
+                <p:cond evt="onNext" delay="0">
+                  <p:tgtEl>
+                    <p:sldTgt/>
+                  </p:tgtEl>
+                </p:cond>
+              </p:nextCondLst>
+            </p:seq>
+          </p:childTnLst>
+        </p:cTn>
+      </p:par>
+    </p:tnLst>
+    <p:bldLst>
+      <p:bldP spid="3" grpId="0"/>
+      <p:bldP spid="4" grpId="0"/>
+      <p:bldP spid="8" grpId="0"/>
+      <p:bldP spid="9" grpId="0"/>
+      <p:bldP spid="10" grpId="0"/>
+      <p:bldP spid="11" grpId="0"/>
+      <p:bldP spid="12" grpId="0"/>
+      <p:bldP spid="13" grpId="0"/>
+    </p:bldLst>
+  </p:timing>
+</p:sld>
+</file>
+
+<file path=ppt/slides/slide37.xml><?xml version="1.0" encoding="utf-8"?>
+<p:sld xmlns:a="http://schemas.openxmlformats.org/drawingml/2006/main" xmlns:r="http://schemas.openxmlformats.org/officeDocument/2006/relationships" xmlns:p="http://schemas.openxmlformats.org/presentationml/2006/main">
+  <p:cSld>
+    <p:spTree>
+      <p:nvGrpSpPr>
+        <p:cNvPr id="1" name=""/>
+        <p:cNvGrpSpPr/>
+        <p:nvPr/>
+      </p:nvGrpSpPr>
+      <p:grpSpPr>
+        <a:xfrm>
+          <a:off x="0" y="0"/>
+          <a:ext cx="0" cy="0"/>
+          <a:chOff x="0" y="0"/>
+          <a:chExt cx="0" cy="0"/>
+        </a:xfrm>
+      </p:grpSpPr>
+      <p:sp>
+        <p:nvSpPr>
+          <p:cNvPr id="2" name="Slide Number Placeholder 1">
+            <a:extLst>
+              <a:ext uri="{FF2B5EF4-FFF2-40B4-BE49-F238E27FC236}">
+                <a16:creationId xmlns:a16="http://schemas.microsoft.com/office/drawing/2014/main" id="{3CFF77AF-1244-5C56-2322-474024354B36}"/>
+              </a:ext>
+            </a:extLst>
+          </p:cNvPr>
+          <p:cNvSpPr>
+            <a:spLocks noGrp="1"/>
+          </p:cNvSpPr>
+          <p:nvPr>
+            <p:ph type="sldNum" sz="quarter" idx="5"/>
+          </p:nvPr>
+        </p:nvSpPr>
+        <p:spPr/>
+        <p:txBody>
+          <a:bodyPr/>
+          <a:lstStyle/>
+          <a:p>
+            <a:fld id="{2BF067CD-8E6B-4360-9AA8-C5DF2A48A6D1}" type="slidenum">
+              <a:rPr lang="en-US" noProof="0" smtClean="0"/>
+              <a:pPr/>
+              <a:t>37</a:t>
+            </a:fld>
+            <a:endParaRPr lang="en-US" noProof="0" dirty="0"/>
+          </a:p>
+        </p:txBody>
+      </p:sp>
+      <p:sp>
+        <p:nvSpPr>
+          <p:cNvPr id="5" name="Text Placeholder 4">
+            <a:extLst>
+              <a:ext uri="{FF2B5EF4-FFF2-40B4-BE49-F238E27FC236}">
+                <a16:creationId xmlns:a16="http://schemas.microsoft.com/office/drawing/2014/main" id="{1E19CEF1-68D1-DFE8-9B07-7B5EEAD7F863}"/>
+              </a:ext>
+            </a:extLst>
+          </p:cNvPr>
+          <p:cNvSpPr>
+            <a:spLocks noGrp="1"/>
+          </p:cNvSpPr>
+          <p:nvPr>
+            <p:ph type="body" sz="quarter" idx="10"/>
+          </p:nvPr>
+        </p:nvSpPr>
+        <p:spPr>
+          <a:xfrm>
+            <a:off x="190402" y="1196125"/>
+            <a:ext cx="11818096" cy="5528766"/>
+          </a:xfrm>
+        </p:spPr>
+        <p:txBody>
+          <a:bodyPr/>
+          <a:lstStyle/>
+          <a:p>
+            <a:r>
+              <a:rPr lang="bg-BG" b="1" dirty="0"/>
+              <a:t>Коя</a:t>
+            </a:r>
+            <a:r>
+              <a:rPr lang="bg-BG" dirty="0"/>
+              <a:t> е </a:t>
+            </a:r>
+            <a:r>
+              <a:rPr lang="bg-BG" b="1" dirty="0"/>
+              <a:t>аудиторията</a:t>
+            </a:r>
+            <a:r>
+              <a:rPr lang="bg-BG" dirty="0"/>
+              <a:t>, към която е насочен уеб сайта</a:t>
+            </a:r>
+            <a:endParaRPr lang="en-BG" dirty="0"/>
+          </a:p>
+        </p:txBody>
+      </p:sp>
+      <p:sp>
+        <p:nvSpPr>
+          <p:cNvPr id="6" name="Title 3">
+            <a:extLst>
+              <a:ext uri="{FF2B5EF4-FFF2-40B4-BE49-F238E27FC236}">
+                <a16:creationId xmlns:a16="http://schemas.microsoft.com/office/drawing/2014/main" id="{3FE571EC-DC55-1E76-6D00-A4F5E4AFE059}"/>
+              </a:ext>
+            </a:extLst>
+          </p:cNvPr>
+          <p:cNvSpPr>
+            <a:spLocks noGrp="1"/>
+          </p:cNvSpPr>
+          <p:nvPr>
+            <p:ph type="title"/>
+          </p:nvPr>
+        </p:nvSpPr>
+        <p:spPr>
+          <a:xfrm>
+            <a:off x="190406" y="100750"/>
+            <a:ext cx="10270594" cy="882654"/>
+          </a:xfrm>
+        </p:spPr>
+        <p:txBody>
+          <a:bodyPr/>
+          <a:lstStyle/>
+          <a:p>
+            <a:r>
+              <a:rPr lang="bg-BG" dirty="0"/>
+              <a:t>Определяне на целева група на уеб сайта</a:t>
+            </a:r>
+            <a:endParaRPr lang="en-BG" dirty="0"/>
+          </a:p>
+        </p:txBody>
+      </p:sp>
+      <p:graphicFrame>
+        <p:nvGraphicFramePr>
+          <p:cNvPr id="7" name="Table 6">
+            <a:extLst>
+              <a:ext uri="{FF2B5EF4-FFF2-40B4-BE49-F238E27FC236}">
+                <a16:creationId xmlns:a16="http://schemas.microsoft.com/office/drawing/2014/main" id="{C29588D7-9DE5-777E-19F2-9EEC94A55818}"/>
+              </a:ext>
+            </a:extLst>
+          </p:cNvPr>
+          <p:cNvGraphicFramePr>
+            <a:graphicFrameLocks noGrp="1"/>
+          </p:cNvGraphicFramePr>
+          <p:nvPr>
+            <p:extLst>
+              <p:ext uri="{D42A27DB-BD31-4B8C-83A1-F6EECF244321}">
+                <p14:modId xmlns:p14="http://schemas.microsoft.com/office/powerpoint/2010/main" val="1584703688"/>
+              </p:ext>
+            </p:extLst>
+          </p:nvPr>
+        </p:nvGraphicFramePr>
+        <p:xfrm>
+          <a:off x="490080" y="2124000"/>
+          <a:ext cx="11211840" cy="4141867"/>
         </p:xfrm>
         <a:graphic>
           <a:graphicData uri="http://schemas.openxmlformats.org/drawingml/2006/table">
@@ -27990,14 +29759,14 @@
                     </a:ext>
                   </a:extLst>
                 </a:gridCol>
-                <a:gridCol w="2340000">
+                <a:gridCol w="3934080">
                   <a:extLst>
                     <a:ext uri="{9D8B030D-6E8A-4147-A177-3AD203B41FA5}">
                       <a16:colId xmlns:a16="http://schemas.microsoft.com/office/drawing/2014/main" val="3761518300"/>
                     </a:ext>
                   </a:extLst>
                 </a:gridCol>
-                <a:gridCol w="3060000">
+                <a:gridCol w="1465920">
                   <a:extLst>
                     <a:ext uri="{9D8B030D-6E8A-4147-A177-3AD203B41FA5}">
                       <a16:colId xmlns:a16="http://schemas.microsoft.com/office/drawing/2014/main" val="1399144962"/>
@@ -28201,7 +29970,7 @@
                       </a:pPr>
                       <a:r>
                         <a:rPr lang="en-US" sz="2000" dirty="0">
-                          <a:hlinkClick r:id="rId3"/>
+                          <a:hlinkClick r:id="rId2"/>
                         </a:rPr>
                         <a:t>mon.bg</a:t>
                       </a:r>
@@ -28280,15 +30049,9 @@
                         <a:rPr lang="bg-BG" sz="2000" b="1" dirty="0">
                           <a:effectLst/>
                         </a:rPr>
-                        <a:t>образованието </a:t>
+                        <a:t>образованието</a:t>
                       </a:r>
-                      <a:r>
-                        <a:rPr lang="bg-BG" sz="2000" b="0" dirty="0">
-                          <a:effectLst/>
-                        </a:rPr>
-                        <a:t>в България</a:t>
-                      </a:r>
-                      <a:endParaRPr lang="en-BG" sz="2000" b="0" dirty="0">
+                      <a:endParaRPr lang="en-BG" sz="2000" b="1" dirty="0">
                         <a:effectLst/>
                         <a:latin typeface="Calibri" panose="020F0502020204030204" pitchFamily="34" charset="0"/>
                         <a:ea typeface="Calibri" panose="020F0502020204030204" pitchFamily="34" charset="0"/>
@@ -28393,7 +30156,7 @@
                       </a:pPr>
                       <a:r>
                         <a:rPr lang="en-US" sz="2000" dirty="0">
-                          <a:hlinkClick r:id="rId4"/>
+                          <a:hlinkClick r:id="rId3"/>
                         </a:rPr>
                         <a:t>shkolo.bg</a:t>
                       </a:r>
@@ -28575,7 +30338,7 @@
                       </a:pPr>
                       <a:r>
                         <a:rPr lang="en-GB" sz="2000" dirty="0">
-                          <a:hlinkClick r:id="rId5"/>
+                          <a:hlinkClick r:id="rId4"/>
                         </a:rPr>
                         <a:t>google.com</a:t>
                       </a:r>
@@ -28757,7 +30520,7 @@
                       </a:pPr>
                       <a:r>
                         <a:rPr lang="en-US" sz="2000" dirty="0">
-                          <a:hlinkClick r:id="rId6"/>
+                          <a:hlinkClick r:id="rId5"/>
                         </a:rPr>
                         <a:t>chatgpt.com</a:t>
                       </a:r>
@@ -28787,22 +30550,22 @@
                         </a:spcAft>
                       </a:pPr>
                       <a:r>
-                        <a:rPr lang="bg-BG" sz="2000" b="0" dirty="0">
+                        <a:rPr lang="en-US" sz="2000" b="1" dirty="0">
                           <a:effectLst/>
                         </a:rPr>
-                        <a:t>Платформа за ... </a:t>
+                        <a:t>AI </a:t>
                       </a:r>
                       <a:r>
                         <a:rPr lang="bg-BG" sz="2000" b="1" dirty="0">
                           <a:effectLst/>
                         </a:rPr>
-                        <a:t>изкуствен интелект</a:t>
+                        <a:t>платформа </a:t>
                       </a:r>
                       <a:r>
                         <a:rPr lang="bg-BG" sz="2000" b="0" dirty="0">
                           <a:effectLst/>
                         </a:rPr>
-                        <a:t> за </a:t>
+                        <a:t>за </a:t>
                       </a:r>
                       <a:r>
                         <a:rPr lang="bg-BG" sz="2000" b="1" dirty="0">
@@ -28826,7 +30589,7 @@
                         <a:rPr lang="bg-BG" sz="2000" b="0" dirty="0">
                           <a:effectLst/>
                         </a:rPr>
-                        <a:t> и </a:t>
+                        <a:t> и         </a:t>
                       </a:r>
                       <a:r>
                         <a:rPr lang="bg-BG" sz="2000" b="1" dirty="0">
@@ -28918,10 +30681,327 @@
           </a:graphicData>
         </a:graphic>
       </p:graphicFrame>
+      <p:sp>
+        <p:nvSpPr>
+          <p:cNvPr id="3" name="TextBox 2">
+            <a:extLst>
+              <a:ext uri="{FF2B5EF4-FFF2-40B4-BE49-F238E27FC236}">
+                <a16:creationId xmlns:a16="http://schemas.microsoft.com/office/drawing/2014/main" id="{ED4C6F9A-8116-D3CD-FE4D-CDBE0DFC68A8}"/>
+              </a:ext>
+            </a:extLst>
+          </p:cNvPr>
+          <p:cNvSpPr txBox="1"/>
+          <p:nvPr/>
+        </p:nvSpPr>
+        <p:spPr>
+          <a:xfrm>
+            <a:off x="6264290" y="3980874"/>
+            <a:ext cx="4038727" cy="551278"/>
+          </a:xfrm>
+          <a:prstGeom prst="rect">
+            <a:avLst/>
+          </a:prstGeom>
+          <a:noFill/>
+          <a:ln w="12700">
+            <a:noFill/>
+          </a:ln>
+        </p:spPr>
+        <p:txBody>
+          <a:bodyPr vert="horz" wrap="square" lIns="144000" tIns="108000" rIns="144000" bIns="108000" rtlCol="0">
+            <a:spAutoFit/>
+          </a:bodyPr>
+          <a:lstStyle/>
+          <a:p>
+            <a:pPr algn="l">
+              <a:lnSpc>
+                <a:spcPct val="115000"/>
+              </a:lnSpc>
+              <a:spcAft>
+                <a:spcPts val="1000"/>
+              </a:spcAft>
+            </a:pPr>
+            <a:r>
+              <a:rPr lang="bg-BG" sz="2000" b="0" dirty="0">
+                <a:effectLst/>
+              </a:rPr>
+              <a:t>Учители,</a:t>
+            </a:r>
+            <a:r>
+              <a:rPr lang="en-US" sz="2000" b="0" dirty="0">
+                <a:effectLst/>
+              </a:rPr>
+              <a:t> </a:t>
+            </a:r>
+            <a:r>
+              <a:rPr lang="bg-BG" sz="2000" b="0" dirty="0">
+                <a:effectLst/>
+              </a:rPr>
+              <a:t>ученици,</a:t>
+            </a:r>
+            <a:r>
+              <a:rPr lang="en-US" sz="2000" b="0" dirty="0">
+                <a:effectLst/>
+              </a:rPr>
+              <a:t> </a:t>
+            </a:r>
+            <a:r>
+              <a:rPr lang="bg-BG" sz="2000" b="0" dirty="0">
+                <a:effectLst/>
+              </a:rPr>
+              <a:t>родители</a:t>
+            </a:r>
+            <a:endParaRPr lang="en-BG" sz="2000" b="0" dirty="0">
+              <a:effectLst/>
+              <a:latin typeface="Calibri" panose="020F0502020204030204" pitchFamily="34" charset="0"/>
+              <a:ea typeface="Calibri" panose="020F0502020204030204" pitchFamily="34" charset="0"/>
+            </a:endParaRPr>
+          </a:p>
+        </p:txBody>
+      </p:sp>
+      <p:sp>
+        <p:nvSpPr>
+          <p:cNvPr id="4" name="TextBox 3">
+            <a:extLst>
+              <a:ext uri="{FF2B5EF4-FFF2-40B4-BE49-F238E27FC236}">
+                <a16:creationId xmlns:a16="http://schemas.microsoft.com/office/drawing/2014/main" id="{5DCA3349-1058-2BD3-5DF1-32D981D87D68}"/>
+              </a:ext>
+            </a:extLst>
+          </p:cNvPr>
+          <p:cNvSpPr txBox="1"/>
+          <p:nvPr/>
+        </p:nvSpPr>
+        <p:spPr>
+          <a:xfrm>
+            <a:off x="6287273" y="2924211"/>
+            <a:ext cx="4173727" cy="1248969"/>
+          </a:xfrm>
+          <a:prstGeom prst="rect">
+            <a:avLst/>
+          </a:prstGeom>
+          <a:noFill/>
+          <a:ln w="12700">
+            <a:noFill/>
+          </a:ln>
+        </p:spPr>
+        <p:txBody>
+          <a:bodyPr vert="horz" wrap="square" lIns="144000" tIns="108000" rIns="144000" bIns="108000" rtlCol="0">
+            <a:spAutoFit/>
+          </a:bodyPr>
+          <a:lstStyle/>
+          <a:p>
+            <a:pPr eaLnBrk="0" hangingPunct="0">
+              <a:lnSpc>
+                <a:spcPct val="110000"/>
+              </a:lnSpc>
+              <a:buClr>
+                <a:schemeClr val="accent5">
+                  <a:lumMod val="40000"/>
+                  <a:lumOff val="60000"/>
+                </a:schemeClr>
+              </a:buClr>
+              <a:buSzPct val="70000"/>
+            </a:pPr>
+            <a:r>
+              <a:rPr lang="bg-BG" sz="2000" b="0" dirty="0">
+                <a:effectLst/>
+                <a:latin typeface="Calibri" panose="020F0502020204030204" pitchFamily="34" charset="0"/>
+                <a:cs typeface="Calibri" panose="020F0502020204030204" pitchFamily="34" charset="0"/>
+              </a:rPr>
+              <a:t>Учители, ученици, родители, училищни администрации</a:t>
+            </a:r>
+            <a:endParaRPr lang="en-BG" sz="2000" b="0" dirty="0">
+              <a:effectLst/>
+              <a:latin typeface="Calibri" panose="020F0502020204030204" pitchFamily="34" charset="0"/>
+              <a:ea typeface="Calibri" panose="020F0502020204030204" pitchFamily="34" charset="0"/>
+              <a:cs typeface="Calibri" panose="020F0502020204030204" pitchFamily="34" charset="0"/>
+            </a:endParaRPr>
+          </a:p>
+          <a:p>
+            <a:pPr algn="l" eaLnBrk="0" hangingPunct="0">
+              <a:lnSpc>
+                <a:spcPct val="110000"/>
+              </a:lnSpc>
+              <a:buClr>
+                <a:schemeClr val="accent5">
+                  <a:lumMod val="40000"/>
+                  <a:lumOff val="60000"/>
+                </a:schemeClr>
+              </a:buClr>
+              <a:buSzPct val="70000"/>
+            </a:pPr>
+            <a:endParaRPr lang="en-BG" sz="2200" dirty="0"/>
+          </a:p>
+        </p:txBody>
+      </p:sp>
+      <p:sp>
+        <p:nvSpPr>
+          <p:cNvPr id="8" name="TextBox 7">
+            <a:extLst>
+              <a:ext uri="{FF2B5EF4-FFF2-40B4-BE49-F238E27FC236}">
+                <a16:creationId xmlns:a16="http://schemas.microsoft.com/office/drawing/2014/main" id="{9EB25AC2-C68E-F76B-4224-74F21DC074EA}"/>
+              </a:ext>
+            </a:extLst>
+          </p:cNvPr>
+          <p:cNvSpPr txBox="1"/>
+          <p:nvPr/>
+        </p:nvSpPr>
+        <p:spPr>
+          <a:xfrm>
+            <a:off x="6264290" y="4844353"/>
+            <a:ext cx="3588727" cy="878290"/>
+          </a:xfrm>
+          <a:prstGeom prst="rect">
+            <a:avLst/>
+          </a:prstGeom>
+          <a:noFill/>
+          <a:ln w="12700">
+            <a:noFill/>
+          </a:ln>
+        </p:spPr>
+        <p:txBody>
+          <a:bodyPr vert="horz" wrap="square" lIns="144000" tIns="108000" rIns="144000" bIns="108000" rtlCol="0">
+            <a:spAutoFit/>
+          </a:bodyPr>
+          <a:lstStyle/>
+          <a:p>
+            <a:pPr eaLnBrk="0" hangingPunct="0">
+              <a:lnSpc>
+                <a:spcPct val="110000"/>
+              </a:lnSpc>
+              <a:buClr>
+                <a:schemeClr val="accent5">
+                  <a:lumMod val="40000"/>
+                  <a:lumOff val="60000"/>
+                </a:schemeClr>
+              </a:buClr>
+              <a:buSzPct val="70000"/>
+            </a:pPr>
+            <a:r>
+              <a:rPr lang="bg-BG" sz="2000" b="0" dirty="0">
+                <a:effectLst/>
+                <a:latin typeface="Calibri" panose="020F0502020204030204" pitchFamily="34" charset="0"/>
+                <a:cs typeface="Calibri" panose="020F0502020204030204" pitchFamily="34" charset="0"/>
+              </a:rPr>
+              <a:t>Всички интернет</a:t>
+            </a:r>
+            <a:r>
+              <a:rPr lang="en-US" sz="2000" b="0" dirty="0">
+                <a:effectLst/>
+                <a:latin typeface="Calibri" panose="020F0502020204030204" pitchFamily="34" charset="0"/>
+                <a:cs typeface="Calibri" panose="020F0502020204030204" pitchFamily="34" charset="0"/>
+              </a:rPr>
+              <a:t> </a:t>
+            </a:r>
+            <a:r>
+              <a:rPr lang="bg-BG" sz="2000" b="0" dirty="0">
+                <a:effectLst/>
+                <a:latin typeface="Calibri" panose="020F0502020204030204" pitchFamily="34" charset="0"/>
+                <a:cs typeface="Calibri" panose="020F0502020204030204" pitchFamily="34" charset="0"/>
+              </a:rPr>
+              <a:t>потребители</a:t>
+            </a:r>
+            <a:endParaRPr lang="en-BG" sz="2000" b="0" dirty="0">
+              <a:effectLst/>
+              <a:latin typeface="Calibri" panose="020F0502020204030204" pitchFamily="34" charset="0"/>
+              <a:ea typeface="Calibri" panose="020F0502020204030204" pitchFamily="34" charset="0"/>
+              <a:cs typeface="Calibri" panose="020F0502020204030204" pitchFamily="34" charset="0"/>
+            </a:endParaRPr>
+          </a:p>
+          <a:p>
+            <a:pPr algn="l" eaLnBrk="0" hangingPunct="0">
+              <a:lnSpc>
+                <a:spcPct val="110000"/>
+              </a:lnSpc>
+              <a:buClr>
+                <a:schemeClr val="accent5">
+                  <a:lumMod val="40000"/>
+                  <a:lumOff val="60000"/>
+                </a:schemeClr>
+              </a:buClr>
+              <a:buSzPct val="70000"/>
+            </a:pPr>
+            <a:endParaRPr lang="en-BG" sz="2000" dirty="0"/>
+          </a:p>
+        </p:txBody>
+      </p:sp>
+      <p:sp>
+        <p:nvSpPr>
+          <p:cNvPr id="9" name="TextBox 8">
+            <a:extLst>
+              <a:ext uri="{FF2B5EF4-FFF2-40B4-BE49-F238E27FC236}">
+                <a16:creationId xmlns:a16="http://schemas.microsoft.com/office/drawing/2014/main" id="{4E43E1E3-0981-F019-69F8-102B72DE79B5}"/>
+              </a:ext>
+            </a:extLst>
+          </p:cNvPr>
+          <p:cNvSpPr txBox="1"/>
+          <p:nvPr/>
+        </p:nvSpPr>
+        <p:spPr>
+          <a:xfrm>
+            <a:off x="6290173" y="5416173"/>
+            <a:ext cx="3330000" cy="1281157"/>
+          </a:xfrm>
+          <a:prstGeom prst="rect">
+            <a:avLst/>
+          </a:prstGeom>
+          <a:noFill/>
+          <a:ln w="12700">
+            <a:noFill/>
+          </a:ln>
+        </p:spPr>
+        <p:txBody>
+          <a:bodyPr vert="horz" wrap="square" lIns="144000" tIns="108000" rIns="144000" bIns="108000" rtlCol="0">
+            <a:spAutoFit/>
+          </a:bodyPr>
+          <a:lstStyle/>
+          <a:p>
+            <a:pPr eaLnBrk="0" hangingPunct="0">
+              <a:lnSpc>
+                <a:spcPct val="110000"/>
+              </a:lnSpc>
+              <a:buClr>
+                <a:schemeClr val="accent5">
+                  <a:lumMod val="40000"/>
+                  <a:lumOff val="60000"/>
+                </a:schemeClr>
+              </a:buClr>
+              <a:buSzPct val="70000"/>
+            </a:pPr>
+            <a:r>
+              <a:rPr lang="bg-BG" sz="2000" b="0" dirty="0">
+                <a:effectLst/>
+                <a:latin typeface="Calibri" panose="020F0502020204030204" pitchFamily="34" charset="0"/>
+                <a:ea typeface="Calibri" panose="020F0502020204030204" pitchFamily="34" charset="0"/>
+              </a:rPr>
+              <a:t>Ученици, професионалисти, любители на технологиите</a:t>
+            </a:r>
+            <a:endParaRPr lang="en-BG" sz="2000" b="0" dirty="0">
+              <a:effectLst/>
+              <a:latin typeface="Calibri" panose="020F0502020204030204" pitchFamily="34" charset="0"/>
+              <a:ea typeface="Calibri" panose="020F0502020204030204" pitchFamily="34" charset="0"/>
+            </a:endParaRPr>
+          </a:p>
+          <a:p>
+            <a:pPr algn="l" eaLnBrk="0" hangingPunct="0">
+              <a:lnSpc>
+                <a:spcPct val="110000"/>
+              </a:lnSpc>
+              <a:buClr>
+                <a:schemeClr val="accent5">
+                  <a:lumMod val="40000"/>
+                  <a:lumOff val="60000"/>
+                </a:schemeClr>
+              </a:buClr>
+              <a:buSzPct val="70000"/>
+            </a:pPr>
+            <a:endParaRPr lang="en-BG" sz="2400" dirty="0"/>
+          </a:p>
+        </p:txBody>
+      </p:sp>
     </p:spTree>
     <p:extLst>
       <p:ext uri="{BB962C8B-B14F-4D97-AF65-F5344CB8AC3E}">
-        <p14:creationId xmlns:p14="http://schemas.microsoft.com/office/powerpoint/2010/main" val="2677409893"/>
+        <p14:creationId xmlns:p14="http://schemas.microsoft.com/office/powerpoint/2010/main" val="1113325485"/>
       </p:ext>
     </p:extLst>
   </p:cSld>
@@ -28957,7 +31037,7 @@
                             </p:stCondLst>
                             <p:childTnLst>
                               <p:par>
-                                <p:cTn id="5" presetID="1" presetClass="entr" presetSubtype="0" fill="hold" nodeType="clickEffect">
+                                <p:cTn id="5" presetID="1" presetClass="entr" presetSubtype="0" fill="hold" grpId="0" nodeType="clickEffect">
                                   <p:stCondLst>
                                     <p:cond delay="0"/>
                                   </p:stCondLst>
@@ -28970,7 +31050,146 @@
                                           </p:stCondLst>
                                         </p:cTn>
                                         <p:tgtEl>
-                                          <p:spTgt spid="7"/>
+                                          <p:spTgt spid="4"/>
+                                        </p:tgtEl>
+                                        <p:attrNameLst>
+                                          <p:attrName>style.visibility</p:attrName>
+                                        </p:attrNameLst>
+                                      </p:cBhvr>
+                                      <p:to>
+                                        <p:strVal val="visible"/>
+                                      </p:to>
+                                    </p:set>
+                                  </p:childTnLst>
+                                </p:cTn>
+                              </p:par>
+                            </p:childTnLst>
+                          </p:cTn>
+                        </p:par>
+                      </p:childTnLst>
+                    </p:cTn>
+                  </p:par>
+                  <p:par>
+                    <p:cTn id="7" fill="hold">
+                      <p:stCondLst>
+                        <p:cond delay="indefinite"/>
+                      </p:stCondLst>
+                      <p:childTnLst>
+                        <p:par>
+                          <p:cTn id="8" fill="hold">
+                            <p:stCondLst>
+                              <p:cond delay="0"/>
+                            </p:stCondLst>
+                            <p:childTnLst>
+                              <p:par>
+                                <p:cTn id="9" presetID="1" presetClass="entr" presetSubtype="0" fill="hold" grpId="0" nodeType="clickEffect">
+                                  <p:stCondLst>
+                                    <p:cond delay="0"/>
+                                  </p:stCondLst>
+                                  <p:childTnLst>
+                                    <p:set>
+                                      <p:cBhvr>
+                                        <p:cTn id="10" dur="1" fill="hold">
+                                          <p:stCondLst>
+                                            <p:cond delay="0"/>
+                                          </p:stCondLst>
+                                        </p:cTn>
+                                        <p:tgtEl>
+                                          <p:spTgt spid="3"/>
+                                        </p:tgtEl>
+                                        <p:attrNameLst>
+                                          <p:attrName>style.visibility</p:attrName>
+                                        </p:attrNameLst>
+                                      </p:cBhvr>
+                                      <p:to>
+                                        <p:strVal val="visible"/>
+                                      </p:to>
+                                    </p:set>
+                                  </p:childTnLst>
+                                </p:cTn>
+                              </p:par>
+                            </p:childTnLst>
+                          </p:cTn>
+                        </p:par>
+                      </p:childTnLst>
+                    </p:cTn>
+                  </p:par>
+                  <p:par>
+                    <p:cTn id="11" fill="hold">
+                      <p:stCondLst>
+                        <p:cond delay="indefinite"/>
+                      </p:stCondLst>
+                      <p:childTnLst>
+                        <p:par>
+                          <p:cTn id="12" fill="hold">
+                            <p:stCondLst>
+                              <p:cond delay="0"/>
+                            </p:stCondLst>
+                            <p:childTnLst>
+                              <p:par>
+                                <p:cTn id="13" presetID="1" presetClass="entr" presetSubtype="0" fill="hold" grpId="0" nodeType="clickEffect">
+                                  <p:stCondLst>
+                                    <p:cond delay="0"/>
+                                  </p:stCondLst>
+                                  <p:childTnLst>
+                                    <p:set>
+                                      <p:cBhvr>
+                                        <p:cTn id="14" dur="1" fill="hold">
+                                          <p:stCondLst>
+                                            <p:cond delay="0"/>
+                                          </p:stCondLst>
+                                        </p:cTn>
+                                        <p:tgtEl>
+                                          <p:spTgt spid="8"/>
+                                        </p:tgtEl>
+                                        <p:attrNameLst>
+                                          <p:attrName>style.visibility</p:attrName>
+                                        </p:attrNameLst>
+                                      </p:cBhvr>
+                                      <p:to>
+                                        <p:strVal val="visible"/>
+                                      </p:to>
+                                    </p:set>
+                                  </p:childTnLst>
+                                </p:cTn>
+                              </p:par>
+                            </p:childTnLst>
+                          </p:cTn>
+                        </p:par>
+                      </p:childTnLst>
+                    </p:cTn>
+                  </p:par>
+                  <p:par>
+                    <p:cTn id="15" fill="hold">
+                      <p:stCondLst>
+                        <p:cond delay="indefinite"/>
+                      </p:stCondLst>
+                      <p:childTnLst>
+                        <p:par>
+                          <p:cTn id="16" fill="hold">
+                            <p:stCondLst>
+                              <p:cond delay="0"/>
+                            </p:stCondLst>
+                            <p:childTnLst>
+                              <p:par>
+                                <p:cTn id="17" presetID="1" presetClass="entr" presetSubtype="0" fill="hold" nodeType="clickEffect">
+                                  <p:stCondLst>
+                                    <p:cond delay="0"/>
+                                  </p:stCondLst>
+                                  <p:childTnLst>
+                                    <p:set>
+                                      <p:cBhvr>
+                                        <p:cTn id="18" dur="1" fill="hold">
+                                          <p:stCondLst>
+                                            <p:cond delay="0"/>
+                                          </p:stCondLst>
+                                        </p:cTn>
+                                        <p:tgtEl>
+                                          <p:spTgt spid="9">
+                                            <p:txEl>
+                                              <p:pRg st="0" end="0"/>
+                                            </p:txEl>
+                                          </p:spTgt>
                                         </p:tgtEl>
                                         <p:attrNameLst>
                                           <p:attrName>style.visibility</p:attrName>
@@ -29010,16 +31229,16 @@
         </p:cTn>
       </p:par>
     </p:tnLst>
+    <p:bldLst>
+      <p:bldP spid="3" grpId="0"/>
+      <p:bldP spid="4" grpId="0"/>
+      <p:bldP spid="8" grpId="0"/>
+    </p:bldLst>
   </p:timing>
-  <p:extLst>
-    <p:ext uri="{6950BFC3-D8DA-4A85-94F7-54DA5524770B}">
-      <p188:commentRel xmlns:p188="http://schemas.microsoft.com/office/powerpoint/2018/8/main" r:id="rId2"/>
-    </p:ext>
-  </p:extLst>
 </p:sld>
 </file>
 
-<file path=ppt/slides/slide37.xml><?xml version="1.0" encoding="utf-8"?>
+<file path=ppt/slides/slide38.xml><?xml version="1.0" encoding="utf-8"?>
 <p:sld xmlns:a="http://schemas.openxmlformats.org/drawingml/2006/main" xmlns:r="http://schemas.openxmlformats.org/officeDocument/2006/relationships" xmlns:p="http://schemas.openxmlformats.org/presentationml/2006/main">
   <p:cSld>
     <p:spTree>
@@ -29060,7 +31279,7 @@
             <a:fld id="{2BF067CD-8E6B-4360-9AA8-C5DF2A48A6D1}" type="slidenum">
               <a:rPr lang="en-US" noProof="0" smtClean="0"/>
               <a:pPr/>
-              <a:t>37</a:t>
+              <a:t>38</a:t>
             </a:fld>
             <a:endParaRPr lang="en-US" noProof="0" dirty="0"/>
           </a:p>
@@ -29071,7 +31290,7 @@
           <p:cNvPr id="5" name="Text Placeholder 4">
             <a:extLst>
               <a:ext uri="{FF2B5EF4-FFF2-40B4-BE49-F238E27FC236}">
-                <a16:creationId xmlns:a16="http://schemas.microsoft.com/office/drawing/2014/main" id="{1E19CEF1-68D1-DFE8-9B07-7B5EEAD7F863}"/>
+                <a16:creationId xmlns:a16="http://schemas.microsoft.com/office/drawing/2014/main" id="{E4FA871D-4FD2-7D7F-8844-6F7E8464AF18}"/>
               </a:ext>
             </a:extLst>
           </p:cNvPr>
@@ -29094,19 +31313,11 @@
           <a:p>
             <a:r>
               <a:rPr lang="bg-BG" b="1" dirty="0"/>
-              <a:t>Коя</a:t>
+              <a:t>Какви основни страници </a:t>
             </a:r>
             <a:r>
               <a:rPr lang="bg-BG" dirty="0"/>
-              <a:t> е </a:t>
-            </a:r>
-            <a:r>
-              <a:rPr lang="bg-BG" b="1" dirty="0"/>
-              <a:t>аудиторията</a:t>
-            </a:r>
-            <a:r>
-              <a:rPr lang="bg-BG" dirty="0"/>
-              <a:t>, към която е насочен уеб сайта</a:t>
+              <a:t>съдържа уеб сайтът</a:t>
             </a:r>
             <a:endParaRPr lang="en-BG" dirty="0"/>
           </a:p>
@@ -29117,7 +31328,7 @@
           <p:cNvPr id="6" name="Title 3">
             <a:extLst>
               <a:ext uri="{FF2B5EF4-FFF2-40B4-BE49-F238E27FC236}">
-                <a16:creationId xmlns:a16="http://schemas.microsoft.com/office/drawing/2014/main" id="{3FE571EC-DC55-1E76-6D00-A4F5E4AFE059}"/>
+                <a16:creationId xmlns:a16="http://schemas.microsoft.com/office/drawing/2014/main" id="{B604B3BD-1FA4-9F3B-512E-1D5C16AC0FFB}"/>
               </a:ext>
             </a:extLst>
           </p:cNvPr>
@@ -29140,7 +31351,7 @@
           <a:p>
             <a:r>
               <a:rPr lang="bg-BG" dirty="0"/>
-              <a:t>Определяне на целева група на уеб сайта</a:t>
+              <a:t>Примерни страници</a:t>
             </a:r>
             <a:endParaRPr lang="en-BG" dirty="0"/>
           </a:p>
@@ -29151,7 +31362,7 @@
           <p:cNvPr id="7" name="Table 6">
             <a:extLst>
               <a:ext uri="{FF2B5EF4-FFF2-40B4-BE49-F238E27FC236}">
-                <a16:creationId xmlns:a16="http://schemas.microsoft.com/office/drawing/2014/main" id="{C29588D7-9DE5-777E-19F2-9EEC94A55818}"/>
+                <a16:creationId xmlns:a16="http://schemas.microsoft.com/office/drawing/2014/main" id="{96415755-F599-BB12-2F4B-3121BA2C784B}"/>
               </a:ext>
             </a:extLst>
           </p:cNvPr>
@@ -29161,7 +31372,7 @@
           <p:nvPr>
             <p:extLst>
               <p:ext uri="{D42A27DB-BD31-4B8C-83A1-F6EECF244321}">
-                <p14:modId xmlns:p14="http://schemas.microsoft.com/office/powerpoint/2010/main" val="3007628158"/>
+                <p14:modId xmlns:p14="http://schemas.microsoft.com/office/powerpoint/2010/main" val="1575255423"/>
               </p:ext>
             </p:extLst>
           </p:nvPr>
@@ -30000,22 +32211,22 @@
                         </a:spcAft>
                       </a:pPr>
                       <a:r>
-                        <a:rPr lang="bg-BG" sz="2000" b="0" dirty="0">
+                        <a:rPr lang="en-US" sz="2000" b="1" dirty="0">
                           <a:effectLst/>
                         </a:rPr>
-                        <a:t>Предлага </a:t>
+                        <a:t>AI </a:t>
                       </a:r>
                       <a:r>
                         <a:rPr lang="bg-BG" sz="2000" b="1" dirty="0">
                           <a:effectLst/>
                         </a:rPr>
-                        <a:t>изкуствен интелект</a:t>
+                        <a:t>платформа </a:t>
                       </a:r>
                       <a:r>
                         <a:rPr lang="bg-BG" sz="2000" b="0" dirty="0">
                           <a:effectLst/>
                         </a:rPr>
-                        <a:t> за </a:t>
+                        <a:t>за </a:t>
                       </a:r>
                       <a:r>
                         <a:rPr lang="bg-BG" sz="2000" b="1" dirty="0">
@@ -30039,7 +32250,7 @@
                         <a:rPr lang="bg-BG" sz="2000" b="0" dirty="0">
                           <a:effectLst/>
                         </a:rPr>
-                        <a:t> и </a:t>
+                        <a:t> и         </a:t>
                       </a:r>
                       <a:r>
                         <a:rPr lang="bg-BG" sz="2000" b="1" dirty="0">
@@ -30139,10 +32350,230 @@
           </a:graphicData>
         </a:graphic>
       </p:graphicFrame>
+      <p:sp>
+        <p:nvSpPr>
+          <p:cNvPr id="3" name="TextBox 2">
+            <a:extLst>
+              <a:ext uri="{FF2B5EF4-FFF2-40B4-BE49-F238E27FC236}">
+                <a16:creationId xmlns:a16="http://schemas.microsoft.com/office/drawing/2014/main" id="{2C8E572D-6F1B-166B-3246-85918AC9987B}"/>
+              </a:ext>
+            </a:extLst>
+          </p:cNvPr>
+          <p:cNvSpPr txBox="1"/>
+          <p:nvPr/>
+        </p:nvSpPr>
+        <p:spPr>
+          <a:xfrm>
+            <a:off x="8646230" y="2754000"/>
+            <a:ext cx="3105000" cy="905221"/>
+          </a:xfrm>
+          <a:prstGeom prst="rect">
+            <a:avLst/>
+          </a:prstGeom>
+          <a:noFill/>
+          <a:ln w="12700">
+            <a:noFill/>
+          </a:ln>
+        </p:spPr>
+        <p:txBody>
+          <a:bodyPr vert="horz" wrap="square" lIns="144000" tIns="108000" rIns="144000" bIns="108000" rtlCol="0">
+            <a:spAutoFit/>
+          </a:bodyPr>
+          <a:lstStyle/>
+          <a:p>
+            <a:pPr>
+              <a:lnSpc>
+                <a:spcPct val="115000"/>
+              </a:lnSpc>
+              <a:spcAft>
+                <a:spcPts val="1000"/>
+              </a:spcAft>
+            </a:pPr>
+            <a:r>
+              <a:rPr lang="bg-BG" sz="2000" b="0" dirty="0">
+                <a:effectLst/>
+                <a:latin typeface="Calibri" panose="020F0502020204030204" pitchFamily="34" charset="0"/>
+                <a:ea typeface="Calibri" panose="020F0502020204030204" pitchFamily="34" charset="0"/>
+              </a:rPr>
+              <a:t>Начало, Новини,                     Документи, Контакти</a:t>
+            </a:r>
+            <a:endParaRPr lang="en-BG" sz="2000" b="0" dirty="0">
+              <a:effectLst/>
+              <a:latin typeface="Calibri" panose="020F0502020204030204" pitchFamily="34" charset="0"/>
+              <a:ea typeface="Calibri" panose="020F0502020204030204" pitchFamily="34" charset="0"/>
+            </a:endParaRPr>
+          </a:p>
+        </p:txBody>
+      </p:sp>
+      <p:sp>
+        <p:nvSpPr>
+          <p:cNvPr id="4" name="TextBox 3">
+            <a:extLst>
+              <a:ext uri="{FF2B5EF4-FFF2-40B4-BE49-F238E27FC236}">
+                <a16:creationId xmlns:a16="http://schemas.microsoft.com/office/drawing/2014/main" id="{B1A74E4A-B467-11B9-931C-EFE5535DF140}"/>
+              </a:ext>
+            </a:extLst>
+          </p:cNvPr>
+          <p:cNvSpPr txBox="1"/>
+          <p:nvPr/>
+        </p:nvSpPr>
+        <p:spPr>
+          <a:xfrm>
+            <a:off x="8632130" y="3680621"/>
+            <a:ext cx="3105000" cy="905221"/>
+          </a:xfrm>
+          <a:prstGeom prst="rect">
+            <a:avLst/>
+          </a:prstGeom>
+          <a:noFill/>
+          <a:ln w="12700">
+            <a:noFill/>
+          </a:ln>
+        </p:spPr>
+        <p:txBody>
+          <a:bodyPr vert="horz" wrap="square" lIns="144000" tIns="108000" rIns="144000" bIns="108000" rtlCol="0">
+            <a:spAutoFit/>
+          </a:bodyPr>
+          <a:lstStyle/>
+          <a:p>
+            <a:pPr>
+              <a:lnSpc>
+                <a:spcPct val="115000"/>
+              </a:lnSpc>
+              <a:spcAft>
+                <a:spcPts val="1000"/>
+              </a:spcAft>
+            </a:pPr>
+            <a:r>
+              <a:rPr lang="bg-BG" sz="2000" b="0" dirty="0">
+                <a:effectLst/>
+                <a:latin typeface="Calibri" panose="020F0502020204030204" pitchFamily="34" charset="0"/>
+                <a:ea typeface="Calibri" panose="020F0502020204030204" pitchFamily="34" charset="0"/>
+              </a:rPr>
+              <a:t>Вход, Оценки, Разписание, Съобщения</a:t>
+            </a:r>
+            <a:endParaRPr lang="en-BG" sz="2000" b="0" dirty="0">
+              <a:effectLst/>
+              <a:latin typeface="Calibri" panose="020F0502020204030204" pitchFamily="34" charset="0"/>
+              <a:ea typeface="Calibri" panose="020F0502020204030204" pitchFamily="34" charset="0"/>
+            </a:endParaRPr>
+          </a:p>
+        </p:txBody>
+      </p:sp>
+      <p:sp>
+        <p:nvSpPr>
+          <p:cNvPr id="8" name="TextBox 7">
+            <a:extLst>
+              <a:ext uri="{FF2B5EF4-FFF2-40B4-BE49-F238E27FC236}">
+                <a16:creationId xmlns:a16="http://schemas.microsoft.com/office/drawing/2014/main" id="{45B2F432-B201-8442-351D-1BAD3964D9B2}"/>
+              </a:ext>
+            </a:extLst>
+          </p:cNvPr>
+          <p:cNvSpPr txBox="1"/>
+          <p:nvPr/>
+        </p:nvSpPr>
+        <p:spPr>
+          <a:xfrm>
+            <a:off x="8643430" y="4464000"/>
+            <a:ext cx="3105000" cy="905221"/>
+          </a:xfrm>
+          <a:prstGeom prst="rect">
+            <a:avLst/>
+          </a:prstGeom>
+          <a:noFill/>
+          <a:ln w="12700">
+            <a:noFill/>
+          </a:ln>
+        </p:spPr>
+        <p:txBody>
+          <a:bodyPr vert="horz" wrap="square" lIns="144000" tIns="108000" rIns="144000" bIns="108000" rtlCol="0">
+            <a:spAutoFit/>
+          </a:bodyPr>
+          <a:lstStyle/>
+          <a:p>
+            <a:pPr>
+              <a:lnSpc>
+                <a:spcPct val="115000"/>
+              </a:lnSpc>
+              <a:spcAft>
+                <a:spcPts val="1000"/>
+              </a:spcAft>
+            </a:pPr>
+            <a:r>
+              <a:rPr lang="bg-BG" sz="2000" b="0" dirty="0">
+                <a:effectLst/>
+                <a:latin typeface="Calibri" panose="020F0502020204030204" pitchFamily="34" charset="0"/>
+                <a:ea typeface="Calibri" panose="020F0502020204030204" pitchFamily="34" charset="0"/>
+              </a:rPr>
+              <a:t>Търсене, Изображения,       Карти</a:t>
+            </a:r>
+            <a:endParaRPr lang="en-BG" sz="2000" b="0" dirty="0">
+              <a:effectLst/>
+              <a:latin typeface="Calibri" panose="020F0502020204030204" pitchFamily="34" charset="0"/>
+              <a:ea typeface="Calibri" panose="020F0502020204030204" pitchFamily="34" charset="0"/>
+            </a:endParaRPr>
+          </a:p>
+        </p:txBody>
+      </p:sp>
+      <p:sp>
+        <p:nvSpPr>
+          <p:cNvPr id="9" name="TextBox 8">
+            <a:extLst>
+              <a:ext uri="{FF2B5EF4-FFF2-40B4-BE49-F238E27FC236}">
+                <a16:creationId xmlns:a16="http://schemas.microsoft.com/office/drawing/2014/main" id="{513C5E82-0CD8-1456-AB5B-8CD21FC104AF}"/>
+              </a:ext>
+            </a:extLst>
+          </p:cNvPr>
+          <p:cNvSpPr txBox="1"/>
+          <p:nvPr/>
+        </p:nvSpPr>
+        <p:spPr>
+          <a:xfrm>
+            <a:off x="8632130" y="5361516"/>
+            <a:ext cx="3105000" cy="905221"/>
+          </a:xfrm>
+          <a:prstGeom prst="rect">
+            <a:avLst/>
+          </a:prstGeom>
+          <a:noFill/>
+          <a:ln w="12700">
+            <a:noFill/>
+          </a:ln>
+        </p:spPr>
+        <p:txBody>
+          <a:bodyPr vert="horz" wrap="square" lIns="144000" tIns="108000" rIns="144000" bIns="108000" rtlCol="0">
+            <a:spAutoFit/>
+          </a:bodyPr>
+          <a:lstStyle/>
+          <a:p>
+            <a:pPr>
+              <a:lnSpc>
+                <a:spcPct val="115000"/>
+              </a:lnSpc>
+              <a:spcAft>
+                <a:spcPts val="1000"/>
+              </a:spcAft>
+            </a:pPr>
+            <a:r>
+              <a:rPr lang="bg-BG" sz="2000" b="0" dirty="0">
+                <a:effectLst/>
+                <a:latin typeface="Calibri" panose="020F0502020204030204" pitchFamily="34" charset="0"/>
+                <a:ea typeface="Calibri" panose="020F0502020204030204" pitchFamily="34" charset="0"/>
+              </a:rPr>
+              <a:t>Начало, Нов чат, История,   Настройки</a:t>
+            </a:r>
+            <a:endParaRPr lang="en-BG" sz="2000" b="0" dirty="0">
+              <a:effectLst/>
+              <a:latin typeface="Calibri" panose="020F0502020204030204" pitchFamily="34" charset="0"/>
+              <a:ea typeface="Calibri" panose="020F0502020204030204" pitchFamily="34" charset="0"/>
+            </a:endParaRPr>
+          </a:p>
+        </p:txBody>
+      </p:sp>
     </p:spTree>
     <p:extLst>
       <p:ext uri="{BB962C8B-B14F-4D97-AF65-F5344CB8AC3E}">
-        <p14:creationId xmlns:p14="http://schemas.microsoft.com/office/powerpoint/2010/main" val="1113325485"/>
+        <p14:creationId xmlns:p14="http://schemas.microsoft.com/office/powerpoint/2010/main" val="3102852005"/>
       </p:ext>
     </p:extLst>
   </p:cSld>
@@ -30178,7 +32609,7 @@
                             </p:stCondLst>
                             <p:childTnLst>
                               <p:par>
-                                <p:cTn id="5" presetID="1" presetClass="entr" presetSubtype="0" fill="hold" nodeType="clickEffect">
+                                <p:cTn id="5" presetID="1" presetClass="entr" presetSubtype="0" fill="hold" grpId="0" nodeType="clickEffect">
                                   <p:stCondLst>
                                     <p:cond delay="0"/>
                                   </p:stCondLst>
@@ -30191,7 +32622,142 @@
                                           </p:stCondLst>
                                         </p:cTn>
                                         <p:tgtEl>
-                                          <p:spTgt spid="7"/>
+                                          <p:spTgt spid="3"/>
+                                        </p:tgtEl>
+                                        <p:attrNameLst>
+                                          <p:attrName>style.visibility</p:attrName>
+                                        </p:attrNameLst>
+                                      </p:cBhvr>
+                                      <p:to>
+                                        <p:strVal val="visible"/>
+                                      </p:to>
+                                    </p:set>
+                                  </p:childTnLst>
+                                </p:cTn>
+                              </p:par>
+                            </p:childTnLst>
+                          </p:cTn>
+                        </p:par>
+                      </p:childTnLst>
+                    </p:cTn>
+                  </p:par>
+                  <p:par>
+                    <p:cTn id="7" fill="hold">
+                      <p:stCondLst>
+                        <p:cond delay="indefinite"/>
+                      </p:stCondLst>
+                      <p:childTnLst>
+                        <p:par>
+                          <p:cTn id="8" fill="hold">
+                            <p:stCondLst>
+                              <p:cond delay="0"/>
+                            </p:stCondLst>
+                            <p:childTnLst>
+                              <p:par>
+                                <p:cTn id="9" presetID="1" presetClass="entr" presetSubtype="0" fill="hold" grpId="0" nodeType="clickEffect">
+                                  <p:stCondLst>
+                                    <p:cond delay="0"/>
+                                  </p:stCondLst>
+                                  <p:childTnLst>
+                                    <p:set>
+                                      <p:cBhvr>
+                                        <p:cTn id="10" dur="1" fill="hold">
+                                          <p:stCondLst>
+                                            <p:cond delay="0"/>
+                                          </p:stCondLst>
+                                        </p:cTn>
+                                        <p:tgtEl>
+                                          <p:spTgt spid="4"/>
+                                        </p:tgtEl>
+                                        <p:attrNameLst>
+                                          <p:attrName>style.visibility</p:attrName>
+                                        </p:attrNameLst>
+                                      </p:cBhvr>
+                                      <p:to>
+                                        <p:strVal val="visible"/>
+                                      </p:to>
+                                    </p:set>
+                                  </p:childTnLst>
+                                </p:cTn>
+                              </p:par>
+                            </p:childTnLst>
+                          </p:cTn>
+                        </p:par>
+                      </p:childTnLst>
+                    </p:cTn>
+                  </p:par>
+                  <p:par>
+                    <p:cTn id="11" fill="hold">
+                      <p:stCondLst>
+                        <p:cond delay="indefinite"/>
+                      </p:stCondLst>
+                      <p:childTnLst>
+                        <p:par>
+                          <p:cTn id="12" fill="hold">
+                            <p:stCondLst>
+                              <p:cond delay="0"/>
+                            </p:stCondLst>
+                            <p:childTnLst>
+                              <p:par>
+                                <p:cTn id="13" presetID="1" presetClass="entr" presetSubtype="0" fill="hold" grpId="0" nodeType="clickEffect">
+                                  <p:stCondLst>
+                                    <p:cond delay="0"/>
+                                  </p:stCondLst>
+                                  <p:childTnLst>
+                                    <p:set>
+                                      <p:cBhvr>
+                                        <p:cTn id="14" dur="1" fill="hold">
+                                          <p:stCondLst>
+                                            <p:cond delay="0"/>
+                                          </p:stCondLst>
+                                        </p:cTn>
+                                        <p:tgtEl>
+                                          <p:spTgt spid="8"/>
+                                        </p:tgtEl>
+                                        <p:attrNameLst>
+                                          <p:attrName>style.visibility</p:attrName>
+                                        </p:attrNameLst>
+                                      </p:cBhvr>
+                                      <p:to>
+                                        <p:strVal val="visible"/>
+                                      </p:to>
+                                    </p:set>
+                                  </p:childTnLst>
+                                </p:cTn>
+                              </p:par>
+                            </p:childTnLst>
+                          </p:cTn>
+                        </p:par>
+                      </p:childTnLst>
+                    </p:cTn>
+                  </p:par>
+                  <p:par>
+                    <p:cTn id="15" fill="hold">
+                      <p:stCondLst>
+                        <p:cond delay="indefinite"/>
+                      </p:stCondLst>
+                      <p:childTnLst>
+                        <p:par>
+                          <p:cTn id="16" fill="hold">
+                            <p:stCondLst>
+                              <p:cond delay="0"/>
+                            </p:stCondLst>
+                            <p:childTnLst>
+                              <p:par>
+                                <p:cTn id="17" presetID="1" presetClass="entr" presetSubtype="0" fill="hold" grpId="0" nodeType="clickEffect">
+                                  <p:stCondLst>
+                                    <p:cond delay="0"/>
+                                  </p:stCondLst>
+                                  <p:childTnLst>
+                                    <p:set>
+                                      <p:cBhvr>
+                                        <p:cTn id="18" dur="1" fill="hold">
+                                          <p:stCondLst>
+                                            <p:cond delay="0"/>
+                                          </p:stCondLst>
+                                        </p:cTn>
+                                        <p:tgtEl>
+                                          <p:spTgt spid="9"/>
                                         </p:tgtEl>
                                         <p:attrNameLst>
                                           <p:attrName>style.visibility</p:attrName>
@@ -30231,1246 +32797,12 @@
         </p:cTn>
       </p:par>
     </p:tnLst>
-  </p:timing>
-</p:sld>
-</file>
-
-<file path=ppt/slides/slide38.xml><?xml version="1.0" encoding="utf-8"?>
-<p:sld xmlns:a="http://schemas.openxmlformats.org/drawingml/2006/main" xmlns:r="http://schemas.openxmlformats.org/officeDocument/2006/relationships" xmlns:p="http://schemas.openxmlformats.org/presentationml/2006/main">
-  <p:cSld>
-    <p:spTree>
-      <p:nvGrpSpPr>
-        <p:cNvPr id="1" name=""/>
-        <p:cNvGrpSpPr/>
-        <p:nvPr/>
-      </p:nvGrpSpPr>
-      <p:grpSpPr>
-        <a:xfrm>
-          <a:off x="0" y="0"/>
-          <a:ext cx="0" cy="0"/>
-          <a:chOff x="0" y="0"/>
-          <a:chExt cx="0" cy="0"/>
-        </a:xfrm>
-      </p:grpSpPr>
-      <p:sp>
-        <p:nvSpPr>
-          <p:cNvPr id="2" name="Slide Number Placeholder 1">
-            <a:extLst>
-              <a:ext uri="{FF2B5EF4-FFF2-40B4-BE49-F238E27FC236}">
-                <a16:creationId xmlns:a16="http://schemas.microsoft.com/office/drawing/2014/main" id="{3CFF77AF-1244-5C56-2322-474024354B36}"/>
-              </a:ext>
-            </a:extLst>
-          </p:cNvPr>
-          <p:cNvSpPr>
-            <a:spLocks noGrp="1"/>
-          </p:cNvSpPr>
-          <p:nvPr>
-            <p:ph type="sldNum" sz="quarter" idx="5"/>
-          </p:nvPr>
-        </p:nvSpPr>
-        <p:spPr/>
-        <p:txBody>
-          <a:bodyPr/>
-          <a:lstStyle/>
-          <a:p>
-            <a:fld id="{2BF067CD-8E6B-4360-9AA8-C5DF2A48A6D1}" type="slidenum">
-              <a:rPr lang="en-US" noProof="0" smtClean="0"/>
-              <a:pPr/>
-              <a:t>38</a:t>
-            </a:fld>
-            <a:endParaRPr lang="en-US" noProof="0" dirty="0"/>
-          </a:p>
-        </p:txBody>
-      </p:sp>
-      <p:sp>
-        <p:nvSpPr>
-          <p:cNvPr id="5" name="Text Placeholder 4">
-            <a:extLst>
-              <a:ext uri="{FF2B5EF4-FFF2-40B4-BE49-F238E27FC236}">
-                <a16:creationId xmlns:a16="http://schemas.microsoft.com/office/drawing/2014/main" id="{E4FA871D-4FD2-7D7F-8844-6F7E8464AF18}"/>
-              </a:ext>
-            </a:extLst>
-          </p:cNvPr>
-          <p:cNvSpPr>
-            <a:spLocks noGrp="1"/>
-          </p:cNvSpPr>
-          <p:nvPr>
-            <p:ph type="body" sz="quarter" idx="10"/>
-          </p:nvPr>
-        </p:nvSpPr>
-        <p:spPr>
-          <a:xfrm>
-            <a:off x="190402" y="1196125"/>
-            <a:ext cx="11818096" cy="5528766"/>
-          </a:xfrm>
-        </p:spPr>
-        <p:txBody>
-          <a:bodyPr/>
-          <a:lstStyle/>
-          <a:p>
-            <a:r>
-              <a:rPr lang="bg-BG" b="1" dirty="0"/>
-              <a:t>Какви основни страници </a:t>
-            </a:r>
-            <a:r>
-              <a:rPr lang="bg-BG" dirty="0"/>
-              <a:t>съдържа уеб сайтът</a:t>
-            </a:r>
-            <a:endParaRPr lang="en-BG" dirty="0"/>
-          </a:p>
-        </p:txBody>
-      </p:sp>
-      <p:sp>
-        <p:nvSpPr>
-          <p:cNvPr id="6" name="Title 3">
-            <a:extLst>
-              <a:ext uri="{FF2B5EF4-FFF2-40B4-BE49-F238E27FC236}">
-                <a16:creationId xmlns:a16="http://schemas.microsoft.com/office/drawing/2014/main" id="{B604B3BD-1FA4-9F3B-512E-1D5C16AC0FFB}"/>
-              </a:ext>
-            </a:extLst>
-          </p:cNvPr>
-          <p:cNvSpPr>
-            <a:spLocks noGrp="1"/>
-          </p:cNvSpPr>
-          <p:nvPr>
-            <p:ph type="title"/>
-          </p:nvPr>
-        </p:nvSpPr>
-        <p:spPr>
-          <a:xfrm>
-            <a:off x="190406" y="100750"/>
-            <a:ext cx="10270594" cy="882654"/>
-          </a:xfrm>
-        </p:spPr>
-        <p:txBody>
-          <a:bodyPr/>
-          <a:lstStyle/>
-          <a:p>
-            <a:r>
-              <a:rPr lang="bg-BG" dirty="0"/>
-              <a:t>Примерни страници</a:t>
-            </a:r>
-            <a:endParaRPr lang="en-BG" dirty="0"/>
-          </a:p>
-        </p:txBody>
-      </p:sp>
-      <p:graphicFrame>
-        <p:nvGraphicFramePr>
-          <p:cNvPr id="7" name="Table 6">
-            <a:extLst>
-              <a:ext uri="{FF2B5EF4-FFF2-40B4-BE49-F238E27FC236}">
-                <a16:creationId xmlns:a16="http://schemas.microsoft.com/office/drawing/2014/main" id="{96415755-F599-BB12-2F4B-3121BA2C784B}"/>
-              </a:ext>
-            </a:extLst>
-          </p:cNvPr>
-          <p:cNvGraphicFramePr>
-            <a:graphicFrameLocks noGrp="1"/>
-          </p:cNvGraphicFramePr>
-          <p:nvPr>
-            <p:extLst>
-              <p:ext uri="{D42A27DB-BD31-4B8C-83A1-F6EECF244321}">
-                <p14:modId xmlns:p14="http://schemas.microsoft.com/office/powerpoint/2010/main" val="1078282953"/>
-              </p:ext>
-            </p:extLst>
-          </p:nvPr>
-        </p:nvGraphicFramePr>
-        <p:xfrm>
-          <a:off x="490080" y="2124000"/>
-          <a:ext cx="11211840" cy="4209767"/>
-        </p:xfrm>
-        <a:graphic>
-          <a:graphicData uri="http://schemas.openxmlformats.org/drawingml/2006/table">
-            <a:tbl>
-              <a:tblPr firstRow="1">
-                <a:tableStyleId>{22838BEF-8BB2-4498-84A7-C5851F593DF1}</a:tableStyleId>
-              </a:tblPr>
-              <a:tblGrid>
-                <a:gridCol w="1356840">
-                  <a:extLst>
-                    <a:ext uri="{9D8B030D-6E8A-4147-A177-3AD203B41FA5}">
-                      <a16:colId xmlns:a16="http://schemas.microsoft.com/office/drawing/2014/main" val="1918126379"/>
-                    </a:ext>
-                  </a:extLst>
-                </a:gridCol>
-                <a:gridCol w="4455000">
-                  <a:extLst>
-                    <a:ext uri="{9D8B030D-6E8A-4147-A177-3AD203B41FA5}">
-                      <a16:colId xmlns:a16="http://schemas.microsoft.com/office/drawing/2014/main" val="3700237570"/>
-                    </a:ext>
-                  </a:extLst>
-                </a:gridCol>
-                <a:gridCol w="2340000">
-                  <a:extLst>
-                    <a:ext uri="{9D8B030D-6E8A-4147-A177-3AD203B41FA5}">
-                      <a16:colId xmlns:a16="http://schemas.microsoft.com/office/drawing/2014/main" val="3761518300"/>
-                    </a:ext>
-                  </a:extLst>
-                </a:gridCol>
-                <a:gridCol w="3060000">
-                  <a:extLst>
-                    <a:ext uri="{9D8B030D-6E8A-4147-A177-3AD203B41FA5}">
-                      <a16:colId xmlns:a16="http://schemas.microsoft.com/office/drawing/2014/main" val="1399144962"/>
-                    </a:ext>
-                  </a:extLst>
-                </a:gridCol>
-              </a:tblGrid>
-              <a:tr h="588845">
-                <a:tc>
-                  <a:txBody>
-                    <a:bodyPr/>
-                    <a:lstStyle/>
-                    <a:p>
-                      <a:pPr algn="ctr">
-                        <a:lnSpc>
-                          <a:spcPct val="115000"/>
-                        </a:lnSpc>
-                        <a:spcAft>
-                          <a:spcPts val="1000"/>
-                        </a:spcAft>
-                      </a:pPr>
-                      <a:r>
-                        <a:rPr lang="bg-BG" sz="2200" b="1" dirty="0">
-                          <a:solidFill>
-                            <a:schemeClr val="bg2"/>
-                          </a:solidFill>
-                          <a:effectLst/>
-                        </a:rPr>
-                        <a:t>Уеб сайт</a:t>
-                      </a:r>
-                      <a:endParaRPr lang="en-BG" sz="2200" b="1" dirty="0">
-                        <a:solidFill>
-                          <a:schemeClr val="bg2"/>
-                        </a:solidFill>
-                        <a:effectLst/>
-                        <a:latin typeface="Calibri" panose="020F0502020204030204" pitchFamily="34" charset="0"/>
-                        <a:ea typeface="Calibri" panose="020F0502020204030204" pitchFamily="34" charset="0"/>
-                      </a:endParaRPr>
-                    </a:p>
-                  </a:txBody>
-                  <a:tcPr marL="30480" marR="30480" marT="9525" marB="0" anchor="ctr">
-                    <a:solidFill>
-                      <a:schemeClr val="tx1">
-                        <a:lumMod val="60000"/>
-                        <a:lumOff val="40000"/>
-                      </a:schemeClr>
-                    </a:solidFill>
-                  </a:tcPr>
-                </a:tc>
-                <a:tc>
-                  <a:txBody>
-                    <a:bodyPr/>
-                    <a:lstStyle/>
-                    <a:p>
-                      <a:pPr algn="ctr">
-                        <a:lnSpc>
-                          <a:spcPct val="115000"/>
-                        </a:lnSpc>
-                        <a:spcAft>
-                          <a:spcPts val="1000"/>
-                        </a:spcAft>
-                      </a:pPr>
-                      <a:r>
-                        <a:rPr lang="bg-BG" sz="2200" b="1" dirty="0">
-                          <a:solidFill>
-                            <a:schemeClr val="bg2"/>
-                          </a:solidFill>
-                          <a:effectLst/>
-                        </a:rPr>
-                        <a:t>Цел</a:t>
-                      </a:r>
-                      <a:endParaRPr lang="en-BG" sz="2200" b="1" dirty="0">
-                        <a:solidFill>
-                          <a:schemeClr val="bg2"/>
-                        </a:solidFill>
-                        <a:effectLst/>
-                        <a:latin typeface="Calibri" panose="020F0502020204030204" pitchFamily="34" charset="0"/>
-                        <a:ea typeface="Calibri" panose="020F0502020204030204" pitchFamily="34" charset="0"/>
-                      </a:endParaRPr>
-                    </a:p>
-                  </a:txBody>
-                  <a:tcPr marL="30480" marR="30480" marT="9525" marB="0" anchor="ctr">
-                    <a:solidFill>
-                      <a:schemeClr val="tx1">
-                        <a:lumMod val="60000"/>
-                        <a:lumOff val="40000"/>
-                      </a:schemeClr>
-                    </a:solidFill>
-                  </a:tcPr>
-                </a:tc>
-                <a:tc>
-                  <a:txBody>
-                    <a:bodyPr/>
-                    <a:lstStyle/>
-                    <a:p>
-                      <a:pPr algn="ctr">
-                        <a:lnSpc>
-                          <a:spcPct val="115000"/>
-                        </a:lnSpc>
-                        <a:spcAft>
-                          <a:spcPts val="1000"/>
-                        </a:spcAft>
-                      </a:pPr>
-                      <a:r>
-                        <a:rPr lang="bg-BG" sz="2200" b="1" dirty="0">
-                          <a:solidFill>
-                            <a:schemeClr val="bg2"/>
-                          </a:solidFill>
-                          <a:effectLst/>
-                        </a:rPr>
-                        <a:t>Целева група</a:t>
-                      </a:r>
-                      <a:endParaRPr lang="en-BG" sz="2200" b="1" dirty="0">
-                        <a:solidFill>
-                          <a:schemeClr val="bg2"/>
-                        </a:solidFill>
-                        <a:effectLst/>
-                        <a:latin typeface="Calibri" panose="020F0502020204030204" pitchFamily="34" charset="0"/>
-                        <a:ea typeface="Calibri" panose="020F0502020204030204" pitchFamily="34" charset="0"/>
-                      </a:endParaRPr>
-                    </a:p>
-                  </a:txBody>
-                  <a:tcPr marL="30480" marR="30480" marT="9525" marB="0" anchor="ctr">
-                    <a:solidFill>
-                      <a:schemeClr val="tx1">
-                        <a:lumMod val="60000"/>
-                        <a:lumOff val="40000"/>
-                      </a:schemeClr>
-                    </a:solidFill>
-                  </a:tcPr>
-                </a:tc>
-                <a:tc>
-                  <a:txBody>
-                    <a:bodyPr/>
-                    <a:lstStyle/>
-                    <a:p>
-                      <a:pPr algn="ctr">
-                        <a:lnSpc>
-                          <a:spcPct val="115000"/>
-                        </a:lnSpc>
-                        <a:spcAft>
-                          <a:spcPts val="1000"/>
-                        </a:spcAft>
-                      </a:pPr>
-                      <a:r>
-                        <a:rPr lang="bg-BG" sz="2200" b="1" dirty="0">
-                          <a:solidFill>
-                            <a:schemeClr val="bg2"/>
-                          </a:solidFill>
-                          <a:effectLst/>
-                        </a:rPr>
-                        <a:t>Примерни страници</a:t>
-                      </a:r>
-                      <a:endParaRPr lang="en-BG" sz="2200" b="1" dirty="0">
-                        <a:solidFill>
-                          <a:schemeClr val="bg2"/>
-                        </a:solidFill>
-                        <a:effectLst/>
-                        <a:latin typeface="Calibri" panose="020F0502020204030204" pitchFamily="34" charset="0"/>
-                        <a:ea typeface="Calibri" panose="020F0502020204030204" pitchFamily="34" charset="0"/>
-                      </a:endParaRPr>
-                    </a:p>
-                  </a:txBody>
-                  <a:tcPr marL="30480" marR="30480" marT="9525" marB="0" anchor="ctr">
-                    <a:solidFill>
-                      <a:schemeClr val="tx1">
-                        <a:lumMod val="60000"/>
-                        <a:lumOff val="40000"/>
-                      </a:schemeClr>
-                    </a:solidFill>
-                  </a:tcPr>
-                </a:tc>
-                <a:extLst>
-                  <a:ext uri="{0D108BD9-81ED-4DB2-BD59-A6C34878D82A}">
-                    <a16:rowId xmlns:a16="http://schemas.microsoft.com/office/drawing/2014/main" val="2509749732"/>
-                  </a:ext>
-                </a:extLst>
-              </a:tr>
-              <a:tr h="383553">
-                <a:tc>
-                  <a:txBody>
-                    <a:bodyPr/>
-                    <a:lstStyle/>
-                    <a:p>
-                      <a:pPr marL="0" marR="0" lvl="1" indent="0" algn="ctr" defTabSz="1218438" rtl="0" eaLnBrk="1" fontAlgn="auto" latinLnBrk="1" hangingPunct="1">
-                        <a:lnSpc>
-                          <a:spcPct val="115000"/>
-                        </a:lnSpc>
-                        <a:spcBef>
-                          <a:spcPts val="0"/>
-                        </a:spcBef>
-                        <a:spcAft>
-                          <a:spcPts val="1000"/>
-                        </a:spcAft>
-                        <a:buClrTx/>
-                        <a:buSzTx/>
-                        <a:buFontTx/>
-                        <a:buNone/>
-                        <a:tabLst/>
-                        <a:defRPr/>
-                      </a:pPr>
-                      <a:r>
-                        <a:rPr lang="en-US" sz="2000" dirty="0">
-                          <a:hlinkClick r:id="rId2"/>
-                        </a:rPr>
-                        <a:t>mon.bg</a:t>
-                      </a:r>
-                      <a:r>
-                        <a:rPr lang="en-US" sz="2000" dirty="0"/>
-                        <a:t> </a:t>
-                      </a:r>
-                      <a:endParaRPr lang="bg-BG" sz="2000" dirty="0"/>
-                    </a:p>
-                  </a:txBody>
-                  <a:tcPr marL="30480" marR="30480" marT="9525" marB="0" anchor="ctr">
-                    <a:solidFill>
-                      <a:schemeClr val="accent3">
-                        <a:lumMod val="20000"/>
-                        <a:lumOff val="80000"/>
-                      </a:schemeClr>
-                    </a:solidFill>
-                  </a:tcPr>
-                </a:tc>
-                <a:tc>
-                  <a:txBody>
-                    <a:bodyPr/>
-                    <a:lstStyle/>
-                    <a:p>
-                      <a:pPr algn="l">
-                        <a:lnSpc>
-                          <a:spcPct val="115000"/>
-                        </a:lnSpc>
-                        <a:spcAft>
-                          <a:spcPts val="1000"/>
-                        </a:spcAft>
-                      </a:pPr>
-                      <a:r>
-                        <a:rPr lang="bg-BG" sz="2000" b="0" dirty="0">
-                          <a:effectLst/>
-                        </a:rPr>
-                        <a:t>Предоставя </a:t>
-                      </a:r>
-                      <a:r>
-                        <a:rPr lang="bg-BG" sz="2000" b="1" dirty="0">
-                          <a:effectLst/>
-                        </a:rPr>
-                        <a:t>официална информация</a:t>
-                      </a:r>
-                      <a:r>
-                        <a:rPr lang="bg-BG" sz="2000" b="0" dirty="0">
-                          <a:effectLst/>
-                        </a:rPr>
-                        <a:t>,       </a:t>
-                      </a:r>
-                      <a:r>
-                        <a:rPr lang="bg-BG" sz="2000" b="1" dirty="0">
-                          <a:effectLst/>
-                        </a:rPr>
-                        <a:t>документи</a:t>
-                      </a:r>
-                      <a:r>
-                        <a:rPr lang="bg-BG" sz="2000" b="0" dirty="0">
-                          <a:effectLst/>
-                        </a:rPr>
-                        <a:t> и </a:t>
-                      </a:r>
-                      <a:r>
-                        <a:rPr lang="bg-BG" sz="2000" b="1" dirty="0">
-                          <a:effectLst/>
-                        </a:rPr>
-                        <a:t>новини</a:t>
-                      </a:r>
-                      <a:r>
-                        <a:rPr lang="bg-BG" sz="2000" b="0" dirty="0">
-                          <a:effectLst/>
-                        </a:rPr>
-                        <a:t> в сферата на             </a:t>
-                      </a:r>
-                      <a:r>
-                        <a:rPr lang="bg-BG" sz="2000" b="1" dirty="0">
-                          <a:effectLst/>
-                        </a:rPr>
-                        <a:t>образованието</a:t>
-                      </a:r>
-                      <a:endParaRPr lang="en-BG" sz="2000" b="1" dirty="0">
-                        <a:effectLst/>
-                        <a:latin typeface="Calibri" panose="020F0502020204030204" pitchFamily="34" charset="0"/>
-                        <a:ea typeface="Calibri" panose="020F0502020204030204" pitchFamily="34" charset="0"/>
-                      </a:endParaRPr>
-                    </a:p>
-                  </a:txBody>
-                  <a:tcPr marL="30480" marR="30480" marT="9525" marB="0" anchor="ctr">
-                    <a:solidFill>
-                      <a:schemeClr val="accent3">
-                        <a:lumMod val="20000"/>
-                        <a:lumOff val="80000"/>
-                      </a:schemeClr>
-                    </a:solidFill>
-                  </a:tcPr>
-                </a:tc>
-                <a:tc>
-                  <a:txBody>
-                    <a:bodyPr/>
-                    <a:lstStyle/>
-                    <a:p>
-                      <a:pPr algn="l">
-                        <a:lnSpc>
-                          <a:spcPct val="115000"/>
-                        </a:lnSpc>
-                        <a:spcAft>
-                          <a:spcPts val="1000"/>
-                        </a:spcAft>
-                      </a:pPr>
-                      <a:r>
-                        <a:rPr lang="bg-BG" sz="2000" b="0" dirty="0">
-                          <a:effectLst/>
-                        </a:rPr>
-                        <a:t>Учители, ученици,      родители, училищни администрации</a:t>
-                      </a:r>
-                      <a:endParaRPr lang="en-BG" sz="2000" b="0" dirty="0">
-                        <a:effectLst/>
-                        <a:latin typeface="Calibri" panose="020F0502020204030204" pitchFamily="34" charset="0"/>
-                        <a:ea typeface="Calibri" panose="020F0502020204030204" pitchFamily="34" charset="0"/>
-                      </a:endParaRPr>
-                    </a:p>
-                  </a:txBody>
-                  <a:tcPr marL="30480" marR="30480" marT="9525" marB="0" anchor="ctr">
-                    <a:solidFill>
-                      <a:schemeClr val="accent3">
-                        <a:lumMod val="20000"/>
-                        <a:lumOff val="80000"/>
-                      </a:schemeClr>
-                    </a:solidFill>
-                  </a:tcPr>
-                </a:tc>
-                <a:tc>
-                  <a:txBody>
-                    <a:bodyPr/>
-                    <a:lstStyle/>
-                    <a:p>
-                      <a:pPr>
-                        <a:lnSpc>
-                          <a:spcPct val="115000"/>
-                        </a:lnSpc>
-                        <a:spcAft>
-                          <a:spcPts val="1000"/>
-                        </a:spcAft>
-                      </a:pPr>
-                      <a:r>
-                        <a:rPr lang="bg-BG" sz="2000" b="0" dirty="0">
-                          <a:effectLst/>
-                          <a:latin typeface="Calibri" panose="020F0502020204030204" pitchFamily="34" charset="0"/>
-                          <a:ea typeface="Calibri" panose="020F0502020204030204" pitchFamily="34" charset="0"/>
-                        </a:rPr>
-                        <a:t>Начало, Новини,                     Документи, Контакти</a:t>
-                      </a:r>
-                      <a:endParaRPr lang="en-BG" sz="2000" b="0" dirty="0">
-                        <a:effectLst/>
-                        <a:latin typeface="Calibri" panose="020F0502020204030204" pitchFamily="34" charset="0"/>
-                        <a:ea typeface="Calibri" panose="020F0502020204030204" pitchFamily="34" charset="0"/>
-                      </a:endParaRPr>
-                    </a:p>
-                  </a:txBody>
-                  <a:tcPr marL="30480" marR="30480" marT="9525" marB="0" anchor="ctr">
-                    <a:solidFill>
-                      <a:schemeClr val="accent3">
-                        <a:lumMod val="20000"/>
-                        <a:lumOff val="80000"/>
-                      </a:schemeClr>
-                    </a:solidFill>
-                  </a:tcPr>
-                </a:tc>
-                <a:extLst>
-                  <a:ext uri="{0D108BD9-81ED-4DB2-BD59-A6C34878D82A}">
-                    <a16:rowId xmlns:a16="http://schemas.microsoft.com/office/drawing/2014/main" val="303656212"/>
-                  </a:ext>
-                </a:extLst>
-              </a:tr>
-              <a:tr h="783766">
-                <a:tc>
-                  <a:txBody>
-                    <a:bodyPr/>
-                    <a:lstStyle/>
-                    <a:p>
-                      <a:pPr marL="0" marR="0" lvl="0" indent="0" algn="ctr" defTabSz="1218438" rtl="0" eaLnBrk="1" fontAlgn="auto" latinLnBrk="1" hangingPunct="1">
-                        <a:lnSpc>
-                          <a:spcPct val="115000"/>
-                        </a:lnSpc>
-                        <a:spcBef>
-                          <a:spcPts val="0"/>
-                        </a:spcBef>
-                        <a:spcAft>
-                          <a:spcPts val="1000"/>
-                        </a:spcAft>
-                        <a:buClrTx/>
-                        <a:buSzTx/>
-                        <a:buFontTx/>
-                        <a:buNone/>
-                        <a:tabLst/>
-                        <a:defRPr/>
-                      </a:pPr>
-                      <a:r>
-                        <a:rPr lang="en-US" sz="2000" dirty="0">
-                          <a:hlinkClick r:id="rId3"/>
-                        </a:rPr>
-                        <a:t>shkolo.bg</a:t>
-                      </a:r>
-                      <a:endParaRPr lang="en-US" sz="2000" dirty="0"/>
-                    </a:p>
-                  </a:txBody>
-                  <a:tcPr marL="30480" marR="30480" marT="9525" marB="0" anchor="ctr">
-                    <a:solidFill>
-                      <a:schemeClr val="tx1">
-                        <a:lumMod val="20000"/>
-                        <a:lumOff val="80000"/>
-                      </a:schemeClr>
-                    </a:solidFill>
-                  </a:tcPr>
-                </a:tc>
-                <a:tc>
-                  <a:txBody>
-                    <a:bodyPr/>
-                    <a:lstStyle/>
-                    <a:p>
-                      <a:pPr algn="l">
-                        <a:lnSpc>
-                          <a:spcPct val="115000"/>
-                        </a:lnSpc>
-                        <a:spcAft>
-                          <a:spcPts val="1000"/>
-                        </a:spcAft>
-                      </a:pPr>
-                      <a:r>
-                        <a:rPr lang="bg-BG" sz="2000" b="0" dirty="0">
-                          <a:effectLst/>
-                        </a:rPr>
-                        <a:t>Осигурява </a:t>
-                      </a:r>
-                      <a:r>
-                        <a:rPr lang="bg-BG" sz="2000" b="1" dirty="0">
-                          <a:effectLst/>
-                        </a:rPr>
-                        <a:t>онлайн достъп </a:t>
-                      </a:r>
-                      <a:r>
-                        <a:rPr lang="bg-BG" sz="2000" b="0" dirty="0">
-                          <a:effectLst/>
-                        </a:rPr>
-                        <a:t>до </a:t>
-                      </a:r>
-                      <a:r>
-                        <a:rPr lang="bg-BG" sz="2000" b="1" dirty="0">
-                          <a:effectLst/>
-                        </a:rPr>
-                        <a:t>оценки</a:t>
-                      </a:r>
-                      <a:r>
-                        <a:rPr lang="bg-BG" sz="2000" b="0" dirty="0">
-                          <a:effectLst/>
-                        </a:rPr>
-                        <a:t>,       </a:t>
-                      </a:r>
-                      <a:r>
-                        <a:rPr lang="bg-BG" sz="2000" b="1" dirty="0">
-                          <a:effectLst/>
-                        </a:rPr>
-                        <a:t>отсъствия</a:t>
-                      </a:r>
-                      <a:r>
-                        <a:rPr lang="bg-BG" sz="2000" b="0" dirty="0">
-                          <a:effectLst/>
-                        </a:rPr>
-                        <a:t> и </a:t>
-                      </a:r>
-                      <a:r>
-                        <a:rPr lang="bg-BG" sz="2000" b="1" dirty="0">
-                          <a:effectLst/>
-                        </a:rPr>
-                        <a:t>съобщения</a:t>
-                      </a:r>
-                      <a:endParaRPr lang="en-BG" sz="2000" b="1" dirty="0">
-                        <a:effectLst/>
-                        <a:latin typeface="Calibri" panose="020F0502020204030204" pitchFamily="34" charset="0"/>
-                        <a:ea typeface="Calibri" panose="020F0502020204030204" pitchFamily="34" charset="0"/>
-                      </a:endParaRPr>
-                    </a:p>
-                  </a:txBody>
-                  <a:tcPr marL="30480" marR="30480" marT="9525" marB="0" anchor="ctr">
-                    <a:solidFill>
-                      <a:schemeClr val="tx1">
-                        <a:lumMod val="20000"/>
-                        <a:lumOff val="80000"/>
-                      </a:schemeClr>
-                    </a:solidFill>
-                  </a:tcPr>
-                </a:tc>
-                <a:tc>
-                  <a:txBody>
-                    <a:bodyPr/>
-                    <a:lstStyle/>
-                    <a:p>
-                      <a:pPr algn="l">
-                        <a:lnSpc>
-                          <a:spcPct val="115000"/>
-                        </a:lnSpc>
-                        <a:spcAft>
-                          <a:spcPts val="1000"/>
-                        </a:spcAft>
-                      </a:pPr>
-                      <a:r>
-                        <a:rPr lang="bg-BG" sz="2000" b="0" dirty="0">
-                          <a:effectLst/>
-                        </a:rPr>
-                        <a:t>Учители, ученици,     родители</a:t>
-                      </a:r>
-                      <a:endParaRPr lang="en-BG" sz="2000" b="0" dirty="0">
-                        <a:effectLst/>
-                        <a:latin typeface="Calibri" panose="020F0502020204030204" pitchFamily="34" charset="0"/>
-                        <a:ea typeface="Calibri" panose="020F0502020204030204" pitchFamily="34" charset="0"/>
-                      </a:endParaRPr>
-                    </a:p>
-                  </a:txBody>
-                  <a:tcPr marL="30480" marR="30480" marT="9525" marB="0" anchor="ctr">
-                    <a:solidFill>
-                      <a:schemeClr val="tx1">
-                        <a:lumMod val="20000"/>
-                        <a:lumOff val="80000"/>
-                      </a:schemeClr>
-                    </a:solidFill>
-                  </a:tcPr>
-                </a:tc>
-                <a:tc>
-                  <a:txBody>
-                    <a:bodyPr/>
-                    <a:lstStyle/>
-                    <a:p>
-                      <a:pPr>
-                        <a:lnSpc>
-                          <a:spcPct val="115000"/>
-                        </a:lnSpc>
-                        <a:spcAft>
-                          <a:spcPts val="1000"/>
-                        </a:spcAft>
-                      </a:pPr>
-                      <a:r>
-                        <a:rPr lang="bg-BG" sz="2000" b="0" dirty="0">
-                          <a:effectLst/>
-                          <a:latin typeface="Calibri" panose="020F0502020204030204" pitchFamily="34" charset="0"/>
-                          <a:ea typeface="Calibri" panose="020F0502020204030204" pitchFamily="34" charset="0"/>
-                        </a:rPr>
-                        <a:t>Вход, Оценки, Разписание, Съобщения</a:t>
-                      </a:r>
-                      <a:endParaRPr lang="en-BG" sz="2000" b="0" dirty="0">
-                        <a:effectLst/>
-                        <a:latin typeface="Calibri" panose="020F0502020204030204" pitchFamily="34" charset="0"/>
-                        <a:ea typeface="Calibri" panose="020F0502020204030204" pitchFamily="34" charset="0"/>
-                      </a:endParaRPr>
-                    </a:p>
-                  </a:txBody>
-                  <a:tcPr marL="30480" marR="30480" marT="9525" marB="0" anchor="ctr">
-                    <a:solidFill>
-                      <a:schemeClr val="tx1">
-                        <a:lumMod val="20000"/>
-                        <a:lumOff val="80000"/>
-                      </a:schemeClr>
-                    </a:solidFill>
-                  </a:tcPr>
-                </a:tc>
-                <a:extLst>
-                  <a:ext uri="{0D108BD9-81ED-4DB2-BD59-A6C34878D82A}">
-                    <a16:rowId xmlns:a16="http://schemas.microsoft.com/office/drawing/2014/main" val="2285780378"/>
-                  </a:ext>
-                </a:extLst>
-              </a:tr>
-              <a:tr h="756134">
-                <a:tc>
-                  <a:txBody>
-                    <a:bodyPr/>
-                    <a:lstStyle/>
-                    <a:p>
-                      <a:pPr marL="0" marR="0" lvl="0" indent="0" algn="ctr" defTabSz="1218438" rtl="0" eaLnBrk="1" fontAlgn="auto" latinLnBrk="1" hangingPunct="1">
-                        <a:lnSpc>
-                          <a:spcPct val="115000"/>
-                        </a:lnSpc>
-                        <a:spcBef>
-                          <a:spcPts val="0"/>
-                        </a:spcBef>
-                        <a:spcAft>
-                          <a:spcPts val="1000"/>
-                        </a:spcAft>
-                        <a:buClrTx/>
-                        <a:buSzTx/>
-                        <a:buFontTx/>
-                        <a:buNone/>
-                        <a:tabLst/>
-                        <a:defRPr/>
-                      </a:pPr>
-                      <a:r>
-                        <a:rPr lang="en-GB" sz="2000" dirty="0">
-                          <a:hlinkClick r:id="rId4"/>
-                        </a:rPr>
-                        <a:t>google.com</a:t>
-                      </a:r>
-                      <a:endParaRPr lang="en-US" sz="2000" dirty="0"/>
-                    </a:p>
-                  </a:txBody>
-                  <a:tcPr marL="30480" marR="30480" marT="9525" marB="0" anchor="ctr">
-                    <a:solidFill>
-                      <a:schemeClr val="accent3">
-                        <a:lumMod val="20000"/>
-                        <a:lumOff val="80000"/>
-                      </a:schemeClr>
-                    </a:solidFill>
-                  </a:tcPr>
-                </a:tc>
-                <a:tc>
-                  <a:txBody>
-                    <a:bodyPr/>
-                    <a:lstStyle/>
-                    <a:p>
-                      <a:pPr algn="l">
-                        <a:lnSpc>
-                          <a:spcPct val="115000"/>
-                        </a:lnSpc>
-                        <a:spcAft>
-                          <a:spcPts val="1000"/>
-                        </a:spcAft>
-                      </a:pPr>
-                      <a:r>
-                        <a:rPr lang="bg-BG" sz="2000" b="0" dirty="0">
-                          <a:effectLst/>
-                          <a:latin typeface="Calibri" panose="020F0502020204030204" pitchFamily="34" charset="0"/>
-                          <a:ea typeface="Calibri" panose="020F0502020204030204" pitchFamily="34" charset="0"/>
-                        </a:rPr>
-                        <a:t>Предоставя </a:t>
-                      </a:r>
-                      <a:r>
-                        <a:rPr lang="bg-BG" sz="2000" b="1" dirty="0">
-                          <a:effectLst/>
-                          <a:latin typeface="Calibri" panose="020F0502020204030204" pitchFamily="34" charset="0"/>
-                          <a:ea typeface="Calibri" panose="020F0502020204030204" pitchFamily="34" charset="0"/>
-                        </a:rPr>
-                        <a:t>търсачка</a:t>
-                      </a:r>
-                      <a:r>
-                        <a:rPr lang="bg-BG" sz="2000" b="0" dirty="0">
-                          <a:effectLst/>
-                          <a:latin typeface="Calibri" panose="020F0502020204030204" pitchFamily="34" charset="0"/>
-                          <a:ea typeface="Calibri" panose="020F0502020204030204" pitchFamily="34" charset="0"/>
-                        </a:rPr>
-                        <a:t> и помага за               </a:t>
-                      </a:r>
-                      <a:r>
-                        <a:rPr lang="bg-BG" sz="2000" b="1" dirty="0">
-                          <a:effectLst/>
-                          <a:latin typeface="Calibri" panose="020F0502020204030204" pitchFamily="34" charset="0"/>
-                          <a:ea typeface="Calibri" panose="020F0502020204030204" pitchFamily="34" charset="0"/>
-                        </a:rPr>
-                        <a:t>намирането</a:t>
-                      </a:r>
-                      <a:r>
-                        <a:rPr lang="bg-BG" sz="2000" b="0" dirty="0">
-                          <a:effectLst/>
-                          <a:latin typeface="Calibri" panose="020F0502020204030204" pitchFamily="34" charset="0"/>
-                          <a:ea typeface="Calibri" panose="020F0502020204030204" pitchFamily="34" charset="0"/>
-                        </a:rPr>
-                        <a:t> на </a:t>
-                      </a:r>
-                      <a:r>
-                        <a:rPr lang="bg-BG" sz="2000" b="1" dirty="0">
-                          <a:effectLst/>
-                          <a:latin typeface="Calibri" panose="020F0502020204030204" pitchFamily="34" charset="0"/>
-                          <a:ea typeface="Calibri" panose="020F0502020204030204" pitchFamily="34" charset="0"/>
-                        </a:rPr>
-                        <a:t>информация</a:t>
-                      </a:r>
-                      <a:endParaRPr lang="en-BG" sz="2000" b="1" dirty="0">
-                        <a:effectLst/>
-                        <a:latin typeface="Calibri" panose="020F0502020204030204" pitchFamily="34" charset="0"/>
-                        <a:ea typeface="Calibri" panose="020F0502020204030204" pitchFamily="34" charset="0"/>
-                      </a:endParaRPr>
-                    </a:p>
-                  </a:txBody>
-                  <a:tcPr marL="30480" marR="30480" marT="9525" marB="0" anchor="ctr">
-                    <a:solidFill>
-                      <a:schemeClr val="accent3">
-                        <a:lumMod val="20000"/>
-                        <a:lumOff val="80000"/>
-                      </a:schemeClr>
-                    </a:solidFill>
-                  </a:tcPr>
-                </a:tc>
-                <a:tc>
-                  <a:txBody>
-                    <a:bodyPr/>
-                    <a:lstStyle/>
-                    <a:p>
-                      <a:pPr algn="l">
-                        <a:lnSpc>
-                          <a:spcPct val="115000"/>
-                        </a:lnSpc>
-                        <a:spcAft>
-                          <a:spcPts val="1000"/>
-                        </a:spcAft>
-                      </a:pPr>
-                      <a:r>
-                        <a:rPr lang="bg-BG" sz="2000" b="0" dirty="0">
-                          <a:effectLst/>
-                        </a:rPr>
-                        <a:t>Всички интернет        потребители</a:t>
-                      </a:r>
-                      <a:endParaRPr lang="en-BG" sz="2000" b="0" dirty="0">
-                        <a:effectLst/>
-                        <a:latin typeface="Calibri" panose="020F0502020204030204" pitchFamily="34" charset="0"/>
-                        <a:ea typeface="Calibri" panose="020F0502020204030204" pitchFamily="34" charset="0"/>
-                      </a:endParaRPr>
-                    </a:p>
-                  </a:txBody>
-                  <a:tcPr marL="30480" marR="30480" marT="9525" marB="0" anchor="ctr">
-                    <a:solidFill>
-                      <a:schemeClr val="accent3">
-                        <a:lumMod val="20000"/>
-                        <a:lumOff val="80000"/>
-                      </a:schemeClr>
-                    </a:solidFill>
-                  </a:tcPr>
-                </a:tc>
-                <a:tc>
-                  <a:txBody>
-                    <a:bodyPr/>
-                    <a:lstStyle/>
-                    <a:p>
-                      <a:pPr>
-                        <a:lnSpc>
-                          <a:spcPct val="115000"/>
-                        </a:lnSpc>
-                        <a:spcAft>
-                          <a:spcPts val="1000"/>
-                        </a:spcAft>
-                      </a:pPr>
-                      <a:r>
-                        <a:rPr lang="bg-BG" sz="2000" b="0" dirty="0">
-                          <a:effectLst/>
-                          <a:latin typeface="Calibri" panose="020F0502020204030204" pitchFamily="34" charset="0"/>
-                          <a:ea typeface="Calibri" panose="020F0502020204030204" pitchFamily="34" charset="0"/>
-                        </a:rPr>
-                        <a:t>Търсене, Изображения,       Карти</a:t>
-                      </a:r>
-                      <a:endParaRPr lang="en-BG" sz="2000" b="0" dirty="0">
-                        <a:effectLst/>
-                        <a:latin typeface="Calibri" panose="020F0502020204030204" pitchFamily="34" charset="0"/>
-                        <a:ea typeface="Calibri" panose="020F0502020204030204" pitchFamily="34" charset="0"/>
-                      </a:endParaRPr>
-                    </a:p>
-                  </a:txBody>
-                  <a:tcPr marL="30480" marR="30480" marT="9525" marB="0" anchor="ctr">
-                    <a:solidFill>
-                      <a:schemeClr val="accent3">
-                        <a:lumMod val="20000"/>
-                        <a:lumOff val="80000"/>
-                      </a:schemeClr>
-                    </a:solidFill>
-                  </a:tcPr>
-                </a:tc>
-                <a:extLst>
-                  <a:ext uri="{0D108BD9-81ED-4DB2-BD59-A6C34878D82A}">
-                    <a16:rowId xmlns:a16="http://schemas.microsoft.com/office/drawing/2014/main" val="2848147020"/>
-                  </a:ext>
-                </a:extLst>
-              </a:tr>
-              <a:tr h="803393">
-                <a:tc>
-                  <a:txBody>
-                    <a:bodyPr/>
-                    <a:lstStyle/>
-                    <a:p>
-                      <a:pPr marL="0" marR="0" lvl="0" indent="0" algn="ctr" defTabSz="1218438" rtl="0" eaLnBrk="1" fontAlgn="auto" latinLnBrk="1" hangingPunct="1">
-                        <a:lnSpc>
-                          <a:spcPct val="115000"/>
-                        </a:lnSpc>
-                        <a:spcBef>
-                          <a:spcPts val="0"/>
-                        </a:spcBef>
-                        <a:spcAft>
-                          <a:spcPts val="1000"/>
-                        </a:spcAft>
-                        <a:buClrTx/>
-                        <a:buSzTx/>
-                        <a:buFontTx/>
-                        <a:buNone/>
-                        <a:tabLst/>
-                        <a:defRPr/>
-                      </a:pPr>
-                      <a:r>
-                        <a:rPr lang="en-US" sz="2000" dirty="0">
-                          <a:hlinkClick r:id="rId5"/>
-                        </a:rPr>
-                        <a:t>chatgpt.com</a:t>
-                      </a:r>
-                      <a:endParaRPr lang="bg-BG" sz="2000" dirty="0"/>
-                    </a:p>
-                  </a:txBody>
-                  <a:tcPr marL="30480" marR="30480" marT="9525" marB="0" anchor="ctr">
-                    <a:solidFill>
-                      <a:schemeClr val="tx1">
-                        <a:lumMod val="20000"/>
-                        <a:lumOff val="80000"/>
-                      </a:schemeClr>
-                    </a:solidFill>
-                  </a:tcPr>
-                </a:tc>
-                <a:tc>
-                  <a:txBody>
-                    <a:bodyPr/>
-                    <a:lstStyle/>
-                    <a:p>
-                      <a:pPr algn="l">
-                        <a:lnSpc>
-                          <a:spcPct val="115000"/>
-                        </a:lnSpc>
-                        <a:spcAft>
-                          <a:spcPts val="1000"/>
-                        </a:spcAft>
-                      </a:pPr>
-                      <a:r>
-                        <a:rPr lang="bg-BG" sz="2000" b="0" dirty="0">
-                          <a:effectLst/>
-                        </a:rPr>
-                        <a:t>Предлага </a:t>
-                      </a:r>
-                      <a:r>
-                        <a:rPr lang="bg-BG" sz="2000" b="1" dirty="0">
-                          <a:effectLst/>
-                        </a:rPr>
-                        <a:t>изкуствен интелект</a:t>
-                      </a:r>
-                      <a:r>
-                        <a:rPr lang="bg-BG" sz="2000" b="0" dirty="0">
-                          <a:effectLst/>
-                        </a:rPr>
-                        <a:t> за </a:t>
-                      </a:r>
-                      <a:r>
-                        <a:rPr lang="bg-BG" sz="2000" b="1" dirty="0">
-                          <a:effectLst/>
-                        </a:rPr>
-                        <a:t>писане</a:t>
-                      </a:r>
-                      <a:r>
-                        <a:rPr lang="bg-BG" sz="2000" b="0" dirty="0">
-                          <a:effectLst/>
-                        </a:rPr>
-                        <a:t>, </a:t>
-                      </a:r>
-                      <a:r>
-                        <a:rPr lang="bg-BG" sz="2000" b="1" dirty="0">
-                          <a:effectLst/>
-                        </a:rPr>
-                        <a:t>помощ</a:t>
-                      </a:r>
-                      <a:r>
-                        <a:rPr lang="bg-BG" sz="2000" b="0" dirty="0">
-                          <a:effectLst/>
-                        </a:rPr>
-                        <a:t> и </a:t>
-                      </a:r>
-                      <a:r>
-                        <a:rPr lang="bg-BG" sz="2000" b="1" dirty="0">
-                          <a:effectLst/>
-                        </a:rPr>
-                        <a:t>обучение</a:t>
-                      </a:r>
-                      <a:endParaRPr lang="en-BG" sz="2000" b="1" dirty="0">
-                        <a:effectLst/>
-                        <a:latin typeface="Calibri" panose="020F0502020204030204" pitchFamily="34" charset="0"/>
-                        <a:ea typeface="Calibri" panose="020F0502020204030204" pitchFamily="34" charset="0"/>
-                      </a:endParaRPr>
-                    </a:p>
-                  </a:txBody>
-                  <a:tcPr marL="30480" marR="30480" marT="9525" marB="0" anchor="ctr">
-                    <a:solidFill>
-                      <a:schemeClr val="tx1">
-                        <a:lumMod val="20000"/>
-                        <a:lumOff val="80000"/>
-                      </a:schemeClr>
-                    </a:solidFill>
-                  </a:tcPr>
-                </a:tc>
-                <a:tc>
-                  <a:txBody>
-                    <a:bodyPr/>
-                    <a:lstStyle/>
-                    <a:p>
-                      <a:pPr algn="l">
-                        <a:lnSpc>
-                          <a:spcPct val="115000"/>
-                        </a:lnSpc>
-                        <a:spcAft>
-                          <a:spcPts val="1000"/>
-                        </a:spcAft>
-                      </a:pPr>
-                      <a:r>
-                        <a:rPr lang="bg-BG" sz="2000" b="0" dirty="0">
-                          <a:effectLst/>
-                          <a:latin typeface="Calibri" panose="020F0502020204030204" pitchFamily="34" charset="0"/>
-                          <a:ea typeface="Calibri" panose="020F0502020204030204" pitchFamily="34" charset="0"/>
-                        </a:rPr>
-                        <a:t>Ученици, професио- налисти, любители    на технологиите</a:t>
-                      </a:r>
-                      <a:endParaRPr lang="en-BG" sz="2000" b="0" dirty="0">
-                        <a:effectLst/>
-                        <a:latin typeface="Calibri" panose="020F0502020204030204" pitchFamily="34" charset="0"/>
-                        <a:ea typeface="Calibri" panose="020F0502020204030204" pitchFamily="34" charset="0"/>
-                      </a:endParaRPr>
-                    </a:p>
-                  </a:txBody>
-                  <a:tcPr marL="30480" marR="30480" marT="9525" marB="0" anchor="ctr">
-                    <a:solidFill>
-                      <a:schemeClr val="tx1">
-                        <a:lumMod val="20000"/>
-                        <a:lumOff val="80000"/>
-                      </a:schemeClr>
-                    </a:solidFill>
-                  </a:tcPr>
-                </a:tc>
-                <a:tc>
-                  <a:txBody>
-                    <a:bodyPr/>
-                    <a:lstStyle/>
-                    <a:p>
-                      <a:pPr>
-                        <a:lnSpc>
-                          <a:spcPct val="115000"/>
-                        </a:lnSpc>
-                        <a:spcAft>
-                          <a:spcPts val="1000"/>
-                        </a:spcAft>
-                      </a:pPr>
-                      <a:r>
-                        <a:rPr lang="bg-BG" sz="2000" b="0" dirty="0">
-                          <a:effectLst/>
-                          <a:latin typeface="Calibri" panose="020F0502020204030204" pitchFamily="34" charset="0"/>
-                          <a:ea typeface="Calibri" panose="020F0502020204030204" pitchFamily="34" charset="0"/>
-                        </a:rPr>
-                        <a:t>Начало, Нов чат, История,   Настройки</a:t>
-                      </a:r>
-                      <a:endParaRPr lang="en-BG" sz="2000" b="0" dirty="0">
-                        <a:effectLst/>
-                        <a:latin typeface="Calibri" panose="020F0502020204030204" pitchFamily="34" charset="0"/>
-                        <a:ea typeface="Calibri" panose="020F0502020204030204" pitchFamily="34" charset="0"/>
-                      </a:endParaRPr>
-                    </a:p>
-                  </a:txBody>
-                  <a:tcPr marL="30480" marR="30480" marT="9525" marB="0" anchor="ctr">
-                    <a:solidFill>
-                      <a:schemeClr val="tx1">
-                        <a:lumMod val="20000"/>
-                        <a:lumOff val="80000"/>
-                      </a:schemeClr>
-                    </a:solidFill>
-                  </a:tcPr>
-                </a:tc>
-                <a:extLst>
-                  <a:ext uri="{0D108BD9-81ED-4DB2-BD59-A6C34878D82A}">
-                    <a16:rowId xmlns:a16="http://schemas.microsoft.com/office/drawing/2014/main" val="1210854640"/>
-                  </a:ext>
-                </a:extLst>
-              </a:tr>
-            </a:tbl>
-          </a:graphicData>
-        </a:graphic>
-      </p:graphicFrame>
-    </p:spTree>
-    <p:extLst>
-      <p:ext uri="{BB962C8B-B14F-4D97-AF65-F5344CB8AC3E}">
-        <p14:creationId xmlns:p14="http://schemas.microsoft.com/office/powerpoint/2010/main" val="3102852005"/>
-      </p:ext>
-    </p:extLst>
-  </p:cSld>
-  <p:clrMapOvr>
-    <a:masterClrMapping/>
-  </p:clrMapOvr>
-  <mc:AlternateContent xmlns:mc="http://schemas.openxmlformats.org/markup-compatibility/2006" xmlns:p14="http://schemas.microsoft.com/office/powerpoint/2010/main">
-    <mc:Choice Requires="p14">
-      <p:transition spd="slow" p14:dur="2000" advClick="0" advTm="5000"/>
-    </mc:Choice>
-    <mc:Fallback xmlns="">
-      <p:transition spd="slow" advClick="0" advTm="5000"/>
-    </mc:Fallback>
-  </mc:AlternateContent>
-  <p:timing>
-    <p:tnLst>
-      <p:par>
-        <p:cTn id="1" dur="indefinite" restart="never" nodeType="tmRoot">
-          <p:childTnLst>
-            <p:seq concurrent="1" nextAc="seek">
-              <p:cTn id="2" dur="indefinite" nodeType="mainSeq">
-                <p:childTnLst>
-                  <p:par>
-                    <p:cTn id="3" fill="hold">
-                      <p:stCondLst>
-                        <p:cond delay="indefinite"/>
-                      </p:stCondLst>
-                      <p:childTnLst>
-                        <p:par>
-                          <p:cTn id="4" fill="hold">
-                            <p:stCondLst>
-                              <p:cond delay="0"/>
-                            </p:stCondLst>
-                            <p:childTnLst>
-                              <p:par>
-                                <p:cTn id="5" presetID="1" presetClass="entr" presetSubtype="0" fill="hold" nodeType="clickEffect">
-                                  <p:stCondLst>
-                                    <p:cond delay="0"/>
-                                  </p:stCondLst>
-                                  <p:childTnLst>
-                                    <p:set>
-                                      <p:cBhvr>
-                                        <p:cTn id="6" dur="1" fill="hold">
-                                          <p:stCondLst>
-                                            <p:cond delay="0"/>
-                                          </p:stCondLst>
-                                        </p:cTn>
-                                        <p:tgtEl>
-                                          <p:spTgt spid="7"/>
-                                        </p:tgtEl>
-                                        <p:attrNameLst>
-                                          <p:attrName>style.visibility</p:attrName>
-                                        </p:attrNameLst>
-                                      </p:cBhvr>
-                                      <p:to>
-                                        <p:strVal val="visible"/>
-                                      </p:to>
-                                    </p:set>
-                                  </p:childTnLst>
-                                </p:cTn>
-                              </p:par>
-                            </p:childTnLst>
-                          </p:cTn>
-                        </p:par>
-                      </p:childTnLst>
-                    </p:cTn>
-                  </p:par>
-                </p:childTnLst>
-              </p:cTn>
-              <p:prevCondLst>
-                <p:cond evt="onPrev" delay="0">
-                  <p:tgtEl>
-                    <p:sldTgt/>
-                  </p:tgtEl>
-                </p:cond>
-              </p:prevCondLst>
-              <p:nextCondLst>
-                <p:cond evt="onNext" delay="0">
-                  <p:tgtEl>
-                    <p:sldTgt/>
-                  </p:tgtEl>
-                </p:cond>
-              </p:nextCondLst>
-            </p:seq>
-          </p:childTnLst>
-        </p:cTn>
-      </p:par>
-    </p:tnLst>
+    <p:bldLst>
+      <p:bldP spid="3" grpId="0"/>
+      <p:bldP spid="4" grpId="0"/>
+      <p:bldP spid="8" grpId="0"/>
+      <p:bldP spid="9" grpId="0"/>
+    </p:bldLst>
   </p:timing>
 </p:sld>
 </file>
@@ -34138,7 +35470,35 @@
             </a:r>
             <a:r>
               <a:rPr lang="bg-BG" dirty="0"/>
-              <a:t>личен блог, презентация на фирма и др.</a:t>
+              <a:t>блог (</a:t>
+            </a:r>
+            <a:r>
+              <a:rPr lang="en-GB" dirty="0">
+                <a:hlinkClick r:id="rId2"/>
+              </a:rPr>
+              <a:t>w3.org/blog</a:t>
+            </a:r>
+            <a:r>
+              <a:rPr lang="bg-BG" dirty="0"/>
+              <a:t>), презентация на фирма </a:t>
+            </a:r>
+            <a:r>
+              <a:rPr lang="en-US" dirty="0"/>
+              <a:t>(</a:t>
+            </a:r>
+            <a:r>
+              <a:rPr lang="en-US" dirty="0">
+                <a:hlinkClick r:id="rId3"/>
+              </a:rPr>
+              <a:t>about.google</a:t>
+            </a:r>
+            <a:r>
+              <a:rPr lang="en-US" dirty="0"/>
+              <a:t>)</a:t>
+            </a:r>
+            <a:r>
+              <a:rPr lang="bg-BG" dirty="0"/>
+              <a:t> и др.</a:t>
             </a:r>
           </a:p>
         </p:txBody>
@@ -34193,7 +35553,7 @@
           <p:nvPr/>
         </p:nvPicPr>
         <p:blipFill rotWithShape="1">
-          <a:blip r:embed="rId3">
+          <a:blip r:embed="rId4">
             <a:extLst>
               <a:ext uri="{28A0092B-C50C-407E-A947-70E740481C1C}">
                 <a14:useLocalDpi xmlns:a14="http://schemas.microsoft.com/office/drawing/2010/main" val="0"/>
@@ -34408,11 +35768,6 @@
       </p:par>
     </p:tnLst>
   </p:timing>
-  <p:extLst>
-    <p:ext uri="{6950BFC3-D8DA-4A85-94F7-54DA5524770B}">
-      <p188:commentRel xmlns:p188="http://schemas.microsoft.com/office/powerpoint/2018/8/main" r:id="rId2"/>
-    </p:ext>
-  </p:extLst>
 </p:sld>
 </file>
 
@@ -34487,7 +35842,7 @@
         </p:spPr>
         <p:txBody>
           <a:bodyPr>
-            <a:normAutofit/>
+            <a:normAutofit lnSpcReduction="10000"/>
           </a:bodyPr>
           <a:lstStyle/>
           <a:p>
@@ -34570,7 +35925,43 @@
             </a:r>
             <a:r>
               <a:rPr lang="bg-BG" dirty="0"/>
-              <a:t>новинарски уеб сайт, социална мрежа и др.</a:t>
+              <a:t>новинарски уеб сайт</a:t>
+            </a:r>
+            <a:r>
+              <a:rPr lang="en-US" dirty="0"/>
+              <a:t> (</a:t>
+            </a:r>
+            <a:r>
+              <a:rPr lang="en-US" dirty="0">
+                <a:hlinkClick r:id="rId2"/>
+              </a:rPr>
+              <a:t>euronews.com</a:t>
+            </a:r>
+            <a:r>
+              <a:rPr lang="en-US" dirty="0"/>
+              <a:t>)</a:t>
+            </a:r>
+            <a:r>
+              <a:rPr lang="bg-BG" dirty="0"/>
+              <a:t>, социална мрежа</a:t>
+            </a:r>
+            <a:r>
+              <a:rPr lang="en-US" dirty="0"/>
+              <a:t> (</a:t>
+            </a:r>
+            <a:r>
+              <a:rPr lang="en-US" dirty="0">
+                <a:hlinkClick r:id="rId3"/>
+              </a:rPr>
+              <a:t>reddit.com</a:t>
+            </a:r>
+            <a:r>
+              <a:rPr lang="en-US" dirty="0"/>
+              <a:t>)</a:t>
+            </a:r>
+            <a:r>
+              <a:rPr lang="bg-BG" dirty="0"/>
+              <a:t> и др.</a:t>
             </a:r>
           </a:p>
         </p:txBody>
@@ -34625,7 +36016,7 @@
           <p:nvPr/>
         </p:nvPicPr>
         <p:blipFill rotWithShape="1">
-          <a:blip r:embed="rId3">
+          <a:blip r:embed="rId4">
             <a:extLst>
               <a:ext uri="{28A0092B-C50C-407E-A947-70E740481C1C}">
                 <a14:useLocalDpi xmlns:a14="http://schemas.microsoft.com/office/drawing/2010/main" val="0"/>
@@ -34840,11 +36231,6 @@
       </p:par>
     </p:tnLst>
   </p:timing>
-  <p:extLst>
-    <p:ext uri="{6950BFC3-D8DA-4A85-94F7-54DA5524770B}">
-      <p188:commentRel xmlns:p188="http://schemas.microsoft.com/office/powerpoint/2018/8/main" r:id="rId2"/>
-    </p:ext>
-  </p:extLst>
 </p:sld>
 </file>
 
@@ -34945,7 +36331,7 @@
         <p:spPr/>
         <p:txBody>
           <a:bodyPr>
-            <a:normAutofit/>
+            <a:normAutofit fontScale="92500" lnSpcReduction="10000"/>
           </a:bodyPr>
           <a:lstStyle/>
           <a:p>
@@ -34988,6 +36374,19 @@
               <a:rPr lang="en-US" sz="3400" dirty="0"/>
               <a:t>)</a:t>
             </a:r>
+          </a:p>
+          <a:p>
+            <a:pPr lvl="1"/>
+            <a:r>
+              <a:rPr lang="bg-BG" sz="3400" dirty="0"/>
+              <a:t>Пример: </a:t>
+            </a:r>
+            <a:r>
+              <a:rPr lang="en-GB" sz="3400" dirty="0">
+                <a:hlinkClick r:id="rId2"/>
+              </a:rPr>
+              <a:t>nasa.gov/news</a:t>
+            </a:r>
             <a:endParaRPr lang="bg-BG" sz="3400" dirty="0"/>
           </a:p>
           <a:p>
@@ -35028,6 +36427,20 @@
             </a:r>
           </a:p>
           <a:p>
+            <a:pPr lvl="1"/>
+            <a:r>
+              <a:rPr lang="bg-BG" sz="3400" dirty="0"/>
+              <a:t>Пример: </a:t>
+            </a:r>
+            <a:r>
+              <a:rPr lang="en-GB" sz="3400" dirty="0">
+                <a:hlinkClick r:id="rId3"/>
+              </a:rPr>
+              <a:t>who.int</a:t>
+            </a:r>
+            <a:endParaRPr lang="bg-BG" sz="3400" dirty="0"/>
+          </a:p>
+          <a:p>
             <a:r>
               <a:rPr lang="bg-BG" sz="3600" b="1" dirty="0">
                 <a:solidFill>
@@ -35063,6 +36476,20 @@
               <a:rPr lang="bg-BG" sz="3400" b="1" dirty="0"/>
               <a:t>ресурси</a:t>
             </a:r>
+          </a:p>
+          <a:p>
+            <a:pPr lvl="1"/>
+            <a:r>
+              <a:rPr lang="bg-BG" sz="3400" dirty="0"/>
+              <a:t>Пример: </a:t>
+            </a:r>
+            <a:r>
+              <a:rPr lang="en-GB" sz="3400" dirty="0">
+                <a:hlinkClick r:id="rId4"/>
+              </a:rPr>
+              <a:t>khanacademy.org</a:t>
+            </a:r>
+            <a:endParaRPr lang="bg-BG" sz="3400" dirty="0"/>
           </a:p>
         </p:txBody>
       </p:sp>
@@ -35337,6 +36764,153 @@
                       </p:childTnLst>
                     </p:cTn>
                   </p:par>
+                  <p:par>
+                    <p:cTn id="23" fill="hold">
+                      <p:stCondLst>
+                        <p:cond delay="indefinite"/>
+                      </p:stCondLst>
+                      <p:childTnLst>
+                        <p:par>
+                          <p:cTn id="24" fill="hold">
+                            <p:stCondLst>
+                              <p:cond delay="0"/>
+                            </p:stCondLst>
+                            <p:childTnLst>
+                              <p:par>
+                                <p:cTn id="25" presetID="1" presetClass="entr" presetSubtype="0" fill="hold" nodeType="clickEffect">
+                                  <p:stCondLst>
+                                    <p:cond delay="0"/>
+                                  </p:stCondLst>
+                                  <p:childTnLst>
+                                    <p:set>
+                                      <p:cBhvr>
+                                        <p:cTn id="26" dur="1" fill="hold">
+                                          <p:stCondLst>
+                                            <p:cond delay="0"/>
+                                          </p:stCondLst>
+                                        </p:cTn>
+                                        <p:tgtEl>
+                                          <p:spTgt spid="7">
+                                            <p:txEl>
+                                              <p:pRg st="6" end="6"/>
+                                            </p:txEl>
+                                          </p:spTgt>
+                                        </p:tgtEl>
+                                        <p:attrNameLst>
+                                          <p:attrName>style.visibility</p:attrName>
+                                        </p:attrNameLst>
+                                      </p:cBhvr>
+                                      <p:to>
+                                        <p:strVal val="visible"/>
+                                      </p:to>
+                                    </p:set>
+                                  </p:childTnLst>
+                                </p:cTn>
+                              </p:par>
+                            </p:childTnLst>
+                          </p:cTn>
+                        </p:par>
+                      </p:childTnLst>
+                    </p:cTn>
+                  </p:par>
+                  <p:par>
+                    <p:cTn id="27" fill="hold">
+                      <p:stCondLst>
+                        <p:cond delay="indefinite"/>
+                      </p:stCondLst>
+                      <p:childTnLst>
+                        <p:par>
+                          <p:cTn id="28" fill="hold">
+                            <p:stCondLst>
+                              <p:cond delay="0"/>
+                            </p:stCondLst>
+                            <p:childTnLst>
+                              <p:par>
+                                <p:cTn id="29" presetID="1" presetClass="entr" presetSubtype="0" fill="hold" nodeType="clickEffect">
+                                  <p:stCondLst>
+                                    <p:cond delay="0"/>
+                                  </p:stCondLst>
+                                  <p:childTnLst>
+                                    <p:set>
+                                      <p:cBhvr>
+                                        <p:cTn id="30" dur="1" fill="hold">
+                                          <p:stCondLst>
+                                            <p:cond delay="0"/>
+                                          </p:stCondLst>
+                                        </p:cTn>
+                                        <p:tgtEl>
+                                          <p:spTgt spid="7">
+                                            <p:txEl>
+                                              <p:pRg st="7" end="7"/>
+                                            </p:txEl>
+                                          </p:spTgt>
+                                        </p:tgtEl>
+                                        <p:attrNameLst>
+                                          <p:attrName>style.visibility</p:attrName>
+                                        </p:attrNameLst>
+                                      </p:cBhvr>
+                                      <p:to>
+                                        <p:strVal val="visible"/>
+                                      </p:to>
+                                    </p:set>
+                                  </p:childTnLst>
+                                </p:cTn>
+                              </p:par>
+                            </p:childTnLst>
+                          </p:cTn>
+                        </p:par>
+                      </p:childTnLst>
+                    </p:cTn>
+                  </p:par>
+                  <p:par>
+                    <p:cTn id="31" fill="hold">
+                      <p:stCondLst>
+                        <p:cond delay="indefinite"/>
+                      </p:stCondLst>
+                      <p:childTnLst>
+                        <p:par>
+                          <p:cTn id="32" fill="hold">
+                            <p:stCondLst>
+                              <p:cond delay="0"/>
+                            </p:stCondLst>
+                            <p:childTnLst>
+                              <p:par>
+                                <p:cTn id="33" presetID="1" presetClass="entr" presetSubtype="0" fill="hold" nodeType="clickEffect">
+                                  <p:stCondLst>
+                                    <p:cond delay="0"/>
+                                  </p:stCondLst>
+                                  <p:childTnLst>
+                                    <p:set>
+                                      <p:cBhvr>
+                                        <p:cTn id="34" dur="1" fill="hold">
+                                          <p:stCondLst>
+                                            <p:cond delay="0"/>
+                                          </p:stCondLst>
+                                        </p:cTn>
+                                        <p:tgtEl>
+                                          <p:spTgt spid="7">
+                                            <p:txEl>
+                                              <p:pRg st="8" end="8"/>
+                                            </p:txEl>
+                                          </p:spTgt>
+                                        </p:tgtEl>
+                                        <p:attrNameLst>
+                                          <p:attrName>style.visibility</p:attrName>
+                                        </p:attrNameLst>
+                                      </p:cBhvr>
+                                      <p:to>
+                                        <p:strVal val="visible"/>
+                                      </p:to>
+                                    </p:set>
+                                  </p:childTnLst>
+                                </p:cTn>
+                              </p:par>
+                            </p:childTnLst>
+                          </p:cTn>
+                        </p:par>
+                      </p:childTnLst>
+                    </p:cTn>
+                  </p:par>
                 </p:childTnLst>
               </p:cTn>
               <p:prevCondLst>
@@ -35359,11 +36933,6 @@
       </p:par>
     </p:tnLst>
   </p:timing>
-  <p:extLst>
-    <p:ext uri="{6950BFC3-D8DA-4A85-94F7-54DA5524770B}">
-      <p188:commentRel xmlns:p188="http://schemas.microsoft.com/office/powerpoint/2018/8/main" r:id="rId2"/>
-    </p:ext>
-  </p:extLst>
 </p:sld>
 </file>
 
@@ -35468,7 +37037,7 @@
         <p:spPr/>
         <p:txBody>
           <a:bodyPr>
-            <a:normAutofit/>
+            <a:normAutofit fontScale="92500" lnSpcReduction="10000"/>
           </a:bodyPr>
           <a:lstStyle/>
           <a:p>
@@ -35510,6 +37079,20 @@
             </a:r>
           </a:p>
           <a:p>
+            <a:pPr lvl="1"/>
+            <a:r>
+              <a:rPr lang="bg-BG" sz="3400" dirty="0"/>
+              <a:t>Пример: </a:t>
+            </a:r>
+            <a:r>
+              <a:rPr lang="en-GB" sz="3400" dirty="0">
+                <a:hlinkClick r:id="rId2"/>
+              </a:rPr>
+              <a:t>britishmuseumshoponline.org</a:t>
+            </a:r>
+            <a:endParaRPr lang="bg-BG" sz="3400" dirty="0"/>
+          </a:p>
+          <a:p>
             <a:r>
               <a:rPr lang="bg-BG" sz="3600" b="1" dirty="0">
                 <a:solidFill>
@@ -35547,6 +37130,20 @@
             </a:r>
           </a:p>
           <a:p>
+            <a:pPr lvl="1"/>
+            <a:r>
+              <a:rPr lang="bg-BG" sz="3400" dirty="0"/>
+              <a:t>Пример: </a:t>
+            </a:r>
+            <a:r>
+              <a:rPr lang="en-GB" sz="3400" dirty="0">
+                <a:hlinkClick r:id="rId3"/>
+              </a:rPr>
+              <a:t>hacks.mozilla.org</a:t>
+            </a:r>
+            <a:endParaRPr lang="bg-BG" sz="3400" b="1" dirty="0"/>
+          </a:p>
+          <a:p>
             <a:r>
               <a:rPr lang="bg-BG" sz="3600" b="1" dirty="0">
                 <a:solidFill>
@@ -35574,6 +37171,20 @@
               <a:rPr lang="bg-BG" sz="3400" b="1" dirty="0"/>
               <a:t>умения</a:t>
             </a:r>
+          </a:p>
+          <a:p>
+            <a:pPr lvl="1"/>
+            <a:r>
+              <a:rPr lang="bg-BG" sz="3400" dirty="0"/>
+              <a:t>Пример: </a:t>
+            </a:r>
+            <a:r>
+              <a:rPr lang="en-GB" sz="3400" dirty="0">
+                <a:hlinkClick r:id="rId4"/>
+              </a:rPr>
+              <a:t>behance.net</a:t>
+            </a:r>
+            <a:endParaRPr lang="bg-BG" sz="3400" b="1" dirty="0"/>
           </a:p>
           <a:p>
             <a:pPr marL="442912" lvl="1" indent="0">
@@ -35834,6 +37445,153 @@
                                           <p:spTgt spid="7">
                                             <p:txEl>
                                               <p:pRg st="5" end="5"/>
+                                            </p:txEl>
+                                          </p:spTgt>
+                                        </p:tgtEl>
+                                        <p:attrNameLst>
+                                          <p:attrName>style.visibility</p:attrName>
+                                        </p:attrNameLst>
+                                      </p:cBhvr>
+                                      <p:to>
+                                        <p:strVal val="visible"/>
+                                      </p:to>
+                                    </p:set>
+                                  </p:childTnLst>
+                                </p:cTn>
+                              </p:par>
+                            </p:childTnLst>
+                          </p:cTn>
+                        </p:par>
+                      </p:childTnLst>
+                    </p:cTn>
+                  </p:par>
+                  <p:par>
+                    <p:cTn id="23" fill="hold">
+                      <p:stCondLst>
+                        <p:cond delay="indefinite"/>
+                      </p:stCondLst>
+                      <p:childTnLst>
+                        <p:par>
+                          <p:cTn id="24" fill="hold">
+                            <p:stCondLst>
+                              <p:cond delay="0"/>
+                            </p:stCondLst>
+                            <p:childTnLst>
+                              <p:par>
+                                <p:cTn id="25" presetID="1" presetClass="entr" presetSubtype="0" fill="hold" nodeType="clickEffect">
+                                  <p:stCondLst>
+                                    <p:cond delay="0"/>
+                                  </p:stCondLst>
+                                  <p:childTnLst>
+                                    <p:set>
+                                      <p:cBhvr>
+                                        <p:cTn id="26" dur="1" fill="hold">
+                                          <p:stCondLst>
+                                            <p:cond delay="0"/>
+                                          </p:stCondLst>
+                                        </p:cTn>
+                                        <p:tgtEl>
+                                          <p:spTgt spid="7">
+                                            <p:txEl>
+                                              <p:pRg st="6" end="6"/>
+                                            </p:txEl>
+                                          </p:spTgt>
+                                        </p:tgtEl>
+                                        <p:attrNameLst>
+                                          <p:attrName>style.visibility</p:attrName>
+                                        </p:attrNameLst>
+                                      </p:cBhvr>
+                                      <p:to>
+                                        <p:strVal val="visible"/>
+                                      </p:to>
+                                    </p:set>
+                                  </p:childTnLst>
+                                </p:cTn>
+                              </p:par>
+                            </p:childTnLst>
+                          </p:cTn>
+                        </p:par>
+                      </p:childTnLst>
+                    </p:cTn>
+                  </p:par>
+                  <p:par>
+                    <p:cTn id="27" fill="hold">
+                      <p:stCondLst>
+                        <p:cond delay="indefinite"/>
+                      </p:stCondLst>
+                      <p:childTnLst>
+                        <p:par>
+                          <p:cTn id="28" fill="hold">
+                            <p:stCondLst>
+                              <p:cond delay="0"/>
+                            </p:stCondLst>
+                            <p:childTnLst>
+                              <p:par>
+                                <p:cTn id="29" presetID="1" presetClass="entr" presetSubtype="0" fill="hold" nodeType="clickEffect">
+                                  <p:stCondLst>
+                                    <p:cond delay="0"/>
+                                  </p:stCondLst>
+                                  <p:childTnLst>
+                                    <p:set>
+                                      <p:cBhvr>
+                                        <p:cTn id="30" dur="1" fill="hold">
+                                          <p:stCondLst>
+                                            <p:cond delay="0"/>
+                                          </p:stCondLst>
+                                        </p:cTn>
+                                        <p:tgtEl>
+                                          <p:spTgt spid="7">
+                                            <p:txEl>
+                                              <p:pRg st="7" end="7"/>
+                                            </p:txEl>
+                                          </p:spTgt>
+                                        </p:tgtEl>
+                                        <p:attrNameLst>
+                                          <p:attrName>style.visibility</p:attrName>
+                                        </p:attrNameLst>
+                                      </p:cBhvr>
+                                      <p:to>
+                                        <p:strVal val="visible"/>
+                                      </p:to>
+                                    </p:set>
+                                  </p:childTnLst>
+                                </p:cTn>
+                              </p:par>
+                            </p:childTnLst>
+                          </p:cTn>
+                        </p:par>
+                      </p:childTnLst>
+                    </p:cTn>
+                  </p:par>
+                  <p:par>
+                    <p:cTn id="31" fill="hold">
+                      <p:stCondLst>
+                        <p:cond delay="indefinite"/>
+                      </p:stCondLst>
+                      <p:childTnLst>
+                        <p:par>
+                          <p:cTn id="32" fill="hold">
+                            <p:stCondLst>
+                              <p:cond delay="0"/>
+                            </p:stCondLst>
+                            <p:childTnLst>
+                              <p:par>
+                                <p:cTn id="33" presetID="1" presetClass="entr" presetSubtype="0" fill="hold" nodeType="clickEffect">
+                                  <p:stCondLst>
+                                    <p:cond delay="0"/>
+                                  </p:stCondLst>
+                                  <p:childTnLst>
+                                    <p:set>
+                                      <p:cBhvr>
+                                        <p:cTn id="34" dur="1" fill="hold">
+                                          <p:stCondLst>
+                                            <p:cond delay="0"/>
+                                          </p:stCondLst>
+                                        </p:cTn>
+                                        <p:tgtEl>
+                                          <p:spTgt spid="7">
+                                            <p:txEl>
+                                              <p:pRg st="8" end="8"/>
                                             </p:txEl>
                                           </p:spTgt>
                                         </p:tgtEl>
